--- a/App Dev Project.pptx
+++ b/App Dev Project.pptx
@@ -1,48 +1,48 @@
 
 <file path=ppt/presentation.xml><?xml version="1.0" encoding="utf-8"?>
-<p:presentation xmlns:a="http://schemas.openxmlformats.org/drawingml/2006/main" xmlns:r="http://schemas.openxmlformats.org/officeDocument/2006/relationships" xmlns:mc="http://schemas.openxmlformats.org/markup-compatibility/2006" xmlns:mv="urn:schemas-microsoft-com:mac:vml" xmlns:p="http://schemas.openxmlformats.org/presentationml/2006/main" xmlns:c="http://schemas.openxmlformats.org/drawingml/2006/chart" xmlns:dgm="http://schemas.openxmlformats.org/drawingml/2006/diagram" xmlns:o="urn:schemas-microsoft-com:office:office" xmlns:v="urn:schemas-microsoft-com:vml" xmlns:pvml="urn:schemas-microsoft-com:office:powerpoint" xmlns:com="http://schemas.openxmlformats.org/drawingml/2006/compatibility" xmlns:p14="http://schemas.microsoft.com/office/powerpoint/2010/main" xmlns:p15="http://schemas.microsoft.com/office/powerpoint/2012/main" xmlns:ahyp="http://schemas.microsoft.com/office/drawing/2018/hyperlinkcolor" autoCompressPictures="0" embedTrueTypeFonts="1" strictFirstAndLastChars="0" saveSubsetFonts="1">
+<p:presentation xmlns:a="http://schemas.openxmlformats.org/drawingml/2006/main" xmlns:r="http://schemas.openxmlformats.org/officeDocument/2006/relationships" xmlns:p="http://schemas.openxmlformats.org/presentationml/2006/main" strictFirstAndLastChars="0" embedTrueTypeFonts="1" saveSubsetFonts="1" autoCompressPictures="0">
   <p:sldMasterIdLst>
-    <p:sldMasterId id="2147483659" r:id="rId4"/>
+    <p:sldMasterId id="2147483659" r:id="rId1"/>
   </p:sldMasterIdLst>
   <p:notesMasterIdLst>
-    <p:notesMasterId r:id="rId5"/>
+    <p:notesMasterId r:id="rId16"/>
   </p:notesMasterIdLst>
   <p:sldIdLst>
-    <p:sldId id="256" r:id="rId6"/>
-    <p:sldId id="257" r:id="rId7"/>
-    <p:sldId id="258" r:id="rId8"/>
-    <p:sldId id="259" r:id="rId9"/>
-    <p:sldId id="260" r:id="rId10"/>
-    <p:sldId id="261" r:id="rId11"/>
-    <p:sldId id="262" r:id="rId12"/>
-    <p:sldId id="263" r:id="rId13"/>
-    <p:sldId id="264" r:id="rId14"/>
-    <p:sldId id="265" r:id="rId15"/>
-    <p:sldId id="266" r:id="rId16"/>
-    <p:sldId id="267" r:id="rId17"/>
-    <p:sldId id="268" r:id="rId18"/>
-    <p:sldId id="269" r:id="rId19"/>
+    <p:sldId id="256" r:id="rId2"/>
+    <p:sldId id="257" r:id="rId3"/>
+    <p:sldId id="258" r:id="rId4"/>
+    <p:sldId id="259" r:id="rId5"/>
+    <p:sldId id="260" r:id="rId6"/>
+    <p:sldId id="261" r:id="rId7"/>
+    <p:sldId id="262" r:id="rId8"/>
+    <p:sldId id="263" r:id="rId9"/>
+    <p:sldId id="264" r:id="rId10"/>
+    <p:sldId id="265" r:id="rId11"/>
+    <p:sldId id="266" r:id="rId12"/>
+    <p:sldId id="267" r:id="rId13"/>
+    <p:sldId id="268" r:id="rId14"/>
+    <p:sldId id="269" r:id="rId15"/>
   </p:sldIdLst>
-  <p:sldSz cy="5143500" cx="9144000"/>
+  <p:sldSz cx="9144000" cy="5143500" type="screen16x9"/>
   <p:notesSz cx="6858000" cy="9144000"/>
   <p:embeddedFontLst>
     <p:embeddedFont>
-      <p:font typeface="Montserrat"/>
-      <p:regular r:id="rId20"/>
-      <p:bold r:id="rId21"/>
-      <p:italic r:id="rId22"/>
-      <p:boldItalic r:id="rId23"/>
+      <p:font typeface="Lato" panose="020F0502020204030203" pitchFamily="34" charset="0"/>
+      <p:regular r:id="rId17"/>
+      <p:bold r:id="rId18"/>
+      <p:italic r:id="rId19"/>
+      <p:boldItalic r:id="rId20"/>
     </p:embeddedFont>
     <p:embeddedFont>
-      <p:font typeface="Lato"/>
-      <p:regular r:id="rId24"/>
-      <p:bold r:id="rId25"/>
-      <p:italic r:id="rId26"/>
-      <p:boldItalic r:id="rId27"/>
+      <p:font typeface="Montserrat" panose="00000500000000000000" pitchFamily="2" charset="0"/>
+      <p:regular r:id="rId21"/>
+      <p:bold r:id="rId22"/>
+      <p:italic r:id="rId23"/>
+      <p:boldItalic r:id="rId24"/>
     </p:embeddedFont>
   </p:embeddedFontLst>
   <p:defaultTextStyle>
-    <a:defPPr lvl="0" marR="0" rtl="0" algn="l">
+    <a:defPPr marR="0" lvl="0" algn="l" rtl="0">
       <a:lnSpc>
         <a:spcPct val="100000"/>
       </a:lnSpc>
@@ -53,7 +53,7 @@
         <a:spcPts val="0"/>
       </a:spcAft>
     </a:defPPr>
-    <a:lvl1pPr lvl="0" marR="0" rtl="0" algn="l">
+    <a:lvl1pPr marR="0" lvl="0" algn="l" rtl="0">
       <a:lnSpc>
         <a:spcPct val="100000"/>
       </a:lnSpc>
@@ -67,7 +67,7 @@
         <a:srgbClr val="000000"/>
       </a:buClr>
       <a:buFont typeface="Arial"/>
-      <a:defRPr b="0" i="0" sz="1400" u="none" cap="none" strike="noStrike">
+      <a:defRPr sz="1400" b="0" i="0" u="none" strike="noStrike" cap="none">
         <a:solidFill>
           <a:srgbClr val="000000"/>
         </a:solidFill>
@@ -77,7 +77,7 @@
         <a:sym typeface="Arial"/>
       </a:defRPr>
     </a:lvl1pPr>
-    <a:lvl2pPr lvl="1" marR="0" rtl="0" algn="l">
+    <a:lvl2pPr marR="0" lvl="1" algn="l" rtl="0">
       <a:lnSpc>
         <a:spcPct val="100000"/>
       </a:lnSpc>
@@ -91,7 +91,7 @@
         <a:srgbClr val="000000"/>
       </a:buClr>
       <a:buFont typeface="Arial"/>
-      <a:defRPr b="0" i="0" sz="1400" u="none" cap="none" strike="noStrike">
+      <a:defRPr sz="1400" b="0" i="0" u="none" strike="noStrike" cap="none">
         <a:solidFill>
           <a:srgbClr val="000000"/>
         </a:solidFill>
@@ -101,7 +101,7 @@
         <a:sym typeface="Arial"/>
       </a:defRPr>
     </a:lvl2pPr>
-    <a:lvl3pPr lvl="2" marR="0" rtl="0" algn="l">
+    <a:lvl3pPr marR="0" lvl="2" algn="l" rtl="0">
       <a:lnSpc>
         <a:spcPct val="100000"/>
       </a:lnSpc>
@@ -115,7 +115,7 @@
         <a:srgbClr val="000000"/>
       </a:buClr>
       <a:buFont typeface="Arial"/>
-      <a:defRPr b="0" i="0" sz="1400" u="none" cap="none" strike="noStrike">
+      <a:defRPr sz="1400" b="0" i="0" u="none" strike="noStrike" cap="none">
         <a:solidFill>
           <a:srgbClr val="000000"/>
         </a:solidFill>
@@ -125,7 +125,7 @@
         <a:sym typeface="Arial"/>
       </a:defRPr>
     </a:lvl3pPr>
-    <a:lvl4pPr lvl="3" marR="0" rtl="0" algn="l">
+    <a:lvl4pPr marR="0" lvl="3" algn="l" rtl="0">
       <a:lnSpc>
         <a:spcPct val="100000"/>
       </a:lnSpc>
@@ -139,7 +139,7 @@
         <a:srgbClr val="000000"/>
       </a:buClr>
       <a:buFont typeface="Arial"/>
-      <a:defRPr b="0" i="0" sz="1400" u="none" cap="none" strike="noStrike">
+      <a:defRPr sz="1400" b="0" i="0" u="none" strike="noStrike" cap="none">
         <a:solidFill>
           <a:srgbClr val="000000"/>
         </a:solidFill>
@@ -149,7 +149,7 @@
         <a:sym typeface="Arial"/>
       </a:defRPr>
     </a:lvl4pPr>
-    <a:lvl5pPr lvl="4" marR="0" rtl="0" algn="l">
+    <a:lvl5pPr marR="0" lvl="4" algn="l" rtl="0">
       <a:lnSpc>
         <a:spcPct val="100000"/>
       </a:lnSpc>
@@ -163,7 +163,7 @@
         <a:srgbClr val="000000"/>
       </a:buClr>
       <a:buFont typeface="Arial"/>
-      <a:defRPr b="0" i="0" sz="1400" u="none" cap="none" strike="noStrike">
+      <a:defRPr sz="1400" b="0" i="0" u="none" strike="noStrike" cap="none">
         <a:solidFill>
           <a:srgbClr val="000000"/>
         </a:solidFill>
@@ -173,7 +173,7 @@
         <a:sym typeface="Arial"/>
       </a:defRPr>
     </a:lvl5pPr>
-    <a:lvl6pPr lvl="5" marR="0" rtl="0" algn="l">
+    <a:lvl6pPr marR="0" lvl="5" algn="l" rtl="0">
       <a:lnSpc>
         <a:spcPct val="100000"/>
       </a:lnSpc>
@@ -187,7 +187,7 @@
         <a:srgbClr val="000000"/>
       </a:buClr>
       <a:buFont typeface="Arial"/>
-      <a:defRPr b="0" i="0" sz="1400" u="none" cap="none" strike="noStrike">
+      <a:defRPr sz="1400" b="0" i="0" u="none" strike="noStrike" cap="none">
         <a:solidFill>
           <a:srgbClr val="000000"/>
         </a:solidFill>
@@ -197,7 +197,7 @@
         <a:sym typeface="Arial"/>
       </a:defRPr>
     </a:lvl6pPr>
-    <a:lvl7pPr lvl="6" marR="0" rtl="0" algn="l">
+    <a:lvl7pPr marR="0" lvl="6" algn="l" rtl="0">
       <a:lnSpc>
         <a:spcPct val="100000"/>
       </a:lnSpc>
@@ -211,7 +211,7 @@
         <a:srgbClr val="000000"/>
       </a:buClr>
       <a:buFont typeface="Arial"/>
-      <a:defRPr b="0" i="0" sz="1400" u="none" cap="none" strike="noStrike">
+      <a:defRPr sz="1400" b="0" i="0" u="none" strike="noStrike" cap="none">
         <a:solidFill>
           <a:srgbClr val="000000"/>
         </a:solidFill>
@@ -221,7 +221,7 @@
         <a:sym typeface="Arial"/>
       </a:defRPr>
     </a:lvl7pPr>
-    <a:lvl8pPr lvl="7" marR="0" rtl="0" algn="l">
+    <a:lvl8pPr marR="0" lvl="7" algn="l" rtl="0">
       <a:lnSpc>
         <a:spcPct val="100000"/>
       </a:lnSpc>
@@ -235,7 +235,7 @@
         <a:srgbClr val="000000"/>
       </a:buClr>
       <a:buFont typeface="Arial"/>
-      <a:defRPr b="0" i="0" sz="1400" u="none" cap="none" strike="noStrike">
+      <a:defRPr sz="1400" b="0" i="0" u="none" strike="noStrike" cap="none">
         <a:solidFill>
           <a:srgbClr val="000000"/>
         </a:solidFill>
@@ -245,7 +245,7 @@
         <a:sym typeface="Arial"/>
       </a:defRPr>
     </a:lvl8pPr>
-    <a:lvl9pPr lvl="8" marR="0" rtl="0" algn="l">
+    <a:lvl9pPr marR="0" lvl="8" algn="l" rtl="0">
       <a:lnSpc>
         <a:spcPct val="100000"/>
       </a:lnSpc>
@@ -259,7 +259,7 @@
         <a:srgbClr val="000000"/>
       </a:buClr>
       <a:buFont typeface="Arial"/>
-      <a:defRPr b="0" i="0" sz="1400" u="none" cap="none" strike="noStrike">
+      <a:defRPr sz="1400" b="0" i="0" u="none" strike="noStrike" cap="none">
         <a:solidFill>
           <a:srgbClr val="000000"/>
         </a:solidFill>
@@ -272,7 +272,7 @@
   </p:defaultTextStyle>
   <p:extLst>
     <p:ext uri="{EFAFB233-063F-42B5-8137-9DF3F51BA10A}">
-      <p15:sldGuideLst>
+      <p15:sldGuideLst xmlns:p15="http://schemas.microsoft.com/office/powerpoint/2012/main">
         <p15:guide id="1" orient="horz" pos="1620">
           <p15:clr>
             <a:srgbClr val="747775"/>
@@ -290,11 +290,16 @@
 </file>
 
 <file path=ppt/notesMasters/notesMaster1.xml><?xml version="1.0" encoding="utf-8"?>
-<p:notesMaster xmlns:a="http://schemas.openxmlformats.org/drawingml/2006/main" xmlns:r="http://schemas.openxmlformats.org/officeDocument/2006/relationships" xmlns:mc="http://schemas.openxmlformats.org/markup-compatibility/2006" xmlns:mv="urn:schemas-microsoft-com:mac:vml" xmlns:p="http://schemas.openxmlformats.org/presentationml/2006/main" xmlns:c="http://schemas.openxmlformats.org/drawingml/2006/chart" xmlns:dgm="http://schemas.openxmlformats.org/drawingml/2006/diagram" xmlns:o="urn:schemas-microsoft-com:office:office" xmlns:v="urn:schemas-microsoft-com:vml" xmlns:pvml="urn:schemas-microsoft-com:office:powerpoint" xmlns:com="http://schemas.openxmlformats.org/drawingml/2006/compatibility" xmlns:p14="http://schemas.microsoft.com/office/powerpoint/2010/main" xmlns:p15="http://schemas.microsoft.com/office/powerpoint/2012/main" xmlns:ahyp="http://schemas.microsoft.com/office/drawing/2018/hyperlinkcolor">
+<p:notesMaster xmlns:a="http://schemas.openxmlformats.org/drawingml/2006/main" xmlns:r="http://schemas.openxmlformats.org/officeDocument/2006/relationships" xmlns:p="http://schemas.openxmlformats.org/presentationml/2006/main">
   <p:cSld>
+    <p:bg>
+      <p:bgRef idx="1001">
+        <a:schemeClr val="bg1"/>
+      </p:bgRef>
+    </p:bg>
     <p:spTree>
       <p:nvGrpSpPr>
-        <p:cNvPr id="2" name="Shape 2"/>
+        <p:cNvPr id="1" name="Shape 2"/>
         <p:cNvGrpSpPr/>
         <p:nvPr/>
       </p:nvGrpSpPr>
@@ -309,9 +314,11 @@
       <p:sp>
         <p:nvSpPr>
           <p:cNvPr id="3" name="Google Shape;3;n"/>
-          <p:cNvSpPr/>
+          <p:cNvSpPr>
+            <a:spLocks noGrp="1" noRot="1" noChangeAspect="1"/>
+          </p:cNvSpPr>
           <p:nvPr>
-            <p:ph idx="2" type="sldImg"/>
+            <p:ph type="sldImg" idx="2"/>
           </p:nvPr>
         </p:nvSpPr>
         <p:spPr>
@@ -320,9 +327,13 @@
             <a:ext cx="6096075" cy="3429000"/>
           </a:xfrm>
           <a:custGeom>
-            <a:rect b="b" l="l" r="r" t="t"/>
+            <a:avLst/>
+            <a:gdLst/>
+            <a:ahLst/>
+            <a:cxnLst/>
+            <a:rect l="l" t="t" r="r" b="b"/>
             <a:pathLst>
-              <a:path extrusionOk="0" h="120000" w="120000">
+              <a:path w="120000" h="120000" extrusionOk="0">
                 <a:moveTo>
                   <a:pt x="0" y="0"/>
                 </a:moveTo>
@@ -340,23 +351,25 @@
             </a:pathLst>
           </a:custGeom>
           <a:noFill/>
-          <a:ln cap="flat" cmpd="sng" w="9525">
+          <a:ln w="9525" cap="flat" cmpd="sng">
             <a:solidFill>
               <a:srgbClr val="000000"/>
             </a:solidFill>
             <a:prstDash val="solid"/>
             <a:round/>
-            <a:headEnd len="sm" w="sm" type="none"/>
-            <a:tailEnd len="sm" w="sm" type="none"/>
+            <a:headEnd type="none" w="sm" len="sm"/>
+            <a:tailEnd type="none" w="sm" len="sm"/>
           </a:ln>
         </p:spPr>
       </p:sp>
       <p:sp>
         <p:nvSpPr>
           <p:cNvPr id="4" name="Google Shape;4;n"/>
-          <p:cNvSpPr txBox="1"/>
+          <p:cNvSpPr txBox="1">
+            <a:spLocks noGrp="1"/>
+          </p:cNvSpPr>
           <p:nvPr>
-            <p:ph idx="1" type="body"/>
+            <p:ph type="body" idx="1"/>
           </p:nvPr>
         </p:nvSpPr>
         <p:spPr>
@@ -373,11 +386,11 @@
           </a:ln>
         </p:spPr>
         <p:txBody>
-          <a:bodyPr anchorCtr="0" anchor="t" bIns="91425" lIns="91425" spcFirstLastPara="1" rIns="91425" wrap="square" tIns="91425">
+          <a:bodyPr spcFirstLastPara="1" wrap="square" lIns="91425" tIns="91425" rIns="91425" bIns="91425" anchor="t" anchorCtr="0">
             <a:noAutofit/>
           </a:bodyPr>
           <a:lstStyle>
-            <a:lvl1pPr indent="-298450" lvl="0" marL="457200">
+            <a:lvl1pPr marL="457200" lvl="0" indent="-298450">
               <a:spcBef>
                 <a:spcPts val="0"/>
               </a:spcBef>
@@ -388,7 +401,7 @@
               <a:buChar char="●"/>
               <a:defRPr sz="1100"/>
             </a:lvl1pPr>
-            <a:lvl2pPr indent="-298450" lvl="1" marL="914400">
+            <a:lvl2pPr marL="914400" lvl="1" indent="-298450">
               <a:spcBef>
                 <a:spcPts val="0"/>
               </a:spcBef>
@@ -399,7 +412,7 @@
               <a:buChar char="○"/>
               <a:defRPr sz="1100"/>
             </a:lvl2pPr>
-            <a:lvl3pPr indent="-298450" lvl="2" marL="1371600">
+            <a:lvl3pPr marL="1371600" lvl="2" indent="-298450">
               <a:spcBef>
                 <a:spcPts val="0"/>
               </a:spcBef>
@@ -410,7 +423,7 @@
               <a:buChar char="■"/>
               <a:defRPr sz="1100"/>
             </a:lvl3pPr>
-            <a:lvl4pPr indent="-298450" lvl="3" marL="1828800">
+            <a:lvl4pPr marL="1828800" lvl="3" indent="-298450">
               <a:spcBef>
                 <a:spcPts val="0"/>
               </a:spcBef>
@@ -421,7 +434,7 @@
               <a:buChar char="●"/>
               <a:defRPr sz="1100"/>
             </a:lvl4pPr>
-            <a:lvl5pPr indent="-298450" lvl="4" marL="2286000">
+            <a:lvl5pPr marL="2286000" lvl="4" indent="-298450">
               <a:spcBef>
                 <a:spcPts val="0"/>
               </a:spcBef>
@@ -432,7 +445,7 @@
               <a:buChar char="○"/>
               <a:defRPr sz="1100"/>
             </a:lvl5pPr>
-            <a:lvl6pPr indent="-298450" lvl="5" marL="2743200">
+            <a:lvl6pPr marL="2743200" lvl="5" indent="-298450">
               <a:spcBef>
                 <a:spcPts val="0"/>
               </a:spcBef>
@@ -443,7 +456,7 @@
               <a:buChar char="■"/>
               <a:defRPr sz="1100"/>
             </a:lvl6pPr>
-            <a:lvl7pPr indent="-298450" lvl="6" marL="3200400">
+            <a:lvl7pPr marL="3200400" lvl="6" indent="-298450">
               <a:spcBef>
                 <a:spcPts val="0"/>
               </a:spcBef>
@@ -454,7 +467,7 @@
               <a:buChar char="●"/>
               <a:defRPr sz="1100"/>
             </a:lvl7pPr>
-            <a:lvl8pPr indent="-298450" lvl="7" marL="3657600">
+            <a:lvl8pPr marL="3657600" lvl="7" indent="-298450">
               <a:spcBef>
                 <a:spcPts val="0"/>
               </a:spcBef>
@@ -465,7 +478,7 @@
               <a:buChar char="○"/>
               <a:defRPr sz="1100"/>
             </a:lvl8pPr>
-            <a:lvl9pPr indent="-298450" lvl="8" marL="4114800">
+            <a:lvl9pPr marL="4114800" lvl="8" indent="-298450">
               <a:spcBef>
                 <a:spcPts val="0"/>
               </a:spcBef>
@@ -477,14 +490,16 @@
               <a:defRPr sz="1100"/>
             </a:lvl9pPr>
           </a:lstStyle>
-          <a:p/>
+          <a:p>
+            <a:endParaRPr/>
+          </a:p>
         </p:txBody>
       </p:sp>
     </p:spTree>
   </p:cSld>
-  <p:clrMap accent1="accent1" accent2="accent2" accent3="accent3" accent4="accent4" accent5="accent5" accent6="accent6" bg1="lt1" bg2="dk2" tx1="dk1" tx2="lt2" folHlink="folHlink" hlink="hlink"/>
+  <p:clrMap bg1="lt1" tx1="dk1" bg2="dk2" tx2="lt2" accent1="accent1" accent2="accent2" accent3="accent3" accent4="accent4" accent5="accent5" accent6="accent6" hlink="hlink" folHlink="folHlink"/>
   <p:notesStyle>
-    <a:defPPr lvl="0" marR="0" rtl="0" algn="l">
+    <a:defPPr marR="0" lvl="0" algn="l" rtl="0">
       <a:lnSpc>
         <a:spcPct val="100000"/>
       </a:lnSpc>
@@ -495,7 +510,7 @@
         <a:spcPts val="0"/>
       </a:spcAft>
     </a:defPPr>
-    <a:lvl1pPr lvl="0" marR="0" rtl="0" algn="l">
+    <a:lvl1pPr marR="0" lvl="0" algn="l" rtl="0">
       <a:lnSpc>
         <a:spcPct val="100000"/>
       </a:lnSpc>
@@ -509,7 +524,7 @@
         <a:srgbClr val="000000"/>
       </a:buClr>
       <a:buFont typeface="Arial"/>
-      <a:defRPr b="0" i="0" sz="1400" u="none" cap="none" strike="noStrike">
+      <a:defRPr sz="1400" b="0" i="0" u="none" strike="noStrike" cap="none">
         <a:solidFill>
           <a:srgbClr val="000000"/>
         </a:solidFill>
@@ -519,7 +534,7 @@
         <a:sym typeface="Arial"/>
       </a:defRPr>
     </a:lvl1pPr>
-    <a:lvl2pPr lvl="1" marR="0" rtl="0" algn="l">
+    <a:lvl2pPr marR="0" lvl="1" algn="l" rtl="0">
       <a:lnSpc>
         <a:spcPct val="100000"/>
       </a:lnSpc>
@@ -533,7 +548,7 @@
         <a:srgbClr val="000000"/>
       </a:buClr>
       <a:buFont typeface="Arial"/>
-      <a:defRPr b="0" i="0" sz="1400" u="none" cap="none" strike="noStrike">
+      <a:defRPr sz="1400" b="0" i="0" u="none" strike="noStrike" cap="none">
         <a:solidFill>
           <a:srgbClr val="000000"/>
         </a:solidFill>
@@ -543,7 +558,7 @@
         <a:sym typeface="Arial"/>
       </a:defRPr>
     </a:lvl2pPr>
-    <a:lvl3pPr lvl="2" marR="0" rtl="0" algn="l">
+    <a:lvl3pPr marR="0" lvl="2" algn="l" rtl="0">
       <a:lnSpc>
         <a:spcPct val="100000"/>
       </a:lnSpc>
@@ -557,7 +572,7 @@
         <a:srgbClr val="000000"/>
       </a:buClr>
       <a:buFont typeface="Arial"/>
-      <a:defRPr b="0" i="0" sz="1400" u="none" cap="none" strike="noStrike">
+      <a:defRPr sz="1400" b="0" i="0" u="none" strike="noStrike" cap="none">
         <a:solidFill>
           <a:srgbClr val="000000"/>
         </a:solidFill>
@@ -567,7 +582,7 @@
         <a:sym typeface="Arial"/>
       </a:defRPr>
     </a:lvl3pPr>
-    <a:lvl4pPr lvl="3" marR="0" rtl="0" algn="l">
+    <a:lvl4pPr marR="0" lvl="3" algn="l" rtl="0">
       <a:lnSpc>
         <a:spcPct val="100000"/>
       </a:lnSpc>
@@ -581,7 +596,7 @@
         <a:srgbClr val="000000"/>
       </a:buClr>
       <a:buFont typeface="Arial"/>
-      <a:defRPr b="0" i="0" sz="1400" u="none" cap="none" strike="noStrike">
+      <a:defRPr sz="1400" b="0" i="0" u="none" strike="noStrike" cap="none">
         <a:solidFill>
           <a:srgbClr val="000000"/>
         </a:solidFill>
@@ -591,7 +606,7 @@
         <a:sym typeface="Arial"/>
       </a:defRPr>
     </a:lvl4pPr>
-    <a:lvl5pPr lvl="4" marR="0" rtl="0" algn="l">
+    <a:lvl5pPr marR="0" lvl="4" algn="l" rtl="0">
       <a:lnSpc>
         <a:spcPct val="100000"/>
       </a:lnSpc>
@@ -605,7 +620,7 @@
         <a:srgbClr val="000000"/>
       </a:buClr>
       <a:buFont typeface="Arial"/>
-      <a:defRPr b="0" i="0" sz="1400" u="none" cap="none" strike="noStrike">
+      <a:defRPr sz="1400" b="0" i="0" u="none" strike="noStrike" cap="none">
         <a:solidFill>
           <a:srgbClr val="000000"/>
         </a:solidFill>
@@ -615,7 +630,7 @@
         <a:sym typeface="Arial"/>
       </a:defRPr>
     </a:lvl5pPr>
-    <a:lvl6pPr lvl="5" marR="0" rtl="0" algn="l">
+    <a:lvl6pPr marR="0" lvl="5" algn="l" rtl="0">
       <a:lnSpc>
         <a:spcPct val="100000"/>
       </a:lnSpc>
@@ -629,7 +644,7 @@
         <a:srgbClr val="000000"/>
       </a:buClr>
       <a:buFont typeface="Arial"/>
-      <a:defRPr b="0" i="0" sz="1400" u="none" cap="none" strike="noStrike">
+      <a:defRPr sz="1400" b="0" i="0" u="none" strike="noStrike" cap="none">
         <a:solidFill>
           <a:srgbClr val="000000"/>
         </a:solidFill>
@@ -639,7 +654,7 @@
         <a:sym typeface="Arial"/>
       </a:defRPr>
     </a:lvl6pPr>
-    <a:lvl7pPr lvl="6" marR="0" rtl="0" algn="l">
+    <a:lvl7pPr marR="0" lvl="6" algn="l" rtl="0">
       <a:lnSpc>
         <a:spcPct val="100000"/>
       </a:lnSpc>
@@ -653,7 +668,7 @@
         <a:srgbClr val="000000"/>
       </a:buClr>
       <a:buFont typeface="Arial"/>
-      <a:defRPr b="0" i="0" sz="1400" u="none" cap="none" strike="noStrike">
+      <a:defRPr sz="1400" b="0" i="0" u="none" strike="noStrike" cap="none">
         <a:solidFill>
           <a:srgbClr val="000000"/>
         </a:solidFill>
@@ -663,7 +678,7 @@
         <a:sym typeface="Arial"/>
       </a:defRPr>
     </a:lvl7pPr>
-    <a:lvl8pPr lvl="7" marR="0" rtl="0" algn="l">
+    <a:lvl8pPr marR="0" lvl="7" algn="l" rtl="0">
       <a:lnSpc>
         <a:spcPct val="100000"/>
       </a:lnSpc>
@@ -677,7 +692,7 @@
         <a:srgbClr val="000000"/>
       </a:buClr>
       <a:buFont typeface="Arial"/>
-      <a:defRPr b="0" i="0" sz="1400" u="none" cap="none" strike="noStrike">
+      <a:defRPr sz="1400" b="0" i="0" u="none" strike="noStrike" cap="none">
         <a:solidFill>
           <a:srgbClr val="000000"/>
         </a:solidFill>
@@ -687,7 +702,7 @@
         <a:sym typeface="Arial"/>
       </a:defRPr>
     </a:lvl8pPr>
-    <a:lvl9pPr lvl="8" marR="0" rtl="0" algn="l">
+    <a:lvl9pPr marR="0" lvl="8" algn="l" rtl="0">
       <a:lnSpc>
         <a:spcPct val="100000"/>
       </a:lnSpc>
@@ -701,7 +716,7 @@
         <a:srgbClr val="000000"/>
       </a:buClr>
       <a:buFont typeface="Arial"/>
-      <a:defRPr b="0" i="0" sz="1400" u="none" cap="none" strike="noStrike">
+      <a:defRPr sz="1400" b="0" i="0" u="none" strike="noStrike" cap="none">
         <a:solidFill>
           <a:srgbClr val="000000"/>
         </a:solidFill>
@@ -716,11 +731,11 @@
 </file>
 
 <file path=ppt/notesSlides/notesSlide1.xml><?xml version="1.0" encoding="utf-8"?>
-<p:notes xmlns:a="http://schemas.openxmlformats.org/drawingml/2006/main" xmlns:r="http://schemas.openxmlformats.org/officeDocument/2006/relationships" xmlns:mc="http://schemas.openxmlformats.org/markup-compatibility/2006" xmlns:mv="urn:schemas-microsoft-com:mac:vml" xmlns:p="http://schemas.openxmlformats.org/presentationml/2006/main" xmlns:c="http://schemas.openxmlformats.org/drawingml/2006/chart" xmlns:dgm="http://schemas.openxmlformats.org/drawingml/2006/diagram" xmlns:o="urn:schemas-microsoft-com:office:office" xmlns:v="urn:schemas-microsoft-com:vml" xmlns:pvml="urn:schemas-microsoft-com:office:powerpoint" xmlns:com="http://schemas.openxmlformats.org/drawingml/2006/compatibility" xmlns:p14="http://schemas.microsoft.com/office/powerpoint/2010/main" xmlns:p15="http://schemas.microsoft.com/office/powerpoint/2012/main" xmlns:ahyp="http://schemas.microsoft.com/office/drawing/2018/hyperlinkcolor" showMasterPhAnim="0" showMasterSp="0">
+<p:notes xmlns:a="http://schemas.openxmlformats.org/drawingml/2006/main" xmlns:r="http://schemas.openxmlformats.org/officeDocument/2006/relationships" xmlns:p="http://schemas.openxmlformats.org/presentationml/2006/main" showMasterSp="0" showMasterPhAnim="0">
   <p:cSld>
     <p:spTree>
       <p:nvGrpSpPr>
-        <p:cNvPr id="130" name="Shape 130"/>
+        <p:cNvPr id="1" name="Shape 130"/>
         <p:cNvGrpSpPr/>
         <p:nvPr/>
       </p:nvGrpSpPr>
@@ -735,20 +750,26 @@
       <p:sp>
         <p:nvSpPr>
           <p:cNvPr id="131" name="Google Shape;131;p:notes"/>
-          <p:cNvSpPr/>
+          <p:cNvSpPr>
+            <a:spLocks noGrp="1" noRot="1" noChangeAspect="1"/>
+          </p:cNvSpPr>
           <p:nvPr>
-            <p:ph idx="2" type="sldImg"/>
+            <p:ph type="sldImg" idx="2"/>
           </p:nvPr>
         </p:nvSpPr>
         <p:spPr>
           <a:xfrm>
-            <a:off x="381300" y="685800"/>
-            <a:ext cx="6096075" cy="3429000"/>
+            <a:off x="381000" y="685800"/>
+            <a:ext cx="6096000" cy="3429000"/>
           </a:xfrm>
           <a:custGeom>
-            <a:rect b="b" l="l" r="r" t="t"/>
+            <a:avLst/>
+            <a:gdLst/>
+            <a:ahLst/>
+            <a:cxnLst/>
+            <a:rect l="l" t="t" r="r" b="b"/>
             <a:pathLst>
-              <a:path extrusionOk="0" h="120000" w="120000">
+              <a:path w="120000" h="120000" extrusionOk="0">
                 <a:moveTo>
                   <a:pt x="0" y="0"/>
                 </a:moveTo>
@@ -770,9 +791,11 @@
       <p:sp>
         <p:nvSpPr>
           <p:cNvPr id="132" name="Google Shape;132;p:notes"/>
-          <p:cNvSpPr txBox="1"/>
+          <p:cNvSpPr txBox="1">
+            <a:spLocks noGrp="1"/>
+          </p:cNvSpPr>
           <p:nvPr>
-            <p:ph idx="1" type="body"/>
+            <p:ph type="body" idx="1"/>
           </p:nvPr>
         </p:nvSpPr>
         <p:spPr>
@@ -785,12 +808,12 @@
           </a:prstGeom>
         </p:spPr>
         <p:txBody>
-          <a:bodyPr anchorCtr="0" anchor="t" bIns="91425" lIns="91425" spcFirstLastPara="1" rIns="91425" wrap="square" tIns="91425">
+          <a:bodyPr spcFirstLastPara="1" wrap="square" lIns="91425" tIns="91425" rIns="91425" bIns="91425" anchor="t" anchorCtr="0">
             <a:noAutofit/>
           </a:bodyPr>
           <a:lstStyle/>
           <a:p>
-            <a:pPr indent="0" lvl="0" marL="0" rtl="0" algn="l">
+            <a:pPr marL="0" lvl="0" indent="0" algn="l" rtl="0">
               <a:spcBef>
                 <a:spcPts val="0"/>
               </a:spcBef>
@@ -799,9 +822,6 @@
               </a:spcAft>
               <a:buNone/>
             </a:pPr>
-            <a:r>
-              <a:t/>
-            </a:r>
             <a:endParaRPr/>
           </a:p>
         </p:txBody>
@@ -815,11 +835,11 @@
 </file>
 
 <file path=ppt/notesSlides/notesSlide10.xml><?xml version="1.0" encoding="utf-8"?>
-<p:notes xmlns:a="http://schemas.openxmlformats.org/drawingml/2006/main" xmlns:r="http://schemas.openxmlformats.org/officeDocument/2006/relationships" xmlns:mc="http://schemas.openxmlformats.org/markup-compatibility/2006" xmlns:mv="urn:schemas-microsoft-com:mac:vml" xmlns:p="http://schemas.openxmlformats.org/presentationml/2006/main" xmlns:c="http://schemas.openxmlformats.org/drawingml/2006/chart" xmlns:dgm="http://schemas.openxmlformats.org/drawingml/2006/diagram" xmlns:o="urn:schemas-microsoft-com:office:office" xmlns:v="urn:schemas-microsoft-com:vml" xmlns:pvml="urn:schemas-microsoft-com:office:powerpoint" xmlns:com="http://schemas.openxmlformats.org/drawingml/2006/compatibility" xmlns:p14="http://schemas.microsoft.com/office/powerpoint/2010/main" xmlns:p15="http://schemas.microsoft.com/office/powerpoint/2012/main" xmlns:ahyp="http://schemas.microsoft.com/office/drawing/2018/hyperlinkcolor" showMasterPhAnim="0" showMasterSp="0">
+<p:notes xmlns:a="http://schemas.openxmlformats.org/drawingml/2006/main" xmlns:r="http://schemas.openxmlformats.org/officeDocument/2006/relationships" xmlns:p="http://schemas.openxmlformats.org/presentationml/2006/main" showMasterSp="0" showMasterPhAnim="0">
   <p:cSld>
     <p:spTree>
       <p:nvGrpSpPr>
-        <p:cNvPr id="186" name="Shape 186"/>
+        <p:cNvPr id="1" name="Shape 186"/>
         <p:cNvGrpSpPr/>
         <p:nvPr/>
       </p:nvGrpSpPr>
@@ -834,9 +854,11 @@
       <p:sp>
         <p:nvSpPr>
           <p:cNvPr id="187" name="Google Shape;187;g31bdceb5598_0_0:notes"/>
-          <p:cNvSpPr/>
+          <p:cNvSpPr>
+            <a:spLocks noGrp="1" noRot="1" noChangeAspect="1"/>
+          </p:cNvSpPr>
           <p:nvPr>
-            <p:ph idx="2" type="sldImg"/>
+            <p:ph type="sldImg" idx="2"/>
           </p:nvPr>
         </p:nvSpPr>
         <p:spPr>
@@ -845,9 +867,13 @@
             <a:ext cx="6096000" cy="3429000"/>
           </a:xfrm>
           <a:custGeom>
-            <a:rect b="b" l="l" r="r" t="t"/>
+            <a:avLst/>
+            <a:gdLst/>
+            <a:ahLst/>
+            <a:cxnLst/>
+            <a:rect l="l" t="t" r="r" b="b"/>
             <a:pathLst>
-              <a:path extrusionOk="0" h="120000" w="120000">
+              <a:path w="120000" h="120000" extrusionOk="0">
                 <a:moveTo>
                   <a:pt x="0" y="0"/>
                 </a:moveTo>
@@ -869,9 +895,11 @@
       <p:sp>
         <p:nvSpPr>
           <p:cNvPr id="188" name="Google Shape;188;g31bdceb5598_0_0:notes"/>
-          <p:cNvSpPr txBox="1"/>
+          <p:cNvSpPr txBox="1">
+            <a:spLocks noGrp="1"/>
+          </p:cNvSpPr>
           <p:nvPr>
-            <p:ph idx="1" type="body"/>
+            <p:ph type="body" idx="1"/>
           </p:nvPr>
         </p:nvSpPr>
         <p:spPr>
@@ -884,12 +912,12 @@
           </a:prstGeom>
         </p:spPr>
         <p:txBody>
-          <a:bodyPr anchorCtr="0" anchor="t" bIns="91425" lIns="91425" spcFirstLastPara="1" rIns="91425" wrap="square" tIns="91425">
+          <a:bodyPr spcFirstLastPara="1" wrap="square" lIns="91425" tIns="91425" rIns="91425" bIns="91425" anchor="t" anchorCtr="0">
             <a:noAutofit/>
           </a:bodyPr>
           <a:lstStyle/>
           <a:p>
-            <a:pPr indent="0" lvl="0" marL="0" rtl="0" algn="l">
+            <a:pPr marL="0" lvl="0" indent="0" algn="l" rtl="0">
               <a:spcBef>
                 <a:spcPts val="0"/>
               </a:spcBef>
@@ -898,9 +926,6 @@
               </a:spcAft>
               <a:buNone/>
             </a:pPr>
-            <a:r>
-              <a:t/>
-            </a:r>
             <a:endParaRPr/>
           </a:p>
         </p:txBody>
@@ -914,11 +939,11 @@
 </file>
 
 <file path=ppt/notesSlides/notesSlide11.xml><?xml version="1.0" encoding="utf-8"?>
-<p:notes xmlns:a="http://schemas.openxmlformats.org/drawingml/2006/main" xmlns:r="http://schemas.openxmlformats.org/officeDocument/2006/relationships" xmlns:mc="http://schemas.openxmlformats.org/markup-compatibility/2006" xmlns:mv="urn:schemas-microsoft-com:mac:vml" xmlns:p="http://schemas.openxmlformats.org/presentationml/2006/main" xmlns:c="http://schemas.openxmlformats.org/drawingml/2006/chart" xmlns:dgm="http://schemas.openxmlformats.org/drawingml/2006/diagram" xmlns:o="urn:schemas-microsoft-com:office:office" xmlns:v="urn:schemas-microsoft-com:vml" xmlns:pvml="urn:schemas-microsoft-com:office:powerpoint" xmlns:com="http://schemas.openxmlformats.org/drawingml/2006/compatibility" xmlns:p14="http://schemas.microsoft.com/office/powerpoint/2010/main" xmlns:p15="http://schemas.microsoft.com/office/powerpoint/2012/main" xmlns:ahyp="http://schemas.microsoft.com/office/drawing/2018/hyperlinkcolor" showMasterPhAnim="0" showMasterSp="0">
+<p:notes xmlns:a="http://schemas.openxmlformats.org/drawingml/2006/main" xmlns:r="http://schemas.openxmlformats.org/officeDocument/2006/relationships" xmlns:p="http://schemas.openxmlformats.org/presentationml/2006/main" showMasterSp="0" showMasterPhAnim="0">
   <p:cSld>
     <p:spTree>
       <p:nvGrpSpPr>
-        <p:cNvPr id="192" name="Shape 192"/>
+        <p:cNvPr id="1" name="Shape 192"/>
         <p:cNvGrpSpPr/>
         <p:nvPr/>
       </p:nvGrpSpPr>
@@ -933,20 +958,26 @@
       <p:sp>
         <p:nvSpPr>
           <p:cNvPr id="193" name="Google Shape;193;g31bdbc4eab5_0_164:notes"/>
-          <p:cNvSpPr/>
+          <p:cNvSpPr>
+            <a:spLocks noGrp="1" noRot="1" noChangeAspect="1"/>
+          </p:cNvSpPr>
           <p:nvPr>
-            <p:ph idx="2" type="sldImg"/>
+            <p:ph type="sldImg" idx="2"/>
           </p:nvPr>
         </p:nvSpPr>
         <p:spPr>
           <a:xfrm>
-            <a:off x="381300" y="685800"/>
+            <a:off x="381000" y="685800"/>
             <a:ext cx="6096000" cy="3429000"/>
           </a:xfrm>
           <a:custGeom>
-            <a:rect b="b" l="l" r="r" t="t"/>
+            <a:avLst/>
+            <a:gdLst/>
+            <a:ahLst/>
+            <a:cxnLst/>
+            <a:rect l="l" t="t" r="r" b="b"/>
             <a:pathLst>
-              <a:path extrusionOk="0" h="120000" w="120000">
+              <a:path w="120000" h="120000" extrusionOk="0">
                 <a:moveTo>
                   <a:pt x="0" y="0"/>
                 </a:moveTo>
@@ -968,9 +999,11 @@
       <p:sp>
         <p:nvSpPr>
           <p:cNvPr id="194" name="Google Shape;194;g31bdbc4eab5_0_164:notes"/>
-          <p:cNvSpPr txBox="1"/>
+          <p:cNvSpPr txBox="1">
+            <a:spLocks noGrp="1"/>
+          </p:cNvSpPr>
           <p:nvPr>
-            <p:ph idx="1" type="body"/>
+            <p:ph type="body" idx="1"/>
           </p:nvPr>
         </p:nvSpPr>
         <p:spPr>
@@ -983,12 +1016,12 @@
           </a:prstGeom>
         </p:spPr>
         <p:txBody>
-          <a:bodyPr anchorCtr="0" anchor="t" bIns="91425" lIns="91425" spcFirstLastPara="1" rIns="91425" wrap="square" tIns="91425">
+          <a:bodyPr spcFirstLastPara="1" wrap="square" lIns="91425" tIns="91425" rIns="91425" bIns="91425" anchor="t" anchorCtr="0">
             <a:noAutofit/>
           </a:bodyPr>
           <a:lstStyle/>
           <a:p>
-            <a:pPr indent="0" lvl="0" marL="0" rtl="0" algn="l">
+            <a:pPr marL="0" lvl="0" indent="0" algn="l" rtl="0">
               <a:spcBef>
                 <a:spcPts val="0"/>
               </a:spcBef>
@@ -997,9 +1030,6 @@
               </a:spcAft>
               <a:buNone/>
             </a:pPr>
-            <a:r>
-              <a:t/>
-            </a:r>
             <a:endParaRPr/>
           </a:p>
         </p:txBody>
@@ -1013,11 +1043,11 @@
 </file>
 
 <file path=ppt/notesSlides/notesSlide12.xml><?xml version="1.0" encoding="utf-8"?>
-<p:notes xmlns:a="http://schemas.openxmlformats.org/drawingml/2006/main" xmlns:r="http://schemas.openxmlformats.org/officeDocument/2006/relationships" xmlns:mc="http://schemas.openxmlformats.org/markup-compatibility/2006" xmlns:mv="urn:schemas-microsoft-com:mac:vml" xmlns:p="http://schemas.openxmlformats.org/presentationml/2006/main" xmlns:c="http://schemas.openxmlformats.org/drawingml/2006/chart" xmlns:dgm="http://schemas.openxmlformats.org/drawingml/2006/diagram" xmlns:o="urn:schemas-microsoft-com:office:office" xmlns:v="urn:schemas-microsoft-com:vml" xmlns:pvml="urn:schemas-microsoft-com:office:powerpoint" xmlns:com="http://schemas.openxmlformats.org/drawingml/2006/compatibility" xmlns:p14="http://schemas.microsoft.com/office/powerpoint/2010/main" xmlns:p15="http://schemas.microsoft.com/office/powerpoint/2012/main" xmlns:ahyp="http://schemas.microsoft.com/office/drawing/2018/hyperlinkcolor" showMasterPhAnim="0" showMasterSp="0">
+<p:notes xmlns:a="http://schemas.openxmlformats.org/drawingml/2006/main" xmlns:r="http://schemas.openxmlformats.org/officeDocument/2006/relationships" xmlns:p="http://schemas.openxmlformats.org/presentationml/2006/main" showMasterSp="0" showMasterPhAnim="0">
   <p:cSld>
     <p:spTree>
       <p:nvGrpSpPr>
-        <p:cNvPr id="198" name="Shape 198"/>
+        <p:cNvPr id="1" name="Shape 198"/>
         <p:cNvGrpSpPr/>
         <p:nvPr/>
       </p:nvGrpSpPr>
@@ -1032,20 +1062,26 @@
       <p:sp>
         <p:nvSpPr>
           <p:cNvPr id="199" name="Google Shape;199;g31bdbc4eab5_0_171:notes"/>
-          <p:cNvSpPr/>
+          <p:cNvSpPr>
+            <a:spLocks noGrp="1" noRot="1" noChangeAspect="1"/>
+          </p:cNvSpPr>
           <p:nvPr>
-            <p:ph idx="2" type="sldImg"/>
+            <p:ph type="sldImg" idx="2"/>
           </p:nvPr>
         </p:nvSpPr>
         <p:spPr>
           <a:xfrm>
-            <a:off x="381300" y="685800"/>
+            <a:off x="381000" y="685800"/>
             <a:ext cx="6096000" cy="3429000"/>
           </a:xfrm>
           <a:custGeom>
-            <a:rect b="b" l="l" r="r" t="t"/>
+            <a:avLst/>
+            <a:gdLst/>
+            <a:ahLst/>
+            <a:cxnLst/>
+            <a:rect l="l" t="t" r="r" b="b"/>
             <a:pathLst>
-              <a:path extrusionOk="0" h="120000" w="120000">
+              <a:path w="120000" h="120000" extrusionOk="0">
                 <a:moveTo>
                   <a:pt x="0" y="0"/>
                 </a:moveTo>
@@ -1067,9 +1103,11 @@
       <p:sp>
         <p:nvSpPr>
           <p:cNvPr id="200" name="Google Shape;200;g31bdbc4eab5_0_171:notes"/>
-          <p:cNvSpPr txBox="1"/>
+          <p:cNvSpPr txBox="1">
+            <a:spLocks noGrp="1"/>
+          </p:cNvSpPr>
           <p:nvPr>
-            <p:ph idx="1" type="body"/>
+            <p:ph type="body" idx="1"/>
           </p:nvPr>
         </p:nvSpPr>
         <p:spPr>
@@ -1082,12 +1120,12 @@
           </a:prstGeom>
         </p:spPr>
         <p:txBody>
-          <a:bodyPr anchorCtr="0" anchor="t" bIns="91425" lIns="91425" spcFirstLastPara="1" rIns="91425" wrap="square" tIns="91425">
+          <a:bodyPr spcFirstLastPara="1" wrap="square" lIns="91425" tIns="91425" rIns="91425" bIns="91425" anchor="t" anchorCtr="0">
             <a:noAutofit/>
           </a:bodyPr>
           <a:lstStyle/>
           <a:p>
-            <a:pPr indent="0" lvl="0" marL="0" rtl="0" algn="l">
+            <a:pPr marL="0" lvl="0" indent="0" algn="l" rtl="0">
               <a:spcBef>
                 <a:spcPts val="0"/>
               </a:spcBef>
@@ -1096,9 +1134,6 @@
               </a:spcAft>
               <a:buNone/>
             </a:pPr>
-            <a:r>
-              <a:t/>
-            </a:r>
             <a:endParaRPr/>
           </a:p>
         </p:txBody>
@@ -1112,11 +1147,11 @@
 </file>
 
 <file path=ppt/notesSlides/notesSlide13.xml><?xml version="1.0" encoding="utf-8"?>
-<p:notes xmlns:a="http://schemas.openxmlformats.org/drawingml/2006/main" xmlns:r="http://schemas.openxmlformats.org/officeDocument/2006/relationships" xmlns:mc="http://schemas.openxmlformats.org/markup-compatibility/2006" xmlns:mv="urn:schemas-microsoft-com:mac:vml" xmlns:p="http://schemas.openxmlformats.org/presentationml/2006/main" xmlns:c="http://schemas.openxmlformats.org/drawingml/2006/chart" xmlns:dgm="http://schemas.openxmlformats.org/drawingml/2006/diagram" xmlns:o="urn:schemas-microsoft-com:office:office" xmlns:v="urn:schemas-microsoft-com:vml" xmlns:pvml="urn:schemas-microsoft-com:office:powerpoint" xmlns:com="http://schemas.openxmlformats.org/drawingml/2006/compatibility" xmlns:p14="http://schemas.microsoft.com/office/powerpoint/2010/main" xmlns:p15="http://schemas.microsoft.com/office/powerpoint/2012/main" xmlns:ahyp="http://schemas.microsoft.com/office/drawing/2018/hyperlinkcolor" showMasterPhAnim="0" showMasterSp="0">
+<p:notes xmlns:a="http://schemas.openxmlformats.org/drawingml/2006/main" xmlns:r="http://schemas.openxmlformats.org/officeDocument/2006/relationships" xmlns:p="http://schemas.openxmlformats.org/presentationml/2006/main" showMasterSp="0" showMasterPhAnim="0">
   <p:cSld>
     <p:spTree>
       <p:nvGrpSpPr>
-        <p:cNvPr id="204" name="Shape 204"/>
+        <p:cNvPr id="1" name="Shape 204"/>
         <p:cNvGrpSpPr/>
         <p:nvPr/>
       </p:nvGrpSpPr>
@@ -1131,9 +1166,11 @@
       <p:sp>
         <p:nvSpPr>
           <p:cNvPr id="205" name="Google Shape;205;g31bdbc4eab5_0_179:notes"/>
-          <p:cNvSpPr/>
+          <p:cNvSpPr>
+            <a:spLocks noGrp="1" noRot="1" noChangeAspect="1"/>
+          </p:cNvSpPr>
           <p:nvPr>
-            <p:ph idx="2" type="sldImg"/>
+            <p:ph type="sldImg" idx="2"/>
           </p:nvPr>
         </p:nvSpPr>
         <p:spPr>
@@ -1142,9 +1179,13 @@
             <a:ext cx="6096000" cy="3429000"/>
           </a:xfrm>
           <a:custGeom>
-            <a:rect b="b" l="l" r="r" t="t"/>
+            <a:avLst/>
+            <a:gdLst/>
+            <a:ahLst/>
+            <a:cxnLst/>
+            <a:rect l="l" t="t" r="r" b="b"/>
             <a:pathLst>
-              <a:path extrusionOk="0" h="120000" w="120000">
+              <a:path w="120000" h="120000" extrusionOk="0">
                 <a:moveTo>
                   <a:pt x="0" y="0"/>
                 </a:moveTo>
@@ -1166,9 +1207,11 @@
       <p:sp>
         <p:nvSpPr>
           <p:cNvPr id="206" name="Google Shape;206;g31bdbc4eab5_0_179:notes"/>
-          <p:cNvSpPr txBox="1"/>
+          <p:cNvSpPr txBox="1">
+            <a:spLocks noGrp="1"/>
+          </p:cNvSpPr>
           <p:nvPr>
-            <p:ph idx="1" type="body"/>
+            <p:ph type="body" idx="1"/>
           </p:nvPr>
         </p:nvSpPr>
         <p:spPr>
@@ -1181,12 +1224,12 @@
           </a:prstGeom>
         </p:spPr>
         <p:txBody>
-          <a:bodyPr anchorCtr="0" anchor="t" bIns="91425" lIns="91425" spcFirstLastPara="1" rIns="91425" wrap="square" tIns="91425">
+          <a:bodyPr spcFirstLastPara="1" wrap="square" lIns="91425" tIns="91425" rIns="91425" bIns="91425" anchor="t" anchorCtr="0">
             <a:noAutofit/>
           </a:bodyPr>
           <a:lstStyle/>
           <a:p>
-            <a:pPr indent="0" lvl="0" marL="0" rtl="0" algn="l">
+            <a:pPr marL="0" lvl="0" indent="0" algn="l" rtl="0">
               <a:spcBef>
                 <a:spcPts val="0"/>
               </a:spcBef>
@@ -1195,9 +1238,6 @@
               </a:spcAft>
               <a:buNone/>
             </a:pPr>
-            <a:r>
-              <a:t/>
-            </a:r>
             <a:endParaRPr/>
           </a:p>
         </p:txBody>
@@ -1211,11 +1251,11 @@
 </file>
 
 <file path=ppt/notesSlides/notesSlide14.xml><?xml version="1.0" encoding="utf-8"?>
-<p:notes xmlns:a="http://schemas.openxmlformats.org/drawingml/2006/main" xmlns:r="http://schemas.openxmlformats.org/officeDocument/2006/relationships" xmlns:mc="http://schemas.openxmlformats.org/markup-compatibility/2006" xmlns:mv="urn:schemas-microsoft-com:mac:vml" xmlns:p="http://schemas.openxmlformats.org/presentationml/2006/main" xmlns:c="http://schemas.openxmlformats.org/drawingml/2006/chart" xmlns:dgm="http://schemas.openxmlformats.org/drawingml/2006/diagram" xmlns:o="urn:schemas-microsoft-com:office:office" xmlns:v="urn:schemas-microsoft-com:vml" xmlns:pvml="urn:schemas-microsoft-com:office:powerpoint" xmlns:com="http://schemas.openxmlformats.org/drawingml/2006/compatibility" xmlns:p14="http://schemas.microsoft.com/office/powerpoint/2010/main" xmlns:p15="http://schemas.microsoft.com/office/powerpoint/2012/main" xmlns:ahyp="http://schemas.microsoft.com/office/drawing/2018/hyperlinkcolor" showMasterPhAnim="0" showMasterSp="0">
+<p:notes xmlns:a="http://schemas.openxmlformats.org/drawingml/2006/main" xmlns:r="http://schemas.openxmlformats.org/officeDocument/2006/relationships" xmlns:p="http://schemas.openxmlformats.org/presentationml/2006/main" showMasterSp="0" showMasterPhAnim="0">
   <p:cSld>
     <p:spTree>
       <p:nvGrpSpPr>
-        <p:cNvPr id="210" name="Shape 210"/>
+        <p:cNvPr id="1" name="Shape 210"/>
         <p:cNvGrpSpPr/>
         <p:nvPr/>
       </p:nvGrpSpPr>
@@ -1230,9 +1270,11 @@
       <p:sp>
         <p:nvSpPr>
           <p:cNvPr id="211" name="Google Shape;211;g31bdceb5598_2_0:notes"/>
-          <p:cNvSpPr/>
+          <p:cNvSpPr>
+            <a:spLocks noGrp="1" noRot="1" noChangeAspect="1"/>
+          </p:cNvSpPr>
           <p:nvPr>
-            <p:ph idx="2" type="sldImg"/>
+            <p:ph type="sldImg" idx="2"/>
           </p:nvPr>
         </p:nvSpPr>
         <p:spPr>
@@ -1241,9 +1283,13 @@
             <a:ext cx="6096000" cy="3429000"/>
           </a:xfrm>
           <a:custGeom>
-            <a:rect b="b" l="l" r="r" t="t"/>
+            <a:avLst/>
+            <a:gdLst/>
+            <a:ahLst/>
+            <a:cxnLst/>
+            <a:rect l="l" t="t" r="r" b="b"/>
             <a:pathLst>
-              <a:path extrusionOk="0" h="120000" w="120000">
+              <a:path w="120000" h="120000" extrusionOk="0">
                 <a:moveTo>
                   <a:pt x="0" y="0"/>
                 </a:moveTo>
@@ -1265,9 +1311,11 @@
       <p:sp>
         <p:nvSpPr>
           <p:cNvPr id="212" name="Google Shape;212;g31bdceb5598_2_0:notes"/>
-          <p:cNvSpPr txBox="1"/>
+          <p:cNvSpPr txBox="1">
+            <a:spLocks noGrp="1"/>
+          </p:cNvSpPr>
           <p:nvPr>
-            <p:ph idx="1" type="body"/>
+            <p:ph type="body" idx="1"/>
           </p:nvPr>
         </p:nvSpPr>
         <p:spPr>
@@ -1280,12 +1328,12 @@
           </a:prstGeom>
         </p:spPr>
         <p:txBody>
-          <a:bodyPr anchorCtr="0" anchor="t" bIns="91425" lIns="91425" spcFirstLastPara="1" rIns="91425" wrap="square" tIns="91425">
+          <a:bodyPr spcFirstLastPara="1" wrap="square" lIns="91425" tIns="91425" rIns="91425" bIns="91425" anchor="t" anchorCtr="0">
             <a:noAutofit/>
           </a:bodyPr>
           <a:lstStyle/>
           <a:p>
-            <a:pPr indent="0" lvl="0" marL="0" rtl="0" algn="l">
+            <a:pPr marL="0" lvl="0" indent="0" algn="l" rtl="0">
               <a:spcBef>
                 <a:spcPts val="0"/>
               </a:spcBef>
@@ -1294,9 +1342,6 @@
               </a:spcAft>
               <a:buNone/>
             </a:pPr>
-            <a:r>
-              <a:t/>
-            </a:r>
             <a:endParaRPr/>
           </a:p>
         </p:txBody>
@@ -1310,11 +1355,11 @@
 </file>
 
 <file path=ppt/notesSlides/notesSlide2.xml><?xml version="1.0" encoding="utf-8"?>
-<p:notes xmlns:a="http://schemas.openxmlformats.org/drawingml/2006/main" xmlns:r="http://schemas.openxmlformats.org/officeDocument/2006/relationships" xmlns:mc="http://schemas.openxmlformats.org/markup-compatibility/2006" xmlns:mv="urn:schemas-microsoft-com:mac:vml" xmlns:p="http://schemas.openxmlformats.org/presentationml/2006/main" xmlns:c="http://schemas.openxmlformats.org/drawingml/2006/chart" xmlns:dgm="http://schemas.openxmlformats.org/drawingml/2006/diagram" xmlns:o="urn:schemas-microsoft-com:office:office" xmlns:v="urn:schemas-microsoft-com:vml" xmlns:pvml="urn:schemas-microsoft-com:office:powerpoint" xmlns:com="http://schemas.openxmlformats.org/drawingml/2006/compatibility" xmlns:p14="http://schemas.microsoft.com/office/powerpoint/2010/main" xmlns:p15="http://schemas.microsoft.com/office/powerpoint/2012/main" xmlns:ahyp="http://schemas.microsoft.com/office/drawing/2018/hyperlinkcolor" showMasterPhAnim="0" showMasterSp="0">
+<p:notes xmlns:a="http://schemas.openxmlformats.org/drawingml/2006/main" xmlns:r="http://schemas.openxmlformats.org/officeDocument/2006/relationships" xmlns:p="http://schemas.openxmlformats.org/presentationml/2006/main" showMasterSp="0" showMasterPhAnim="0">
   <p:cSld>
     <p:spTree>
       <p:nvGrpSpPr>
-        <p:cNvPr id="138" name="Shape 138"/>
+        <p:cNvPr id="1" name="Shape 138"/>
         <p:cNvGrpSpPr/>
         <p:nvPr/>
       </p:nvGrpSpPr>
@@ -1329,20 +1374,26 @@
       <p:sp>
         <p:nvSpPr>
           <p:cNvPr id="139" name="Google Shape;139;g31bdbc4eab5_0_132:notes"/>
-          <p:cNvSpPr/>
+          <p:cNvSpPr>
+            <a:spLocks noGrp="1" noRot="1" noChangeAspect="1"/>
+          </p:cNvSpPr>
           <p:nvPr>
-            <p:ph idx="2" type="sldImg"/>
+            <p:ph type="sldImg" idx="2"/>
           </p:nvPr>
         </p:nvSpPr>
         <p:spPr>
           <a:xfrm>
-            <a:off x="381300" y="685800"/>
+            <a:off x="381000" y="685800"/>
             <a:ext cx="6096000" cy="3429000"/>
           </a:xfrm>
           <a:custGeom>
-            <a:rect b="b" l="l" r="r" t="t"/>
+            <a:avLst/>
+            <a:gdLst/>
+            <a:ahLst/>
+            <a:cxnLst/>
+            <a:rect l="l" t="t" r="r" b="b"/>
             <a:pathLst>
-              <a:path extrusionOk="0" h="120000" w="120000">
+              <a:path w="120000" h="120000" extrusionOk="0">
                 <a:moveTo>
                   <a:pt x="0" y="0"/>
                 </a:moveTo>
@@ -1364,9 +1415,11 @@
       <p:sp>
         <p:nvSpPr>
           <p:cNvPr id="140" name="Google Shape;140;g31bdbc4eab5_0_132:notes"/>
-          <p:cNvSpPr txBox="1"/>
+          <p:cNvSpPr txBox="1">
+            <a:spLocks noGrp="1"/>
+          </p:cNvSpPr>
           <p:nvPr>
-            <p:ph idx="1" type="body"/>
+            <p:ph type="body" idx="1"/>
           </p:nvPr>
         </p:nvSpPr>
         <p:spPr>
@@ -1379,12 +1432,12 @@
           </a:prstGeom>
         </p:spPr>
         <p:txBody>
-          <a:bodyPr anchorCtr="0" anchor="t" bIns="91425" lIns="91425" spcFirstLastPara="1" rIns="91425" wrap="square" tIns="91425">
+          <a:bodyPr spcFirstLastPara="1" wrap="square" lIns="91425" tIns="91425" rIns="91425" bIns="91425" anchor="t" anchorCtr="0">
             <a:noAutofit/>
           </a:bodyPr>
           <a:lstStyle/>
           <a:p>
-            <a:pPr indent="0" lvl="0" marL="0" rtl="0" algn="l">
+            <a:pPr marL="0" lvl="0" indent="0" algn="l" rtl="0">
               <a:spcBef>
                 <a:spcPts val="0"/>
               </a:spcBef>
@@ -1393,9 +1446,6 @@
               </a:spcAft>
               <a:buNone/>
             </a:pPr>
-            <a:r>
-              <a:t/>
-            </a:r>
             <a:endParaRPr/>
           </a:p>
         </p:txBody>
@@ -1409,11 +1459,11 @@
 </file>
 
 <file path=ppt/notesSlides/notesSlide3.xml><?xml version="1.0" encoding="utf-8"?>
-<p:notes xmlns:a="http://schemas.openxmlformats.org/drawingml/2006/main" xmlns:r="http://schemas.openxmlformats.org/officeDocument/2006/relationships" xmlns:mc="http://schemas.openxmlformats.org/markup-compatibility/2006" xmlns:mv="urn:schemas-microsoft-com:mac:vml" xmlns:p="http://schemas.openxmlformats.org/presentationml/2006/main" xmlns:c="http://schemas.openxmlformats.org/drawingml/2006/chart" xmlns:dgm="http://schemas.openxmlformats.org/drawingml/2006/diagram" xmlns:o="urn:schemas-microsoft-com:office:office" xmlns:v="urn:schemas-microsoft-com:vml" xmlns:pvml="urn:schemas-microsoft-com:office:powerpoint" xmlns:com="http://schemas.openxmlformats.org/drawingml/2006/compatibility" xmlns:p14="http://schemas.microsoft.com/office/powerpoint/2010/main" xmlns:p15="http://schemas.microsoft.com/office/powerpoint/2012/main" xmlns:ahyp="http://schemas.microsoft.com/office/drawing/2018/hyperlinkcolor" showMasterPhAnim="0" showMasterSp="0">
+<p:notes xmlns:a="http://schemas.openxmlformats.org/drawingml/2006/main" xmlns:r="http://schemas.openxmlformats.org/officeDocument/2006/relationships" xmlns:p="http://schemas.openxmlformats.org/presentationml/2006/main" showMasterSp="0" showMasterPhAnim="0">
   <p:cSld>
     <p:spTree>
       <p:nvGrpSpPr>
-        <p:cNvPr id="144" name="Shape 144"/>
+        <p:cNvPr id="1" name="Shape 144"/>
         <p:cNvGrpSpPr/>
         <p:nvPr/>
       </p:nvGrpSpPr>
@@ -1428,9 +1478,11 @@
       <p:sp>
         <p:nvSpPr>
           <p:cNvPr id="145" name="Google Shape;145;g31bdbc4eab5_0_138:notes"/>
-          <p:cNvSpPr/>
+          <p:cNvSpPr>
+            <a:spLocks noGrp="1" noRot="1" noChangeAspect="1"/>
+          </p:cNvSpPr>
           <p:nvPr>
-            <p:ph idx="2" type="sldImg"/>
+            <p:ph type="sldImg" idx="2"/>
           </p:nvPr>
         </p:nvSpPr>
         <p:spPr>
@@ -1439,9 +1491,13 @@
             <a:ext cx="6096000" cy="3429000"/>
           </a:xfrm>
           <a:custGeom>
-            <a:rect b="b" l="l" r="r" t="t"/>
+            <a:avLst/>
+            <a:gdLst/>
+            <a:ahLst/>
+            <a:cxnLst/>
+            <a:rect l="l" t="t" r="r" b="b"/>
             <a:pathLst>
-              <a:path extrusionOk="0" h="120000" w="120000">
+              <a:path w="120000" h="120000" extrusionOk="0">
                 <a:moveTo>
                   <a:pt x="0" y="0"/>
                 </a:moveTo>
@@ -1463,9 +1519,11 @@
       <p:sp>
         <p:nvSpPr>
           <p:cNvPr id="146" name="Google Shape;146;g31bdbc4eab5_0_138:notes"/>
-          <p:cNvSpPr txBox="1"/>
+          <p:cNvSpPr txBox="1">
+            <a:spLocks noGrp="1"/>
+          </p:cNvSpPr>
           <p:nvPr>
-            <p:ph idx="1" type="body"/>
+            <p:ph type="body" idx="1"/>
           </p:nvPr>
         </p:nvSpPr>
         <p:spPr>
@@ -1478,12 +1536,12 @@
           </a:prstGeom>
         </p:spPr>
         <p:txBody>
-          <a:bodyPr anchorCtr="0" anchor="t" bIns="91425" lIns="91425" spcFirstLastPara="1" rIns="91425" wrap="square" tIns="91425">
+          <a:bodyPr spcFirstLastPara="1" wrap="square" lIns="91425" tIns="91425" rIns="91425" bIns="91425" anchor="t" anchorCtr="0">
             <a:noAutofit/>
           </a:bodyPr>
           <a:lstStyle/>
           <a:p>
-            <a:pPr indent="0" lvl="0" marL="0" rtl="0" algn="l">
+            <a:pPr marL="0" lvl="0" indent="0" algn="l" rtl="0">
               <a:spcBef>
                 <a:spcPts val="0"/>
               </a:spcBef>
@@ -1492,9 +1550,6 @@
               </a:spcAft>
               <a:buNone/>
             </a:pPr>
-            <a:r>
-              <a:t/>
-            </a:r>
             <a:endParaRPr/>
           </a:p>
         </p:txBody>
@@ -1508,11 +1563,11 @@
 </file>
 
 <file path=ppt/notesSlides/notesSlide4.xml><?xml version="1.0" encoding="utf-8"?>
-<p:notes xmlns:a="http://schemas.openxmlformats.org/drawingml/2006/main" xmlns:r="http://schemas.openxmlformats.org/officeDocument/2006/relationships" xmlns:mc="http://schemas.openxmlformats.org/markup-compatibility/2006" xmlns:mv="urn:schemas-microsoft-com:mac:vml" xmlns:p="http://schemas.openxmlformats.org/presentationml/2006/main" xmlns:c="http://schemas.openxmlformats.org/drawingml/2006/chart" xmlns:dgm="http://schemas.openxmlformats.org/drawingml/2006/diagram" xmlns:o="urn:schemas-microsoft-com:office:office" xmlns:v="urn:schemas-microsoft-com:vml" xmlns:pvml="urn:schemas-microsoft-com:office:powerpoint" xmlns:com="http://schemas.openxmlformats.org/drawingml/2006/compatibility" xmlns:p14="http://schemas.microsoft.com/office/powerpoint/2010/main" xmlns:p15="http://schemas.microsoft.com/office/powerpoint/2012/main" xmlns:ahyp="http://schemas.microsoft.com/office/drawing/2018/hyperlinkcolor" showMasterPhAnim="0" showMasterSp="0">
+<p:notes xmlns:a="http://schemas.openxmlformats.org/drawingml/2006/main" xmlns:r="http://schemas.openxmlformats.org/officeDocument/2006/relationships" xmlns:p="http://schemas.openxmlformats.org/presentationml/2006/main" showMasterSp="0" showMasterPhAnim="0">
   <p:cSld>
     <p:spTree>
       <p:nvGrpSpPr>
-        <p:cNvPr id="150" name="Shape 150"/>
+        <p:cNvPr id="1" name="Shape 150"/>
         <p:cNvGrpSpPr/>
         <p:nvPr/>
       </p:nvGrpSpPr>
@@ -1527,9 +1582,11 @@
       <p:sp>
         <p:nvSpPr>
           <p:cNvPr id="151" name="Google Shape;151;g31bdbc4eab5_0_147:notes"/>
-          <p:cNvSpPr/>
+          <p:cNvSpPr>
+            <a:spLocks noGrp="1" noRot="1" noChangeAspect="1"/>
+          </p:cNvSpPr>
           <p:nvPr>
-            <p:ph idx="2" type="sldImg"/>
+            <p:ph type="sldImg" idx="2"/>
           </p:nvPr>
         </p:nvSpPr>
         <p:spPr>
@@ -1538,9 +1595,13 @@
             <a:ext cx="6096000" cy="3429000"/>
           </a:xfrm>
           <a:custGeom>
-            <a:rect b="b" l="l" r="r" t="t"/>
+            <a:avLst/>
+            <a:gdLst/>
+            <a:ahLst/>
+            <a:cxnLst/>
+            <a:rect l="l" t="t" r="r" b="b"/>
             <a:pathLst>
-              <a:path extrusionOk="0" h="120000" w="120000">
+              <a:path w="120000" h="120000" extrusionOk="0">
                 <a:moveTo>
                   <a:pt x="0" y="0"/>
                 </a:moveTo>
@@ -1562,9 +1623,11 @@
       <p:sp>
         <p:nvSpPr>
           <p:cNvPr id="152" name="Google Shape;152;g31bdbc4eab5_0_147:notes"/>
-          <p:cNvSpPr txBox="1"/>
+          <p:cNvSpPr txBox="1">
+            <a:spLocks noGrp="1"/>
+          </p:cNvSpPr>
           <p:nvPr>
-            <p:ph idx="1" type="body"/>
+            <p:ph type="body" idx="1"/>
           </p:nvPr>
         </p:nvSpPr>
         <p:spPr>
@@ -1577,12 +1640,12 @@
           </a:prstGeom>
         </p:spPr>
         <p:txBody>
-          <a:bodyPr anchorCtr="0" anchor="t" bIns="91425" lIns="91425" spcFirstLastPara="1" rIns="91425" wrap="square" tIns="91425">
+          <a:bodyPr spcFirstLastPara="1" wrap="square" lIns="91425" tIns="91425" rIns="91425" bIns="91425" anchor="t" anchorCtr="0">
             <a:noAutofit/>
           </a:bodyPr>
           <a:lstStyle/>
           <a:p>
-            <a:pPr indent="0" lvl="0" marL="0" rtl="0" algn="l">
+            <a:pPr marL="0" lvl="0" indent="0" algn="l" rtl="0">
               <a:spcBef>
                 <a:spcPts val="0"/>
               </a:spcBef>
@@ -1591,9 +1654,6 @@
               </a:spcAft>
               <a:buNone/>
             </a:pPr>
-            <a:r>
-              <a:t/>
-            </a:r>
             <a:endParaRPr/>
           </a:p>
         </p:txBody>
@@ -1607,11 +1667,11 @@
 </file>
 
 <file path=ppt/notesSlides/notesSlide5.xml><?xml version="1.0" encoding="utf-8"?>
-<p:notes xmlns:a="http://schemas.openxmlformats.org/drawingml/2006/main" xmlns:r="http://schemas.openxmlformats.org/officeDocument/2006/relationships" xmlns:mc="http://schemas.openxmlformats.org/markup-compatibility/2006" xmlns:mv="urn:schemas-microsoft-com:mac:vml" xmlns:p="http://schemas.openxmlformats.org/presentationml/2006/main" xmlns:c="http://schemas.openxmlformats.org/drawingml/2006/chart" xmlns:dgm="http://schemas.openxmlformats.org/drawingml/2006/diagram" xmlns:o="urn:schemas-microsoft-com:office:office" xmlns:v="urn:schemas-microsoft-com:vml" xmlns:pvml="urn:schemas-microsoft-com:office:powerpoint" xmlns:com="http://schemas.openxmlformats.org/drawingml/2006/compatibility" xmlns:p14="http://schemas.microsoft.com/office/powerpoint/2010/main" xmlns:p15="http://schemas.microsoft.com/office/powerpoint/2012/main" xmlns:ahyp="http://schemas.microsoft.com/office/drawing/2018/hyperlinkcolor" showMasterPhAnim="0" showMasterSp="0">
+<p:notes xmlns:a="http://schemas.openxmlformats.org/drawingml/2006/main" xmlns:r="http://schemas.openxmlformats.org/officeDocument/2006/relationships" xmlns:p="http://schemas.openxmlformats.org/presentationml/2006/main" showMasterSp="0" showMasterPhAnim="0">
   <p:cSld>
     <p:spTree>
       <p:nvGrpSpPr>
-        <p:cNvPr id="156" name="Shape 156"/>
+        <p:cNvPr id="1" name="Shape 156"/>
         <p:cNvGrpSpPr/>
         <p:nvPr/>
       </p:nvGrpSpPr>
@@ -1626,9 +1686,11 @@
       <p:sp>
         <p:nvSpPr>
           <p:cNvPr id="157" name="Google Shape;157;g31bdbc4eab5_0_185:notes"/>
-          <p:cNvSpPr/>
+          <p:cNvSpPr>
+            <a:spLocks noGrp="1" noRot="1" noChangeAspect="1"/>
+          </p:cNvSpPr>
           <p:nvPr>
-            <p:ph idx="2" type="sldImg"/>
+            <p:ph type="sldImg" idx="2"/>
           </p:nvPr>
         </p:nvSpPr>
         <p:spPr>
@@ -1637,9 +1699,13 @@
             <a:ext cx="6096000" cy="3429000"/>
           </a:xfrm>
           <a:custGeom>
-            <a:rect b="b" l="l" r="r" t="t"/>
+            <a:avLst/>
+            <a:gdLst/>
+            <a:ahLst/>
+            <a:cxnLst/>
+            <a:rect l="l" t="t" r="r" b="b"/>
             <a:pathLst>
-              <a:path extrusionOk="0" h="120000" w="120000">
+              <a:path w="120000" h="120000" extrusionOk="0">
                 <a:moveTo>
                   <a:pt x="0" y="0"/>
                 </a:moveTo>
@@ -1661,9 +1727,11 @@
       <p:sp>
         <p:nvSpPr>
           <p:cNvPr id="158" name="Google Shape;158;g31bdbc4eab5_0_185:notes"/>
-          <p:cNvSpPr txBox="1"/>
+          <p:cNvSpPr txBox="1">
+            <a:spLocks noGrp="1"/>
+          </p:cNvSpPr>
           <p:nvPr>
-            <p:ph idx="1" type="body"/>
+            <p:ph type="body" idx="1"/>
           </p:nvPr>
         </p:nvSpPr>
         <p:spPr>
@@ -1676,12 +1744,12 @@
           </a:prstGeom>
         </p:spPr>
         <p:txBody>
-          <a:bodyPr anchorCtr="0" anchor="t" bIns="91425" lIns="91425" spcFirstLastPara="1" rIns="91425" wrap="square" tIns="91425">
+          <a:bodyPr spcFirstLastPara="1" wrap="square" lIns="91425" tIns="91425" rIns="91425" bIns="91425" anchor="t" anchorCtr="0">
             <a:noAutofit/>
           </a:bodyPr>
           <a:lstStyle/>
           <a:p>
-            <a:pPr indent="0" lvl="0" marL="0" rtl="0" algn="l">
+            <a:pPr marL="0" lvl="0" indent="0" algn="l" rtl="0">
               <a:spcBef>
                 <a:spcPts val="0"/>
               </a:spcBef>
@@ -1690,9 +1758,6 @@
               </a:spcAft>
               <a:buNone/>
             </a:pPr>
-            <a:r>
-              <a:t/>
-            </a:r>
             <a:endParaRPr/>
           </a:p>
         </p:txBody>
@@ -1706,11 +1771,11 @@
 </file>
 
 <file path=ppt/notesSlides/notesSlide6.xml><?xml version="1.0" encoding="utf-8"?>
-<p:notes xmlns:a="http://schemas.openxmlformats.org/drawingml/2006/main" xmlns:r="http://schemas.openxmlformats.org/officeDocument/2006/relationships" xmlns:mc="http://schemas.openxmlformats.org/markup-compatibility/2006" xmlns:mv="urn:schemas-microsoft-com:mac:vml" xmlns:p="http://schemas.openxmlformats.org/presentationml/2006/main" xmlns:c="http://schemas.openxmlformats.org/drawingml/2006/chart" xmlns:dgm="http://schemas.openxmlformats.org/drawingml/2006/diagram" xmlns:o="urn:schemas-microsoft-com:office:office" xmlns:v="urn:schemas-microsoft-com:vml" xmlns:pvml="urn:schemas-microsoft-com:office:powerpoint" xmlns:com="http://schemas.openxmlformats.org/drawingml/2006/compatibility" xmlns:p14="http://schemas.microsoft.com/office/powerpoint/2010/main" xmlns:p15="http://schemas.microsoft.com/office/powerpoint/2012/main" xmlns:ahyp="http://schemas.microsoft.com/office/drawing/2018/hyperlinkcolor" showMasterPhAnim="0" showMasterSp="0">
+<p:notes xmlns:a="http://schemas.openxmlformats.org/drawingml/2006/main" xmlns:r="http://schemas.openxmlformats.org/officeDocument/2006/relationships" xmlns:p="http://schemas.openxmlformats.org/presentationml/2006/main" showMasterSp="0" showMasterPhAnim="0">
   <p:cSld>
     <p:spTree>
       <p:nvGrpSpPr>
-        <p:cNvPr id="162" name="Shape 162"/>
+        <p:cNvPr id="1" name="Shape 162"/>
         <p:cNvGrpSpPr/>
         <p:nvPr/>
       </p:nvGrpSpPr>
@@ -1725,9 +1790,11 @@
       <p:sp>
         <p:nvSpPr>
           <p:cNvPr id="163" name="Google Shape;163;g31bdbc4eab5_0_190:notes"/>
-          <p:cNvSpPr/>
+          <p:cNvSpPr>
+            <a:spLocks noGrp="1" noRot="1" noChangeAspect="1"/>
+          </p:cNvSpPr>
           <p:nvPr>
-            <p:ph idx="2" type="sldImg"/>
+            <p:ph type="sldImg" idx="2"/>
           </p:nvPr>
         </p:nvSpPr>
         <p:spPr>
@@ -1736,9 +1803,13 @@
             <a:ext cx="6096000" cy="3429000"/>
           </a:xfrm>
           <a:custGeom>
-            <a:rect b="b" l="l" r="r" t="t"/>
+            <a:avLst/>
+            <a:gdLst/>
+            <a:ahLst/>
+            <a:cxnLst/>
+            <a:rect l="l" t="t" r="r" b="b"/>
             <a:pathLst>
-              <a:path extrusionOk="0" h="120000" w="120000">
+              <a:path w="120000" h="120000" extrusionOk="0">
                 <a:moveTo>
                   <a:pt x="0" y="0"/>
                 </a:moveTo>
@@ -1760,9 +1831,11 @@
       <p:sp>
         <p:nvSpPr>
           <p:cNvPr id="164" name="Google Shape;164;g31bdbc4eab5_0_190:notes"/>
-          <p:cNvSpPr txBox="1"/>
+          <p:cNvSpPr txBox="1">
+            <a:spLocks noGrp="1"/>
+          </p:cNvSpPr>
           <p:nvPr>
-            <p:ph idx="1" type="body"/>
+            <p:ph type="body" idx="1"/>
           </p:nvPr>
         </p:nvSpPr>
         <p:spPr>
@@ -1775,12 +1848,12 @@
           </a:prstGeom>
         </p:spPr>
         <p:txBody>
-          <a:bodyPr anchorCtr="0" anchor="t" bIns="91425" lIns="91425" spcFirstLastPara="1" rIns="91425" wrap="square" tIns="91425">
+          <a:bodyPr spcFirstLastPara="1" wrap="square" lIns="91425" tIns="91425" rIns="91425" bIns="91425" anchor="t" anchorCtr="0">
             <a:noAutofit/>
           </a:bodyPr>
           <a:lstStyle/>
           <a:p>
-            <a:pPr indent="0" lvl="0" marL="0" rtl="0" algn="l">
+            <a:pPr marL="0" lvl="0" indent="0" algn="l" rtl="0">
               <a:spcBef>
                 <a:spcPts val="0"/>
               </a:spcBef>
@@ -1789,9 +1862,6 @@
               </a:spcAft>
               <a:buNone/>
             </a:pPr>
-            <a:r>
-              <a:t/>
-            </a:r>
             <a:endParaRPr/>
           </a:p>
         </p:txBody>
@@ -1805,11 +1875,11 @@
 </file>
 
 <file path=ppt/notesSlides/notesSlide7.xml><?xml version="1.0" encoding="utf-8"?>
-<p:notes xmlns:a="http://schemas.openxmlformats.org/drawingml/2006/main" xmlns:r="http://schemas.openxmlformats.org/officeDocument/2006/relationships" xmlns:mc="http://schemas.openxmlformats.org/markup-compatibility/2006" xmlns:mv="urn:schemas-microsoft-com:mac:vml" xmlns:p="http://schemas.openxmlformats.org/presentationml/2006/main" xmlns:c="http://schemas.openxmlformats.org/drawingml/2006/chart" xmlns:dgm="http://schemas.openxmlformats.org/drawingml/2006/diagram" xmlns:o="urn:schemas-microsoft-com:office:office" xmlns:v="urn:schemas-microsoft-com:vml" xmlns:pvml="urn:schemas-microsoft-com:office:powerpoint" xmlns:com="http://schemas.openxmlformats.org/drawingml/2006/compatibility" xmlns:p14="http://schemas.microsoft.com/office/powerpoint/2010/main" xmlns:p15="http://schemas.microsoft.com/office/powerpoint/2012/main" xmlns:ahyp="http://schemas.microsoft.com/office/drawing/2018/hyperlinkcolor" showMasterPhAnim="0" showMasterSp="0">
+<p:notes xmlns:a="http://schemas.openxmlformats.org/drawingml/2006/main" xmlns:r="http://schemas.openxmlformats.org/officeDocument/2006/relationships" xmlns:p="http://schemas.openxmlformats.org/presentationml/2006/main" showMasterSp="0" showMasterPhAnim="0">
   <p:cSld>
     <p:spTree>
       <p:nvGrpSpPr>
-        <p:cNvPr id="168" name="Shape 168"/>
+        <p:cNvPr id="1" name="Shape 168"/>
         <p:cNvGrpSpPr/>
         <p:nvPr/>
       </p:nvGrpSpPr>
@@ -1824,9 +1894,11 @@
       <p:sp>
         <p:nvSpPr>
           <p:cNvPr id="169" name="Google Shape;169;g31bdceb5598_0_6:notes"/>
-          <p:cNvSpPr/>
+          <p:cNvSpPr>
+            <a:spLocks noGrp="1" noRot="1" noChangeAspect="1"/>
+          </p:cNvSpPr>
           <p:nvPr>
-            <p:ph idx="2" type="sldImg"/>
+            <p:ph type="sldImg" idx="2"/>
           </p:nvPr>
         </p:nvSpPr>
         <p:spPr>
@@ -1835,9 +1907,13 @@
             <a:ext cx="6096000" cy="3429000"/>
           </a:xfrm>
           <a:custGeom>
-            <a:rect b="b" l="l" r="r" t="t"/>
+            <a:avLst/>
+            <a:gdLst/>
+            <a:ahLst/>
+            <a:cxnLst/>
+            <a:rect l="l" t="t" r="r" b="b"/>
             <a:pathLst>
-              <a:path extrusionOk="0" h="120000" w="120000">
+              <a:path w="120000" h="120000" extrusionOk="0">
                 <a:moveTo>
                   <a:pt x="0" y="0"/>
                 </a:moveTo>
@@ -1859,9 +1935,11 @@
       <p:sp>
         <p:nvSpPr>
           <p:cNvPr id="170" name="Google Shape;170;g31bdceb5598_0_6:notes"/>
-          <p:cNvSpPr txBox="1"/>
+          <p:cNvSpPr txBox="1">
+            <a:spLocks noGrp="1"/>
+          </p:cNvSpPr>
           <p:nvPr>
-            <p:ph idx="1" type="body"/>
+            <p:ph type="body" idx="1"/>
           </p:nvPr>
         </p:nvSpPr>
         <p:spPr>
@@ -1874,12 +1952,12 @@
           </a:prstGeom>
         </p:spPr>
         <p:txBody>
-          <a:bodyPr anchorCtr="0" anchor="t" bIns="91425" lIns="91425" spcFirstLastPara="1" rIns="91425" wrap="square" tIns="91425">
+          <a:bodyPr spcFirstLastPara="1" wrap="square" lIns="91425" tIns="91425" rIns="91425" bIns="91425" anchor="t" anchorCtr="0">
             <a:noAutofit/>
           </a:bodyPr>
           <a:lstStyle/>
           <a:p>
-            <a:pPr indent="0" lvl="0" marL="0" rtl="0" algn="l">
+            <a:pPr marL="0" lvl="0" indent="0" algn="l" rtl="0">
               <a:spcBef>
                 <a:spcPts val="0"/>
               </a:spcBef>
@@ -1888,9 +1966,6 @@
               </a:spcAft>
               <a:buNone/>
             </a:pPr>
-            <a:r>
-              <a:t/>
-            </a:r>
             <a:endParaRPr/>
           </a:p>
         </p:txBody>
@@ -1904,11 +1979,11 @@
 </file>
 
 <file path=ppt/notesSlides/notesSlide8.xml><?xml version="1.0" encoding="utf-8"?>
-<p:notes xmlns:a="http://schemas.openxmlformats.org/drawingml/2006/main" xmlns:r="http://schemas.openxmlformats.org/officeDocument/2006/relationships" xmlns:mc="http://schemas.openxmlformats.org/markup-compatibility/2006" xmlns:mv="urn:schemas-microsoft-com:mac:vml" xmlns:p="http://schemas.openxmlformats.org/presentationml/2006/main" xmlns:c="http://schemas.openxmlformats.org/drawingml/2006/chart" xmlns:dgm="http://schemas.openxmlformats.org/drawingml/2006/diagram" xmlns:o="urn:schemas-microsoft-com:office:office" xmlns:v="urn:schemas-microsoft-com:vml" xmlns:pvml="urn:schemas-microsoft-com:office:powerpoint" xmlns:com="http://schemas.openxmlformats.org/drawingml/2006/compatibility" xmlns:p14="http://schemas.microsoft.com/office/powerpoint/2010/main" xmlns:p15="http://schemas.microsoft.com/office/powerpoint/2012/main" xmlns:ahyp="http://schemas.microsoft.com/office/drawing/2018/hyperlinkcolor" showMasterPhAnim="0" showMasterSp="0">
+<p:notes xmlns:a="http://schemas.openxmlformats.org/drawingml/2006/main" xmlns:r="http://schemas.openxmlformats.org/officeDocument/2006/relationships" xmlns:p="http://schemas.openxmlformats.org/presentationml/2006/main" showMasterSp="0" showMasterPhAnim="0">
   <p:cSld>
     <p:spTree>
       <p:nvGrpSpPr>
-        <p:cNvPr id="174" name="Shape 174"/>
+        <p:cNvPr id="1" name="Shape 174"/>
         <p:cNvGrpSpPr/>
         <p:nvPr/>
       </p:nvGrpSpPr>
@@ -1923,20 +1998,26 @@
       <p:sp>
         <p:nvSpPr>
           <p:cNvPr id="175" name="Google Shape;175;g31bdbc4eab5_0_156:notes"/>
-          <p:cNvSpPr/>
+          <p:cNvSpPr>
+            <a:spLocks noGrp="1" noRot="1" noChangeAspect="1"/>
+          </p:cNvSpPr>
           <p:nvPr>
-            <p:ph idx="2" type="sldImg"/>
+            <p:ph type="sldImg" idx="2"/>
           </p:nvPr>
         </p:nvSpPr>
         <p:spPr>
           <a:xfrm>
-            <a:off x="381300" y="685800"/>
+            <a:off x="381000" y="685800"/>
             <a:ext cx="6096000" cy="3429000"/>
           </a:xfrm>
           <a:custGeom>
-            <a:rect b="b" l="l" r="r" t="t"/>
+            <a:avLst/>
+            <a:gdLst/>
+            <a:ahLst/>
+            <a:cxnLst/>
+            <a:rect l="l" t="t" r="r" b="b"/>
             <a:pathLst>
-              <a:path extrusionOk="0" h="120000" w="120000">
+              <a:path w="120000" h="120000" extrusionOk="0">
                 <a:moveTo>
                   <a:pt x="0" y="0"/>
                 </a:moveTo>
@@ -1958,9 +2039,11 @@
       <p:sp>
         <p:nvSpPr>
           <p:cNvPr id="176" name="Google Shape;176;g31bdbc4eab5_0_156:notes"/>
-          <p:cNvSpPr txBox="1"/>
+          <p:cNvSpPr txBox="1">
+            <a:spLocks noGrp="1"/>
+          </p:cNvSpPr>
           <p:nvPr>
-            <p:ph idx="1" type="body"/>
+            <p:ph type="body" idx="1"/>
           </p:nvPr>
         </p:nvSpPr>
         <p:spPr>
@@ -1973,12 +2056,12 @@
           </a:prstGeom>
         </p:spPr>
         <p:txBody>
-          <a:bodyPr anchorCtr="0" anchor="t" bIns="91425" lIns="91425" spcFirstLastPara="1" rIns="91425" wrap="square" tIns="91425">
+          <a:bodyPr spcFirstLastPara="1" wrap="square" lIns="91425" tIns="91425" rIns="91425" bIns="91425" anchor="t" anchorCtr="0">
             <a:noAutofit/>
           </a:bodyPr>
           <a:lstStyle/>
           <a:p>
-            <a:pPr indent="0" lvl="0" marL="0" rtl="0" algn="l">
+            <a:pPr marL="0" lvl="0" indent="0" algn="l" rtl="0">
               <a:spcBef>
                 <a:spcPts val="0"/>
               </a:spcBef>
@@ -1987,9 +2070,6 @@
               </a:spcAft>
               <a:buNone/>
             </a:pPr>
-            <a:r>
-              <a:t/>
-            </a:r>
             <a:endParaRPr/>
           </a:p>
         </p:txBody>
@@ -2003,11 +2083,11 @@
 </file>
 
 <file path=ppt/notesSlides/notesSlide9.xml><?xml version="1.0" encoding="utf-8"?>
-<p:notes xmlns:a="http://schemas.openxmlformats.org/drawingml/2006/main" xmlns:r="http://schemas.openxmlformats.org/officeDocument/2006/relationships" xmlns:mc="http://schemas.openxmlformats.org/markup-compatibility/2006" xmlns:mv="urn:schemas-microsoft-com:mac:vml" xmlns:p="http://schemas.openxmlformats.org/presentationml/2006/main" xmlns:c="http://schemas.openxmlformats.org/drawingml/2006/chart" xmlns:dgm="http://schemas.openxmlformats.org/drawingml/2006/diagram" xmlns:o="urn:schemas-microsoft-com:office:office" xmlns:v="urn:schemas-microsoft-com:vml" xmlns:pvml="urn:schemas-microsoft-com:office:powerpoint" xmlns:com="http://schemas.openxmlformats.org/drawingml/2006/compatibility" xmlns:p14="http://schemas.microsoft.com/office/powerpoint/2010/main" xmlns:p15="http://schemas.microsoft.com/office/powerpoint/2012/main" xmlns:ahyp="http://schemas.microsoft.com/office/drawing/2018/hyperlinkcolor" showMasterPhAnim="0" showMasterSp="0">
+<p:notes xmlns:a="http://schemas.openxmlformats.org/drawingml/2006/main" xmlns:r="http://schemas.openxmlformats.org/officeDocument/2006/relationships" xmlns:p="http://schemas.openxmlformats.org/presentationml/2006/main" showMasterSp="0" showMasterPhAnim="0">
   <p:cSld>
     <p:spTree>
       <p:nvGrpSpPr>
-        <p:cNvPr id="180" name="Shape 180"/>
+        <p:cNvPr id="1" name="Shape 180"/>
         <p:cNvGrpSpPr/>
         <p:nvPr/>
       </p:nvGrpSpPr>
@@ -2022,9 +2102,11 @@
       <p:sp>
         <p:nvSpPr>
           <p:cNvPr id="181" name="Google Shape;181;g31bdceb5598_1_0:notes"/>
-          <p:cNvSpPr/>
+          <p:cNvSpPr>
+            <a:spLocks noGrp="1" noRot="1" noChangeAspect="1"/>
+          </p:cNvSpPr>
           <p:nvPr>
-            <p:ph idx="2" type="sldImg"/>
+            <p:ph type="sldImg" idx="2"/>
           </p:nvPr>
         </p:nvSpPr>
         <p:spPr>
@@ -2033,9 +2115,13 @@
             <a:ext cx="6096000" cy="3429000"/>
           </a:xfrm>
           <a:custGeom>
-            <a:rect b="b" l="l" r="r" t="t"/>
+            <a:avLst/>
+            <a:gdLst/>
+            <a:ahLst/>
+            <a:cxnLst/>
+            <a:rect l="l" t="t" r="r" b="b"/>
             <a:pathLst>
-              <a:path extrusionOk="0" h="120000" w="120000">
+              <a:path w="120000" h="120000" extrusionOk="0">
                 <a:moveTo>
                   <a:pt x="0" y="0"/>
                 </a:moveTo>
@@ -2057,9 +2143,11 @@
       <p:sp>
         <p:nvSpPr>
           <p:cNvPr id="182" name="Google Shape;182;g31bdceb5598_1_0:notes"/>
-          <p:cNvSpPr txBox="1"/>
+          <p:cNvSpPr txBox="1">
+            <a:spLocks noGrp="1"/>
+          </p:cNvSpPr>
           <p:nvPr>
-            <p:ph idx="1" type="body"/>
+            <p:ph type="body" idx="1"/>
           </p:nvPr>
         </p:nvSpPr>
         <p:spPr>
@@ -2072,12 +2160,12 @@
           </a:prstGeom>
         </p:spPr>
         <p:txBody>
-          <a:bodyPr anchorCtr="0" anchor="t" bIns="91425" lIns="91425" spcFirstLastPara="1" rIns="91425" wrap="square" tIns="91425">
+          <a:bodyPr spcFirstLastPara="1" wrap="square" lIns="91425" tIns="91425" rIns="91425" bIns="91425" anchor="t" anchorCtr="0">
             <a:noAutofit/>
           </a:bodyPr>
           <a:lstStyle/>
           <a:p>
-            <a:pPr indent="0" lvl="0" marL="0" rtl="0" algn="l">
+            <a:pPr marL="0" lvl="0" indent="0" algn="l" rtl="0">
               <a:spcBef>
                 <a:spcPts val="0"/>
               </a:spcBef>
@@ -2086,9 +2174,6 @@
               </a:spcAft>
               <a:buNone/>
             </a:pPr>
-            <a:r>
-              <a:t/>
-            </a:r>
             <a:endParaRPr/>
           </a:p>
         </p:txBody>
@@ -2102,11 +2187,11 @@
 </file>
 
 <file path=ppt/slideLayouts/slideLayout1.xml><?xml version="1.0" encoding="utf-8"?>
-<p:sldLayout xmlns:a="http://schemas.openxmlformats.org/drawingml/2006/main" xmlns:r="http://schemas.openxmlformats.org/officeDocument/2006/relationships" xmlns:mc="http://schemas.openxmlformats.org/markup-compatibility/2006" xmlns:mv="urn:schemas-microsoft-com:mac:vml" xmlns:p="http://schemas.openxmlformats.org/presentationml/2006/main" xmlns:c="http://schemas.openxmlformats.org/drawingml/2006/chart" xmlns:dgm="http://schemas.openxmlformats.org/drawingml/2006/diagram" xmlns:o="urn:schemas-microsoft-com:office:office" xmlns:v="urn:schemas-microsoft-com:vml" xmlns:pvml="urn:schemas-microsoft-com:office:powerpoint" xmlns:com="http://schemas.openxmlformats.org/drawingml/2006/compatibility" xmlns:p14="http://schemas.microsoft.com/office/powerpoint/2010/main" xmlns:p15="http://schemas.microsoft.com/office/powerpoint/2012/main" xmlns:ahyp="http://schemas.microsoft.com/office/drawing/2018/hyperlinkcolor" matchingName="Title slide" type="title">
+<p:sldLayout xmlns:a="http://schemas.openxmlformats.org/drawingml/2006/main" xmlns:r="http://schemas.openxmlformats.org/officeDocument/2006/relationships" xmlns:p="http://schemas.openxmlformats.org/presentationml/2006/main" matchingName="Title slide" type="title">
   <p:cSld name="TITLE">
     <p:spTree>
       <p:nvGrpSpPr>
-        <p:cNvPr id="9" name="Shape 9"/>
+        <p:cNvPr id="1" name="Shape 9"/>
         <p:cNvGrpSpPr/>
         <p:nvPr/>
       </p:nvGrpSpPr>
@@ -2131,7 +2216,7 @@
           </a:xfrm>
           <a:prstGeom prst="diagStripe">
             <a:avLst>
-              <a:gd fmla="val 0" name="adj"/>
+              <a:gd name="adj" fmla="val 0"/>
             </a:avLst>
           </a:prstGeom>
           <a:solidFill>
@@ -2144,12 +2229,12 @@
           </a:ln>
         </p:spPr>
         <p:txBody>
-          <a:bodyPr anchorCtr="0" anchor="ctr" bIns="91425" lIns="91425" spcFirstLastPara="1" rIns="91425" wrap="square" tIns="91425">
+          <a:bodyPr spcFirstLastPara="1" wrap="square" lIns="91425" tIns="91425" rIns="91425" bIns="91425" anchor="ctr" anchorCtr="0">
             <a:noAutofit/>
           </a:bodyPr>
           <a:lstStyle/>
           <a:p>
-            <a:pPr indent="0" lvl="0" marL="0" rtl="0" algn="l">
+            <a:pPr marL="0" lvl="0" indent="0" algn="l" rtl="0">
               <a:spcBef>
                 <a:spcPts val="0"/>
               </a:spcBef>
@@ -2158,9 +2243,6 @@
               </a:spcAft>
               <a:buNone/>
             </a:pPr>
-            <a:r>
-              <a:t/>
-            </a:r>
             <a:endParaRPr/>
           </a:p>
         </p:txBody>
@@ -2192,7 +2274,7 @@
             </a:xfrm>
             <a:prstGeom prst="diagStripe">
               <a:avLst>
-                <a:gd fmla="val 50000" name="adj"/>
+                <a:gd name="adj" fmla="val 50000"/>
               </a:avLst>
             </a:prstGeom>
             <a:solidFill>
@@ -2205,12 +2287,12 @@
             </a:ln>
           </p:spPr>
           <p:txBody>
-            <a:bodyPr anchorCtr="0" anchor="ctr" bIns="91425" lIns="91425" spcFirstLastPara="1" rIns="91425" wrap="square" tIns="91425">
+            <a:bodyPr spcFirstLastPara="1" wrap="square" lIns="91425" tIns="91425" rIns="91425" bIns="91425" anchor="ctr" anchorCtr="0">
               <a:noAutofit/>
             </a:bodyPr>
             <a:lstStyle/>
             <a:p>
-              <a:pPr indent="0" lvl="0" marL="0" rtl="0" algn="l">
+              <a:pPr marL="0" lvl="0" indent="0" algn="l" rtl="0">
                 <a:spcBef>
                   <a:spcPts val="0"/>
                 </a:spcBef>
@@ -2219,9 +2301,6 @@
                 </a:spcAft>
                 <a:buNone/>
               </a:pPr>
-              <a:r>
-                <a:t/>
-              </a:r>
               <a:endParaRPr/>
             </a:p>
           </p:txBody>
@@ -2239,7 +2318,7 @@
             </a:xfrm>
             <a:prstGeom prst="diagStripe">
               <a:avLst>
-                <a:gd fmla="val 58774" name="adj"/>
+                <a:gd name="adj" fmla="val 58774"/>
               </a:avLst>
             </a:prstGeom>
             <a:solidFill>
@@ -2252,12 +2331,12 @@
             </a:ln>
           </p:spPr>
           <p:txBody>
-            <a:bodyPr anchorCtr="0" anchor="ctr" bIns="91425" lIns="91425" spcFirstLastPara="1" rIns="91425" wrap="square" tIns="91425">
+            <a:bodyPr spcFirstLastPara="1" wrap="square" lIns="91425" tIns="91425" rIns="91425" bIns="91425" anchor="ctr" anchorCtr="0">
               <a:noAutofit/>
             </a:bodyPr>
             <a:lstStyle/>
             <a:p>
-              <a:pPr indent="0" lvl="0" marL="0" rtl="0" algn="l">
+              <a:pPr marL="0" lvl="0" indent="0" algn="l" rtl="0">
                 <a:spcBef>
                   <a:spcPts val="0"/>
                 </a:spcBef>
@@ -2266,9 +2345,6 @@
                 </a:spcAft>
                 <a:buNone/>
               </a:pPr>
-              <a:r>
-                <a:t/>
-              </a:r>
               <a:endParaRPr/>
             </a:p>
           </p:txBody>
@@ -2286,7 +2362,7 @@
             </a:xfrm>
             <a:prstGeom prst="diagStripe">
               <a:avLst>
-                <a:gd fmla="val 50000" name="adj"/>
+                <a:gd name="adj" fmla="val 50000"/>
               </a:avLst>
             </a:prstGeom>
             <a:solidFill>
@@ -2297,12 +2373,12 @@
             </a:ln>
           </p:spPr>
           <p:txBody>
-            <a:bodyPr anchorCtr="0" anchor="ctr" bIns="91425" lIns="91425" spcFirstLastPara="1" rIns="91425" wrap="square" tIns="91425">
+            <a:bodyPr spcFirstLastPara="1" wrap="square" lIns="91425" tIns="91425" rIns="91425" bIns="91425" anchor="ctr" anchorCtr="0">
               <a:noAutofit/>
             </a:bodyPr>
             <a:lstStyle/>
             <a:p>
-              <a:pPr indent="0" lvl="0" marL="0" rtl="0" algn="l">
+              <a:pPr marL="0" lvl="0" indent="0" algn="l" rtl="0">
                 <a:spcBef>
                   <a:spcPts val="0"/>
                 </a:spcBef>
@@ -2311,9 +2387,6 @@
                 </a:spcAft>
                 <a:buNone/>
               </a:pPr>
-              <a:r>
-                <a:t/>
-              </a:r>
               <a:endParaRPr/>
             </a:p>
           </p:txBody>
@@ -2331,7 +2404,7 @@
             </a:xfrm>
             <a:prstGeom prst="diagStripe">
               <a:avLst>
-                <a:gd fmla="val 50000" name="adj"/>
+                <a:gd name="adj" fmla="val 50000"/>
               </a:avLst>
             </a:prstGeom>
             <a:solidFill>
@@ -2342,12 +2415,12 @@
             </a:ln>
           </p:spPr>
           <p:txBody>
-            <a:bodyPr anchorCtr="0" anchor="ctr" bIns="91425" lIns="91425" spcFirstLastPara="1" rIns="91425" wrap="square" tIns="91425">
+            <a:bodyPr spcFirstLastPara="1" wrap="square" lIns="91425" tIns="91425" rIns="91425" bIns="91425" anchor="ctr" anchorCtr="0">
               <a:noAutofit/>
             </a:bodyPr>
             <a:lstStyle/>
             <a:p>
-              <a:pPr indent="0" lvl="0" marL="0" rtl="0" algn="l">
+              <a:pPr marL="0" lvl="0" indent="0" algn="l" rtl="0">
                 <a:spcBef>
                   <a:spcPts val="0"/>
                 </a:spcBef>
@@ -2356,9 +2429,6 @@
                 </a:spcAft>
                 <a:buNone/>
               </a:pPr>
-              <a:r>
-                <a:t/>
-              </a:r>
               <a:endParaRPr/>
             </a:p>
           </p:txBody>
@@ -2367,7 +2437,9 @@
       <p:sp>
         <p:nvSpPr>
           <p:cNvPr id="16" name="Google Shape;16;p2"/>
-          <p:cNvSpPr txBox="1"/>
+          <p:cNvSpPr txBox="1">
+            <a:spLocks noGrp="1"/>
+          </p:cNvSpPr>
           <p:nvPr>
             <p:ph type="ctrTitle"/>
           </p:nvPr>
@@ -2382,7 +2454,7 @@
           </a:prstGeom>
         </p:spPr>
         <p:txBody>
-          <a:bodyPr anchorCtr="0" anchor="t" bIns="91425" lIns="91425" spcFirstLastPara="1" rIns="91425" wrap="square" tIns="91425">
+          <a:bodyPr spcFirstLastPara="1" wrap="square" lIns="91425" tIns="91425" rIns="91425" bIns="91425" anchor="t" anchorCtr="0">
             <a:normAutofit/>
           </a:bodyPr>
           <a:lstStyle>
@@ -2486,15 +2558,19 @@
               <a:defRPr sz="4000"/>
             </a:lvl9pPr>
           </a:lstStyle>
-          <a:p/>
+          <a:p>
+            <a:endParaRPr/>
+          </a:p>
         </p:txBody>
       </p:sp>
       <p:sp>
         <p:nvSpPr>
           <p:cNvPr id="17" name="Google Shape;17;p2"/>
-          <p:cNvSpPr txBox="1"/>
+          <p:cNvSpPr txBox="1">
+            <a:spLocks noGrp="1"/>
+          </p:cNvSpPr>
           <p:nvPr>
-            <p:ph idx="1" type="subTitle"/>
+            <p:ph type="subTitle" idx="1"/>
           </p:nvPr>
         </p:nvSpPr>
         <p:spPr>
@@ -2507,7 +2583,7 @@
           </a:prstGeom>
         </p:spPr>
         <p:txBody>
-          <a:bodyPr anchorCtr="0" anchor="t" bIns="91425" lIns="91425" spcFirstLastPara="1" rIns="91425" wrap="square" tIns="91425">
+          <a:bodyPr spcFirstLastPara="1" wrap="square" lIns="91425" tIns="91425" rIns="91425" bIns="91425" anchor="t" anchorCtr="0">
             <a:normAutofit/>
           </a:bodyPr>
           <a:lstStyle>
@@ -2638,15 +2714,19 @@
               <a:defRPr sz="1300"/>
             </a:lvl9pPr>
           </a:lstStyle>
-          <a:p/>
+          <a:p>
+            <a:endParaRPr/>
+          </a:p>
         </p:txBody>
       </p:sp>
       <p:sp>
         <p:nvSpPr>
           <p:cNvPr id="18" name="Google Shape;18;p2"/>
-          <p:cNvSpPr txBox="1"/>
+          <p:cNvSpPr txBox="1">
+            <a:spLocks noGrp="1"/>
+          </p:cNvSpPr>
           <p:nvPr>
-            <p:ph idx="12" type="sldNum"/>
+            <p:ph type="sldNum" idx="12"/>
           </p:nvPr>
         </p:nvSpPr>
         <p:spPr>
@@ -2659,7 +2739,7 @@
           </a:prstGeom>
         </p:spPr>
         <p:txBody>
-          <a:bodyPr anchorCtr="0" anchor="ctr" bIns="91425" lIns="91425" spcFirstLastPara="1" rIns="91425" wrap="square" tIns="91425">
+          <a:bodyPr spcFirstLastPara="1" wrap="square" lIns="91425" tIns="91425" rIns="91425" bIns="91425" anchor="ctr" anchorCtr="0">
             <a:normAutofit/>
           </a:bodyPr>
           <a:lstStyle>
@@ -2701,7 +2781,7 @@
             </a:lvl9pPr>
           </a:lstStyle>
           <a:p>
-            <a:pPr indent="0" lvl="0" marL="0" rtl="0" algn="r">
+            <a:pPr marL="0" lvl="0" indent="0" algn="r" rtl="0">
               <a:spcBef>
                 <a:spcPts val="0"/>
               </a:spcBef>
@@ -2727,11 +2807,11 @@
 </file>
 
 <file path=ppt/slideLayouts/slideLayout10.xml><?xml version="1.0" encoding="utf-8"?>
-<p:sldLayout xmlns:a="http://schemas.openxmlformats.org/drawingml/2006/main" xmlns:r="http://schemas.openxmlformats.org/officeDocument/2006/relationships" xmlns:mc="http://schemas.openxmlformats.org/markup-compatibility/2006" xmlns:mv="urn:schemas-microsoft-com:mac:vml" xmlns:p="http://schemas.openxmlformats.org/presentationml/2006/main" xmlns:c="http://schemas.openxmlformats.org/drawingml/2006/chart" xmlns:dgm="http://schemas.openxmlformats.org/drawingml/2006/diagram" xmlns:o="urn:schemas-microsoft-com:office:office" xmlns:v="urn:schemas-microsoft-com:vml" xmlns:pvml="urn:schemas-microsoft-com:office:powerpoint" xmlns:com="http://schemas.openxmlformats.org/drawingml/2006/compatibility" xmlns:p14="http://schemas.microsoft.com/office/powerpoint/2010/main" xmlns:p15="http://schemas.microsoft.com/office/powerpoint/2012/main" xmlns:ahyp="http://schemas.microsoft.com/office/drawing/2018/hyperlinkcolor" matchingName="Big number">
+<p:sldLayout xmlns:a="http://schemas.openxmlformats.org/drawingml/2006/main" xmlns:r="http://schemas.openxmlformats.org/officeDocument/2006/relationships" xmlns:p="http://schemas.openxmlformats.org/presentationml/2006/main" matchingName="Big number">
   <p:cSld name="BIG_NUMBER">
     <p:spTree>
       <p:nvGrpSpPr>
-        <p:cNvPr id="105" name="Shape 105"/>
+        <p:cNvPr id="1" name="Shape 105"/>
         <p:cNvGrpSpPr/>
         <p:nvPr/>
       </p:nvGrpSpPr>
@@ -2770,7 +2850,7 @@
             </a:xfrm>
             <a:prstGeom prst="diagStripe">
               <a:avLst>
-                <a:gd fmla="val 49469" name="adj"/>
+                <a:gd name="adj" fmla="val 49469"/>
               </a:avLst>
             </a:prstGeom>
             <a:solidFill>
@@ -2783,12 +2863,12 @@
             </a:ln>
           </p:spPr>
           <p:txBody>
-            <a:bodyPr anchorCtr="0" anchor="ctr" bIns="91425" lIns="91425" spcFirstLastPara="1" rIns="91425" wrap="square" tIns="91425">
+            <a:bodyPr spcFirstLastPara="1" wrap="square" lIns="91425" tIns="91425" rIns="91425" bIns="91425" anchor="ctr" anchorCtr="0">
               <a:noAutofit/>
             </a:bodyPr>
             <a:lstStyle/>
             <a:p>
-              <a:pPr indent="0" lvl="0" marL="0" rtl="0" algn="l">
+              <a:pPr marL="0" lvl="0" indent="0" algn="l" rtl="0">
                 <a:spcBef>
                   <a:spcPts val="0"/>
                 </a:spcBef>
@@ -2797,9 +2877,6 @@
                 </a:spcAft>
                 <a:buNone/>
               </a:pPr>
-              <a:r>
-                <a:t/>
-              </a:r>
               <a:endParaRPr/>
             </a:p>
           </p:txBody>
@@ -2817,7 +2894,7 @@
             </a:xfrm>
             <a:prstGeom prst="diagStripe">
               <a:avLst>
-                <a:gd fmla="val 0" name="adj"/>
+                <a:gd name="adj" fmla="val 0"/>
               </a:avLst>
             </a:prstGeom>
             <a:solidFill>
@@ -2830,12 +2907,12 @@
             </a:ln>
           </p:spPr>
           <p:txBody>
-            <a:bodyPr anchorCtr="0" anchor="ctr" bIns="91425" lIns="91425" spcFirstLastPara="1" rIns="91425" wrap="square" tIns="91425">
+            <a:bodyPr spcFirstLastPara="1" wrap="square" lIns="91425" tIns="91425" rIns="91425" bIns="91425" anchor="ctr" anchorCtr="0">
               <a:noAutofit/>
             </a:bodyPr>
             <a:lstStyle/>
             <a:p>
-              <a:pPr indent="0" lvl="0" marL="0" rtl="0" algn="l">
+              <a:pPr marL="0" lvl="0" indent="0" algn="l" rtl="0">
                 <a:spcBef>
                   <a:spcPts val="0"/>
                 </a:spcBef>
@@ -2844,9 +2921,6 @@
                 </a:spcAft>
                 <a:buNone/>
               </a:pPr>
-              <a:r>
-                <a:t/>
-              </a:r>
               <a:endParaRPr/>
             </a:p>
           </p:txBody>
@@ -2864,7 +2938,7 @@
             </a:xfrm>
             <a:prstGeom prst="diagStripe">
               <a:avLst>
-                <a:gd fmla="val 50000" name="adj"/>
+                <a:gd name="adj" fmla="val 50000"/>
               </a:avLst>
             </a:prstGeom>
             <a:solidFill>
@@ -2877,12 +2951,12 @@
             </a:ln>
           </p:spPr>
           <p:txBody>
-            <a:bodyPr anchorCtr="0" anchor="ctr" bIns="91425" lIns="91425" spcFirstLastPara="1" rIns="91425" wrap="square" tIns="91425">
+            <a:bodyPr spcFirstLastPara="1" wrap="square" lIns="91425" tIns="91425" rIns="91425" bIns="91425" anchor="ctr" anchorCtr="0">
               <a:noAutofit/>
             </a:bodyPr>
             <a:lstStyle/>
             <a:p>
-              <a:pPr indent="0" lvl="0" marL="0" rtl="0" algn="l">
+              <a:pPr marL="0" lvl="0" indent="0" algn="l" rtl="0">
                 <a:spcBef>
                   <a:spcPts val="0"/>
                 </a:spcBef>
@@ -2891,9 +2965,6 @@
                 </a:spcAft>
                 <a:buNone/>
               </a:pPr>
-              <a:r>
-                <a:t/>
-              </a:r>
               <a:endParaRPr/>
             </a:p>
           </p:txBody>
@@ -2911,7 +2982,7 @@
             </a:xfrm>
             <a:prstGeom prst="diagStripe">
               <a:avLst>
-                <a:gd fmla="val 50000" name="adj"/>
+                <a:gd name="adj" fmla="val 50000"/>
               </a:avLst>
             </a:prstGeom>
             <a:solidFill>
@@ -2924,12 +2995,12 @@
             </a:ln>
           </p:spPr>
           <p:txBody>
-            <a:bodyPr anchorCtr="0" anchor="ctr" bIns="91425" lIns="91425" spcFirstLastPara="1" rIns="91425" wrap="square" tIns="91425">
+            <a:bodyPr spcFirstLastPara="1" wrap="square" lIns="91425" tIns="91425" rIns="91425" bIns="91425" anchor="ctr" anchorCtr="0">
               <a:noAutofit/>
             </a:bodyPr>
             <a:lstStyle/>
             <a:p>
-              <a:pPr indent="0" lvl="0" marL="0" rtl="0" algn="l">
+              <a:pPr marL="0" lvl="0" indent="0" algn="l" rtl="0">
                 <a:spcBef>
                   <a:spcPts val="0"/>
                 </a:spcBef>
@@ -2938,9 +3009,6 @@
                 </a:spcAft>
                 <a:buNone/>
               </a:pPr>
-              <a:r>
-                <a:t/>
-              </a:r>
               <a:endParaRPr/>
             </a:p>
           </p:txBody>
@@ -2958,7 +3026,7 @@
             </a:xfrm>
             <a:prstGeom prst="diagStripe">
               <a:avLst>
-                <a:gd fmla="val 50000" name="adj"/>
+                <a:gd name="adj" fmla="val 50000"/>
               </a:avLst>
             </a:prstGeom>
             <a:solidFill>
@@ -2971,12 +3039,12 @@
             </a:ln>
           </p:spPr>
           <p:txBody>
-            <a:bodyPr anchorCtr="0" anchor="ctr" bIns="91425" lIns="91425" spcFirstLastPara="1" rIns="91425" wrap="square" tIns="91425">
+            <a:bodyPr spcFirstLastPara="1" wrap="square" lIns="91425" tIns="91425" rIns="91425" bIns="91425" anchor="ctr" anchorCtr="0">
               <a:noAutofit/>
             </a:bodyPr>
             <a:lstStyle/>
             <a:p>
-              <a:pPr indent="0" lvl="0" marL="0" rtl="0" algn="l">
+              <a:pPr marL="0" lvl="0" indent="0" algn="l" rtl="0">
                 <a:spcBef>
                   <a:spcPts val="0"/>
                 </a:spcBef>
@@ -2985,9 +3053,6 @@
                 </a:spcAft>
                 <a:buNone/>
               </a:pPr>
-              <a:r>
-                <a:t/>
-              </a:r>
               <a:endParaRPr/>
             </a:p>
           </p:txBody>
@@ -3005,7 +3070,7 @@
             </a:xfrm>
             <a:prstGeom prst="diagStripe">
               <a:avLst>
-                <a:gd fmla="val 50000" name="adj"/>
+                <a:gd name="adj" fmla="val 50000"/>
               </a:avLst>
             </a:prstGeom>
             <a:solidFill>
@@ -3018,12 +3083,12 @@
             </a:ln>
           </p:spPr>
           <p:txBody>
-            <a:bodyPr anchorCtr="0" anchor="ctr" bIns="91425" lIns="91425" spcFirstLastPara="1" rIns="91425" wrap="square" tIns="91425">
+            <a:bodyPr spcFirstLastPara="1" wrap="square" lIns="91425" tIns="91425" rIns="91425" bIns="91425" anchor="ctr" anchorCtr="0">
               <a:noAutofit/>
             </a:bodyPr>
             <a:lstStyle/>
             <a:p>
-              <a:pPr indent="0" lvl="0" marL="0" rtl="0" algn="l">
+              <a:pPr marL="0" lvl="0" indent="0" algn="l" rtl="0">
                 <a:spcBef>
                   <a:spcPts val="0"/>
                 </a:spcBef>
@@ -3032,9 +3097,6 @@
                 </a:spcAft>
                 <a:buNone/>
               </a:pPr>
-              <a:r>
-                <a:t/>
-              </a:r>
               <a:endParaRPr/>
             </a:p>
           </p:txBody>
@@ -3052,7 +3114,7 @@
             </a:xfrm>
             <a:prstGeom prst="diagStripe">
               <a:avLst>
-                <a:gd fmla="val 50000" name="adj"/>
+                <a:gd name="adj" fmla="val 50000"/>
               </a:avLst>
             </a:prstGeom>
             <a:solidFill>
@@ -3065,12 +3127,12 @@
             </a:ln>
           </p:spPr>
           <p:txBody>
-            <a:bodyPr anchorCtr="0" anchor="ctr" bIns="91425" lIns="91425" spcFirstLastPara="1" rIns="91425" wrap="square" tIns="91425">
+            <a:bodyPr spcFirstLastPara="1" wrap="square" lIns="91425" tIns="91425" rIns="91425" bIns="91425" anchor="ctr" anchorCtr="0">
               <a:noAutofit/>
             </a:bodyPr>
             <a:lstStyle/>
             <a:p>
-              <a:pPr indent="0" lvl="0" marL="0" rtl="0" algn="l">
+              <a:pPr marL="0" lvl="0" indent="0" algn="l" rtl="0">
                 <a:spcBef>
                   <a:spcPts val="0"/>
                 </a:spcBef>
@@ -3079,9 +3141,6 @@
                 </a:spcAft>
                 <a:buNone/>
               </a:pPr>
-              <a:r>
-                <a:t/>
-              </a:r>
               <a:endParaRPr/>
             </a:p>
           </p:txBody>
@@ -3099,7 +3158,7 @@
             </a:xfrm>
             <a:prstGeom prst="diagStripe">
               <a:avLst>
-                <a:gd fmla="val 50000" name="adj"/>
+                <a:gd name="adj" fmla="val 50000"/>
               </a:avLst>
             </a:prstGeom>
             <a:solidFill>
@@ -3110,12 +3169,12 @@
             </a:ln>
           </p:spPr>
           <p:txBody>
-            <a:bodyPr anchorCtr="0" anchor="ctr" bIns="91425" lIns="91425" spcFirstLastPara="1" rIns="91425" wrap="square" tIns="91425">
+            <a:bodyPr spcFirstLastPara="1" wrap="square" lIns="91425" tIns="91425" rIns="91425" bIns="91425" anchor="ctr" anchorCtr="0">
               <a:noAutofit/>
             </a:bodyPr>
             <a:lstStyle/>
             <a:p>
-              <a:pPr indent="0" lvl="0" marL="0" rtl="0" algn="l">
+              <a:pPr marL="0" lvl="0" indent="0" algn="l" rtl="0">
                 <a:spcBef>
                   <a:spcPts val="0"/>
                 </a:spcBef>
@@ -3124,9 +3183,6 @@
                 </a:spcAft>
                 <a:buNone/>
               </a:pPr>
-              <a:r>
-                <a:t/>
-              </a:r>
               <a:endParaRPr/>
             </a:p>
           </p:txBody>
@@ -3144,7 +3200,7 @@
             </a:xfrm>
             <a:prstGeom prst="diagStripe">
               <a:avLst>
-                <a:gd fmla="val 50000" name="adj"/>
+                <a:gd name="adj" fmla="val 50000"/>
               </a:avLst>
             </a:prstGeom>
             <a:solidFill>
@@ -3157,12 +3213,12 @@
             </a:ln>
           </p:spPr>
           <p:txBody>
-            <a:bodyPr anchorCtr="0" anchor="ctr" bIns="91425" lIns="91425" spcFirstLastPara="1" rIns="91425" wrap="square" tIns="91425">
+            <a:bodyPr spcFirstLastPara="1" wrap="square" lIns="91425" tIns="91425" rIns="91425" bIns="91425" anchor="ctr" anchorCtr="0">
               <a:noAutofit/>
             </a:bodyPr>
             <a:lstStyle/>
             <a:p>
-              <a:pPr indent="0" lvl="0" marL="0" rtl="0" algn="l">
+              <a:pPr marL="0" lvl="0" indent="0" algn="l" rtl="0">
                 <a:spcBef>
                   <a:spcPts val="0"/>
                 </a:spcBef>
@@ -3171,9 +3227,6 @@
                 </a:spcAft>
                 <a:buNone/>
               </a:pPr>
-              <a:r>
-                <a:t/>
-              </a:r>
               <a:endParaRPr/>
             </a:p>
           </p:txBody>
@@ -3191,7 +3244,7 @@
             </a:xfrm>
             <a:prstGeom prst="diagStripe">
               <a:avLst>
-                <a:gd fmla="val 50000" name="adj"/>
+                <a:gd name="adj" fmla="val 50000"/>
               </a:avLst>
             </a:prstGeom>
             <a:solidFill>
@@ -3204,12 +3257,12 @@
             </a:ln>
           </p:spPr>
           <p:txBody>
-            <a:bodyPr anchorCtr="0" anchor="ctr" bIns="91425" lIns="91425" spcFirstLastPara="1" rIns="91425" wrap="square" tIns="91425">
+            <a:bodyPr spcFirstLastPara="1" wrap="square" lIns="91425" tIns="91425" rIns="91425" bIns="91425" anchor="ctr" anchorCtr="0">
               <a:noAutofit/>
             </a:bodyPr>
             <a:lstStyle/>
             <a:p>
-              <a:pPr indent="0" lvl="0" marL="0" rtl="0" algn="l">
+              <a:pPr marL="0" lvl="0" indent="0" algn="l" rtl="0">
                 <a:spcBef>
                   <a:spcPts val="0"/>
                 </a:spcBef>
@@ -3218,9 +3271,6 @@
                 </a:spcAft>
                 <a:buNone/>
               </a:pPr>
-              <a:r>
-                <a:t/>
-              </a:r>
               <a:endParaRPr/>
             </a:p>
           </p:txBody>
@@ -3238,7 +3288,7 @@
             </a:xfrm>
             <a:prstGeom prst="diagStripe">
               <a:avLst>
-                <a:gd fmla="val 50000" name="adj"/>
+                <a:gd name="adj" fmla="val 50000"/>
               </a:avLst>
             </a:prstGeom>
             <a:solidFill>
@@ -3251,12 +3301,12 @@
             </a:ln>
           </p:spPr>
           <p:txBody>
-            <a:bodyPr anchorCtr="0" anchor="ctr" bIns="91425" lIns="91425" spcFirstLastPara="1" rIns="91425" wrap="square" tIns="91425">
+            <a:bodyPr spcFirstLastPara="1" wrap="square" lIns="91425" tIns="91425" rIns="91425" bIns="91425" anchor="ctr" anchorCtr="0">
               <a:noAutofit/>
             </a:bodyPr>
             <a:lstStyle/>
             <a:p>
-              <a:pPr indent="0" lvl="0" marL="0" rtl="0" algn="l">
+              <a:pPr marL="0" lvl="0" indent="0" algn="l" rtl="0">
                 <a:spcBef>
                   <a:spcPts val="0"/>
                 </a:spcBef>
@@ -3265,9 +3315,6 @@
                 </a:spcAft>
                 <a:buNone/>
               </a:pPr>
-              <a:r>
-                <a:t/>
-              </a:r>
               <a:endParaRPr/>
             </a:p>
           </p:txBody>
@@ -3285,7 +3332,7 @@
             </a:xfrm>
             <a:prstGeom prst="diagStripe">
               <a:avLst>
-                <a:gd fmla="val 50000" name="adj"/>
+                <a:gd name="adj" fmla="val 50000"/>
               </a:avLst>
             </a:prstGeom>
             <a:solidFill>
@@ -3298,12 +3345,12 @@
             </a:ln>
           </p:spPr>
           <p:txBody>
-            <a:bodyPr anchorCtr="0" anchor="ctr" bIns="91425" lIns="91425" spcFirstLastPara="1" rIns="91425" wrap="square" tIns="91425">
+            <a:bodyPr spcFirstLastPara="1" wrap="square" lIns="91425" tIns="91425" rIns="91425" bIns="91425" anchor="ctr" anchorCtr="0">
               <a:noAutofit/>
             </a:bodyPr>
             <a:lstStyle/>
             <a:p>
-              <a:pPr indent="0" lvl="0" marL="0" rtl="0" algn="l">
+              <a:pPr marL="0" lvl="0" indent="0" algn="l" rtl="0">
                 <a:spcBef>
                   <a:spcPts val="0"/>
                 </a:spcBef>
@@ -3312,9 +3359,6 @@
                 </a:spcAft>
                 <a:buNone/>
               </a:pPr>
-              <a:r>
-                <a:t/>
-              </a:r>
               <a:endParaRPr/>
             </a:p>
           </p:txBody>
@@ -3332,7 +3376,7 @@
             </a:xfrm>
             <a:prstGeom prst="diagStripe">
               <a:avLst>
-                <a:gd fmla="val 50000" name="adj"/>
+                <a:gd name="adj" fmla="val 50000"/>
               </a:avLst>
             </a:prstGeom>
             <a:solidFill>
@@ -3345,12 +3389,12 @@
             </a:ln>
           </p:spPr>
           <p:txBody>
-            <a:bodyPr anchorCtr="0" anchor="ctr" bIns="91425" lIns="91425" spcFirstLastPara="1" rIns="91425" wrap="square" tIns="91425">
+            <a:bodyPr spcFirstLastPara="1" wrap="square" lIns="91425" tIns="91425" rIns="91425" bIns="91425" anchor="ctr" anchorCtr="0">
               <a:noAutofit/>
             </a:bodyPr>
             <a:lstStyle/>
             <a:p>
-              <a:pPr indent="0" lvl="0" marL="0" rtl="0" algn="l">
+              <a:pPr marL="0" lvl="0" indent="0" algn="l" rtl="0">
                 <a:spcBef>
                   <a:spcPts val="0"/>
                 </a:spcBef>
@@ -3359,9 +3403,6 @@
                 </a:spcAft>
                 <a:buNone/>
               </a:pPr>
-              <a:r>
-                <a:t/>
-              </a:r>
               <a:endParaRPr/>
             </a:p>
           </p:txBody>
@@ -3379,7 +3420,7 @@
             </a:xfrm>
             <a:prstGeom prst="diagStripe">
               <a:avLst>
-                <a:gd fmla="val 50000" name="adj"/>
+                <a:gd name="adj" fmla="val 50000"/>
               </a:avLst>
             </a:prstGeom>
             <a:solidFill>
@@ -3390,12 +3431,12 @@
             </a:ln>
           </p:spPr>
           <p:txBody>
-            <a:bodyPr anchorCtr="0" anchor="ctr" bIns="91425" lIns="91425" spcFirstLastPara="1" rIns="91425" wrap="square" tIns="91425">
+            <a:bodyPr spcFirstLastPara="1" wrap="square" lIns="91425" tIns="91425" rIns="91425" bIns="91425" anchor="ctr" anchorCtr="0">
               <a:noAutofit/>
             </a:bodyPr>
             <a:lstStyle/>
             <a:p>
-              <a:pPr indent="0" lvl="0" marL="0" rtl="0" algn="l">
+              <a:pPr marL="0" lvl="0" indent="0" algn="l" rtl="0">
                 <a:spcBef>
                   <a:spcPts val="0"/>
                 </a:spcBef>
@@ -3404,9 +3445,6 @@
                 </a:spcAft>
                 <a:buNone/>
               </a:pPr>
-              <a:r>
-                <a:t/>
-              </a:r>
               <a:endParaRPr/>
             </a:p>
           </p:txBody>
@@ -3424,7 +3462,7 @@
             </a:xfrm>
             <a:prstGeom prst="diagStripe">
               <a:avLst>
-                <a:gd fmla="val 50000" name="adj"/>
+                <a:gd name="adj" fmla="val 50000"/>
               </a:avLst>
             </a:prstGeom>
             <a:solidFill>
@@ -3437,12 +3475,12 @@
             </a:ln>
           </p:spPr>
           <p:txBody>
-            <a:bodyPr anchorCtr="0" anchor="ctr" bIns="91425" lIns="91425" spcFirstLastPara="1" rIns="91425" wrap="square" tIns="91425">
+            <a:bodyPr spcFirstLastPara="1" wrap="square" lIns="91425" tIns="91425" rIns="91425" bIns="91425" anchor="ctr" anchorCtr="0">
               <a:noAutofit/>
             </a:bodyPr>
             <a:lstStyle/>
             <a:p>
-              <a:pPr indent="0" lvl="0" marL="0" rtl="0" algn="l">
+              <a:pPr marL="0" lvl="0" indent="0" algn="l" rtl="0">
                 <a:spcBef>
                   <a:spcPts val="0"/>
                 </a:spcBef>
@@ -3451,9 +3489,6 @@
                 </a:spcAft>
                 <a:buNone/>
               </a:pPr>
-              <a:r>
-                <a:t/>
-              </a:r>
               <a:endParaRPr/>
             </a:p>
           </p:txBody>
@@ -3471,7 +3506,7 @@
             </a:xfrm>
             <a:prstGeom prst="diagStripe">
               <a:avLst>
-                <a:gd fmla="val 50000" name="adj"/>
+                <a:gd name="adj" fmla="val 50000"/>
               </a:avLst>
             </a:prstGeom>
             <a:solidFill>
@@ -3484,12 +3519,12 @@
             </a:ln>
           </p:spPr>
           <p:txBody>
-            <a:bodyPr anchorCtr="0" anchor="ctr" bIns="91425" lIns="91425" spcFirstLastPara="1" rIns="91425" wrap="square" tIns="91425">
+            <a:bodyPr spcFirstLastPara="1" wrap="square" lIns="91425" tIns="91425" rIns="91425" bIns="91425" anchor="ctr" anchorCtr="0">
               <a:noAutofit/>
             </a:bodyPr>
             <a:lstStyle/>
             <a:p>
-              <a:pPr indent="0" lvl="0" marL="0" rtl="0" algn="l">
+              <a:pPr marL="0" lvl="0" indent="0" algn="l" rtl="0">
                 <a:spcBef>
                   <a:spcPts val="0"/>
                 </a:spcBef>
@@ -3498,9 +3533,6 @@
                 </a:spcAft>
                 <a:buNone/>
               </a:pPr>
-              <a:r>
-                <a:t/>
-              </a:r>
               <a:endParaRPr/>
             </a:p>
           </p:txBody>
@@ -3518,7 +3550,7 @@
             </a:xfrm>
             <a:prstGeom prst="diagStripe">
               <a:avLst>
-                <a:gd fmla="val 50000" name="adj"/>
+                <a:gd name="adj" fmla="val 50000"/>
               </a:avLst>
             </a:prstGeom>
             <a:solidFill>
@@ -3531,12 +3563,12 @@
             </a:ln>
           </p:spPr>
           <p:txBody>
-            <a:bodyPr anchorCtr="0" anchor="ctr" bIns="91425" lIns="91425" spcFirstLastPara="1" rIns="91425" wrap="square" tIns="91425">
+            <a:bodyPr spcFirstLastPara="1" wrap="square" lIns="91425" tIns="91425" rIns="91425" bIns="91425" anchor="ctr" anchorCtr="0">
               <a:noAutofit/>
             </a:bodyPr>
             <a:lstStyle/>
             <a:p>
-              <a:pPr indent="0" lvl="0" marL="0" rtl="0" algn="l">
+              <a:pPr marL="0" lvl="0" indent="0" algn="l" rtl="0">
                 <a:spcBef>
                   <a:spcPts val="0"/>
                 </a:spcBef>
@@ -3545,9 +3577,6 @@
                 </a:spcAft>
                 <a:buNone/>
               </a:pPr>
-              <a:r>
-                <a:t/>
-              </a:r>
               <a:endParaRPr/>
             </a:p>
           </p:txBody>
@@ -3565,7 +3594,7 @@
             </a:xfrm>
             <a:prstGeom prst="diagStripe">
               <a:avLst>
-                <a:gd fmla="val 50000" name="adj"/>
+                <a:gd name="adj" fmla="val 50000"/>
               </a:avLst>
             </a:prstGeom>
             <a:solidFill>
@@ -3578,12 +3607,12 @@
             </a:ln>
           </p:spPr>
           <p:txBody>
-            <a:bodyPr anchorCtr="0" anchor="ctr" bIns="91425" lIns="91425" spcFirstLastPara="1" rIns="91425" wrap="square" tIns="91425">
+            <a:bodyPr spcFirstLastPara="1" wrap="square" lIns="91425" tIns="91425" rIns="91425" bIns="91425" anchor="ctr" anchorCtr="0">
               <a:noAutofit/>
             </a:bodyPr>
             <a:lstStyle/>
             <a:p>
-              <a:pPr indent="0" lvl="0" marL="0" rtl="0" algn="l">
+              <a:pPr marL="0" lvl="0" indent="0" algn="l" rtl="0">
                 <a:spcBef>
                   <a:spcPts val="0"/>
                 </a:spcBef>
@@ -3592,9 +3621,6 @@
                 </a:spcAft>
                 <a:buNone/>
               </a:pPr>
-              <a:r>
-                <a:t/>
-              </a:r>
               <a:endParaRPr/>
             </a:p>
           </p:txBody>
@@ -3603,9 +3629,11 @@
       <p:sp>
         <p:nvSpPr>
           <p:cNvPr id="125" name="Google Shape;125;p11"/>
-          <p:cNvSpPr txBox="1"/>
+          <p:cNvSpPr txBox="1">
+            <a:spLocks noGrp="1"/>
+          </p:cNvSpPr>
           <p:nvPr>
-            <p:ph hasCustomPrompt="1" type="title"/>
+            <p:ph type="title" hasCustomPrompt="1"/>
           </p:nvPr>
         </p:nvSpPr>
         <p:spPr>
@@ -3618,7 +3646,7 @@
           </a:prstGeom>
         </p:spPr>
         <p:txBody>
-          <a:bodyPr anchorCtr="0" anchor="t" bIns="91425" lIns="91425" spcFirstLastPara="1" rIns="91425" wrap="square" tIns="91425">
+          <a:bodyPr spcFirstLastPara="1" wrap="square" lIns="91425" tIns="91425" rIns="91425" bIns="91425" anchor="t" anchorCtr="0">
             <a:normAutofit/>
           </a:bodyPr>
           <a:lstStyle>
@@ -3732,9 +3760,11 @@
       <p:sp>
         <p:nvSpPr>
           <p:cNvPr id="126" name="Google Shape;126;p11"/>
-          <p:cNvSpPr txBox="1"/>
+          <p:cNvSpPr txBox="1">
+            <a:spLocks noGrp="1"/>
+          </p:cNvSpPr>
           <p:nvPr>
-            <p:ph idx="1" type="body"/>
+            <p:ph type="body" idx="1"/>
           </p:nvPr>
         </p:nvSpPr>
         <p:spPr>
@@ -3747,11 +3777,11 @@
           </a:prstGeom>
         </p:spPr>
         <p:txBody>
-          <a:bodyPr anchorCtr="0" anchor="t" bIns="91425" lIns="91425" spcFirstLastPara="1" rIns="91425" wrap="square" tIns="91425">
+          <a:bodyPr spcFirstLastPara="1" wrap="square" lIns="91425" tIns="91425" rIns="91425" bIns="91425" anchor="t" anchorCtr="0">
             <a:normAutofit/>
           </a:bodyPr>
           <a:lstStyle>
-            <a:lvl1pPr indent="-311150" lvl="0" marL="457200">
+            <a:lvl1pPr marL="457200" lvl="0" indent="-311150">
               <a:spcBef>
                 <a:spcPts val="0"/>
               </a:spcBef>
@@ -3762,7 +3792,7 @@
               <a:buChar char="●"/>
               <a:defRPr/>
             </a:lvl1pPr>
-            <a:lvl2pPr indent="-298450" lvl="1" marL="914400">
+            <a:lvl2pPr marL="914400" lvl="1" indent="-298450">
               <a:spcBef>
                 <a:spcPts val="0"/>
               </a:spcBef>
@@ -3773,7 +3803,7 @@
               <a:buChar char="○"/>
               <a:defRPr/>
             </a:lvl2pPr>
-            <a:lvl3pPr indent="-298450" lvl="2" marL="1371600">
+            <a:lvl3pPr marL="1371600" lvl="2" indent="-298450">
               <a:spcBef>
                 <a:spcPts val="0"/>
               </a:spcBef>
@@ -3784,7 +3814,7 @@
               <a:buChar char="■"/>
               <a:defRPr/>
             </a:lvl3pPr>
-            <a:lvl4pPr indent="-298450" lvl="3" marL="1828800">
+            <a:lvl4pPr marL="1828800" lvl="3" indent="-298450">
               <a:spcBef>
                 <a:spcPts val="0"/>
               </a:spcBef>
@@ -3795,7 +3825,7 @@
               <a:buChar char="●"/>
               <a:defRPr/>
             </a:lvl4pPr>
-            <a:lvl5pPr indent="-298450" lvl="4" marL="2286000">
+            <a:lvl5pPr marL="2286000" lvl="4" indent="-298450">
               <a:spcBef>
                 <a:spcPts val="0"/>
               </a:spcBef>
@@ -3806,7 +3836,7 @@
               <a:buChar char="○"/>
               <a:defRPr/>
             </a:lvl5pPr>
-            <a:lvl6pPr indent="-298450" lvl="5" marL="2743200">
+            <a:lvl6pPr marL="2743200" lvl="5" indent="-298450">
               <a:spcBef>
                 <a:spcPts val="0"/>
               </a:spcBef>
@@ -3817,7 +3847,7 @@
               <a:buChar char="■"/>
               <a:defRPr/>
             </a:lvl6pPr>
-            <a:lvl7pPr indent="-298450" lvl="6" marL="3200400">
+            <a:lvl7pPr marL="3200400" lvl="6" indent="-298450">
               <a:spcBef>
                 <a:spcPts val="0"/>
               </a:spcBef>
@@ -3828,7 +3858,7 @@
               <a:buChar char="●"/>
               <a:defRPr/>
             </a:lvl7pPr>
-            <a:lvl8pPr indent="-298450" lvl="7" marL="3657600">
+            <a:lvl8pPr marL="3657600" lvl="7" indent="-298450">
               <a:spcBef>
                 <a:spcPts val="0"/>
               </a:spcBef>
@@ -3839,7 +3869,7 @@
               <a:buChar char="○"/>
               <a:defRPr/>
             </a:lvl8pPr>
-            <a:lvl9pPr indent="-298450" lvl="8" marL="4114800">
+            <a:lvl9pPr marL="4114800" lvl="8" indent="-298450">
               <a:spcBef>
                 <a:spcPts val="0"/>
               </a:spcBef>
@@ -3851,15 +3881,19 @@
               <a:defRPr/>
             </a:lvl9pPr>
           </a:lstStyle>
-          <a:p/>
+          <a:p>
+            <a:endParaRPr/>
+          </a:p>
         </p:txBody>
       </p:sp>
       <p:sp>
         <p:nvSpPr>
           <p:cNvPr id="127" name="Google Shape;127;p11"/>
-          <p:cNvSpPr txBox="1"/>
+          <p:cNvSpPr txBox="1">
+            <a:spLocks noGrp="1"/>
+          </p:cNvSpPr>
           <p:nvPr>
-            <p:ph idx="12" type="sldNum"/>
+            <p:ph type="sldNum" idx="12"/>
           </p:nvPr>
         </p:nvSpPr>
         <p:spPr>
@@ -3872,7 +3906,7 @@
           </a:prstGeom>
         </p:spPr>
         <p:txBody>
-          <a:bodyPr anchorCtr="0" anchor="ctr" bIns="91425" lIns="91425" spcFirstLastPara="1" rIns="91425" wrap="square" tIns="91425">
+          <a:bodyPr spcFirstLastPara="1" wrap="square" lIns="91425" tIns="91425" rIns="91425" bIns="91425" anchor="ctr" anchorCtr="0">
             <a:normAutofit/>
           </a:bodyPr>
           <a:lstStyle>
@@ -3914,7 +3948,7 @@
             </a:lvl9pPr>
           </a:lstStyle>
           <a:p>
-            <a:pPr indent="0" lvl="0" marL="0" rtl="0" algn="r">
+            <a:pPr marL="0" lvl="0" indent="0" algn="r" rtl="0">
               <a:spcBef>
                 <a:spcPts val="0"/>
               </a:spcBef>
@@ -3940,11 +3974,11 @@
 </file>
 
 <file path=ppt/slideLayouts/slideLayout11.xml><?xml version="1.0" encoding="utf-8"?>
-<p:sldLayout xmlns:a="http://schemas.openxmlformats.org/drawingml/2006/main" xmlns:r="http://schemas.openxmlformats.org/officeDocument/2006/relationships" xmlns:mc="http://schemas.openxmlformats.org/markup-compatibility/2006" xmlns:mv="urn:schemas-microsoft-com:mac:vml" xmlns:p="http://schemas.openxmlformats.org/presentationml/2006/main" xmlns:c="http://schemas.openxmlformats.org/drawingml/2006/chart" xmlns:dgm="http://schemas.openxmlformats.org/drawingml/2006/diagram" xmlns:o="urn:schemas-microsoft-com:office:office" xmlns:v="urn:schemas-microsoft-com:vml" xmlns:pvml="urn:schemas-microsoft-com:office:powerpoint" xmlns:com="http://schemas.openxmlformats.org/drawingml/2006/compatibility" xmlns:p14="http://schemas.microsoft.com/office/powerpoint/2010/main" xmlns:p15="http://schemas.microsoft.com/office/powerpoint/2012/main" xmlns:ahyp="http://schemas.microsoft.com/office/drawing/2018/hyperlinkcolor" matchingName="Blank" type="blank">
+<p:sldLayout xmlns:a="http://schemas.openxmlformats.org/drawingml/2006/main" xmlns:r="http://schemas.openxmlformats.org/officeDocument/2006/relationships" xmlns:p="http://schemas.openxmlformats.org/presentationml/2006/main" matchingName="Blank" type="blank">
   <p:cSld name="BLANK">
     <p:spTree>
       <p:nvGrpSpPr>
-        <p:cNvPr id="128" name="Shape 128"/>
+        <p:cNvPr id="1" name="Shape 128"/>
         <p:cNvGrpSpPr/>
         <p:nvPr/>
       </p:nvGrpSpPr>
@@ -3959,9 +3993,11 @@
       <p:sp>
         <p:nvSpPr>
           <p:cNvPr id="129" name="Google Shape;129;p12"/>
-          <p:cNvSpPr txBox="1"/>
+          <p:cNvSpPr txBox="1">
+            <a:spLocks noGrp="1"/>
+          </p:cNvSpPr>
           <p:nvPr>
-            <p:ph idx="12" type="sldNum"/>
+            <p:ph type="sldNum" idx="12"/>
           </p:nvPr>
         </p:nvSpPr>
         <p:spPr>
@@ -3974,7 +4010,7 @@
           </a:prstGeom>
         </p:spPr>
         <p:txBody>
-          <a:bodyPr anchorCtr="0" anchor="ctr" bIns="91425" lIns="91425" spcFirstLastPara="1" rIns="91425" wrap="square" tIns="91425">
+          <a:bodyPr spcFirstLastPara="1" wrap="square" lIns="91425" tIns="91425" rIns="91425" bIns="91425" anchor="ctr" anchorCtr="0">
             <a:normAutofit/>
           </a:bodyPr>
           <a:lstStyle>
@@ -4016,7 +4052,7 @@
             </a:lvl9pPr>
           </a:lstStyle>
           <a:p>
-            <a:pPr indent="0" lvl="0" marL="0" rtl="0" algn="r">
+            <a:pPr marL="0" lvl="0" indent="0" algn="r" rtl="0">
               <a:spcBef>
                 <a:spcPts val="0"/>
               </a:spcBef>
@@ -4042,11 +4078,11 @@
 </file>
 
 <file path=ppt/slideLayouts/slideLayout2.xml><?xml version="1.0" encoding="utf-8"?>
-<p:sldLayout xmlns:a="http://schemas.openxmlformats.org/drawingml/2006/main" xmlns:r="http://schemas.openxmlformats.org/officeDocument/2006/relationships" xmlns:mc="http://schemas.openxmlformats.org/markup-compatibility/2006" xmlns:mv="urn:schemas-microsoft-com:mac:vml" xmlns:p="http://schemas.openxmlformats.org/presentationml/2006/main" xmlns:c="http://schemas.openxmlformats.org/drawingml/2006/chart" xmlns:dgm="http://schemas.openxmlformats.org/drawingml/2006/diagram" xmlns:o="urn:schemas-microsoft-com:office:office" xmlns:v="urn:schemas-microsoft-com:vml" xmlns:pvml="urn:schemas-microsoft-com:office:powerpoint" xmlns:com="http://schemas.openxmlformats.org/drawingml/2006/compatibility" xmlns:p14="http://schemas.microsoft.com/office/powerpoint/2010/main" xmlns:p15="http://schemas.microsoft.com/office/powerpoint/2012/main" xmlns:ahyp="http://schemas.microsoft.com/office/drawing/2018/hyperlinkcolor" matchingName="Section header" type="secHead">
+<p:sldLayout xmlns:a="http://schemas.openxmlformats.org/drawingml/2006/main" xmlns:r="http://schemas.openxmlformats.org/officeDocument/2006/relationships" xmlns:p="http://schemas.openxmlformats.org/presentationml/2006/main" matchingName="Section header" type="secHead">
   <p:cSld name="SECTION_HEADER">
     <p:spTree>
       <p:nvGrpSpPr>
-        <p:cNvPr id="19" name="Shape 19"/>
+        <p:cNvPr id="1" name="Shape 19"/>
         <p:cNvGrpSpPr/>
         <p:nvPr/>
       </p:nvGrpSpPr>
@@ -4085,7 +4121,7 @@
             </a:xfrm>
             <a:prstGeom prst="diagStripe">
               <a:avLst>
-                <a:gd fmla="val 49469" name="adj"/>
+                <a:gd name="adj" fmla="val 49469"/>
               </a:avLst>
             </a:prstGeom>
             <a:solidFill>
@@ -4098,12 +4134,12 @@
             </a:ln>
           </p:spPr>
           <p:txBody>
-            <a:bodyPr anchorCtr="0" anchor="ctr" bIns="91425" lIns="91425" spcFirstLastPara="1" rIns="91425" wrap="square" tIns="91425">
+            <a:bodyPr spcFirstLastPara="1" wrap="square" lIns="91425" tIns="91425" rIns="91425" bIns="91425" anchor="ctr" anchorCtr="0">
               <a:noAutofit/>
             </a:bodyPr>
             <a:lstStyle/>
             <a:p>
-              <a:pPr indent="0" lvl="0" marL="0" rtl="0" algn="l">
+              <a:pPr marL="0" lvl="0" indent="0" algn="l" rtl="0">
                 <a:spcBef>
                   <a:spcPts val="0"/>
                 </a:spcBef>
@@ -4112,9 +4148,6 @@
                 </a:spcAft>
                 <a:buNone/>
               </a:pPr>
-              <a:r>
-                <a:t/>
-              </a:r>
               <a:endParaRPr/>
             </a:p>
           </p:txBody>
@@ -4132,7 +4165,7 @@
             </a:xfrm>
             <a:prstGeom prst="diagStripe">
               <a:avLst>
-                <a:gd fmla="val 0" name="adj"/>
+                <a:gd name="adj" fmla="val 0"/>
               </a:avLst>
             </a:prstGeom>
             <a:solidFill>
@@ -4145,12 +4178,12 @@
             </a:ln>
           </p:spPr>
           <p:txBody>
-            <a:bodyPr anchorCtr="0" anchor="ctr" bIns="91425" lIns="91425" spcFirstLastPara="1" rIns="91425" wrap="square" tIns="91425">
+            <a:bodyPr spcFirstLastPara="1" wrap="square" lIns="91425" tIns="91425" rIns="91425" bIns="91425" anchor="ctr" anchorCtr="0">
               <a:noAutofit/>
             </a:bodyPr>
             <a:lstStyle/>
             <a:p>
-              <a:pPr indent="0" lvl="0" marL="0" rtl="0" algn="l">
+              <a:pPr marL="0" lvl="0" indent="0" algn="l" rtl="0">
                 <a:spcBef>
                   <a:spcPts val="0"/>
                 </a:spcBef>
@@ -4159,9 +4192,6 @@
                 </a:spcAft>
                 <a:buNone/>
               </a:pPr>
-              <a:r>
-                <a:t/>
-              </a:r>
               <a:endParaRPr/>
             </a:p>
           </p:txBody>
@@ -4179,7 +4209,7 @@
             </a:xfrm>
             <a:prstGeom prst="diagStripe">
               <a:avLst>
-                <a:gd fmla="val 50000" name="adj"/>
+                <a:gd name="adj" fmla="val 50000"/>
               </a:avLst>
             </a:prstGeom>
             <a:solidFill>
@@ -4192,12 +4222,12 @@
             </a:ln>
           </p:spPr>
           <p:txBody>
-            <a:bodyPr anchorCtr="0" anchor="ctr" bIns="91425" lIns="91425" spcFirstLastPara="1" rIns="91425" wrap="square" tIns="91425">
+            <a:bodyPr spcFirstLastPara="1" wrap="square" lIns="91425" tIns="91425" rIns="91425" bIns="91425" anchor="ctr" anchorCtr="0">
               <a:noAutofit/>
             </a:bodyPr>
             <a:lstStyle/>
             <a:p>
-              <a:pPr indent="0" lvl="0" marL="0" rtl="0" algn="l">
+              <a:pPr marL="0" lvl="0" indent="0" algn="l" rtl="0">
                 <a:spcBef>
                   <a:spcPts val="0"/>
                 </a:spcBef>
@@ -4206,9 +4236,6 @@
                 </a:spcAft>
                 <a:buNone/>
               </a:pPr>
-              <a:r>
-                <a:t/>
-              </a:r>
               <a:endParaRPr/>
             </a:p>
           </p:txBody>
@@ -4226,7 +4253,7 @@
             </a:xfrm>
             <a:prstGeom prst="diagStripe">
               <a:avLst>
-                <a:gd fmla="val 50000" name="adj"/>
+                <a:gd name="adj" fmla="val 50000"/>
               </a:avLst>
             </a:prstGeom>
             <a:solidFill>
@@ -4239,12 +4266,12 @@
             </a:ln>
           </p:spPr>
           <p:txBody>
-            <a:bodyPr anchorCtr="0" anchor="ctr" bIns="91425" lIns="91425" spcFirstLastPara="1" rIns="91425" wrap="square" tIns="91425">
+            <a:bodyPr spcFirstLastPara="1" wrap="square" lIns="91425" tIns="91425" rIns="91425" bIns="91425" anchor="ctr" anchorCtr="0">
               <a:noAutofit/>
             </a:bodyPr>
             <a:lstStyle/>
             <a:p>
-              <a:pPr indent="0" lvl="0" marL="0" rtl="0" algn="l">
+              <a:pPr marL="0" lvl="0" indent="0" algn="l" rtl="0">
                 <a:spcBef>
                   <a:spcPts val="0"/>
                 </a:spcBef>
@@ -4253,9 +4280,6 @@
                 </a:spcAft>
                 <a:buNone/>
               </a:pPr>
-              <a:r>
-                <a:t/>
-              </a:r>
               <a:endParaRPr/>
             </a:p>
           </p:txBody>
@@ -4273,7 +4297,7 @@
             </a:xfrm>
             <a:prstGeom prst="diagStripe">
               <a:avLst>
-                <a:gd fmla="val 50000" name="adj"/>
+                <a:gd name="adj" fmla="val 50000"/>
               </a:avLst>
             </a:prstGeom>
             <a:solidFill>
@@ -4286,12 +4310,12 @@
             </a:ln>
           </p:spPr>
           <p:txBody>
-            <a:bodyPr anchorCtr="0" anchor="ctr" bIns="91425" lIns="91425" spcFirstLastPara="1" rIns="91425" wrap="square" tIns="91425">
+            <a:bodyPr spcFirstLastPara="1" wrap="square" lIns="91425" tIns="91425" rIns="91425" bIns="91425" anchor="ctr" anchorCtr="0">
               <a:noAutofit/>
             </a:bodyPr>
             <a:lstStyle/>
             <a:p>
-              <a:pPr indent="0" lvl="0" marL="0" rtl="0" algn="l">
+              <a:pPr marL="0" lvl="0" indent="0" algn="l" rtl="0">
                 <a:spcBef>
                   <a:spcPts val="0"/>
                 </a:spcBef>
@@ -4300,9 +4324,6 @@
                 </a:spcAft>
                 <a:buNone/>
               </a:pPr>
-              <a:r>
-                <a:t/>
-              </a:r>
               <a:endParaRPr/>
             </a:p>
           </p:txBody>
@@ -4320,7 +4341,7 @@
             </a:xfrm>
             <a:prstGeom prst="diagStripe">
               <a:avLst>
-                <a:gd fmla="val 50000" name="adj"/>
+                <a:gd name="adj" fmla="val 50000"/>
               </a:avLst>
             </a:prstGeom>
             <a:solidFill>
@@ -4333,12 +4354,12 @@
             </a:ln>
           </p:spPr>
           <p:txBody>
-            <a:bodyPr anchorCtr="0" anchor="ctr" bIns="91425" lIns="91425" spcFirstLastPara="1" rIns="91425" wrap="square" tIns="91425">
+            <a:bodyPr spcFirstLastPara="1" wrap="square" lIns="91425" tIns="91425" rIns="91425" bIns="91425" anchor="ctr" anchorCtr="0">
               <a:noAutofit/>
             </a:bodyPr>
             <a:lstStyle/>
             <a:p>
-              <a:pPr indent="0" lvl="0" marL="0" rtl="0" algn="l">
+              <a:pPr marL="0" lvl="0" indent="0" algn="l" rtl="0">
                 <a:spcBef>
                   <a:spcPts val="0"/>
                 </a:spcBef>
@@ -4347,9 +4368,6 @@
                 </a:spcAft>
                 <a:buNone/>
               </a:pPr>
-              <a:r>
-                <a:t/>
-              </a:r>
               <a:endParaRPr/>
             </a:p>
           </p:txBody>
@@ -4367,7 +4385,7 @@
             </a:xfrm>
             <a:prstGeom prst="diagStripe">
               <a:avLst>
-                <a:gd fmla="val 50000" name="adj"/>
+                <a:gd name="adj" fmla="val 50000"/>
               </a:avLst>
             </a:prstGeom>
             <a:solidFill>
@@ -4380,12 +4398,12 @@
             </a:ln>
           </p:spPr>
           <p:txBody>
-            <a:bodyPr anchorCtr="0" anchor="ctr" bIns="91425" lIns="91425" spcFirstLastPara="1" rIns="91425" wrap="square" tIns="91425">
+            <a:bodyPr spcFirstLastPara="1" wrap="square" lIns="91425" tIns="91425" rIns="91425" bIns="91425" anchor="ctr" anchorCtr="0">
               <a:noAutofit/>
             </a:bodyPr>
             <a:lstStyle/>
             <a:p>
-              <a:pPr indent="0" lvl="0" marL="0" rtl="0" algn="l">
+              <a:pPr marL="0" lvl="0" indent="0" algn="l" rtl="0">
                 <a:spcBef>
                   <a:spcPts val="0"/>
                 </a:spcBef>
@@ -4394,9 +4412,6 @@
                 </a:spcAft>
                 <a:buNone/>
               </a:pPr>
-              <a:r>
-                <a:t/>
-              </a:r>
               <a:endParaRPr/>
             </a:p>
           </p:txBody>
@@ -4414,7 +4429,7 @@
             </a:xfrm>
             <a:prstGeom prst="diagStripe">
               <a:avLst>
-                <a:gd fmla="val 50000" name="adj"/>
+                <a:gd name="adj" fmla="val 50000"/>
               </a:avLst>
             </a:prstGeom>
             <a:solidFill>
@@ -4425,12 +4440,12 @@
             </a:ln>
           </p:spPr>
           <p:txBody>
-            <a:bodyPr anchorCtr="0" anchor="ctr" bIns="91425" lIns="91425" spcFirstLastPara="1" rIns="91425" wrap="square" tIns="91425">
+            <a:bodyPr spcFirstLastPara="1" wrap="square" lIns="91425" tIns="91425" rIns="91425" bIns="91425" anchor="ctr" anchorCtr="0">
               <a:noAutofit/>
             </a:bodyPr>
             <a:lstStyle/>
             <a:p>
-              <a:pPr indent="0" lvl="0" marL="0" rtl="0" algn="l">
+              <a:pPr marL="0" lvl="0" indent="0" algn="l" rtl="0">
                 <a:spcBef>
                   <a:spcPts val="0"/>
                 </a:spcBef>
@@ -4439,9 +4454,6 @@
                 </a:spcAft>
                 <a:buNone/>
               </a:pPr>
-              <a:r>
-                <a:t/>
-              </a:r>
               <a:endParaRPr/>
             </a:p>
           </p:txBody>
@@ -4459,7 +4471,7 @@
             </a:xfrm>
             <a:prstGeom prst="diagStripe">
               <a:avLst>
-                <a:gd fmla="val 50000" name="adj"/>
+                <a:gd name="adj" fmla="val 50000"/>
               </a:avLst>
             </a:prstGeom>
             <a:solidFill>
@@ -4472,12 +4484,12 @@
             </a:ln>
           </p:spPr>
           <p:txBody>
-            <a:bodyPr anchorCtr="0" anchor="ctr" bIns="91425" lIns="91425" spcFirstLastPara="1" rIns="91425" wrap="square" tIns="91425">
+            <a:bodyPr spcFirstLastPara="1" wrap="square" lIns="91425" tIns="91425" rIns="91425" bIns="91425" anchor="ctr" anchorCtr="0">
               <a:noAutofit/>
             </a:bodyPr>
             <a:lstStyle/>
             <a:p>
-              <a:pPr indent="0" lvl="0" marL="0" rtl="0" algn="l">
+              <a:pPr marL="0" lvl="0" indent="0" algn="l" rtl="0">
                 <a:spcBef>
                   <a:spcPts val="0"/>
                 </a:spcBef>
@@ -4486,9 +4498,6 @@
                 </a:spcAft>
                 <a:buNone/>
               </a:pPr>
-              <a:r>
-                <a:t/>
-              </a:r>
               <a:endParaRPr/>
             </a:p>
           </p:txBody>
@@ -4506,7 +4515,7 @@
             </a:xfrm>
             <a:prstGeom prst="diagStripe">
               <a:avLst>
-                <a:gd fmla="val 50000" name="adj"/>
+                <a:gd name="adj" fmla="val 50000"/>
               </a:avLst>
             </a:prstGeom>
             <a:solidFill>
@@ -4519,12 +4528,12 @@
             </a:ln>
           </p:spPr>
           <p:txBody>
-            <a:bodyPr anchorCtr="0" anchor="ctr" bIns="91425" lIns="91425" spcFirstLastPara="1" rIns="91425" wrap="square" tIns="91425">
+            <a:bodyPr spcFirstLastPara="1" wrap="square" lIns="91425" tIns="91425" rIns="91425" bIns="91425" anchor="ctr" anchorCtr="0">
               <a:noAutofit/>
             </a:bodyPr>
             <a:lstStyle/>
             <a:p>
-              <a:pPr indent="0" lvl="0" marL="0" rtl="0" algn="l">
+              <a:pPr marL="0" lvl="0" indent="0" algn="l" rtl="0">
                 <a:spcBef>
                   <a:spcPts val="0"/>
                 </a:spcBef>
@@ -4533,9 +4542,6 @@
                 </a:spcAft>
                 <a:buNone/>
               </a:pPr>
-              <a:r>
-                <a:t/>
-              </a:r>
               <a:endParaRPr/>
             </a:p>
           </p:txBody>
@@ -4553,7 +4559,7 @@
             </a:xfrm>
             <a:prstGeom prst="diagStripe">
               <a:avLst>
-                <a:gd fmla="val 50000" name="adj"/>
+                <a:gd name="adj" fmla="val 50000"/>
               </a:avLst>
             </a:prstGeom>
             <a:solidFill>
@@ -4566,12 +4572,12 @@
             </a:ln>
           </p:spPr>
           <p:txBody>
-            <a:bodyPr anchorCtr="0" anchor="ctr" bIns="91425" lIns="91425" spcFirstLastPara="1" rIns="91425" wrap="square" tIns="91425">
+            <a:bodyPr spcFirstLastPara="1" wrap="square" lIns="91425" tIns="91425" rIns="91425" bIns="91425" anchor="ctr" anchorCtr="0">
               <a:noAutofit/>
             </a:bodyPr>
             <a:lstStyle/>
             <a:p>
-              <a:pPr indent="0" lvl="0" marL="0" rtl="0" algn="l">
+              <a:pPr marL="0" lvl="0" indent="0" algn="l" rtl="0">
                 <a:spcBef>
                   <a:spcPts val="0"/>
                 </a:spcBef>
@@ -4580,9 +4586,6 @@
                 </a:spcAft>
                 <a:buNone/>
               </a:pPr>
-              <a:r>
-                <a:t/>
-              </a:r>
               <a:endParaRPr/>
             </a:p>
           </p:txBody>
@@ -4600,7 +4603,7 @@
             </a:xfrm>
             <a:prstGeom prst="diagStripe">
               <a:avLst>
-                <a:gd fmla="val 50000" name="adj"/>
+                <a:gd name="adj" fmla="val 50000"/>
               </a:avLst>
             </a:prstGeom>
             <a:solidFill>
@@ -4613,12 +4616,12 @@
             </a:ln>
           </p:spPr>
           <p:txBody>
-            <a:bodyPr anchorCtr="0" anchor="ctr" bIns="91425" lIns="91425" spcFirstLastPara="1" rIns="91425" wrap="square" tIns="91425">
+            <a:bodyPr spcFirstLastPara="1" wrap="square" lIns="91425" tIns="91425" rIns="91425" bIns="91425" anchor="ctr" anchorCtr="0">
               <a:noAutofit/>
             </a:bodyPr>
             <a:lstStyle/>
             <a:p>
-              <a:pPr indent="0" lvl="0" marL="0" rtl="0" algn="l">
+              <a:pPr marL="0" lvl="0" indent="0" algn="l" rtl="0">
                 <a:spcBef>
                   <a:spcPts val="0"/>
                 </a:spcBef>
@@ -4627,9 +4630,6 @@
                 </a:spcAft>
                 <a:buNone/>
               </a:pPr>
-              <a:r>
-                <a:t/>
-              </a:r>
               <a:endParaRPr/>
             </a:p>
           </p:txBody>
@@ -4647,7 +4647,7 @@
             </a:xfrm>
             <a:prstGeom prst="diagStripe">
               <a:avLst>
-                <a:gd fmla="val 50000" name="adj"/>
+                <a:gd name="adj" fmla="val 50000"/>
               </a:avLst>
             </a:prstGeom>
             <a:solidFill>
@@ -4660,12 +4660,12 @@
             </a:ln>
           </p:spPr>
           <p:txBody>
-            <a:bodyPr anchorCtr="0" anchor="ctr" bIns="91425" lIns="91425" spcFirstLastPara="1" rIns="91425" wrap="square" tIns="91425">
+            <a:bodyPr spcFirstLastPara="1" wrap="square" lIns="91425" tIns="91425" rIns="91425" bIns="91425" anchor="ctr" anchorCtr="0">
               <a:noAutofit/>
             </a:bodyPr>
             <a:lstStyle/>
             <a:p>
-              <a:pPr indent="0" lvl="0" marL="0" rtl="0" algn="l">
+              <a:pPr marL="0" lvl="0" indent="0" algn="l" rtl="0">
                 <a:spcBef>
                   <a:spcPts val="0"/>
                 </a:spcBef>
@@ -4674,9 +4674,6 @@
                 </a:spcAft>
                 <a:buNone/>
               </a:pPr>
-              <a:r>
-                <a:t/>
-              </a:r>
               <a:endParaRPr/>
             </a:p>
           </p:txBody>
@@ -4694,7 +4691,7 @@
             </a:xfrm>
             <a:prstGeom prst="diagStripe">
               <a:avLst>
-                <a:gd fmla="val 50000" name="adj"/>
+                <a:gd name="adj" fmla="val 50000"/>
               </a:avLst>
             </a:prstGeom>
             <a:solidFill>
@@ -4705,12 +4702,12 @@
             </a:ln>
           </p:spPr>
           <p:txBody>
-            <a:bodyPr anchorCtr="0" anchor="ctr" bIns="91425" lIns="91425" spcFirstLastPara="1" rIns="91425" wrap="square" tIns="91425">
+            <a:bodyPr spcFirstLastPara="1" wrap="square" lIns="91425" tIns="91425" rIns="91425" bIns="91425" anchor="ctr" anchorCtr="0">
               <a:noAutofit/>
             </a:bodyPr>
             <a:lstStyle/>
             <a:p>
-              <a:pPr indent="0" lvl="0" marL="0" rtl="0" algn="l">
+              <a:pPr marL="0" lvl="0" indent="0" algn="l" rtl="0">
                 <a:spcBef>
                   <a:spcPts val="0"/>
                 </a:spcBef>
@@ -4719,9 +4716,6 @@
                 </a:spcAft>
                 <a:buNone/>
               </a:pPr>
-              <a:r>
-                <a:t/>
-              </a:r>
               <a:endParaRPr/>
             </a:p>
           </p:txBody>
@@ -4739,7 +4733,7 @@
             </a:xfrm>
             <a:prstGeom prst="diagStripe">
               <a:avLst>
-                <a:gd fmla="val 50000" name="adj"/>
+                <a:gd name="adj" fmla="val 50000"/>
               </a:avLst>
             </a:prstGeom>
             <a:solidFill>
@@ -4752,12 +4746,12 @@
             </a:ln>
           </p:spPr>
           <p:txBody>
-            <a:bodyPr anchorCtr="0" anchor="ctr" bIns="91425" lIns="91425" spcFirstLastPara="1" rIns="91425" wrap="square" tIns="91425">
+            <a:bodyPr spcFirstLastPara="1" wrap="square" lIns="91425" tIns="91425" rIns="91425" bIns="91425" anchor="ctr" anchorCtr="0">
               <a:noAutofit/>
             </a:bodyPr>
             <a:lstStyle/>
             <a:p>
-              <a:pPr indent="0" lvl="0" marL="0" rtl="0" algn="l">
+              <a:pPr marL="0" lvl="0" indent="0" algn="l" rtl="0">
                 <a:spcBef>
                   <a:spcPts val="0"/>
                 </a:spcBef>
@@ -4766,9 +4760,6 @@
                 </a:spcAft>
                 <a:buNone/>
               </a:pPr>
-              <a:r>
-                <a:t/>
-              </a:r>
               <a:endParaRPr/>
             </a:p>
           </p:txBody>
@@ -4786,7 +4777,7 @@
             </a:xfrm>
             <a:prstGeom prst="diagStripe">
               <a:avLst>
-                <a:gd fmla="val 50000" name="adj"/>
+                <a:gd name="adj" fmla="val 50000"/>
               </a:avLst>
             </a:prstGeom>
             <a:solidFill>
@@ -4799,12 +4790,12 @@
             </a:ln>
           </p:spPr>
           <p:txBody>
-            <a:bodyPr anchorCtr="0" anchor="ctr" bIns="91425" lIns="91425" spcFirstLastPara="1" rIns="91425" wrap="square" tIns="91425">
+            <a:bodyPr spcFirstLastPara="1" wrap="square" lIns="91425" tIns="91425" rIns="91425" bIns="91425" anchor="ctr" anchorCtr="0">
               <a:noAutofit/>
             </a:bodyPr>
             <a:lstStyle/>
             <a:p>
-              <a:pPr indent="0" lvl="0" marL="0" rtl="0" algn="l">
+              <a:pPr marL="0" lvl="0" indent="0" algn="l" rtl="0">
                 <a:spcBef>
                   <a:spcPts val="0"/>
                 </a:spcBef>
@@ -4813,9 +4804,6 @@
                 </a:spcAft>
                 <a:buNone/>
               </a:pPr>
-              <a:r>
-                <a:t/>
-              </a:r>
               <a:endParaRPr/>
             </a:p>
           </p:txBody>
@@ -4833,7 +4821,7 @@
             </a:xfrm>
             <a:prstGeom prst="diagStripe">
               <a:avLst>
-                <a:gd fmla="val 50000" name="adj"/>
+                <a:gd name="adj" fmla="val 50000"/>
               </a:avLst>
             </a:prstGeom>
             <a:solidFill>
@@ -4846,12 +4834,12 @@
             </a:ln>
           </p:spPr>
           <p:txBody>
-            <a:bodyPr anchorCtr="0" anchor="ctr" bIns="91425" lIns="91425" spcFirstLastPara="1" rIns="91425" wrap="square" tIns="91425">
+            <a:bodyPr spcFirstLastPara="1" wrap="square" lIns="91425" tIns="91425" rIns="91425" bIns="91425" anchor="ctr" anchorCtr="0">
               <a:noAutofit/>
             </a:bodyPr>
             <a:lstStyle/>
             <a:p>
-              <a:pPr indent="0" lvl="0" marL="0" rtl="0" algn="l">
+              <a:pPr marL="0" lvl="0" indent="0" algn="l" rtl="0">
                 <a:spcBef>
                   <a:spcPts val="0"/>
                 </a:spcBef>
@@ -4860,9 +4848,6 @@
                 </a:spcAft>
                 <a:buNone/>
               </a:pPr>
-              <a:r>
-                <a:t/>
-              </a:r>
               <a:endParaRPr/>
             </a:p>
           </p:txBody>
@@ -4880,7 +4865,7 @@
             </a:xfrm>
             <a:prstGeom prst="diagStripe">
               <a:avLst>
-                <a:gd fmla="val 50000" name="adj"/>
+                <a:gd name="adj" fmla="val 50000"/>
               </a:avLst>
             </a:prstGeom>
             <a:solidFill>
@@ -4893,12 +4878,12 @@
             </a:ln>
           </p:spPr>
           <p:txBody>
-            <a:bodyPr anchorCtr="0" anchor="ctr" bIns="91425" lIns="91425" spcFirstLastPara="1" rIns="91425" wrap="square" tIns="91425">
+            <a:bodyPr spcFirstLastPara="1" wrap="square" lIns="91425" tIns="91425" rIns="91425" bIns="91425" anchor="ctr" anchorCtr="0">
               <a:noAutofit/>
             </a:bodyPr>
             <a:lstStyle/>
             <a:p>
-              <a:pPr indent="0" lvl="0" marL="0" rtl="0" algn="l">
+              <a:pPr marL="0" lvl="0" indent="0" algn="l" rtl="0">
                 <a:spcBef>
                   <a:spcPts val="0"/>
                 </a:spcBef>
@@ -4907,9 +4892,6 @@
                 </a:spcAft>
                 <a:buNone/>
               </a:pPr>
-              <a:r>
-                <a:t/>
-              </a:r>
               <a:endParaRPr/>
             </a:p>
           </p:txBody>
@@ -4918,7 +4900,9 @@
       <p:sp>
         <p:nvSpPr>
           <p:cNvPr id="39" name="Google Shape;39;p3"/>
-          <p:cNvSpPr txBox="1"/>
+          <p:cNvSpPr txBox="1">
+            <a:spLocks noGrp="1"/>
+          </p:cNvSpPr>
           <p:nvPr>
             <p:ph type="title"/>
           </p:nvPr>
@@ -4933,7 +4917,7 @@
           </a:prstGeom>
         </p:spPr>
         <p:txBody>
-          <a:bodyPr anchorCtr="0" anchor="ctr" bIns="91425" lIns="91425" spcFirstLastPara="1" rIns="91425" wrap="square" tIns="91425">
+          <a:bodyPr spcFirstLastPara="1" wrap="square" lIns="91425" tIns="91425" rIns="91425" bIns="91425" anchor="ctr" anchorCtr="0">
             <a:normAutofit/>
           </a:bodyPr>
           <a:lstStyle>
@@ -5037,15 +5021,19 @@
               <a:defRPr/>
             </a:lvl9pPr>
           </a:lstStyle>
-          <a:p/>
+          <a:p>
+            <a:endParaRPr/>
+          </a:p>
         </p:txBody>
       </p:sp>
       <p:sp>
         <p:nvSpPr>
           <p:cNvPr id="40" name="Google Shape;40;p3"/>
-          <p:cNvSpPr txBox="1"/>
+          <p:cNvSpPr txBox="1">
+            <a:spLocks noGrp="1"/>
+          </p:cNvSpPr>
           <p:nvPr>
-            <p:ph idx="12" type="sldNum"/>
+            <p:ph type="sldNum" idx="12"/>
           </p:nvPr>
         </p:nvSpPr>
         <p:spPr>
@@ -5058,7 +5046,7 @@
           </a:prstGeom>
         </p:spPr>
         <p:txBody>
-          <a:bodyPr anchorCtr="0" anchor="ctr" bIns="91425" lIns="91425" spcFirstLastPara="1" rIns="91425" wrap="square" tIns="91425">
+          <a:bodyPr spcFirstLastPara="1" wrap="square" lIns="91425" tIns="91425" rIns="91425" bIns="91425" anchor="ctr" anchorCtr="0">
             <a:normAutofit/>
           </a:bodyPr>
           <a:lstStyle>
@@ -5100,7 +5088,7 @@
             </a:lvl9pPr>
           </a:lstStyle>
           <a:p>
-            <a:pPr indent="0" lvl="0" marL="0" rtl="0" algn="r">
+            <a:pPr marL="0" lvl="0" indent="0" algn="r" rtl="0">
               <a:spcBef>
                 <a:spcPts val="0"/>
               </a:spcBef>
@@ -5126,11 +5114,11 @@
 </file>
 
 <file path=ppt/slideLayouts/slideLayout3.xml><?xml version="1.0" encoding="utf-8"?>
-<p:sldLayout xmlns:a="http://schemas.openxmlformats.org/drawingml/2006/main" xmlns:r="http://schemas.openxmlformats.org/officeDocument/2006/relationships" xmlns:mc="http://schemas.openxmlformats.org/markup-compatibility/2006" xmlns:mv="urn:schemas-microsoft-com:mac:vml" xmlns:p="http://schemas.openxmlformats.org/presentationml/2006/main" xmlns:c="http://schemas.openxmlformats.org/drawingml/2006/chart" xmlns:dgm="http://schemas.openxmlformats.org/drawingml/2006/diagram" xmlns:o="urn:schemas-microsoft-com:office:office" xmlns:v="urn:schemas-microsoft-com:vml" xmlns:pvml="urn:schemas-microsoft-com:office:powerpoint" xmlns:com="http://schemas.openxmlformats.org/drawingml/2006/compatibility" xmlns:p14="http://schemas.microsoft.com/office/powerpoint/2010/main" xmlns:p15="http://schemas.microsoft.com/office/powerpoint/2012/main" xmlns:ahyp="http://schemas.microsoft.com/office/drawing/2018/hyperlinkcolor" matchingName="Title and body" type="tx">
+<p:sldLayout xmlns:a="http://schemas.openxmlformats.org/drawingml/2006/main" xmlns:r="http://schemas.openxmlformats.org/officeDocument/2006/relationships" xmlns:p="http://schemas.openxmlformats.org/presentationml/2006/main" matchingName="Title and body" type="tx">
   <p:cSld name="TITLE_AND_BODY">
     <p:spTree>
       <p:nvGrpSpPr>
-        <p:cNvPr id="41" name="Shape 41"/>
+        <p:cNvPr id="1" name="Shape 41"/>
         <p:cNvGrpSpPr/>
         <p:nvPr/>
       </p:nvGrpSpPr>
@@ -5169,7 +5157,7 @@
             </a:xfrm>
             <a:prstGeom prst="diagStripe">
               <a:avLst>
-                <a:gd fmla="val 50000" name="adj"/>
+                <a:gd name="adj" fmla="val 50000"/>
               </a:avLst>
             </a:prstGeom>
             <a:solidFill>
@@ -5180,12 +5168,12 @@
             </a:ln>
           </p:spPr>
           <p:txBody>
-            <a:bodyPr anchorCtr="0" anchor="ctr" bIns="91425" lIns="91425" spcFirstLastPara="1" rIns="91425" wrap="square" tIns="91425">
+            <a:bodyPr spcFirstLastPara="1" wrap="square" lIns="91425" tIns="91425" rIns="91425" bIns="91425" anchor="ctr" anchorCtr="0">
               <a:noAutofit/>
             </a:bodyPr>
             <a:lstStyle/>
             <a:p>
-              <a:pPr indent="0" lvl="0" marL="0" rtl="0" algn="l">
+              <a:pPr marL="0" lvl="0" indent="0" algn="l" rtl="0">
                 <a:spcBef>
                   <a:spcPts val="0"/>
                 </a:spcBef>
@@ -5194,9 +5182,6 @@
                 </a:spcAft>
                 <a:buNone/>
               </a:pPr>
-              <a:r>
-                <a:t/>
-              </a:r>
               <a:endParaRPr/>
             </a:p>
           </p:txBody>
@@ -5214,7 +5199,7 @@
             </a:xfrm>
             <a:prstGeom prst="diagStripe">
               <a:avLst>
-                <a:gd fmla="val 50000" name="adj"/>
+                <a:gd name="adj" fmla="val 50000"/>
               </a:avLst>
             </a:prstGeom>
             <a:solidFill>
@@ -5225,12 +5210,12 @@
             </a:ln>
           </p:spPr>
           <p:txBody>
-            <a:bodyPr anchorCtr="0" anchor="ctr" bIns="91425" lIns="91425" spcFirstLastPara="1" rIns="91425" wrap="square" tIns="91425">
+            <a:bodyPr spcFirstLastPara="1" wrap="square" lIns="91425" tIns="91425" rIns="91425" bIns="91425" anchor="ctr" anchorCtr="0">
               <a:noAutofit/>
             </a:bodyPr>
             <a:lstStyle/>
             <a:p>
-              <a:pPr indent="0" lvl="0" marL="0" rtl="0" algn="l">
+              <a:pPr marL="0" lvl="0" indent="0" algn="l" rtl="0">
                 <a:spcBef>
                   <a:spcPts val="0"/>
                 </a:spcBef>
@@ -5239,9 +5224,6 @@
                 </a:spcAft>
                 <a:buNone/>
               </a:pPr>
-              <a:r>
-                <a:t/>
-              </a:r>
               <a:endParaRPr/>
             </a:p>
           </p:txBody>
@@ -5250,7 +5232,9 @@
       <p:sp>
         <p:nvSpPr>
           <p:cNvPr id="45" name="Google Shape;45;p4"/>
-          <p:cNvSpPr txBox="1"/>
+          <p:cNvSpPr txBox="1">
+            <a:spLocks noGrp="1"/>
+          </p:cNvSpPr>
           <p:nvPr>
             <p:ph type="title"/>
           </p:nvPr>
@@ -5265,7 +5249,7 @@
           </a:prstGeom>
         </p:spPr>
         <p:txBody>
-          <a:bodyPr anchorCtr="0" anchor="t" bIns="91425" lIns="91425" spcFirstLastPara="1" rIns="91425" wrap="square" tIns="91425">
+          <a:bodyPr spcFirstLastPara="1" wrap="square" lIns="91425" tIns="91425" rIns="91425" bIns="91425" anchor="t" anchorCtr="0">
             <a:normAutofit/>
           </a:bodyPr>
           <a:lstStyle>
@@ -5369,15 +5353,19 @@
               <a:defRPr sz="2400"/>
             </a:lvl9pPr>
           </a:lstStyle>
-          <a:p/>
+          <a:p>
+            <a:endParaRPr/>
+          </a:p>
         </p:txBody>
       </p:sp>
       <p:sp>
         <p:nvSpPr>
           <p:cNvPr id="46" name="Google Shape;46;p4"/>
-          <p:cNvSpPr txBox="1"/>
+          <p:cNvSpPr txBox="1">
+            <a:spLocks noGrp="1"/>
+          </p:cNvSpPr>
           <p:nvPr>
-            <p:ph idx="1" type="body"/>
+            <p:ph type="body" idx="1"/>
           </p:nvPr>
         </p:nvSpPr>
         <p:spPr>
@@ -5390,11 +5378,11 @@
           </a:prstGeom>
         </p:spPr>
         <p:txBody>
-          <a:bodyPr anchorCtr="0" anchor="t" bIns="91425" lIns="91425" spcFirstLastPara="1" rIns="91425" wrap="square" tIns="91425">
+          <a:bodyPr spcFirstLastPara="1" wrap="square" lIns="91425" tIns="91425" rIns="91425" bIns="91425" anchor="t" anchorCtr="0">
             <a:normAutofit/>
           </a:bodyPr>
           <a:lstStyle>
-            <a:lvl1pPr indent="-311150" lvl="0" marL="457200">
+            <a:lvl1pPr marL="457200" lvl="0" indent="-311150">
               <a:spcBef>
                 <a:spcPts val="0"/>
               </a:spcBef>
@@ -5405,7 +5393,7 @@
               <a:buChar char="●"/>
               <a:defRPr/>
             </a:lvl1pPr>
-            <a:lvl2pPr indent="-298450" lvl="1" marL="914400">
+            <a:lvl2pPr marL="914400" lvl="1" indent="-298450">
               <a:spcBef>
                 <a:spcPts val="0"/>
               </a:spcBef>
@@ -5416,7 +5404,7 @@
               <a:buChar char="○"/>
               <a:defRPr/>
             </a:lvl2pPr>
-            <a:lvl3pPr indent="-298450" lvl="2" marL="1371600">
+            <a:lvl3pPr marL="1371600" lvl="2" indent="-298450">
               <a:spcBef>
                 <a:spcPts val="0"/>
               </a:spcBef>
@@ -5427,7 +5415,7 @@
               <a:buChar char="■"/>
               <a:defRPr/>
             </a:lvl3pPr>
-            <a:lvl4pPr indent="-298450" lvl="3" marL="1828800">
+            <a:lvl4pPr marL="1828800" lvl="3" indent="-298450">
               <a:spcBef>
                 <a:spcPts val="0"/>
               </a:spcBef>
@@ -5438,7 +5426,7 @@
               <a:buChar char="●"/>
               <a:defRPr/>
             </a:lvl4pPr>
-            <a:lvl5pPr indent="-298450" lvl="4" marL="2286000">
+            <a:lvl5pPr marL="2286000" lvl="4" indent="-298450">
               <a:spcBef>
                 <a:spcPts val="0"/>
               </a:spcBef>
@@ -5449,7 +5437,7 @@
               <a:buChar char="○"/>
               <a:defRPr/>
             </a:lvl5pPr>
-            <a:lvl6pPr indent="-298450" lvl="5" marL="2743200">
+            <a:lvl6pPr marL="2743200" lvl="5" indent="-298450">
               <a:spcBef>
                 <a:spcPts val="0"/>
               </a:spcBef>
@@ -5460,7 +5448,7 @@
               <a:buChar char="■"/>
               <a:defRPr/>
             </a:lvl6pPr>
-            <a:lvl7pPr indent="-298450" lvl="6" marL="3200400">
+            <a:lvl7pPr marL="3200400" lvl="6" indent="-298450">
               <a:spcBef>
                 <a:spcPts val="0"/>
               </a:spcBef>
@@ -5471,7 +5459,7 @@
               <a:buChar char="●"/>
               <a:defRPr/>
             </a:lvl7pPr>
-            <a:lvl8pPr indent="-298450" lvl="7" marL="3657600">
+            <a:lvl8pPr marL="3657600" lvl="7" indent="-298450">
               <a:spcBef>
                 <a:spcPts val="0"/>
               </a:spcBef>
@@ -5482,7 +5470,7 @@
               <a:buChar char="○"/>
               <a:defRPr/>
             </a:lvl8pPr>
-            <a:lvl9pPr indent="-298450" lvl="8" marL="4114800">
+            <a:lvl9pPr marL="4114800" lvl="8" indent="-298450">
               <a:spcBef>
                 <a:spcPts val="0"/>
               </a:spcBef>
@@ -5494,15 +5482,19 @@
               <a:defRPr/>
             </a:lvl9pPr>
           </a:lstStyle>
-          <a:p/>
+          <a:p>
+            <a:endParaRPr/>
+          </a:p>
         </p:txBody>
       </p:sp>
       <p:sp>
         <p:nvSpPr>
           <p:cNvPr id="47" name="Google Shape;47;p4"/>
-          <p:cNvSpPr txBox="1"/>
+          <p:cNvSpPr txBox="1">
+            <a:spLocks noGrp="1"/>
+          </p:cNvSpPr>
           <p:nvPr>
-            <p:ph idx="12" type="sldNum"/>
+            <p:ph type="sldNum" idx="12"/>
           </p:nvPr>
         </p:nvSpPr>
         <p:spPr>
@@ -5515,7 +5507,7 @@
           </a:prstGeom>
         </p:spPr>
         <p:txBody>
-          <a:bodyPr anchorCtr="0" anchor="ctr" bIns="91425" lIns="91425" spcFirstLastPara="1" rIns="91425" wrap="square" tIns="91425">
+          <a:bodyPr spcFirstLastPara="1" wrap="square" lIns="91425" tIns="91425" rIns="91425" bIns="91425" anchor="ctr" anchorCtr="0">
             <a:normAutofit/>
           </a:bodyPr>
           <a:lstStyle>
@@ -5557,7 +5549,7 @@
             </a:lvl9pPr>
           </a:lstStyle>
           <a:p>
-            <a:pPr indent="0" lvl="0" marL="0" rtl="0" algn="r">
+            <a:pPr marL="0" lvl="0" indent="0" algn="r" rtl="0">
               <a:spcBef>
                 <a:spcPts val="0"/>
               </a:spcBef>
@@ -5583,11 +5575,11 @@
 </file>
 
 <file path=ppt/slideLayouts/slideLayout4.xml><?xml version="1.0" encoding="utf-8"?>
-<p:sldLayout xmlns:a="http://schemas.openxmlformats.org/drawingml/2006/main" xmlns:r="http://schemas.openxmlformats.org/officeDocument/2006/relationships" xmlns:mc="http://schemas.openxmlformats.org/markup-compatibility/2006" xmlns:mv="urn:schemas-microsoft-com:mac:vml" xmlns:p="http://schemas.openxmlformats.org/presentationml/2006/main" xmlns:c="http://schemas.openxmlformats.org/drawingml/2006/chart" xmlns:dgm="http://schemas.openxmlformats.org/drawingml/2006/diagram" xmlns:o="urn:schemas-microsoft-com:office:office" xmlns:v="urn:schemas-microsoft-com:vml" xmlns:pvml="urn:schemas-microsoft-com:office:powerpoint" xmlns:com="http://schemas.openxmlformats.org/drawingml/2006/compatibility" xmlns:p14="http://schemas.microsoft.com/office/powerpoint/2010/main" xmlns:p15="http://schemas.microsoft.com/office/powerpoint/2012/main" xmlns:ahyp="http://schemas.microsoft.com/office/drawing/2018/hyperlinkcolor" matchingName="Title and two columns" type="twoColTx">
+<p:sldLayout xmlns:a="http://schemas.openxmlformats.org/drawingml/2006/main" xmlns:r="http://schemas.openxmlformats.org/officeDocument/2006/relationships" xmlns:p="http://schemas.openxmlformats.org/presentationml/2006/main" matchingName="Title and two columns" type="twoColTx">
   <p:cSld name="TITLE_AND_TWO_COLUMNS">
     <p:spTree>
       <p:nvGrpSpPr>
-        <p:cNvPr id="48" name="Shape 48"/>
+        <p:cNvPr id="1" name="Shape 48"/>
         <p:cNvGrpSpPr/>
         <p:nvPr/>
       </p:nvGrpSpPr>
@@ -5626,7 +5618,7 @@
             </a:xfrm>
             <a:prstGeom prst="diagStripe">
               <a:avLst>
-                <a:gd fmla="val 50000" name="adj"/>
+                <a:gd name="adj" fmla="val 50000"/>
               </a:avLst>
             </a:prstGeom>
             <a:solidFill>
@@ -5637,12 +5629,12 @@
             </a:ln>
           </p:spPr>
           <p:txBody>
-            <a:bodyPr anchorCtr="0" anchor="ctr" bIns="91425" lIns="91425" spcFirstLastPara="1" rIns="91425" wrap="square" tIns="91425">
+            <a:bodyPr spcFirstLastPara="1" wrap="square" lIns="91425" tIns="91425" rIns="91425" bIns="91425" anchor="ctr" anchorCtr="0">
               <a:noAutofit/>
             </a:bodyPr>
             <a:lstStyle/>
             <a:p>
-              <a:pPr indent="0" lvl="0" marL="0" rtl="0" algn="l">
+              <a:pPr marL="0" lvl="0" indent="0" algn="l" rtl="0">
                 <a:spcBef>
                   <a:spcPts val="0"/>
                 </a:spcBef>
@@ -5651,9 +5643,6 @@
                 </a:spcAft>
                 <a:buNone/>
               </a:pPr>
-              <a:r>
-                <a:t/>
-              </a:r>
               <a:endParaRPr/>
             </a:p>
           </p:txBody>
@@ -5671,7 +5660,7 @@
             </a:xfrm>
             <a:prstGeom prst="diagStripe">
               <a:avLst>
-                <a:gd fmla="val 50000" name="adj"/>
+                <a:gd name="adj" fmla="val 50000"/>
               </a:avLst>
             </a:prstGeom>
             <a:solidFill>
@@ -5682,12 +5671,12 @@
             </a:ln>
           </p:spPr>
           <p:txBody>
-            <a:bodyPr anchorCtr="0" anchor="ctr" bIns="91425" lIns="91425" spcFirstLastPara="1" rIns="91425" wrap="square" tIns="91425">
+            <a:bodyPr spcFirstLastPara="1" wrap="square" lIns="91425" tIns="91425" rIns="91425" bIns="91425" anchor="ctr" anchorCtr="0">
               <a:noAutofit/>
             </a:bodyPr>
             <a:lstStyle/>
             <a:p>
-              <a:pPr indent="0" lvl="0" marL="0" rtl="0" algn="l">
+              <a:pPr marL="0" lvl="0" indent="0" algn="l" rtl="0">
                 <a:spcBef>
                   <a:spcPts val="0"/>
                 </a:spcBef>
@@ -5696,9 +5685,6 @@
                 </a:spcAft>
                 <a:buNone/>
               </a:pPr>
-              <a:r>
-                <a:t/>
-              </a:r>
               <a:endParaRPr/>
             </a:p>
           </p:txBody>
@@ -5707,7 +5693,9 @@
       <p:sp>
         <p:nvSpPr>
           <p:cNvPr id="52" name="Google Shape;52;p5"/>
-          <p:cNvSpPr txBox="1"/>
+          <p:cNvSpPr txBox="1">
+            <a:spLocks noGrp="1"/>
+          </p:cNvSpPr>
           <p:nvPr>
             <p:ph type="title"/>
           </p:nvPr>
@@ -5722,7 +5710,7 @@
           </a:prstGeom>
         </p:spPr>
         <p:txBody>
-          <a:bodyPr anchorCtr="0" anchor="t" bIns="91425" lIns="91425" spcFirstLastPara="1" rIns="91425" wrap="square" tIns="91425">
+          <a:bodyPr spcFirstLastPara="1" wrap="square" lIns="91425" tIns="91425" rIns="91425" bIns="91425" anchor="t" anchorCtr="0">
             <a:normAutofit/>
           </a:bodyPr>
           <a:lstStyle>
@@ -5826,15 +5814,19 @@
               <a:defRPr sz="2400"/>
             </a:lvl9pPr>
           </a:lstStyle>
-          <a:p/>
+          <a:p>
+            <a:endParaRPr/>
+          </a:p>
         </p:txBody>
       </p:sp>
       <p:sp>
         <p:nvSpPr>
           <p:cNvPr id="53" name="Google Shape;53;p5"/>
-          <p:cNvSpPr txBox="1"/>
+          <p:cNvSpPr txBox="1">
+            <a:spLocks noGrp="1"/>
+          </p:cNvSpPr>
           <p:nvPr>
-            <p:ph idx="1" type="body"/>
+            <p:ph type="body" idx="1"/>
           </p:nvPr>
         </p:nvSpPr>
         <p:spPr>
@@ -5847,11 +5839,11 @@
           </a:prstGeom>
         </p:spPr>
         <p:txBody>
-          <a:bodyPr anchorCtr="0" anchor="t" bIns="91425" lIns="91425" spcFirstLastPara="1" rIns="91425" wrap="square" tIns="91425">
+          <a:bodyPr spcFirstLastPara="1" wrap="square" lIns="91425" tIns="91425" rIns="91425" bIns="91425" anchor="t" anchorCtr="0">
             <a:normAutofit/>
           </a:bodyPr>
           <a:lstStyle>
-            <a:lvl1pPr indent="-311150" lvl="0" marL="457200">
+            <a:lvl1pPr marL="457200" lvl="0" indent="-311150">
               <a:spcBef>
                 <a:spcPts val="0"/>
               </a:spcBef>
@@ -5862,7 +5854,7 @@
               <a:buChar char="●"/>
               <a:defRPr/>
             </a:lvl1pPr>
-            <a:lvl2pPr indent="-298450" lvl="1" marL="914400">
+            <a:lvl2pPr marL="914400" lvl="1" indent="-298450">
               <a:spcBef>
                 <a:spcPts val="0"/>
               </a:spcBef>
@@ -5873,7 +5865,7 @@
               <a:buChar char="○"/>
               <a:defRPr/>
             </a:lvl2pPr>
-            <a:lvl3pPr indent="-298450" lvl="2" marL="1371600">
+            <a:lvl3pPr marL="1371600" lvl="2" indent="-298450">
               <a:spcBef>
                 <a:spcPts val="0"/>
               </a:spcBef>
@@ -5884,7 +5876,7 @@
               <a:buChar char="■"/>
               <a:defRPr/>
             </a:lvl3pPr>
-            <a:lvl4pPr indent="-298450" lvl="3" marL="1828800">
+            <a:lvl4pPr marL="1828800" lvl="3" indent="-298450">
               <a:spcBef>
                 <a:spcPts val="0"/>
               </a:spcBef>
@@ -5895,7 +5887,7 @@
               <a:buChar char="●"/>
               <a:defRPr/>
             </a:lvl4pPr>
-            <a:lvl5pPr indent="-298450" lvl="4" marL="2286000">
+            <a:lvl5pPr marL="2286000" lvl="4" indent="-298450">
               <a:spcBef>
                 <a:spcPts val="0"/>
               </a:spcBef>
@@ -5906,7 +5898,7 @@
               <a:buChar char="○"/>
               <a:defRPr/>
             </a:lvl5pPr>
-            <a:lvl6pPr indent="-298450" lvl="5" marL="2743200">
+            <a:lvl6pPr marL="2743200" lvl="5" indent="-298450">
               <a:spcBef>
                 <a:spcPts val="0"/>
               </a:spcBef>
@@ -5917,7 +5909,7 @@
               <a:buChar char="■"/>
               <a:defRPr/>
             </a:lvl6pPr>
-            <a:lvl7pPr indent="-298450" lvl="6" marL="3200400">
+            <a:lvl7pPr marL="3200400" lvl="6" indent="-298450">
               <a:spcBef>
                 <a:spcPts val="0"/>
               </a:spcBef>
@@ -5928,7 +5920,7 @@
               <a:buChar char="●"/>
               <a:defRPr/>
             </a:lvl7pPr>
-            <a:lvl8pPr indent="-298450" lvl="7" marL="3657600">
+            <a:lvl8pPr marL="3657600" lvl="7" indent="-298450">
               <a:spcBef>
                 <a:spcPts val="0"/>
               </a:spcBef>
@@ -5939,7 +5931,7 @@
               <a:buChar char="○"/>
               <a:defRPr/>
             </a:lvl8pPr>
-            <a:lvl9pPr indent="-298450" lvl="8" marL="4114800">
+            <a:lvl9pPr marL="4114800" lvl="8" indent="-298450">
               <a:spcBef>
                 <a:spcPts val="0"/>
               </a:spcBef>
@@ -5951,15 +5943,19 @@
               <a:defRPr/>
             </a:lvl9pPr>
           </a:lstStyle>
-          <a:p/>
+          <a:p>
+            <a:endParaRPr/>
+          </a:p>
         </p:txBody>
       </p:sp>
       <p:sp>
         <p:nvSpPr>
           <p:cNvPr id="54" name="Google Shape;54;p5"/>
-          <p:cNvSpPr txBox="1"/>
+          <p:cNvSpPr txBox="1">
+            <a:spLocks noGrp="1"/>
+          </p:cNvSpPr>
           <p:nvPr>
-            <p:ph idx="2" type="body"/>
+            <p:ph type="body" idx="2"/>
           </p:nvPr>
         </p:nvSpPr>
         <p:spPr>
@@ -5972,11 +5968,11 @@
           </a:prstGeom>
         </p:spPr>
         <p:txBody>
-          <a:bodyPr anchorCtr="0" anchor="t" bIns="91425" lIns="91425" spcFirstLastPara="1" rIns="91425" wrap="square" tIns="91425">
+          <a:bodyPr spcFirstLastPara="1" wrap="square" lIns="91425" tIns="91425" rIns="91425" bIns="91425" anchor="t" anchorCtr="0">
             <a:normAutofit/>
           </a:bodyPr>
           <a:lstStyle>
-            <a:lvl1pPr indent="-311150" lvl="0" marL="457200">
+            <a:lvl1pPr marL="457200" lvl="0" indent="-311150">
               <a:spcBef>
                 <a:spcPts val="0"/>
               </a:spcBef>
@@ -5987,7 +5983,7 @@
               <a:buChar char="●"/>
               <a:defRPr/>
             </a:lvl1pPr>
-            <a:lvl2pPr indent="-298450" lvl="1" marL="914400">
+            <a:lvl2pPr marL="914400" lvl="1" indent="-298450">
               <a:spcBef>
                 <a:spcPts val="0"/>
               </a:spcBef>
@@ -5998,7 +5994,7 @@
               <a:buChar char="○"/>
               <a:defRPr/>
             </a:lvl2pPr>
-            <a:lvl3pPr indent="-298450" lvl="2" marL="1371600">
+            <a:lvl3pPr marL="1371600" lvl="2" indent="-298450">
               <a:spcBef>
                 <a:spcPts val="0"/>
               </a:spcBef>
@@ -6009,7 +6005,7 @@
               <a:buChar char="■"/>
               <a:defRPr/>
             </a:lvl3pPr>
-            <a:lvl4pPr indent="-298450" lvl="3" marL="1828800">
+            <a:lvl4pPr marL="1828800" lvl="3" indent="-298450">
               <a:spcBef>
                 <a:spcPts val="0"/>
               </a:spcBef>
@@ -6020,7 +6016,7 @@
               <a:buChar char="●"/>
               <a:defRPr/>
             </a:lvl4pPr>
-            <a:lvl5pPr indent="-298450" lvl="4" marL="2286000">
+            <a:lvl5pPr marL="2286000" lvl="4" indent="-298450">
               <a:spcBef>
                 <a:spcPts val="0"/>
               </a:spcBef>
@@ -6031,7 +6027,7 @@
               <a:buChar char="○"/>
               <a:defRPr/>
             </a:lvl5pPr>
-            <a:lvl6pPr indent="-298450" lvl="5" marL="2743200">
+            <a:lvl6pPr marL="2743200" lvl="5" indent="-298450">
               <a:spcBef>
                 <a:spcPts val="0"/>
               </a:spcBef>
@@ -6042,7 +6038,7 @@
               <a:buChar char="■"/>
               <a:defRPr/>
             </a:lvl6pPr>
-            <a:lvl7pPr indent="-298450" lvl="6" marL="3200400">
+            <a:lvl7pPr marL="3200400" lvl="6" indent="-298450">
               <a:spcBef>
                 <a:spcPts val="0"/>
               </a:spcBef>
@@ -6053,7 +6049,7 @@
               <a:buChar char="●"/>
               <a:defRPr/>
             </a:lvl7pPr>
-            <a:lvl8pPr indent="-298450" lvl="7" marL="3657600">
+            <a:lvl8pPr marL="3657600" lvl="7" indent="-298450">
               <a:spcBef>
                 <a:spcPts val="0"/>
               </a:spcBef>
@@ -6064,7 +6060,7 @@
               <a:buChar char="○"/>
               <a:defRPr/>
             </a:lvl8pPr>
-            <a:lvl9pPr indent="-298450" lvl="8" marL="4114800">
+            <a:lvl9pPr marL="4114800" lvl="8" indent="-298450">
               <a:spcBef>
                 <a:spcPts val="0"/>
               </a:spcBef>
@@ -6076,15 +6072,19 @@
               <a:defRPr/>
             </a:lvl9pPr>
           </a:lstStyle>
-          <a:p/>
+          <a:p>
+            <a:endParaRPr/>
+          </a:p>
         </p:txBody>
       </p:sp>
       <p:sp>
         <p:nvSpPr>
           <p:cNvPr id="55" name="Google Shape;55;p5"/>
-          <p:cNvSpPr txBox="1"/>
+          <p:cNvSpPr txBox="1">
+            <a:spLocks noGrp="1"/>
+          </p:cNvSpPr>
           <p:nvPr>
-            <p:ph idx="12" type="sldNum"/>
+            <p:ph type="sldNum" idx="12"/>
           </p:nvPr>
         </p:nvSpPr>
         <p:spPr>
@@ -6097,7 +6097,7 @@
           </a:prstGeom>
         </p:spPr>
         <p:txBody>
-          <a:bodyPr anchorCtr="0" anchor="ctr" bIns="91425" lIns="91425" spcFirstLastPara="1" rIns="91425" wrap="square" tIns="91425">
+          <a:bodyPr spcFirstLastPara="1" wrap="square" lIns="91425" tIns="91425" rIns="91425" bIns="91425" anchor="ctr" anchorCtr="0">
             <a:normAutofit/>
           </a:bodyPr>
           <a:lstStyle>
@@ -6139,7 +6139,7 @@
             </a:lvl9pPr>
           </a:lstStyle>
           <a:p>
-            <a:pPr indent="0" lvl="0" marL="0" rtl="0" algn="r">
+            <a:pPr marL="0" lvl="0" indent="0" algn="r" rtl="0">
               <a:spcBef>
                 <a:spcPts val="0"/>
               </a:spcBef>
@@ -6165,11 +6165,11 @@
 </file>
 
 <file path=ppt/slideLayouts/slideLayout5.xml><?xml version="1.0" encoding="utf-8"?>
-<p:sldLayout xmlns:a="http://schemas.openxmlformats.org/drawingml/2006/main" xmlns:r="http://schemas.openxmlformats.org/officeDocument/2006/relationships" xmlns:mc="http://schemas.openxmlformats.org/markup-compatibility/2006" xmlns:mv="urn:schemas-microsoft-com:mac:vml" xmlns:p="http://schemas.openxmlformats.org/presentationml/2006/main" xmlns:c="http://schemas.openxmlformats.org/drawingml/2006/chart" xmlns:dgm="http://schemas.openxmlformats.org/drawingml/2006/diagram" xmlns:o="urn:schemas-microsoft-com:office:office" xmlns:v="urn:schemas-microsoft-com:vml" xmlns:pvml="urn:schemas-microsoft-com:office:powerpoint" xmlns:com="http://schemas.openxmlformats.org/drawingml/2006/compatibility" xmlns:p14="http://schemas.microsoft.com/office/powerpoint/2010/main" xmlns:p15="http://schemas.microsoft.com/office/powerpoint/2012/main" xmlns:ahyp="http://schemas.microsoft.com/office/drawing/2018/hyperlinkcolor" matchingName="Title only" type="titleOnly">
+<p:sldLayout xmlns:a="http://schemas.openxmlformats.org/drawingml/2006/main" xmlns:r="http://schemas.openxmlformats.org/officeDocument/2006/relationships" xmlns:p="http://schemas.openxmlformats.org/presentationml/2006/main" matchingName="Title only" type="titleOnly">
   <p:cSld name="TITLE_ONLY">
     <p:spTree>
       <p:nvGrpSpPr>
-        <p:cNvPr id="56" name="Shape 56"/>
+        <p:cNvPr id="1" name="Shape 56"/>
         <p:cNvGrpSpPr/>
         <p:nvPr/>
       </p:nvGrpSpPr>
@@ -6208,7 +6208,7 @@
             </a:xfrm>
             <a:prstGeom prst="diagStripe">
               <a:avLst>
-                <a:gd fmla="val 50000" name="adj"/>
+                <a:gd name="adj" fmla="val 50000"/>
               </a:avLst>
             </a:prstGeom>
             <a:solidFill>
@@ -6219,12 +6219,12 @@
             </a:ln>
           </p:spPr>
           <p:txBody>
-            <a:bodyPr anchorCtr="0" anchor="ctr" bIns="91425" lIns="91425" spcFirstLastPara="1" rIns="91425" wrap="square" tIns="91425">
+            <a:bodyPr spcFirstLastPara="1" wrap="square" lIns="91425" tIns="91425" rIns="91425" bIns="91425" anchor="ctr" anchorCtr="0">
               <a:noAutofit/>
             </a:bodyPr>
             <a:lstStyle/>
             <a:p>
-              <a:pPr indent="0" lvl="0" marL="0" rtl="0" algn="l">
+              <a:pPr marL="0" lvl="0" indent="0" algn="l" rtl="0">
                 <a:spcBef>
                   <a:spcPts val="0"/>
                 </a:spcBef>
@@ -6233,9 +6233,6 @@
                 </a:spcAft>
                 <a:buNone/>
               </a:pPr>
-              <a:r>
-                <a:t/>
-              </a:r>
               <a:endParaRPr/>
             </a:p>
           </p:txBody>
@@ -6253,7 +6250,7 @@
             </a:xfrm>
             <a:prstGeom prst="diagStripe">
               <a:avLst>
-                <a:gd fmla="val 50000" name="adj"/>
+                <a:gd name="adj" fmla="val 50000"/>
               </a:avLst>
             </a:prstGeom>
             <a:solidFill>
@@ -6264,12 +6261,12 @@
             </a:ln>
           </p:spPr>
           <p:txBody>
-            <a:bodyPr anchorCtr="0" anchor="ctr" bIns="91425" lIns="91425" spcFirstLastPara="1" rIns="91425" wrap="square" tIns="91425">
+            <a:bodyPr spcFirstLastPara="1" wrap="square" lIns="91425" tIns="91425" rIns="91425" bIns="91425" anchor="ctr" anchorCtr="0">
               <a:noAutofit/>
             </a:bodyPr>
             <a:lstStyle/>
             <a:p>
-              <a:pPr indent="0" lvl="0" marL="0" rtl="0" algn="l">
+              <a:pPr marL="0" lvl="0" indent="0" algn="l" rtl="0">
                 <a:spcBef>
                   <a:spcPts val="0"/>
                 </a:spcBef>
@@ -6278,9 +6275,6 @@
                 </a:spcAft>
                 <a:buNone/>
               </a:pPr>
-              <a:r>
-                <a:t/>
-              </a:r>
               <a:endParaRPr/>
             </a:p>
           </p:txBody>
@@ -6289,7 +6283,9 @@
       <p:sp>
         <p:nvSpPr>
           <p:cNvPr id="60" name="Google Shape;60;p6"/>
-          <p:cNvSpPr txBox="1"/>
+          <p:cNvSpPr txBox="1">
+            <a:spLocks noGrp="1"/>
+          </p:cNvSpPr>
           <p:nvPr>
             <p:ph type="title"/>
           </p:nvPr>
@@ -6304,7 +6300,7 @@
           </a:prstGeom>
         </p:spPr>
         <p:txBody>
-          <a:bodyPr anchorCtr="0" anchor="t" bIns="91425" lIns="91425" spcFirstLastPara="1" rIns="91425" wrap="square" tIns="91425">
+          <a:bodyPr spcFirstLastPara="1" wrap="square" lIns="91425" tIns="91425" rIns="91425" bIns="91425" anchor="t" anchorCtr="0">
             <a:normAutofit/>
           </a:bodyPr>
           <a:lstStyle>
@@ -6408,15 +6404,19 @@
               <a:defRPr sz="2400"/>
             </a:lvl9pPr>
           </a:lstStyle>
-          <a:p/>
+          <a:p>
+            <a:endParaRPr/>
+          </a:p>
         </p:txBody>
       </p:sp>
       <p:sp>
         <p:nvSpPr>
           <p:cNvPr id="61" name="Google Shape;61;p6"/>
-          <p:cNvSpPr txBox="1"/>
+          <p:cNvSpPr txBox="1">
+            <a:spLocks noGrp="1"/>
+          </p:cNvSpPr>
           <p:nvPr>
-            <p:ph idx="12" type="sldNum"/>
+            <p:ph type="sldNum" idx="12"/>
           </p:nvPr>
         </p:nvSpPr>
         <p:spPr>
@@ -6429,7 +6429,7 @@
           </a:prstGeom>
         </p:spPr>
         <p:txBody>
-          <a:bodyPr anchorCtr="0" anchor="ctr" bIns="91425" lIns="91425" spcFirstLastPara="1" rIns="91425" wrap="square" tIns="91425">
+          <a:bodyPr spcFirstLastPara="1" wrap="square" lIns="91425" tIns="91425" rIns="91425" bIns="91425" anchor="ctr" anchorCtr="0">
             <a:normAutofit/>
           </a:bodyPr>
           <a:lstStyle>
@@ -6471,7 +6471,7 @@
             </a:lvl9pPr>
           </a:lstStyle>
           <a:p>
-            <a:pPr indent="0" lvl="0" marL="0" rtl="0" algn="r">
+            <a:pPr marL="0" lvl="0" indent="0" algn="r" rtl="0">
               <a:spcBef>
                 <a:spcPts val="0"/>
               </a:spcBef>
@@ -6497,11 +6497,11 @@
 </file>
 
 <file path=ppt/slideLayouts/slideLayout6.xml><?xml version="1.0" encoding="utf-8"?>
-<p:sldLayout xmlns:a="http://schemas.openxmlformats.org/drawingml/2006/main" xmlns:r="http://schemas.openxmlformats.org/officeDocument/2006/relationships" xmlns:mc="http://schemas.openxmlformats.org/markup-compatibility/2006" xmlns:mv="urn:schemas-microsoft-com:mac:vml" xmlns:p="http://schemas.openxmlformats.org/presentationml/2006/main" xmlns:c="http://schemas.openxmlformats.org/drawingml/2006/chart" xmlns:dgm="http://schemas.openxmlformats.org/drawingml/2006/diagram" xmlns:o="urn:schemas-microsoft-com:office:office" xmlns:v="urn:schemas-microsoft-com:vml" xmlns:pvml="urn:schemas-microsoft-com:office:powerpoint" xmlns:com="http://schemas.openxmlformats.org/drawingml/2006/compatibility" xmlns:p14="http://schemas.microsoft.com/office/powerpoint/2010/main" xmlns:p15="http://schemas.microsoft.com/office/powerpoint/2012/main" xmlns:ahyp="http://schemas.microsoft.com/office/drawing/2018/hyperlinkcolor" matchingName="One column text">
+<p:sldLayout xmlns:a="http://schemas.openxmlformats.org/drawingml/2006/main" xmlns:r="http://schemas.openxmlformats.org/officeDocument/2006/relationships" xmlns:p="http://schemas.openxmlformats.org/presentationml/2006/main" matchingName="One column text">
   <p:cSld name="ONE_COLUMN_TEXT">
     <p:spTree>
       <p:nvGrpSpPr>
-        <p:cNvPr id="62" name="Shape 62"/>
+        <p:cNvPr id="1" name="Shape 62"/>
         <p:cNvGrpSpPr/>
         <p:nvPr/>
       </p:nvGrpSpPr>
@@ -6540,7 +6540,7 @@
             </a:xfrm>
             <a:prstGeom prst="diagStripe">
               <a:avLst>
-                <a:gd fmla="val 50000" name="adj"/>
+                <a:gd name="adj" fmla="val 50000"/>
               </a:avLst>
             </a:prstGeom>
             <a:solidFill>
@@ -6551,12 +6551,12 @@
             </a:ln>
           </p:spPr>
           <p:txBody>
-            <a:bodyPr anchorCtr="0" anchor="ctr" bIns="91425" lIns="91425" spcFirstLastPara="1" rIns="91425" wrap="square" tIns="91425">
+            <a:bodyPr spcFirstLastPara="1" wrap="square" lIns="91425" tIns="91425" rIns="91425" bIns="91425" anchor="ctr" anchorCtr="0">
               <a:noAutofit/>
             </a:bodyPr>
             <a:lstStyle/>
             <a:p>
-              <a:pPr indent="0" lvl="0" marL="0" rtl="0" algn="l">
+              <a:pPr marL="0" lvl="0" indent="0" algn="l" rtl="0">
                 <a:spcBef>
                   <a:spcPts val="0"/>
                 </a:spcBef>
@@ -6565,9 +6565,6 @@
                 </a:spcAft>
                 <a:buNone/>
               </a:pPr>
-              <a:r>
-                <a:t/>
-              </a:r>
               <a:endParaRPr/>
             </a:p>
           </p:txBody>
@@ -6585,7 +6582,7 @@
             </a:xfrm>
             <a:prstGeom prst="diagStripe">
               <a:avLst>
-                <a:gd fmla="val 50000" name="adj"/>
+                <a:gd name="adj" fmla="val 50000"/>
               </a:avLst>
             </a:prstGeom>
             <a:solidFill>
@@ -6596,12 +6593,12 @@
             </a:ln>
           </p:spPr>
           <p:txBody>
-            <a:bodyPr anchorCtr="0" anchor="ctr" bIns="91425" lIns="91425" spcFirstLastPara="1" rIns="91425" wrap="square" tIns="91425">
+            <a:bodyPr spcFirstLastPara="1" wrap="square" lIns="91425" tIns="91425" rIns="91425" bIns="91425" anchor="ctr" anchorCtr="0">
               <a:noAutofit/>
             </a:bodyPr>
             <a:lstStyle/>
             <a:p>
-              <a:pPr indent="0" lvl="0" marL="0" rtl="0" algn="l">
+              <a:pPr marL="0" lvl="0" indent="0" algn="l" rtl="0">
                 <a:spcBef>
                   <a:spcPts val="0"/>
                 </a:spcBef>
@@ -6610,9 +6607,6 @@
                 </a:spcAft>
                 <a:buNone/>
               </a:pPr>
-              <a:r>
-                <a:t/>
-              </a:r>
               <a:endParaRPr/>
             </a:p>
           </p:txBody>
@@ -6621,7 +6615,9 @@
       <p:sp>
         <p:nvSpPr>
           <p:cNvPr id="66" name="Google Shape;66;p7"/>
-          <p:cNvSpPr txBox="1"/>
+          <p:cNvSpPr txBox="1">
+            <a:spLocks noGrp="1"/>
+          </p:cNvSpPr>
           <p:nvPr>
             <p:ph type="title"/>
           </p:nvPr>
@@ -6636,7 +6632,7 @@
           </a:prstGeom>
         </p:spPr>
         <p:txBody>
-          <a:bodyPr anchorCtr="0" anchor="t" bIns="91425" lIns="91425" spcFirstLastPara="1" rIns="91425" wrap="square" tIns="91425">
+          <a:bodyPr spcFirstLastPara="1" wrap="square" lIns="91425" tIns="91425" rIns="91425" bIns="91425" anchor="t" anchorCtr="0">
             <a:normAutofit/>
           </a:bodyPr>
           <a:lstStyle>
@@ -6740,15 +6736,19 @@
               <a:defRPr sz="2400"/>
             </a:lvl9pPr>
           </a:lstStyle>
-          <a:p/>
+          <a:p>
+            <a:endParaRPr/>
+          </a:p>
         </p:txBody>
       </p:sp>
       <p:sp>
         <p:nvSpPr>
           <p:cNvPr id="67" name="Google Shape;67;p7"/>
-          <p:cNvSpPr txBox="1"/>
+          <p:cNvSpPr txBox="1">
+            <a:spLocks noGrp="1"/>
+          </p:cNvSpPr>
           <p:nvPr>
-            <p:ph idx="1" type="body"/>
+            <p:ph type="body" idx="1"/>
           </p:nvPr>
         </p:nvSpPr>
         <p:spPr>
@@ -6761,11 +6761,11 @@
           </a:prstGeom>
         </p:spPr>
         <p:txBody>
-          <a:bodyPr anchorCtr="0" anchor="t" bIns="91425" lIns="91425" spcFirstLastPara="1" rIns="91425" wrap="square" tIns="91425">
+          <a:bodyPr spcFirstLastPara="1" wrap="square" lIns="91425" tIns="91425" rIns="91425" bIns="91425" anchor="t" anchorCtr="0">
             <a:normAutofit/>
           </a:bodyPr>
           <a:lstStyle>
-            <a:lvl1pPr indent="-311150" lvl="0" marL="457200">
+            <a:lvl1pPr marL="457200" lvl="0" indent="-311150">
               <a:spcBef>
                 <a:spcPts val="0"/>
               </a:spcBef>
@@ -6776,7 +6776,7 @@
               <a:buChar char="●"/>
               <a:defRPr/>
             </a:lvl1pPr>
-            <a:lvl2pPr indent="-298450" lvl="1" marL="914400">
+            <a:lvl2pPr marL="914400" lvl="1" indent="-298450">
               <a:spcBef>
                 <a:spcPts val="0"/>
               </a:spcBef>
@@ -6787,7 +6787,7 @@
               <a:buChar char="○"/>
               <a:defRPr/>
             </a:lvl2pPr>
-            <a:lvl3pPr indent="-298450" lvl="2" marL="1371600">
+            <a:lvl3pPr marL="1371600" lvl="2" indent="-298450">
               <a:spcBef>
                 <a:spcPts val="0"/>
               </a:spcBef>
@@ -6798,7 +6798,7 @@
               <a:buChar char="■"/>
               <a:defRPr/>
             </a:lvl3pPr>
-            <a:lvl4pPr indent="-298450" lvl="3" marL="1828800">
+            <a:lvl4pPr marL="1828800" lvl="3" indent="-298450">
               <a:spcBef>
                 <a:spcPts val="0"/>
               </a:spcBef>
@@ -6809,7 +6809,7 @@
               <a:buChar char="●"/>
               <a:defRPr/>
             </a:lvl4pPr>
-            <a:lvl5pPr indent="-298450" lvl="4" marL="2286000">
+            <a:lvl5pPr marL="2286000" lvl="4" indent="-298450">
               <a:spcBef>
                 <a:spcPts val="0"/>
               </a:spcBef>
@@ -6820,7 +6820,7 @@
               <a:buChar char="○"/>
               <a:defRPr/>
             </a:lvl5pPr>
-            <a:lvl6pPr indent="-298450" lvl="5" marL="2743200">
+            <a:lvl6pPr marL="2743200" lvl="5" indent="-298450">
               <a:spcBef>
                 <a:spcPts val="0"/>
               </a:spcBef>
@@ -6831,7 +6831,7 @@
               <a:buChar char="■"/>
               <a:defRPr/>
             </a:lvl6pPr>
-            <a:lvl7pPr indent="-298450" lvl="6" marL="3200400">
+            <a:lvl7pPr marL="3200400" lvl="6" indent="-298450">
               <a:spcBef>
                 <a:spcPts val="0"/>
               </a:spcBef>
@@ -6842,7 +6842,7 @@
               <a:buChar char="●"/>
               <a:defRPr/>
             </a:lvl7pPr>
-            <a:lvl8pPr indent="-298450" lvl="7" marL="3657600">
+            <a:lvl8pPr marL="3657600" lvl="7" indent="-298450">
               <a:spcBef>
                 <a:spcPts val="0"/>
               </a:spcBef>
@@ -6853,7 +6853,7 @@
               <a:buChar char="○"/>
               <a:defRPr/>
             </a:lvl8pPr>
-            <a:lvl9pPr indent="-298450" lvl="8" marL="4114800">
+            <a:lvl9pPr marL="4114800" lvl="8" indent="-298450">
               <a:spcBef>
                 <a:spcPts val="0"/>
               </a:spcBef>
@@ -6865,15 +6865,19 @@
               <a:defRPr/>
             </a:lvl9pPr>
           </a:lstStyle>
-          <a:p/>
+          <a:p>
+            <a:endParaRPr/>
+          </a:p>
         </p:txBody>
       </p:sp>
       <p:sp>
         <p:nvSpPr>
           <p:cNvPr id="68" name="Google Shape;68;p7"/>
-          <p:cNvSpPr txBox="1"/>
+          <p:cNvSpPr txBox="1">
+            <a:spLocks noGrp="1"/>
+          </p:cNvSpPr>
           <p:nvPr>
-            <p:ph idx="12" type="sldNum"/>
+            <p:ph type="sldNum" idx="12"/>
           </p:nvPr>
         </p:nvSpPr>
         <p:spPr>
@@ -6886,7 +6890,7 @@
           </a:prstGeom>
         </p:spPr>
         <p:txBody>
-          <a:bodyPr anchorCtr="0" anchor="ctr" bIns="91425" lIns="91425" spcFirstLastPara="1" rIns="91425" wrap="square" tIns="91425">
+          <a:bodyPr spcFirstLastPara="1" wrap="square" lIns="91425" tIns="91425" rIns="91425" bIns="91425" anchor="ctr" anchorCtr="0">
             <a:normAutofit/>
           </a:bodyPr>
           <a:lstStyle>
@@ -6928,7 +6932,7 @@
             </a:lvl9pPr>
           </a:lstStyle>
           <a:p>
-            <a:pPr indent="0" lvl="0" marL="0" rtl="0" algn="r">
+            <a:pPr marL="0" lvl="0" indent="0" algn="r" rtl="0">
               <a:spcBef>
                 <a:spcPts val="0"/>
               </a:spcBef>
@@ -6954,11 +6958,11 @@
 </file>
 
 <file path=ppt/slideLayouts/slideLayout7.xml><?xml version="1.0" encoding="utf-8"?>
-<p:sldLayout xmlns:a="http://schemas.openxmlformats.org/drawingml/2006/main" xmlns:r="http://schemas.openxmlformats.org/officeDocument/2006/relationships" xmlns:mc="http://schemas.openxmlformats.org/markup-compatibility/2006" xmlns:mv="urn:schemas-microsoft-com:mac:vml" xmlns:p="http://schemas.openxmlformats.org/presentationml/2006/main" xmlns:c="http://schemas.openxmlformats.org/drawingml/2006/chart" xmlns:dgm="http://schemas.openxmlformats.org/drawingml/2006/diagram" xmlns:o="urn:schemas-microsoft-com:office:office" xmlns:v="urn:schemas-microsoft-com:vml" xmlns:pvml="urn:schemas-microsoft-com:office:powerpoint" xmlns:com="http://schemas.openxmlformats.org/drawingml/2006/compatibility" xmlns:p14="http://schemas.microsoft.com/office/powerpoint/2010/main" xmlns:p15="http://schemas.microsoft.com/office/powerpoint/2012/main" xmlns:ahyp="http://schemas.microsoft.com/office/drawing/2018/hyperlinkcolor" matchingName="Main point">
+<p:sldLayout xmlns:a="http://schemas.openxmlformats.org/drawingml/2006/main" xmlns:r="http://schemas.openxmlformats.org/officeDocument/2006/relationships" xmlns:p="http://schemas.openxmlformats.org/presentationml/2006/main" matchingName="Main point">
   <p:cSld name="MAIN_POINT">
     <p:spTree>
       <p:nvGrpSpPr>
-        <p:cNvPr id="69" name="Shape 69"/>
+        <p:cNvPr id="1" name="Shape 69"/>
         <p:cNvGrpSpPr/>
         <p:nvPr/>
       </p:nvGrpSpPr>
@@ -6997,7 +7001,7 @@
             </a:xfrm>
             <a:prstGeom prst="diagStripe">
               <a:avLst>
-                <a:gd fmla="val 49469" name="adj"/>
+                <a:gd name="adj" fmla="val 49469"/>
               </a:avLst>
             </a:prstGeom>
             <a:solidFill>
@@ -7010,12 +7014,12 @@
             </a:ln>
           </p:spPr>
           <p:txBody>
-            <a:bodyPr anchorCtr="0" anchor="ctr" bIns="91425" lIns="91425" spcFirstLastPara="1" rIns="91425" wrap="square" tIns="91425">
+            <a:bodyPr spcFirstLastPara="1" wrap="square" lIns="91425" tIns="91425" rIns="91425" bIns="91425" anchor="ctr" anchorCtr="0">
               <a:noAutofit/>
             </a:bodyPr>
             <a:lstStyle/>
             <a:p>
-              <a:pPr indent="0" lvl="0" marL="0" rtl="0" algn="l">
+              <a:pPr marL="0" lvl="0" indent="0" algn="l" rtl="0">
                 <a:spcBef>
                   <a:spcPts val="0"/>
                 </a:spcBef>
@@ -7024,9 +7028,6 @@
                 </a:spcAft>
                 <a:buNone/>
               </a:pPr>
-              <a:r>
-                <a:t/>
-              </a:r>
               <a:endParaRPr/>
             </a:p>
           </p:txBody>
@@ -7044,7 +7045,7 @@
             </a:xfrm>
             <a:prstGeom prst="diagStripe">
               <a:avLst>
-                <a:gd fmla="val 0" name="adj"/>
+                <a:gd name="adj" fmla="val 0"/>
               </a:avLst>
             </a:prstGeom>
             <a:solidFill>
@@ -7057,12 +7058,12 @@
             </a:ln>
           </p:spPr>
           <p:txBody>
-            <a:bodyPr anchorCtr="0" anchor="ctr" bIns="91425" lIns="91425" spcFirstLastPara="1" rIns="91425" wrap="square" tIns="91425">
+            <a:bodyPr spcFirstLastPara="1" wrap="square" lIns="91425" tIns="91425" rIns="91425" bIns="91425" anchor="ctr" anchorCtr="0">
               <a:noAutofit/>
             </a:bodyPr>
             <a:lstStyle/>
             <a:p>
-              <a:pPr indent="0" lvl="0" marL="0" rtl="0" algn="l">
+              <a:pPr marL="0" lvl="0" indent="0" algn="l" rtl="0">
                 <a:spcBef>
                   <a:spcPts val="0"/>
                 </a:spcBef>
@@ -7071,9 +7072,6 @@
                 </a:spcAft>
                 <a:buNone/>
               </a:pPr>
-              <a:r>
-                <a:t/>
-              </a:r>
               <a:endParaRPr/>
             </a:p>
           </p:txBody>
@@ -7091,7 +7089,7 @@
             </a:xfrm>
             <a:prstGeom prst="diagStripe">
               <a:avLst>
-                <a:gd fmla="val 50000" name="adj"/>
+                <a:gd name="adj" fmla="val 50000"/>
               </a:avLst>
             </a:prstGeom>
             <a:solidFill>
@@ -7104,12 +7102,12 @@
             </a:ln>
           </p:spPr>
           <p:txBody>
-            <a:bodyPr anchorCtr="0" anchor="ctr" bIns="91425" lIns="91425" spcFirstLastPara="1" rIns="91425" wrap="square" tIns="91425">
+            <a:bodyPr spcFirstLastPara="1" wrap="square" lIns="91425" tIns="91425" rIns="91425" bIns="91425" anchor="ctr" anchorCtr="0">
               <a:noAutofit/>
             </a:bodyPr>
             <a:lstStyle/>
             <a:p>
-              <a:pPr indent="0" lvl="0" marL="0" rtl="0" algn="l">
+              <a:pPr marL="0" lvl="0" indent="0" algn="l" rtl="0">
                 <a:spcBef>
                   <a:spcPts val="0"/>
                 </a:spcBef>
@@ -7118,9 +7116,6 @@
                 </a:spcAft>
                 <a:buNone/>
               </a:pPr>
-              <a:r>
-                <a:t/>
-              </a:r>
               <a:endParaRPr/>
             </a:p>
           </p:txBody>
@@ -7138,7 +7133,7 @@
             </a:xfrm>
             <a:prstGeom prst="diagStripe">
               <a:avLst>
-                <a:gd fmla="val 50000" name="adj"/>
+                <a:gd name="adj" fmla="val 50000"/>
               </a:avLst>
             </a:prstGeom>
             <a:solidFill>
@@ -7151,12 +7146,12 @@
             </a:ln>
           </p:spPr>
           <p:txBody>
-            <a:bodyPr anchorCtr="0" anchor="ctr" bIns="91425" lIns="91425" spcFirstLastPara="1" rIns="91425" wrap="square" tIns="91425">
+            <a:bodyPr spcFirstLastPara="1" wrap="square" lIns="91425" tIns="91425" rIns="91425" bIns="91425" anchor="ctr" anchorCtr="0">
               <a:noAutofit/>
             </a:bodyPr>
             <a:lstStyle/>
             <a:p>
-              <a:pPr indent="0" lvl="0" marL="0" rtl="0" algn="l">
+              <a:pPr marL="0" lvl="0" indent="0" algn="l" rtl="0">
                 <a:spcBef>
                   <a:spcPts val="0"/>
                 </a:spcBef>
@@ -7165,9 +7160,6 @@
                 </a:spcAft>
                 <a:buNone/>
               </a:pPr>
-              <a:r>
-                <a:t/>
-              </a:r>
               <a:endParaRPr/>
             </a:p>
           </p:txBody>
@@ -7185,7 +7177,7 @@
             </a:xfrm>
             <a:prstGeom prst="diagStripe">
               <a:avLst>
-                <a:gd fmla="val 50000" name="adj"/>
+                <a:gd name="adj" fmla="val 50000"/>
               </a:avLst>
             </a:prstGeom>
             <a:solidFill>
@@ -7198,12 +7190,12 @@
             </a:ln>
           </p:spPr>
           <p:txBody>
-            <a:bodyPr anchorCtr="0" anchor="ctr" bIns="91425" lIns="91425" spcFirstLastPara="1" rIns="91425" wrap="square" tIns="91425">
+            <a:bodyPr spcFirstLastPara="1" wrap="square" lIns="91425" tIns="91425" rIns="91425" bIns="91425" anchor="ctr" anchorCtr="0">
               <a:noAutofit/>
             </a:bodyPr>
             <a:lstStyle/>
             <a:p>
-              <a:pPr indent="0" lvl="0" marL="0" rtl="0" algn="l">
+              <a:pPr marL="0" lvl="0" indent="0" algn="l" rtl="0">
                 <a:spcBef>
                   <a:spcPts val="0"/>
                 </a:spcBef>
@@ -7212,9 +7204,6 @@
                 </a:spcAft>
                 <a:buNone/>
               </a:pPr>
-              <a:r>
-                <a:t/>
-              </a:r>
               <a:endParaRPr/>
             </a:p>
           </p:txBody>
@@ -7232,7 +7221,7 @@
             </a:xfrm>
             <a:prstGeom prst="diagStripe">
               <a:avLst>
-                <a:gd fmla="val 50000" name="adj"/>
+                <a:gd name="adj" fmla="val 50000"/>
               </a:avLst>
             </a:prstGeom>
             <a:solidFill>
@@ -7245,12 +7234,12 @@
             </a:ln>
           </p:spPr>
           <p:txBody>
-            <a:bodyPr anchorCtr="0" anchor="ctr" bIns="91425" lIns="91425" spcFirstLastPara="1" rIns="91425" wrap="square" tIns="91425">
+            <a:bodyPr spcFirstLastPara="1" wrap="square" lIns="91425" tIns="91425" rIns="91425" bIns="91425" anchor="ctr" anchorCtr="0">
               <a:noAutofit/>
             </a:bodyPr>
             <a:lstStyle/>
             <a:p>
-              <a:pPr indent="0" lvl="0" marL="0" rtl="0" algn="l">
+              <a:pPr marL="0" lvl="0" indent="0" algn="l" rtl="0">
                 <a:spcBef>
                   <a:spcPts val="0"/>
                 </a:spcBef>
@@ -7259,9 +7248,6 @@
                 </a:spcAft>
                 <a:buNone/>
               </a:pPr>
-              <a:r>
-                <a:t/>
-              </a:r>
               <a:endParaRPr/>
             </a:p>
           </p:txBody>
@@ -7279,7 +7265,7 @@
             </a:xfrm>
             <a:prstGeom prst="diagStripe">
               <a:avLst>
-                <a:gd fmla="val 50000" name="adj"/>
+                <a:gd name="adj" fmla="val 50000"/>
               </a:avLst>
             </a:prstGeom>
             <a:solidFill>
@@ -7292,12 +7278,12 @@
             </a:ln>
           </p:spPr>
           <p:txBody>
-            <a:bodyPr anchorCtr="0" anchor="ctr" bIns="91425" lIns="91425" spcFirstLastPara="1" rIns="91425" wrap="square" tIns="91425">
+            <a:bodyPr spcFirstLastPara="1" wrap="square" lIns="91425" tIns="91425" rIns="91425" bIns="91425" anchor="ctr" anchorCtr="0">
               <a:noAutofit/>
             </a:bodyPr>
             <a:lstStyle/>
             <a:p>
-              <a:pPr indent="0" lvl="0" marL="0" rtl="0" algn="l">
+              <a:pPr marL="0" lvl="0" indent="0" algn="l" rtl="0">
                 <a:spcBef>
                   <a:spcPts val="0"/>
                 </a:spcBef>
@@ -7306,9 +7292,6 @@
                 </a:spcAft>
                 <a:buNone/>
               </a:pPr>
-              <a:r>
-                <a:t/>
-              </a:r>
               <a:endParaRPr/>
             </a:p>
           </p:txBody>
@@ -7326,7 +7309,7 @@
             </a:xfrm>
             <a:prstGeom prst="diagStripe">
               <a:avLst>
-                <a:gd fmla="val 50000" name="adj"/>
+                <a:gd name="adj" fmla="val 50000"/>
               </a:avLst>
             </a:prstGeom>
             <a:solidFill>
@@ -7337,12 +7320,12 @@
             </a:ln>
           </p:spPr>
           <p:txBody>
-            <a:bodyPr anchorCtr="0" anchor="ctr" bIns="91425" lIns="91425" spcFirstLastPara="1" rIns="91425" wrap="square" tIns="91425">
+            <a:bodyPr spcFirstLastPara="1" wrap="square" lIns="91425" tIns="91425" rIns="91425" bIns="91425" anchor="ctr" anchorCtr="0">
               <a:noAutofit/>
             </a:bodyPr>
             <a:lstStyle/>
             <a:p>
-              <a:pPr indent="0" lvl="0" marL="0" rtl="0" algn="l">
+              <a:pPr marL="0" lvl="0" indent="0" algn="l" rtl="0">
                 <a:spcBef>
                   <a:spcPts val="0"/>
                 </a:spcBef>
@@ -7351,9 +7334,6 @@
                 </a:spcAft>
                 <a:buNone/>
               </a:pPr>
-              <a:r>
-                <a:t/>
-              </a:r>
               <a:endParaRPr/>
             </a:p>
           </p:txBody>
@@ -7371,7 +7351,7 @@
             </a:xfrm>
             <a:prstGeom prst="diagStripe">
               <a:avLst>
-                <a:gd fmla="val 50000" name="adj"/>
+                <a:gd name="adj" fmla="val 50000"/>
               </a:avLst>
             </a:prstGeom>
             <a:solidFill>
@@ -7384,12 +7364,12 @@
             </a:ln>
           </p:spPr>
           <p:txBody>
-            <a:bodyPr anchorCtr="0" anchor="ctr" bIns="91425" lIns="91425" spcFirstLastPara="1" rIns="91425" wrap="square" tIns="91425">
+            <a:bodyPr spcFirstLastPara="1" wrap="square" lIns="91425" tIns="91425" rIns="91425" bIns="91425" anchor="ctr" anchorCtr="0">
               <a:noAutofit/>
             </a:bodyPr>
             <a:lstStyle/>
             <a:p>
-              <a:pPr indent="0" lvl="0" marL="0" rtl="0" algn="l">
+              <a:pPr marL="0" lvl="0" indent="0" algn="l" rtl="0">
                 <a:spcBef>
                   <a:spcPts val="0"/>
                 </a:spcBef>
@@ -7398,9 +7378,6 @@
                 </a:spcAft>
                 <a:buNone/>
               </a:pPr>
-              <a:r>
-                <a:t/>
-              </a:r>
               <a:endParaRPr/>
             </a:p>
           </p:txBody>
@@ -7418,7 +7395,7 @@
             </a:xfrm>
             <a:prstGeom prst="diagStripe">
               <a:avLst>
-                <a:gd fmla="val 50000" name="adj"/>
+                <a:gd name="adj" fmla="val 50000"/>
               </a:avLst>
             </a:prstGeom>
             <a:solidFill>
@@ -7431,12 +7408,12 @@
             </a:ln>
           </p:spPr>
           <p:txBody>
-            <a:bodyPr anchorCtr="0" anchor="ctr" bIns="91425" lIns="91425" spcFirstLastPara="1" rIns="91425" wrap="square" tIns="91425">
+            <a:bodyPr spcFirstLastPara="1" wrap="square" lIns="91425" tIns="91425" rIns="91425" bIns="91425" anchor="ctr" anchorCtr="0">
               <a:noAutofit/>
             </a:bodyPr>
             <a:lstStyle/>
             <a:p>
-              <a:pPr indent="0" lvl="0" marL="0" rtl="0" algn="l">
+              <a:pPr marL="0" lvl="0" indent="0" algn="l" rtl="0">
                 <a:spcBef>
                   <a:spcPts val="0"/>
                 </a:spcBef>
@@ -7445,9 +7422,6 @@
                 </a:spcAft>
                 <a:buNone/>
               </a:pPr>
-              <a:r>
-                <a:t/>
-              </a:r>
               <a:endParaRPr/>
             </a:p>
           </p:txBody>
@@ -7465,7 +7439,7 @@
             </a:xfrm>
             <a:prstGeom prst="diagStripe">
               <a:avLst>
-                <a:gd fmla="val 50000" name="adj"/>
+                <a:gd name="adj" fmla="val 50000"/>
               </a:avLst>
             </a:prstGeom>
             <a:solidFill>
@@ -7478,12 +7452,12 @@
             </a:ln>
           </p:spPr>
           <p:txBody>
-            <a:bodyPr anchorCtr="0" anchor="ctr" bIns="91425" lIns="91425" spcFirstLastPara="1" rIns="91425" wrap="square" tIns="91425">
+            <a:bodyPr spcFirstLastPara="1" wrap="square" lIns="91425" tIns="91425" rIns="91425" bIns="91425" anchor="ctr" anchorCtr="0">
               <a:noAutofit/>
             </a:bodyPr>
             <a:lstStyle/>
             <a:p>
-              <a:pPr indent="0" lvl="0" marL="0" rtl="0" algn="l">
+              <a:pPr marL="0" lvl="0" indent="0" algn="l" rtl="0">
                 <a:spcBef>
                   <a:spcPts val="0"/>
                 </a:spcBef>
@@ -7492,9 +7466,6 @@
                 </a:spcAft>
                 <a:buNone/>
               </a:pPr>
-              <a:r>
-                <a:t/>
-              </a:r>
               <a:endParaRPr/>
             </a:p>
           </p:txBody>
@@ -7512,7 +7483,7 @@
             </a:xfrm>
             <a:prstGeom prst="diagStripe">
               <a:avLst>
-                <a:gd fmla="val 50000" name="adj"/>
+                <a:gd name="adj" fmla="val 50000"/>
               </a:avLst>
             </a:prstGeom>
             <a:solidFill>
@@ -7525,12 +7496,12 @@
             </a:ln>
           </p:spPr>
           <p:txBody>
-            <a:bodyPr anchorCtr="0" anchor="ctr" bIns="91425" lIns="91425" spcFirstLastPara="1" rIns="91425" wrap="square" tIns="91425">
+            <a:bodyPr spcFirstLastPara="1" wrap="square" lIns="91425" tIns="91425" rIns="91425" bIns="91425" anchor="ctr" anchorCtr="0">
               <a:noAutofit/>
             </a:bodyPr>
             <a:lstStyle/>
             <a:p>
-              <a:pPr indent="0" lvl="0" marL="0" rtl="0" algn="l">
+              <a:pPr marL="0" lvl="0" indent="0" algn="l" rtl="0">
                 <a:spcBef>
                   <a:spcPts val="0"/>
                 </a:spcBef>
@@ -7539,9 +7510,6 @@
                 </a:spcAft>
                 <a:buNone/>
               </a:pPr>
-              <a:r>
-                <a:t/>
-              </a:r>
               <a:endParaRPr/>
             </a:p>
           </p:txBody>
@@ -7559,7 +7527,7 @@
             </a:xfrm>
             <a:prstGeom prst="diagStripe">
               <a:avLst>
-                <a:gd fmla="val 50000" name="adj"/>
+                <a:gd name="adj" fmla="val 50000"/>
               </a:avLst>
             </a:prstGeom>
             <a:solidFill>
@@ -7572,12 +7540,12 @@
             </a:ln>
           </p:spPr>
           <p:txBody>
-            <a:bodyPr anchorCtr="0" anchor="ctr" bIns="91425" lIns="91425" spcFirstLastPara="1" rIns="91425" wrap="square" tIns="91425">
+            <a:bodyPr spcFirstLastPara="1" wrap="square" lIns="91425" tIns="91425" rIns="91425" bIns="91425" anchor="ctr" anchorCtr="0">
               <a:noAutofit/>
             </a:bodyPr>
             <a:lstStyle/>
             <a:p>
-              <a:pPr indent="0" lvl="0" marL="0" rtl="0" algn="l">
+              <a:pPr marL="0" lvl="0" indent="0" algn="l" rtl="0">
                 <a:spcBef>
                   <a:spcPts val="0"/>
                 </a:spcBef>
@@ -7586,9 +7554,6 @@
                 </a:spcAft>
                 <a:buNone/>
               </a:pPr>
-              <a:r>
-                <a:t/>
-              </a:r>
               <a:endParaRPr/>
             </a:p>
           </p:txBody>
@@ -7606,7 +7571,7 @@
             </a:xfrm>
             <a:prstGeom prst="diagStripe">
               <a:avLst>
-                <a:gd fmla="val 50000" name="adj"/>
+                <a:gd name="adj" fmla="val 50000"/>
               </a:avLst>
             </a:prstGeom>
             <a:solidFill>
@@ -7617,12 +7582,12 @@
             </a:ln>
           </p:spPr>
           <p:txBody>
-            <a:bodyPr anchorCtr="0" anchor="ctr" bIns="91425" lIns="91425" spcFirstLastPara="1" rIns="91425" wrap="square" tIns="91425">
+            <a:bodyPr spcFirstLastPara="1" wrap="square" lIns="91425" tIns="91425" rIns="91425" bIns="91425" anchor="ctr" anchorCtr="0">
               <a:noAutofit/>
             </a:bodyPr>
             <a:lstStyle/>
             <a:p>
-              <a:pPr indent="0" lvl="0" marL="0" rtl="0" algn="l">
+              <a:pPr marL="0" lvl="0" indent="0" algn="l" rtl="0">
                 <a:spcBef>
                   <a:spcPts val="0"/>
                 </a:spcBef>
@@ -7631,9 +7596,6 @@
                 </a:spcAft>
                 <a:buNone/>
               </a:pPr>
-              <a:r>
-                <a:t/>
-              </a:r>
               <a:endParaRPr/>
             </a:p>
           </p:txBody>
@@ -7651,7 +7613,7 @@
             </a:xfrm>
             <a:prstGeom prst="diagStripe">
               <a:avLst>
-                <a:gd fmla="val 50000" name="adj"/>
+                <a:gd name="adj" fmla="val 50000"/>
               </a:avLst>
             </a:prstGeom>
             <a:solidFill>
@@ -7664,12 +7626,12 @@
             </a:ln>
           </p:spPr>
           <p:txBody>
-            <a:bodyPr anchorCtr="0" anchor="ctr" bIns="91425" lIns="91425" spcFirstLastPara="1" rIns="91425" wrap="square" tIns="91425">
+            <a:bodyPr spcFirstLastPara="1" wrap="square" lIns="91425" tIns="91425" rIns="91425" bIns="91425" anchor="ctr" anchorCtr="0">
               <a:noAutofit/>
             </a:bodyPr>
             <a:lstStyle/>
             <a:p>
-              <a:pPr indent="0" lvl="0" marL="0" rtl="0" algn="l">
+              <a:pPr marL="0" lvl="0" indent="0" algn="l" rtl="0">
                 <a:spcBef>
                   <a:spcPts val="0"/>
                 </a:spcBef>
@@ -7678,9 +7640,6 @@
                 </a:spcAft>
                 <a:buNone/>
               </a:pPr>
-              <a:r>
-                <a:t/>
-              </a:r>
               <a:endParaRPr/>
             </a:p>
           </p:txBody>
@@ -7698,7 +7657,7 @@
             </a:xfrm>
             <a:prstGeom prst="diagStripe">
               <a:avLst>
-                <a:gd fmla="val 50000" name="adj"/>
+                <a:gd name="adj" fmla="val 50000"/>
               </a:avLst>
             </a:prstGeom>
             <a:solidFill>
@@ -7711,12 +7670,12 @@
             </a:ln>
           </p:spPr>
           <p:txBody>
-            <a:bodyPr anchorCtr="0" anchor="ctr" bIns="91425" lIns="91425" spcFirstLastPara="1" rIns="91425" wrap="square" tIns="91425">
+            <a:bodyPr spcFirstLastPara="1" wrap="square" lIns="91425" tIns="91425" rIns="91425" bIns="91425" anchor="ctr" anchorCtr="0">
               <a:noAutofit/>
             </a:bodyPr>
             <a:lstStyle/>
             <a:p>
-              <a:pPr indent="0" lvl="0" marL="0" rtl="0" algn="l">
+              <a:pPr marL="0" lvl="0" indent="0" algn="l" rtl="0">
                 <a:spcBef>
                   <a:spcPts val="0"/>
                 </a:spcBef>
@@ -7725,9 +7684,6 @@
                 </a:spcAft>
                 <a:buNone/>
               </a:pPr>
-              <a:r>
-                <a:t/>
-              </a:r>
               <a:endParaRPr/>
             </a:p>
           </p:txBody>
@@ -7745,7 +7701,7 @@
             </a:xfrm>
             <a:prstGeom prst="diagStripe">
               <a:avLst>
-                <a:gd fmla="val 50000" name="adj"/>
+                <a:gd name="adj" fmla="val 50000"/>
               </a:avLst>
             </a:prstGeom>
             <a:solidFill>
@@ -7758,12 +7714,12 @@
             </a:ln>
           </p:spPr>
           <p:txBody>
-            <a:bodyPr anchorCtr="0" anchor="ctr" bIns="91425" lIns="91425" spcFirstLastPara="1" rIns="91425" wrap="square" tIns="91425">
+            <a:bodyPr spcFirstLastPara="1" wrap="square" lIns="91425" tIns="91425" rIns="91425" bIns="91425" anchor="ctr" anchorCtr="0">
               <a:noAutofit/>
             </a:bodyPr>
             <a:lstStyle/>
             <a:p>
-              <a:pPr indent="0" lvl="0" marL="0" rtl="0" algn="l">
+              <a:pPr marL="0" lvl="0" indent="0" algn="l" rtl="0">
                 <a:spcBef>
                   <a:spcPts val="0"/>
                 </a:spcBef>
@@ -7772,9 +7728,6 @@
                 </a:spcAft>
                 <a:buNone/>
               </a:pPr>
-              <a:r>
-                <a:t/>
-              </a:r>
               <a:endParaRPr/>
             </a:p>
           </p:txBody>
@@ -7792,7 +7745,7 @@
             </a:xfrm>
             <a:prstGeom prst="diagStripe">
               <a:avLst>
-                <a:gd fmla="val 50000" name="adj"/>
+                <a:gd name="adj" fmla="val 50000"/>
               </a:avLst>
             </a:prstGeom>
             <a:solidFill>
@@ -7805,12 +7758,12 @@
             </a:ln>
           </p:spPr>
           <p:txBody>
-            <a:bodyPr anchorCtr="0" anchor="ctr" bIns="91425" lIns="91425" spcFirstLastPara="1" rIns="91425" wrap="square" tIns="91425">
+            <a:bodyPr spcFirstLastPara="1" wrap="square" lIns="91425" tIns="91425" rIns="91425" bIns="91425" anchor="ctr" anchorCtr="0">
               <a:noAutofit/>
             </a:bodyPr>
             <a:lstStyle/>
             <a:p>
-              <a:pPr indent="0" lvl="0" marL="0" rtl="0" algn="l">
+              <a:pPr marL="0" lvl="0" indent="0" algn="l" rtl="0">
                 <a:spcBef>
                   <a:spcPts val="0"/>
                 </a:spcBef>
@@ -7819,9 +7772,6 @@
                 </a:spcAft>
                 <a:buNone/>
               </a:pPr>
-              <a:r>
-                <a:t/>
-              </a:r>
               <a:endParaRPr/>
             </a:p>
           </p:txBody>
@@ -7830,7 +7780,9 @@
       <p:sp>
         <p:nvSpPr>
           <p:cNvPr id="89" name="Google Shape;89;p8"/>
-          <p:cNvSpPr txBox="1"/>
+          <p:cNvSpPr txBox="1">
+            <a:spLocks noGrp="1"/>
+          </p:cNvSpPr>
           <p:nvPr>
             <p:ph type="title"/>
           </p:nvPr>
@@ -7845,7 +7797,7 @@
           </a:prstGeom>
         </p:spPr>
         <p:txBody>
-          <a:bodyPr anchorCtr="0" anchor="ctr" bIns="91425" lIns="91425" spcFirstLastPara="1" rIns="91425" wrap="square" tIns="91425">
+          <a:bodyPr spcFirstLastPara="1" wrap="square" lIns="91425" tIns="91425" rIns="91425" bIns="91425" anchor="ctr" anchorCtr="0">
             <a:normAutofit/>
           </a:bodyPr>
           <a:lstStyle>
@@ -7949,15 +7901,19 @@
               <a:defRPr/>
             </a:lvl9pPr>
           </a:lstStyle>
-          <a:p/>
+          <a:p>
+            <a:endParaRPr/>
+          </a:p>
         </p:txBody>
       </p:sp>
       <p:sp>
         <p:nvSpPr>
           <p:cNvPr id="90" name="Google Shape;90;p8"/>
-          <p:cNvSpPr txBox="1"/>
+          <p:cNvSpPr txBox="1">
+            <a:spLocks noGrp="1"/>
+          </p:cNvSpPr>
           <p:nvPr>
-            <p:ph idx="12" type="sldNum"/>
+            <p:ph type="sldNum" idx="12"/>
           </p:nvPr>
         </p:nvSpPr>
         <p:spPr>
@@ -7970,7 +7926,7 @@
           </a:prstGeom>
         </p:spPr>
         <p:txBody>
-          <a:bodyPr anchorCtr="0" anchor="ctr" bIns="91425" lIns="91425" spcFirstLastPara="1" rIns="91425" wrap="square" tIns="91425">
+          <a:bodyPr spcFirstLastPara="1" wrap="square" lIns="91425" tIns="91425" rIns="91425" bIns="91425" anchor="ctr" anchorCtr="0">
             <a:normAutofit/>
           </a:bodyPr>
           <a:lstStyle>
@@ -8012,7 +7968,7 @@
             </a:lvl9pPr>
           </a:lstStyle>
           <a:p>
-            <a:pPr indent="0" lvl="0" marL="0" rtl="0" algn="r">
+            <a:pPr marL="0" lvl="0" indent="0" algn="r" rtl="0">
               <a:spcBef>
                 <a:spcPts val="0"/>
               </a:spcBef>
@@ -8038,11 +7994,11 @@
 </file>
 
 <file path=ppt/slideLayouts/slideLayout8.xml><?xml version="1.0" encoding="utf-8"?>
-<p:sldLayout xmlns:a="http://schemas.openxmlformats.org/drawingml/2006/main" xmlns:r="http://schemas.openxmlformats.org/officeDocument/2006/relationships" xmlns:mc="http://schemas.openxmlformats.org/markup-compatibility/2006" xmlns:mv="urn:schemas-microsoft-com:mac:vml" xmlns:p="http://schemas.openxmlformats.org/presentationml/2006/main" xmlns:c="http://schemas.openxmlformats.org/drawingml/2006/chart" xmlns:dgm="http://schemas.openxmlformats.org/drawingml/2006/diagram" xmlns:o="urn:schemas-microsoft-com:office:office" xmlns:v="urn:schemas-microsoft-com:vml" xmlns:pvml="urn:schemas-microsoft-com:office:powerpoint" xmlns:com="http://schemas.openxmlformats.org/drawingml/2006/compatibility" xmlns:p14="http://schemas.microsoft.com/office/powerpoint/2010/main" xmlns:p15="http://schemas.microsoft.com/office/powerpoint/2012/main" xmlns:ahyp="http://schemas.microsoft.com/office/drawing/2018/hyperlinkcolor" matchingName="Section title and description">
+<p:sldLayout xmlns:a="http://schemas.openxmlformats.org/drawingml/2006/main" xmlns:r="http://schemas.openxmlformats.org/officeDocument/2006/relationships" xmlns:p="http://schemas.openxmlformats.org/presentationml/2006/main" matchingName="Section title and description">
   <p:cSld name="SECTION_TITLE_AND_DESCRIPTION">
     <p:spTree>
       <p:nvGrpSpPr>
-        <p:cNvPr id="91" name="Shape 91"/>
+        <p:cNvPr id="1" name="Shape 91"/>
         <p:cNvGrpSpPr/>
         <p:nvPr/>
       </p:nvGrpSpPr>
@@ -8081,7 +8037,7 @@
             </a:xfrm>
             <a:prstGeom prst="diagStripe">
               <a:avLst>
-                <a:gd fmla="val 50000" name="adj"/>
+                <a:gd name="adj" fmla="val 50000"/>
               </a:avLst>
             </a:prstGeom>
             <a:solidFill>
@@ -8092,12 +8048,12 @@
             </a:ln>
           </p:spPr>
           <p:txBody>
-            <a:bodyPr anchorCtr="0" anchor="ctr" bIns="91425" lIns="91425" spcFirstLastPara="1" rIns="91425" wrap="square" tIns="91425">
+            <a:bodyPr spcFirstLastPara="1" wrap="square" lIns="91425" tIns="91425" rIns="91425" bIns="91425" anchor="ctr" anchorCtr="0">
               <a:noAutofit/>
             </a:bodyPr>
             <a:lstStyle/>
             <a:p>
-              <a:pPr indent="0" lvl="0" marL="0" rtl="0" algn="l">
+              <a:pPr marL="0" lvl="0" indent="0" algn="l" rtl="0">
                 <a:spcBef>
                   <a:spcPts val="0"/>
                 </a:spcBef>
@@ -8106,9 +8062,6 @@
                 </a:spcAft>
                 <a:buNone/>
               </a:pPr>
-              <a:r>
-                <a:t/>
-              </a:r>
               <a:endParaRPr/>
             </a:p>
           </p:txBody>
@@ -8126,7 +8079,7 @@
             </a:xfrm>
             <a:prstGeom prst="diagStripe">
               <a:avLst>
-                <a:gd fmla="val 50000" name="adj"/>
+                <a:gd name="adj" fmla="val 50000"/>
               </a:avLst>
             </a:prstGeom>
             <a:solidFill>
@@ -8137,12 +8090,12 @@
             </a:ln>
           </p:spPr>
           <p:txBody>
-            <a:bodyPr anchorCtr="0" anchor="ctr" bIns="91425" lIns="91425" spcFirstLastPara="1" rIns="91425" wrap="square" tIns="91425">
+            <a:bodyPr spcFirstLastPara="1" wrap="square" lIns="91425" tIns="91425" rIns="91425" bIns="91425" anchor="ctr" anchorCtr="0">
               <a:noAutofit/>
             </a:bodyPr>
             <a:lstStyle/>
             <a:p>
-              <a:pPr indent="0" lvl="0" marL="0" rtl="0" algn="l">
+              <a:pPr marL="0" lvl="0" indent="0" algn="l" rtl="0">
                 <a:spcBef>
                   <a:spcPts val="0"/>
                 </a:spcBef>
@@ -8151,9 +8104,6 @@
                 </a:spcAft>
                 <a:buNone/>
               </a:pPr>
-              <a:r>
-                <a:t/>
-              </a:r>
               <a:endParaRPr/>
             </a:p>
           </p:txBody>
@@ -8162,7 +8112,9 @@
       <p:sp>
         <p:nvSpPr>
           <p:cNvPr id="95" name="Google Shape;95;p9"/>
-          <p:cNvSpPr txBox="1"/>
+          <p:cNvSpPr txBox="1">
+            <a:spLocks noGrp="1"/>
+          </p:cNvSpPr>
           <p:nvPr>
             <p:ph type="title"/>
           </p:nvPr>
@@ -8177,7 +8129,7 @@
           </a:prstGeom>
         </p:spPr>
         <p:txBody>
-          <a:bodyPr anchorCtr="0" anchor="t" bIns="91425" lIns="91425" spcFirstLastPara="1" rIns="91425" wrap="square" tIns="91425">
+          <a:bodyPr spcFirstLastPara="1" wrap="square" lIns="91425" tIns="91425" rIns="91425" bIns="91425" anchor="t" anchorCtr="0">
             <a:normAutofit/>
           </a:bodyPr>
           <a:lstStyle>
@@ -8281,15 +8233,19 @@
               <a:defRPr sz="2400"/>
             </a:lvl9pPr>
           </a:lstStyle>
-          <a:p/>
+          <a:p>
+            <a:endParaRPr/>
+          </a:p>
         </p:txBody>
       </p:sp>
       <p:sp>
         <p:nvSpPr>
           <p:cNvPr id="96" name="Google Shape;96;p9"/>
-          <p:cNvSpPr txBox="1"/>
+          <p:cNvSpPr txBox="1">
+            <a:spLocks noGrp="1"/>
+          </p:cNvSpPr>
           <p:nvPr>
-            <p:ph idx="1" type="subTitle"/>
+            <p:ph type="subTitle" idx="1"/>
           </p:nvPr>
         </p:nvSpPr>
         <p:spPr>
@@ -8302,7 +8258,7 @@
           </a:prstGeom>
         </p:spPr>
         <p:txBody>
-          <a:bodyPr anchorCtr="0" anchor="t" bIns="91425" lIns="91425" spcFirstLastPara="1" rIns="91425" wrap="square" tIns="91425">
+          <a:bodyPr spcFirstLastPara="1" wrap="square" lIns="91425" tIns="91425" rIns="91425" bIns="91425" anchor="t" anchorCtr="0">
             <a:normAutofit/>
           </a:bodyPr>
           <a:lstStyle>
@@ -8433,15 +8389,19 @@
               <a:defRPr sz="1300"/>
             </a:lvl9pPr>
           </a:lstStyle>
-          <a:p/>
+          <a:p>
+            <a:endParaRPr/>
+          </a:p>
         </p:txBody>
       </p:sp>
       <p:sp>
         <p:nvSpPr>
           <p:cNvPr id="97" name="Google Shape;97;p9"/>
-          <p:cNvSpPr txBox="1"/>
+          <p:cNvSpPr txBox="1">
+            <a:spLocks noGrp="1"/>
+          </p:cNvSpPr>
           <p:nvPr>
-            <p:ph idx="2" type="body"/>
+            <p:ph type="body" idx="2"/>
           </p:nvPr>
         </p:nvSpPr>
         <p:spPr>
@@ -8454,11 +8414,11 @@
           </a:prstGeom>
         </p:spPr>
         <p:txBody>
-          <a:bodyPr anchorCtr="0" anchor="t" bIns="91425" lIns="91425" spcFirstLastPara="1" rIns="91425" wrap="square" tIns="91425">
+          <a:bodyPr spcFirstLastPara="1" wrap="square" lIns="91425" tIns="91425" rIns="91425" bIns="91425" anchor="t" anchorCtr="0">
             <a:normAutofit/>
           </a:bodyPr>
           <a:lstStyle>
-            <a:lvl1pPr indent="-311150" lvl="0" marL="457200">
+            <a:lvl1pPr marL="457200" lvl="0" indent="-311150">
               <a:spcBef>
                 <a:spcPts val="0"/>
               </a:spcBef>
@@ -8469,7 +8429,7 @@
               <a:buChar char="●"/>
               <a:defRPr/>
             </a:lvl1pPr>
-            <a:lvl2pPr indent="-298450" lvl="1" marL="914400">
+            <a:lvl2pPr marL="914400" lvl="1" indent="-298450">
               <a:spcBef>
                 <a:spcPts val="0"/>
               </a:spcBef>
@@ -8480,7 +8440,7 @@
               <a:buChar char="○"/>
               <a:defRPr/>
             </a:lvl2pPr>
-            <a:lvl3pPr indent="-298450" lvl="2" marL="1371600">
+            <a:lvl3pPr marL="1371600" lvl="2" indent="-298450">
               <a:spcBef>
                 <a:spcPts val="0"/>
               </a:spcBef>
@@ -8491,7 +8451,7 @@
               <a:buChar char="■"/>
               <a:defRPr/>
             </a:lvl3pPr>
-            <a:lvl4pPr indent="-298450" lvl="3" marL="1828800">
+            <a:lvl4pPr marL="1828800" lvl="3" indent="-298450">
               <a:spcBef>
                 <a:spcPts val="0"/>
               </a:spcBef>
@@ -8502,7 +8462,7 @@
               <a:buChar char="●"/>
               <a:defRPr/>
             </a:lvl4pPr>
-            <a:lvl5pPr indent="-298450" lvl="4" marL="2286000">
+            <a:lvl5pPr marL="2286000" lvl="4" indent="-298450">
               <a:spcBef>
                 <a:spcPts val="0"/>
               </a:spcBef>
@@ -8513,7 +8473,7 @@
               <a:buChar char="○"/>
               <a:defRPr/>
             </a:lvl5pPr>
-            <a:lvl6pPr indent="-298450" lvl="5" marL="2743200">
+            <a:lvl6pPr marL="2743200" lvl="5" indent="-298450">
               <a:spcBef>
                 <a:spcPts val="0"/>
               </a:spcBef>
@@ -8524,7 +8484,7 @@
               <a:buChar char="■"/>
               <a:defRPr/>
             </a:lvl6pPr>
-            <a:lvl7pPr indent="-298450" lvl="6" marL="3200400">
+            <a:lvl7pPr marL="3200400" lvl="6" indent="-298450">
               <a:spcBef>
                 <a:spcPts val="0"/>
               </a:spcBef>
@@ -8535,7 +8495,7 @@
               <a:buChar char="●"/>
               <a:defRPr/>
             </a:lvl7pPr>
-            <a:lvl8pPr indent="-298450" lvl="7" marL="3657600">
+            <a:lvl8pPr marL="3657600" lvl="7" indent="-298450">
               <a:spcBef>
                 <a:spcPts val="0"/>
               </a:spcBef>
@@ -8546,7 +8506,7 @@
               <a:buChar char="○"/>
               <a:defRPr/>
             </a:lvl8pPr>
-            <a:lvl9pPr indent="-298450" lvl="8" marL="4114800">
+            <a:lvl9pPr marL="4114800" lvl="8" indent="-298450">
               <a:spcBef>
                 <a:spcPts val="0"/>
               </a:spcBef>
@@ -8558,15 +8518,19 @@
               <a:defRPr/>
             </a:lvl9pPr>
           </a:lstStyle>
-          <a:p/>
+          <a:p>
+            <a:endParaRPr/>
+          </a:p>
         </p:txBody>
       </p:sp>
       <p:sp>
         <p:nvSpPr>
           <p:cNvPr id="98" name="Google Shape;98;p9"/>
-          <p:cNvSpPr txBox="1"/>
+          <p:cNvSpPr txBox="1">
+            <a:spLocks noGrp="1"/>
+          </p:cNvSpPr>
           <p:nvPr>
-            <p:ph idx="12" type="sldNum"/>
+            <p:ph type="sldNum" idx="12"/>
           </p:nvPr>
         </p:nvSpPr>
         <p:spPr>
@@ -8579,7 +8543,7 @@
           </a:prstGeom>
         </p:spPr>
         <p:txBody>
-          <a:bodyPr anchorCtr="0" anchor="ctr" bIns="91425" lIns="91425" spcFirstLastPara="1" rIns="91425" wrap="square" tIns="91425">
+          <a:bodyPr spcFirstLastPara="1" wrap="square" lIns="91425" tIns="91425" rIns="91425" bIns="91425" anchor="ctr" anchorCtr="0">
             <a:normAutofit/>
           </a:bodyPr>
           <a:lstStyle>
@@ -8621,7 +8585,7 @@
             </a:lvl9pPr>
           </a:lstStyle>
           <a:p>
-            <a:pPr indent="0" lvl="0" marL="0" rtl="0" algn="r">
+            <a:pPr marL="0" lvl="0" indent="0" algn="r" rtl="0">
               <a:spcBef>
                 <a:spcPts val="0"/>
               </a:spcBef>
@@ -8647,11 +8611,11 @@
 </file>
 
 <file path=ppt/slideLayouts/slideLayout9.xml><?xml version="1.0" encoding="utf-8"?>
-<p:sldLayout xmlns:a="http://schemas.openxmlformats.org/drawingml/2006/main" xmlns:r="http://schemas.openxmlformats.org/officeDocument/2006/relationships" xmlns:mc="http://schemas.openxmlformats.org/markup-compatibility/2006" xmlns:mv="urn:schemas-microsoft-com:mac:vml" xmlns:p="http://schemas.openxmlformats.org/presentationml/2006/main" xmlns:c="http://schemas.openxmlformats.org/drawingml/2006/chart" xmlns:dgm="http://schemas.openxmlformats.org/drawingml/2006/diagram" xmlns:o="urn:schemas-microsoft-com:office:office" xmlns:v="urn:schemas-microsoft-com:vml" xmlns:pvml="urn:schemas-microsoft-com:office:powerpoint" xmlns:com="http://schemas.openxmlformats.org/drawingml/2006/compatibility" xmlns:p14="http://schemas.microsoft.com/office/powerpoint/2010/main" xmlns:p15="http://schemas.microsoft.com/office/powerpoint/2012/main" xmlns:ahyp="http://schemas.microsoft.com/office/drawing/2018/hyperlinkcolor" matchingName="Caption">
+<p:sldLayout xmlns:a="http://schemas.openxmlformats.org/drawingml/2006/main" xmlns:r="http://schemas.openxmlformats.org/officeDocument/2006/relationships" xmlns:p="http://schemas.openxmlformats.org/presentationml/2006/main" matchingName="Caption">
   <p:cSld name="CAPTION_ONLY">
     <p:spTree>
       <p:nvGrpSpPr>
-        <p:cNvPr id="99" name="Shape 99"/>
+        <p:cNvPr id="1" name="Shape 99"/>
         <p:cNvGrpSpPr/>
         <p:nvPr/>
       </p:nvGrpSpPr>
@@ -8690,7 +8654,7 @@
             </a:xfrm>
             <a:prstGeom prst="diagStripe">
               <a:avLst>
-                <a:gd fmla="val 50000" name="adj"/>
+                <a:gd name="adj" fmla="val 50000"/>
               </a:avLst>
             </a:prstGeom>
             <a:solidFill>
@@ -8703,12 +8667,12 @@
             </a:ln>
           </p:spPr>
           <p:txBody>
-            <a:bodyPr anchorCtr="0" anchor="ctr" bIns="91425" lIns="91425" spcFirstLastPara="1" rIns="91425" wrap="square" tIns="91425">
+            <a:bodyPr spcFirstLastPara="1" wrap="square" lIns="91425" tIns="91425" rIns="91425" bIns="91425" anchor="ctr" anchorCtr="0">
               <a:noAutofit/>
             </a:bodyPr>
             <a:lstStyle/>
             <a:p>
-              <a:pPr indent="0" lvl="0" marL="0" rtl="0" algn="l">
+              <a:pPr marL="0" lvl="0" indent="0" algn="l" rtl="0">
                 <a:spcBef>
                   <a:spcPts val="0"/>
                 </a:spcBef>
@@ -8717,9 +8681,6 @@
                 </a:spcAft>
                 <a:buNone/>
               </a:pPr>
-              <a:r>
-                <a:t/>
-              </a:r>
               <a:endParaRPr/>
             </a:p>
           </p:txBody>
@@ -8737,7 +8698,7 @@
             </a:xfrm>
             <a:prstGeom prst="diagStripe">
               <a:avLst>
-                <a:gd fmla="val 50000" name="adj"/>
+                <a:gd name="adj" fmla="val 50000"/>
               </a:avLst>
             </a:prstGeom>
             <a:solidFill>
@@ -8750,12 +8711,12 @@
             </a:ln>
           </p:spPr>
           <p:txBody>
-            <a:bodyPr anchorCtr="0" anchor="ctr" bIns="91425" lIns="91425" spcFirstLastPara="1" rIns="91425" wrap="square" tIns="91425">
+            <a:bodyPr spcFirstLastPara="1" wrap="square" lIns="91425" tIns="91425" rIns="91425" bIns="91425" anchor="ctr" anchorCtr="0">
               <a:noAutofit/>
             </a:bodyPr>
             <a:lstStyle/>
             <a:p>
-              <a:pPr indent="0" lvl="0" marL="0" rtl="0" algn="l">
+              <a:pPr marL="0" lvl="0" indent="0" algn="l" rtl="0">
                 <a:spcBef>
                   <a:spcPts val="0"/>
                 </a:spcBef>
@@ -8764,9 +8725,6 @@
                 </a:spcAft>
                 <a:buNone/>
               </a:pPr>
-              <a:r>
-                <a:t/>
-              </a:r>
               <a:endParaRPr/>
             </a:p>
           </p:txBody>
@@ -8775,9 +8733,11 @@
       <p:sp>
         <p:nvSpPr>
           <p:cNvPr id="103" name="Google Shape;103;p10"/>
-          <p:cNvSpPr txBox="1"/>
+          <p:cNvSpPr txBox="1">
+            <a:spLocks noGrp="1"/>
+          </p:cNvSpPr>
           <p:nvPr>
-            <p:ph idx="1" type="body"/>
+            <p:ph type="body" idx="1"/>
           </p:nvPr>
         </p:nvSpPr>
         <p:spPr>
@@ -8790,11 +8750,11 @@
           </a:prstGeom>
         </p:spPr>
         <p:txBody>
-          <a:bodyPr anchorCtr="0" anchor="ctr" bIns="91425" lIns="91425" spcFirstLastPara="1" rIns="91425" wrap="square" tIns="91425">
+          <a:bodyPr spcFirstLastPara="1" wrap="square" lIns="91425" tIns="91425" rIns="91425" bIns="91425" anchor="ctr" anchorCtr="0">
             <a:normAutofit/>
           </a:bodyPr>
           <a:lstStyle>
-            <a:lvl1pPr indent="-228600" lvl="0" marL="457200">
+            <a:lvl1pPr marL="457200" lvl="0" indent="-228600">
               <a:lnSpc>
                 <a:spcPct val="100000"/>
               </a:lnSpc>
@@ -8809,15 +8769,19 @@
               <a:defRPr/>
             </a:lvl1pPr>
           </a:lstStyle>
-          <a:p/>
+          <a:p>
+            <a:endParaRPr/>
+          </a:p>
         </p:txBody>
       </p:sp>
       <p:sp>
         <p:nvSpPr>
           <p:cNvPr id="104" name="Google Shape;104;p10"/>
-          <p:cNvSpPr txBox="1"/>
+          <p:cNvSpPr txBox="1">
+            <a:spLocks noGrp="1"/>
+          </p:cNvSpPr>
           <p:nvPr>
-            <p:ph idx="12" type="sldNum"/>
+            <p:ph type="sldNum" idx="12"/>
           </p:nvPr>
         </p:nvSpPr>
         <p:spPr>
@@ -8830,7 +8794,7 @@
           </a:prstGeom>
         </p:spPr>
         <p:txBody>
-          <a:bodyPr anchorCtr="0" anchor="ctr" bIns="91425" lIns="91425" spcFirstLastPara="1" rIns="91425" wrap="square" tIns="91425">
+          <a:bodyPr spcFirstLastPara="1" wrap="square" lIns="91425" tIns="91425" rIns="91425" bIns="91425" anchor="ctr" anchorCtr="0">
             <a:normAutofit/>
           </a:bodyPr>
           <a:lstStyle>
@@ -8872,7 +8836,7 @@
             </a:lvl9pPr>
           </a:lstStyle>
           <a:p>
-            <a:pPr indent="0" lvl="0" marL="0" rtl="0" algn="r">
+            <a:pPr marL="0" lvl="0" indent="0" algn="r" rtl="0">
               <a:spcBef>
                 <a:spcPts val="0"/>
               </a:spcBef>
@@ -8898,18 +8862,19 @@
 </file>
 
 <file path=ppt/slideMasters/slideMaster1.xml><?xml version="1.0" encoding="utf-8"?>
-<p:sldMaster xmlns:a="http://schemas.openxmlformats.org/drawingml/2006/main" xmlns:r="http://schemas.openxmlformats.org/officeDocument/2006/relationships" xmlns:mc="http://schemas.openxmlformats.org/markup-compatibility/2006" xmlns:mv="urn:schemas-microsoft-com:mac:vml" xmlns:p="http://schemas.openxmlformats.org/presentationml/2006/main" xmlns:c="http://schemas.openxmlformats.org/drawingml/2006/chart" xmlns:dgm="http://schemas.openxmlformats.org/drawingml/2006/diagram" xmlns:o="urn:schemas-microsoft-com:office:office" xmlns:v="urn:schemas-microsoft-com:vml" xmlns:pvml="urn:schemas-microsoft-com:office:powerpoint" xmlns:com="http://schemas.openxmlformats.org/drawingml/2006/compatibility" xmlns:p14="http://schemas.microsoft.com/office/powerpoint/2010/main" xmlns:p15="http://schemas.microsoft.com/office/powerpoint/2012/main" xmlns:ahyp="http://schemas.microsoft.com/office/drawing/2018/hyperlinkcolor">
+<p:sldMaster xmlns:a="http://schemas.openxmlformats.org/drawingml/2006/main" xmlns:r="http://schemas.openxmlformats.org/officeDocument/2006/relationships" xmlns:p="http://schemas.openxmlformats.org/presentationml/2006/main">
   <p:cSld name="focus">
     <p:bg>
       <p:bgPr>
         <a:solidFill>
           <a:schemeClr val="dk1"/>
         </a:solidFill>
+        <a:effectLst/>
       </p:bgPr>
     </p:bg>
     <p:spTree>
       <p:nvGrpSpPr>
-        <p:cNvPr id="5" name="Shape 5"/>
+        <p:cNvPr id="1" name="Shape 5"/>
         <p:cNvGrpSpPr/>
         <p:nvPr/>
       </p:nvGrpSpPr>
@@ -8924,7 +8889,9 @@
       <p:sp>
         <p:nvSpPr>
           <p:cNvPr id="6" name="Google Shape;6;p1"/>
-          <p:cNvSpPr txBox="1"/>
+          <p:cNvSpPr txBox="1">
+            <a:spLocks noGrp="1"/>
+          </p:cNvSpPr>
           <p:nvPr>
             <p:ph type="title"/>
           </p:nvPr>
@@ -8943,7 +8910,7 @@
           </a:ln>
         </p:spPr>
         <p:txBody>
-          <a:bodyPr anchorCtr="0" anchor="t" bIns="91425" lIns="91425" spcFirstLastPara="1" rIns="91425" wrap="square" tIns="91425">
+          <a:bodyPr spcFirstLastPara="1" wrap="square" lIns="91425" tIns="91425" rIns="91425" bIns="91425" anchor="t" anchorCtr="0">
             <a:normAutofit/>
           </a:bodyPr>
           <a:lstStyle>
@@ -9155,15 +9122,19 @@
               </a:defRPr>
             </a:lvl9pPr>
           </a:lstStyle>
-          <a:p/>
+          <a:p>
+            <a:endParaRPr/>
+          </a:p>
         </p:txBody>
       </p:sp>
       <p:sp>
         <p:nvSpPr>
           <p:cNvPr id="7" name="Google Shape;7;p1"/>
-          <p:cNvSpPr txBox="1"/>
+          <p:cNvSpPr txBox="1">
+            <a:spLocks noGrp="1"/>
+          </p:cNvSpPr>
           <p:nvPr>
-            <p:ph idx="1" type="body"/>
+            <p:ph type="body" idx="1"/>
           </p:nvPr>
         </p:nvSpPr>
         <p:spPr>
@@ -9180,11 +9151,11 @@
           </a:ln>
         </p:spPr>
         <p:txBody>
-          <a:bodyPr anchorCtr="0" anchor="t" bIns="91425" lIns="91425" spcFirstLastPara="1" rIns="91425" wrap="square" tIns="91425">
+          <a:bodyPr spcFirstLastPara="1" wrap="square" lIns="91425" tIns="91425" rIns="91425" bIns="91425" anchor="t" anchorCtr="0">
             <a:normAutofit/>
           </a:bodyPr>
           <a:lstStyle>
-            <a:lvl1pPr indent="-311150" lvl="0" marL="457200">
+            <a:lvl1pPr marL="457200" lvl="0" indent="-311150">
               <a:lnSpc>
                 <a:spcPct val="115000"/>
               </a:lnSpc>
@@ -9210,7 +9181,7 @@
                 <a:sym typeface="Lato"/>
               </a:defRPr>
             </a:lvl1pPr>
-            <a:lvl2pPr indent="-298450" lvl="1" marL="914400">
+            <a:lvl2pPr marL="914400" lvl="1" indent="-298450">
               <a:lnSpc>
                 <a:spcPct val="115000"/>
               </a:lnSpc>
@@ -9236,7 +9207,7 @@
                 <a:sym typeface="Lato"/>
               </a:defRPr>
             </a:lvl2pPr>
-            <a:lvl3pPr indent="-298450" lvl="2" marL="1371600">
+            <a:lvl3pPr marL="1371600" lvl="2" indent="-298450">
               <a:lnSpc>
                 <a:spcPct val="115000"/>
               </a:lnSpc>
@@ -9262,7 +9233,7 @@
                 <a:sym typeface="Lato"/>
               </a:defRPr>
             </a:lvl3pPr>
-            <a:lvl4pPr indent="-298450" lvl="3" marL="1828800">
+            <a:lvl4pPr marL="1828800" lvl="3" indent="-298450">
               <a:lnSpc>
                 <a:spcPct val="115000"/>
               </a:lnSpc>
@@ -9288,7 +9259,7 @@
                 <a:sym typeface="Lato"/>
               </a:defRPr>
             </a:lvl4pPr>
-            <a:lvl5pPr indent="-298450" lvl="4" marL="2286000">
+            <a:lvl5pPr marL="2286000" lvl="4" indent="-298450">
               <a:lnSpc>
                 <a:spcPct val="115000"/>
               </a:lnSpc>
@@ -9314,7 +9285,7 @@
                 <a:sym typeface="Lato"/>
               </a:defRPr>
             </a:lvl5pPr>
-            <a:lvl6pPr indent="-298450" lvl="5" marL="2743200">
+            <a:lvl6pPr marL="2743200" lvl="5" indent="-298450">
               <a:lnSpc>
                 <a:spcPct val="115000"/>
               </a:lnSpc>
@@ -9340,7 +9311,7 @@
                 <a:sym typeface="Lato"/>
               </a:defRPr>
             </a:lvl6pPr>
-            <a:lvl7pPr indent="-298450" lvl="6" marL="3200400">
+            <a:lvl7pPr marL="3200400" lvl="6" indent="-298450">
               <a:lnSpc>
                 <a:spcPct val="115000"/>
               </a:lnSpc>
@@ -9366,7 +9337,7 @@
                 <a:sym typeface="Lato"/>
               </a:defRPr>
             </a:lvl7pPr>
-            <a:lvl8pPr indent="-298450" lvl="7" marL="3657600">
+            <a:lvl8pPr marL="3657600" lvl="7" indent="-298450">
               <a:lnSpc>
                 <a:spcPct val="115000"/>
               </a:lnSpc>
@@ -9392,7 +9363,7 @@
                 <a:sym typeface="Lato"/>
               </a:defRPr>
             </a:lvl8pPr>
-            <a:lvl9pPr indent="-298450" lvl="8" marL="4114800">
+            <a:lvl9pPr marL="4114800" lvl="8" indent="-298450">
               <a:lnSpc>
                 <a:spcPct val="115000"/>
               </a:lnSpc>
@@ -9419,15 +9390,19 @@
               </a:defRPr>
             </a:lvl9pPr>
           </a:lstStyle>
-          <a:p/>
+          <a:p>
+            <a:endParaRPr/>
+          </a:p>
         </p:txBody>
       </p:sp>
       <p:sp>
         <p:nvSpPr>
           <p:cNvPr id="8" name="Google Shape;8;p1"/>
-          <p:cNvSpPr txBox="1"/>
+          <p:cNvSpPr txBox="1">
+            <a:spLocks noGrp="1"/>
+          </p:cNvSpPr>
           <p:nvPr>
-            <p:ph idx="12" type="sldNum"/>
+            <p:ph type="sldNum" idx="12"/>
           </p:nvPr>
         </p:nvSpPr>
         <p:spPr>
@@ -9444,7 +9419,7 @@
           </a:ln>
         </p:spPr>
         <p:txBody>
-          <a:bodyPr anchorCtr="0" anchor="ctr" bIns="91425" lIns="91425" spcFirstLastPara="1" rIns="91425" wrap="square" tIns="91425">
+          <a:bodyPr spcFirstLastPara="1" wrap="square" lIns="91425" tIns="91425" rIns="91425" bIns="91425" anchor="ctr" anchorCtr="0">
             <a:normAutofit/>
           </a:bodyPr>
           <a:lstStyle>
@@ -9558,7 +9533,7 @@
             </a:lvl9pPr>
           </a:lstStyle>
           <a:p>
-            <a:pPr indent="0" lvl="0" marL="0" rtl="0" algn="r">
+            <a:pPr marL="0" lvl="0" indent="0" algn="r" rtl="0">
               <a:spcBef>
                 <a:spcPts val="0"/>
               </a:spcBef>
@@ -9577,7 +9552,7 @@
       </p:sp>
     </p:spTree>
   </p:cSld>
-  <p:clrMap accent1="accent1" accent2="accent2" accent3="accent3" accent4="accent4" accent5="accent5" accent6="accent6" bg1="lt1" bg2="dk2" tx1="dk1" tx2="lt2" folHlink="folHlink" hlink="hlink"/>
+  <p:clrMap bg1="lt1" tx1="dk1" bg2="dk2" tx2="lt2" accent1="accent1" accent2="accent2" accent3="accent3" accent4="accent4" accent5="accent5" accent6="accent6" hlink="hlink" folHlink="folHlink"/>
   <p:sldLayoutIdLst>
     <p:sldLayoutId id="2147483648" r:id="rId1"/>
     <p:sldLayoutId id="2147483649" r:id="rId2"/>
@@ -9591,10 +9566,10 @@
     <p:sldLayoutId id="2147483657" r:id="rId10"/>
     <p:sldLayoutId id="2147483658" r:id="rId11"/>
   </p:sldLayoutIdLst>
-  <p:hf dt="0" ftr="0" hdr="0" sldNum="0"/>
+  <p:hf sldNum="0" hdr="0" ftr="0" dt="0"/>
   <p:txStyles>
     <p:titleStyle>
-      <a:defPPr lvl="0" marR="0" rtl="0" algn="l">
+      <a:defPPr marR="0" lvl="0" algn="l" rtl="0">
         <a:lnSpc>
           <a:spcPct val="100000"/>
         </a:lnSpc>
@@ -9605,7 +9580,7 @@
           <a:spcPts val="0"/>
         </a:spcAft>
       </a:defPPr>
-      <a:lvl1pPr lvl="0" marR="0" rtl="0" algn="l">
+      <a:lvl1pPr marR="0" lvl="0" algn="l" rtl="0">
         <a:lnSpc>
           <a:spcPct val="100000"/>
         </a:lnSpc>
@@ -9619,7 +9594,7 @@
           <a:srgbClr val="000000"/>
         </a:buClr>
         <a:buFont typeface="Arial"/>
-        <a:defRPr b="0" i="0" sz="1400" u="none" cap="none" strike="noStrike">
+        <a:defRPr sz="1400" b="0" i="0" u="none" strike="noStrike" cap="none">
           <a:solidFill>
             <a:srgbClr val="000000"/>
           </a:solidFill>
@@ -9629,7 +9604,7 @@
           <a:sym typeface="Arial"/>
         </a:defRPr>
       </a:lvl1pPr>
-      <a:lvl2pPr lvl="1" marR="0" rtl="0" algn="l">
+      <a:lvl2pPr marR="0" lvl="1" algn="l" rtl="0">
         <a:lnSpc>
           <a:spcPct val="100000"/>
         </a:lnSpc>
@@ -9643,7 +9618,7 @@
           <a:srgbClr val="000000"/>
         </a:buClr>
         <a:buFont typeface="Arial"/>
-        <a:defRPr b="0" i="0" sz="1400" u="none" cap="none" strike="noStrike">
+        <a:defRPr sz="1400" b="0" i="0" u="none" strike="noStrike" cap="none">
           <a:solidFill>
             <a:srgbClr val="000000"/>
           </a:solidFill>
@@ -9653,7 +9628,7 @@
           <a:sym typeface="Arial"/>
         </a:defRPr>
       </a:lvl2pPr>
-      <a:lvl3pPr lvl="2" marR="0" rtl="0" algn="l">
+      <a:lvl3pPr marR="0" lvl="2" algn="l" rtl="0">
         <a:lnSpc>
           <a:spcPct val="100000"/>
         </a:lnSpc>
@@ -9667,7 +9642,7 @@
           <a:srgbClr val="000000"/>
         </a:buClr>
         <a:buFont typeface="Arial"/>
-        <a:defRPr b="0" i="0" sz="1400" u="none" cap="none" strike="noStrike">
+        <a:defRPr sz="1400" b="0" i="0" u="none" strike="noStrike" cap="none">
           <a:solidFill>
             <a:srgbClr val="000000"/>
           </a:solidFill>
@@ -9677,7 +9652,7 @@
           <a:sym typeface="Arial"/>
         </a:defRPr>
       </a:lvl3pPr>
-      <a:lvl4pPr lvl="3" marR="0" rtl="0" algn="l">
+      <a:lvl4pPr marR="0" lvl="3" algn="l" rtl="0">
         <a:lnSpc>
           <a:spcPct val="100000"/>
         </a:lnSpc>
@@ -9691,7 +9666,7 @@
           <a:srgbClr val="000000"/>
         </a:buClr>
         <a:buFont typeface="Arial"/>
-        <a:defRPr b="0" i="0" sz="1400" u="none" cap="none" strike="noStrike">
+        <a:defRPr sz="1400" b="0" i="0" u="none" strike="noStrike" cap="none">
           <a:solidFill>
             <a:srgbClr val="000000"/>
           </a:solidFill>
@@ -9701,7 +9676,7 @@
           <a:sym typeface="Arial"/>
         </a:defRPr>
       </a:lvl4pPr>
-      <a:lvl5pPr lvl="4" marR="0" rtl="0" algn="l">
+      <a:lvl5pPr marR="0" lvl="4" algn="l" rtl="0">
         <a:lnSpc>
           <a:spcPct val="100000"/>
         </a:lnSpc>
@@ -9715,7 +9690,7 @@
           <a:srgbClr val="000000"/>
         </a:buClr>
         <a:buFont typeface="Arial"/>
-        <a:defRPr b="0" i="0" sz="1400" u="none" cap="none" strike="noStrike">
+        <a:defRPr sz="1400" b="0" i="0" u="none" strike="noStrike" cap="none">
           <a:solidFill>
             <a:srgbClr val="000000"/>
           </a:solidFill>
@@ -9725,7 +9700,7 @@
           <a:sym typeface="Arial"/>
         </a:defRPr>
       </a:lvl5pPr>
-      <a:lvl6pPr lvl="5" marR="0" rtl="0" algn="l">
+      <a:lvl6pPr marR="0" lvl="5" algn="l" rtl="0">
         <a:lnSpc>
           <a:spcPct val="100000"/>
         </a:lnSpc>
@@ -9739,7 +9714,7 @@
           <a:srgbClr val="000000"/>
         </a:buClr>
         <a:buFont typeface="Arial"/>
-        <a:defRPr b="0" i="0" sz="1400" u="none" cap="none" strike="noStrike">
+        <a:defRPr sz="1400" b="0" i="0" u="none" strike="noStrike" cap="none">
           <a:solidFill>
             <a:srgbClr val="000000"/>
           </a:solidFill>
@@ -9749,7 +9724,7 @@
           <a:sym typeface="Arial"/>
         </a:defRPr>
       </a:lvl6pPr>
-      <a:lvl7pPr lvl="6" marR="0" rtl="0" algn="l">
+      <a:lvl7pPr marR="0" lvl="6" algn="l" rtl="0">
         <a:lnSpc>
           <a:spcPct val="100000"/>
         </a:lnSpc>
@@ -9763,7 +9738,7 @@
           <a:srgbClr val="000000"/>
         </a:buClr>
         <a:buFont typeface="Arial"/>
-        <a:defRPr b="0" i="0" sz="1400" u="none" cap="none" strike="noStrike">
+        <a:defRPr sz="1400" b="0" i="0" u="none" strike="noStrike" cap="none">
           <a:solidFill>
             <a:srgbClr val="000000"/>
           </a:solidFill>
@@ -9773,7 +9748,7 @@
           <a:sym typeface="Arial"/>
         </a:defRPr>
       </a:lvl7pPr>
-      <a:lvl8pPr lvl="7" marR="0" rtl="0" algn="l">
+      <a:lvl8pPr marR="0" lvl="7" algn="l" rtl="0">
         <a:lnSpc>
           <a:spcPct val="100000"/>
         </a:lnSpc>
@@ -9787,7 +9762,7 @@
           <a:srgbClr val="000000"/>
         </a:buClr>
         <a:buFont typeface="Arial"/>
-        <a:defRPr b="0" i="0" sz="1400" u="none" cap="none" strike="noStrike">
+        <a:defRPr sz="1400" b="0" i="0" u="none" strike="noStrike" cap="none">
           <a:solidFill>
             <a:srgbClr val="000000"/>
           </a:solidFill>
@@ -9797,7 +9772,7 @@
           <a:sym typeface="Arial"/>
         </a:defRPr>
       </a:lvl8pPr>
-      <a:lvl9pPr lvl="8" marR="0" rtl="0" algn="l">
+      <a:lvl9pPr marR="0" lvl="8" algn="l" rtl="0">
         <a:lnSpc>
           <a:spcPct val="100000"/>
         </a:lnSpc>
@@ -9811,7 +9786,7 @@
           <a:srgbClr val="000000"/>
         </a:buClr>
         <a:buFont typeface="Arial"/>
-        <a:defRPr b="0" i="0" sz="1400" u="none" cap="none" strike="noStrike">
+        <a:defRPr sz="1400" b="0" i="0" u="none" strike="noStrike" cap="none">
           <a:solidFill>
             <a:srgbClr val="000000"/>
           </a:solidFill>
@@ -9823,7 +9798,7 @@
       </a:lvl9pPr>
     </p:titleStyle>
     <p:bodyStyle>
-      <a:defPPr lvl="0" marR="0" rtl="0" algn="l">
+      <a:defPPr marR="0" lvl="0" algn="l" rtl="0">
         <a:lnSpc>
           <a:spcPct val="100000"/>
         </a:lnSpc>
@@ -9834,7 +9809,7 @@
           <a:spcPts val="0"/>
         </a:spcAft>
       </a:defPPr>
-      <a:lvl1pPr lvl="0" marR="0" rtl="0" algn="l">
+      <a:lvl1pPr marR="0" lvl="0" algn="l" rtl="0">
         <a:lnSpc>
           <a:spcPct val="100000"/>
         </a:lnSpc>
@@ -9848,7 +9823,7 @@
           <a:srgbClr val="000000"/>
         </a:buClr>
         <a:buFont typeface="Arial"/>
-        <a:defRPr b="0" i="0" sz="1400" u="none" cap="none" strike="noStrike">
+        <a:defRPr sz="1400" b="0" i="0" u="none" strike="noStrike" cap="none">
           <a:solidFill>
             <a:srgbClr val="000000"/>
           </a:solidFill>
@@ -9858,7 +9833,7 @@
           <a:sym typeface="Arial"/>
         </a:defRPr>
       </a:lvl1pPr>
-      <a:lvl2pPr lvl="1" marR="0" rtl="0" algn="l">
+      <a:lvl2pPr marR="0" lvl="1" algn="l" rtl="0">
         <a:lnSpc>
           <a:spcPct val="100000"/>
         </a:lnSpc>
@@ -9872,7 +9847,7 @@
           <a:srgbClr val="000000"/>
         </a:buClr>
         <a:buFont typeface="Arial"/>
-        <a:defRPr b="0" i="0" sz="1400" u="none" cap="none" strike="noStrike">
+        <a:defRPr sz="1400" b="0" i="0" u="none" strike="noStrike" cap="none">
           <a:solidFill>
             <a:srgbClr val="000000"/>
           </a:solidFill>
@@ -9882,7 +9857,7 @@
           <a:sym typeface="Arial"/>
         </a:defRPr>
       </a:lvl2pPr>
-      <a:lvl3pPr lvl="2" marR="0" rtl="0" algn="l">
+      <a:lvl3pPr marR="0" lvl="2" algn="l" rtl="0">
         <a:lnSpc>
           <a:spcPct val="100000"/>
         </a:lnSpc>
@@ -9896,7 +9871,7 @@
           <a:srgbClr val="000000"/>
         </a:buClr>
         <a:buFont typeface="Arial"/>
-        <a:defRPr b="0" i="0" sz="1400" u="none" cap="none" strike="noStrike">
+        <a:defRPr sz="1400" b="0" i="0" u="none" strike="noStrike" cap="none">
           <a:solidFill>
             <a:srgbClr val="000000"/>
           </a:solidFill>
@@ -9906,7 +9881,7 @@
           <a:sym typeface="Arial"/>
         </a:defRPr>
       </a:lvl3pPr>
-      <a:lvl4pPr lvl="3" marR="0" rtl="0" algn="l">
+      <a:lvl4pPr marR="0" lvl="3" algn="l" rtl="0">
         <a:lnSpc>
           <a:spcPct val="100000"/>
         </a:lnSpc>
@@ -9920,7 +9895,7 @@
           <a:srgbClr val="000000"/>
         </a:buClr>
         <a:buFont typeface="Arial"/>
-        <a:defRPr b="0" i="0" sz="1400" u="none" cap="none" strike="noStrike">
+        <a:defRPr sz="1400" b="0" i="0" u="none" strike="noStrike" cap="none">
           <a:solidFill>
             <a:srgbClr val="000000"/>
           </a:solidFill>
@@ -9930,7 +9905,7 @@
           <a:sym typeface="Arial"/>
         </a:defRPr>
       </a:lvl4pPr>
-      <a:lvl5pPr lvl="4" marR="0" rtl="0" algn="l">
+      <a:lvl5pPr marR="0" lvl="4" algn="l" rtl="0">
         <a:lnSpc>
           <a:spcPct val="100000"/>
         </a:lnSpc>
@@ -9944,7 +9919,7 @@
           <a:srgbClr val="000000"/>
         </a:buClr>
         <a:buFont typeface="Arial"/>
-        <a:defRPr b="0" i="0" sz="1400" u="none" cap="none" strike="noStrike">
+        <a:defRPr sz="1400" b="0" i="0" u="none" strike="noStrike" cap="none">
           <a:solidFill>
             <a:srgbClr val="000000"/>
           </a:solidFill>
@@ -9954,7 +9929,7 @@
           <a:sym typeface="Arial"/>
         </a:defRPr>
       </a:lvl5pPr>
-      <a:lvl6pPr lvl="5" marR="0" rtl="0" algn="l">
+      <a:lvl6pPr marR="0" lvl="5" algn="l" rtl="0">
         <a:lnSpc>
           <a:spcPct val="100000"/>
         </a:lnSpc>
@@ -9968,7 +9943,7 @@
           <a:srgbClr val="000000"/>
         </a:buClr>
         <a:buFont typeface="Arial"/>
-        <a:defRPr b="0" i="0" sz="1400" u="none" cap="none" strike="noStrike">
+        <a:defRPr sz="1400" b="0" i="0" u="none" strike="noStrike" cap="none">
           <a:solidFill>
             <a:srgbClr val="000000"/>
           </a:solidFill>
@@ -9978,7 +9953,7 @@
           <a:sym typeface="Arial"/>
         </a:defRPr>
       </a:lvl6pPr>
-      <a:lvl7pPr lvl="6" marR="0" rtl="0" algn="l">
+      <a:lvl7pPr marR="0" lvl="6" algn="l" rtl="0">
         <a:lnSpc>
           <a:spcPct val="100000"/>
         </a:lnSpc>
@@ -9992,7 +9967,7 @@
           <a:srgbClr val="000000"/>
         </a:buClr>
         <a:buFont typeface="Arial"/>
-        <a:defRPr b="0" i="0" sz="1400" u="none" cap="none" strike="noStrike">
+        <a:defRPr sz="1400" b="0" i="0" u="none" strike="noStrike" cap="none">
           <a:solidFill>
             <a:srgbClr val="000000"/>
           </a:solidFill>
@@ -10002,7 +9977,7 @@
           <a:sym typeface="Arial"/>
         </a:defRPr>
       </a:lvl7pPr>
-      <a:lvl8pPr lvl="7" marR="0" rtl="0" algn="l">
+      <a:lvl8pPr marR="0" lvl="7" algn="l" rtl="0">
         <a:lnSpc>
           <a:spcPct val="100000"/>
         </a:lnSpc>
@@ -10016,7 +9991,7 @@
           <a:srgbClr val="000000"/>
         </a:buClr>
         <a:buFont typeface="Arial"/>
-        <a:defRPr b="0" i="0" sz="1400" u="none" cap="none" strike="noStrike">
+        <a:defRPr sz="1400" b="0" i="0" u="none" strike="noStrike" cap="none">
           <a:solidFill>
             <a:srgbClr val="000000"/>
           </a:solidFill>
@@ -10026,7 +10001,7 @@
           <a:sym typeface="Arial"/>
         </a:defRPr>
       </a:lvl8pPr>
-      <a:lvl9pPr lvl="8" marR="0" rtl="0" algn="l">
+      <a:lvl9pPr marR="0" lvl="8" algn="l" rtl="0">
         <a:lnSpc>
           <a:spcPct val="100000"/>
         </a:lnSpc>
@@ -10040,7 +10015,7 @@
           <a:srgbClr val="000000"/>
         </a:buClr>
         <a:buFont typeface="Arial"/>
-        <a:defRPr b="0" i="0" sz="1400" u="none" cap="none" strike="noStrike">
+        <a:defRPr sz="1400" b="0" i="0" u="none" strike="noStrike" cap="none">
           <a:solidFill>
             <a:srgbClr val="000000"/>
           </a:solidFill>
@@ -10052,7 +10027,7 @@
       </a:lvl9pPr>
     </p:bodyStyle>
     <p:otherStyle>
-      <a:defPPr lvl="0" marR="0" rtl="0" algn="l">
+      <a:defPPr marR="0" lvl="0" algn="l" rtl="0">
         <a:lnSpc>
           <a:spcPct val="100000"/>
         </a:lnSpc>
@@ -10063,7 +10038,7 @@
           <a:spcPts val="0"/>
         </a:spcAft>
       </a:defPPr>
-      <a:lvl1pPr lvl="0" marR="0" rtl="0" algn="l">
+      <a:lvl1pPr marR="0" lvl="0" algn="l" rtl="0">
         <a:lnSpc>
           <a:spcPct val="100000"/>
         </a:lnSpc>
@@ -10077,7 +10052,7 @@
           <a:srgbClr val="000000"/>
         </a:buClr>
         <a:buFont typeface="Arial"/>
-        <a:defRPr b="0" i="0" sz="1400" u="none" cap="none" strike="noStrike">
+        <a:defRPr sz="1400" b="0" i="0" u="none" strike="noStrike" cap="none">
           <a:solidFill>
             <a:srgbClr val="000000"/>
           </a:solidFill>
@@ -10087,7 +10062,7 @@
           <a:sym typeface="Arial"/>
         </a:defRPr>
       </a:lvl1pPr>
-      <a:lvl2pPr lvl="1" marR="0" rtl="0" algn="l">
+      <a:lvl2pPr marR="0" lvl="1" algn="l" rtl="0">
         <a:lnSpc>
           <a:spcPct val="100000"/>
         </a:lnSpc>
@@ -10101,7 +10076,7 @@
           <a:srgbClr val="000000"/>
         </a:buClr>
         <a:buFont typeface="Arial"/>
-        <a:defRPr b="0" i="0" sz="1400" u="none" cap="none" strike="noStrike">
+        <a:defRPr sz="1400" b="0" i="0" u="none" strike="noStrike" cap="none">
           <a:solidFill>
             <a:srgbClr val="000000"/>
           </a:solidFill>
@@ -10111,7 +10086,7 @@
           <a:sym typeface="Arial"/>
         </a:defRPr>
       </a:lvl2pPr>
-      <a:lvl3pPr lvl="2" marR="0" rtl="0" algn="l">
+      <a:lvl3pPr marR="0" lvl="2" algn="l" rtl="0">
         <a:lnSpc>
           <a:spcPct val="100000"/>
         </a:lnSpc>
@@ -10125,7 +10100,7 @@
           <a:srgbClr val="000000"/>
         </a:buClr>
         <a:buFont typeface="Arial"/>
-        <a:defRPr b="0" i="0" sz="1400" u="none" cap="none" strike="noStrike">
+        <a:defRPr sz="1400" b="0" i="0" u="none" strike="noStrike" cap="none">
           <a:solidFill>
             <a:srgbClr val="000000"/>
           </a:solidFill>
@@ -10135,7 +10110,7 @@
           <a:sym typeface="Arial"/>
         </a:defRPr>
       </a:lvl3pPr>
-      <a:lvl4pPr lvl="3" marR="0" rtl="0" algn="l">
+      <a:lvl4pPr marR="0" lvl="3" algn="l" rtl="0">
         <a:lnSpc>
           <a:spcPct val="100000"/>
         </a:lnSpc>
@@ -10149,7 +10124,7 @@
           <a:srgbClr val="000000"/>
         </a:buClr>
         <a:buFont typeface="Arial"/>
-        <a:defRPr b="0" i="0" sz="1400" u="none" cap="none" strike="noStrike">
+        <a:defRPr sz="1400" b="0" i="0" u="none" strike="noStrike" cap="none">
           <a:solidFill>
             <a:srgbClr val="000000"/>
           </a:solidFill>
@@ -10159,7 +10134,7 @@
           <a:sym typeface="Arial"/>
         </a:defRPr>
       </a:lvl4pPr>
-      <a:lvl5pPr lvl="4" marR="0" rtl="0" algn="l">
+      <a:lvl5pPr marR="0" lvl="4" algn="l" rtl="0">
         <a:lnSpc>
           <a:spcPct val="100000"/>
         </a:lnSpc>
@@ -10173,7 +10148,7 @@
           <a:srgbClr val="000000"/>
         </a:buClr>
         <a:buFont typeface="Arial"/>
-        <a:defRPr b="0" i="0" sz="1400" u="none" cap="none" strike="noStrike">
+        <a:defRPr sz="1400" b="0" i="0" u="none" strike="noStrike" cap="none">
           <a:solidFill>
             <a:srgbClr val="000000"/>
           </a:solidFill>
@@ -10183,7 +10158,7 @@
           <a:sym typeface="Arial"/>
         </a:defRPr>
       </a:lvl5pPr>
-      <a:lvl6pPr lvl="5" marR="0" rtl="0" algn="l">
+      <a:lvl6pPr marR="0" lvl="5" algn="l" rtl="0">
         <a:lnSpc>
           <a:spcPct val="100000"/>
         </a:lnSpc>
@@ -10197,7 +10172,7 @@
           <a:srgbClr val="000000"/>
         </a:buClr>
         <a:buFont typeface="Arial"/>
-        <a:defRPr b="0" i="0" sz="1400" u="none" cap="none" strike="noStrike">
+        <a:defRPr sz="1400" b="0" i="0" u="none" strike="noStrike" cap="none">
           <a:solidFill>
             <a:srgbClr val="000000"/>
           </a:solidFill>
@@ -10207,7 +10182,7 @@
           <a:sym typeface="Arial"/>
         </a:defRPr>
       </a:lvl6pPr>
-      <a:lvl7pPr lvl="6" marR="0" rtl="0" algn="l">
+      <a:lvl7pPr marR="0" lvl="6" algn="l" rtl="0">
         <a:lnSpc>
           <a:spcPct val="100000"/>
         </a:lnSpc>
@@ -10221,7 +10196,7 @@
           <a:srgbClr val="000000"/>
         </a:buClr>
         <a:buFont typeface="Arial"/>
-        <a:defRPr b="0" i="0" sz="1400" u="none" cap="none" strike="noStrike">
+        <a:defRPr sz="1400" b="0" i="0" u="none" strike="noStrike" cap="none">
           <a:solidFill>
             <a:srgbClr val="000000"/>
           </a:solidFill>
@@ -10231,7 +10206,7 @@
           <a:sym typeface="Arial"/>
         </a:defRPr>
       </a:lvl7pPr>
-      <a:lvl8pPr lvl="7" marR="0" rtl="0" algn="l">
+      <a:lvl8pPr marR="0" lvl="7" algn="l" rtl="0">
         <a:lnSpc>
           <a:spcPct val="100000"/>
         </a:lnSpc>
@@ -10245,7 +10220,7 @@
           <a:srgbClr val="000000"/>
         </a:buClr>
         <a:buFont typeface="Arial"/>
-        <a:defRPr b="0" i="0" sz="1400" u="none" cap="none" strike="noStrike">
+        <a:defRPr sz="1400" b="0" i="0" u="none" strike="noStrike" cap="none">
           <a:solidFill>
             <a:srgbClr val="000000"/>
           </a:solidFill>
@@ -10255,7 +10230,7 @@
           <a:sym typeface="Arial"/>
         </a:defRPr>
       </a:lvl8pPr>
-      <a:lvl9pPr lvl="8" marR="0" rtl="0" algn="l">
+      <a:lvl9pPr marR="0" lvl="8" algn="l" rtl="0">
         <a:lnSpc>
           <a:spcPct val="100000"/>
         </a:lnSpc>
@@ -10269,7 +10244,7 @@
           <a:srgbClr val="000000"/>
         </a:buClr>
         <a:buFont typeface="Arial"/>
-        <a:defRPr b="0" i="0" sz="1400" u="none" cap="none" strike="noStrike">
+        <a:defRPr sz="1400" b="0" i="0" u="none" strike="noStrike" cap="none">
           <a:solidFill>
             <a:srgbClr val="000000"/>
           </a:solidFill>
@@ -10285,11 +10260,11 @@
 </file>
 
 <file path=ppt/slides/slide1.xml><?xml version="1.0" encoding="utf-8"?>
-<p:sld xmlns:a="http://schemas.openxmlformats.org/drawingml/2006/main" xmlns:r="http://schemas.openxmlformats.org/officeDocument/2006/relationships" xmlns:mc="http://schemas.openxmlformats.org/markup-compatibility/2006" xmlns:mv="urn:schemas-microsoft-com:mac:vml" xmlns:p="http://schemas.openxmlformats.org/presentationml/2006/main" xmlns:c="http://schemas.openxmlformats.org/drawingml/2006/chart" xmlns:dgm="http://schemas.openxmlformats.org/drawingml/2006/diagram" xmlns:o="urn:schemas-microsoft-com:office:office" xmlns:v="urn:schemas-microsoft-com:vml" xmlns:pvml="urn:schemas-microsoft-com:office:powerpoint" xmlns:com="http://schemas.openxmlformats.org/drawingml/2006/compatibility" xmlns:p14="http://schemas.microsoft.com/office/powerpoint/2010/main" xmlns:p15="http://schemas.microsoft.com/office/powerpoint/2012/main" xmlns:ahyp="http://schemas.microsoft.com/office/drawing/2018/hyperlinkcolor">
+<p:sld xmlns:a="http://schemas.openxmlformats.org/drawingml/2006/main" xmlns:r="http://schemas.openxmlformats.org/officeDocument/2006/relationships" xmlns:p="http://schemas.openxmlformats.org/presentationml/2006/main">
   <p:cSld>
     <p:spTree>
       <p:nvGrpSpPr>
-        <p:cNvPr id="133" name="Shape 133"/>
+        <p:cNvPr id="1" name="Shape 133"/>
         <p:cNvGrpSpPr/>
         <p:nvPr/>
       </p:nvGrpSpPr>
@@ -10304,7 +10279,9 @@
       <p:sp>
         <p:nvSpPr>
           <p:cNvPr id="134" name="Google Shape;134;p13"/>
-          <p:cNvSpPr txBox="1"/>
+          <p:cNvSpPr txBox="1">
+            <a:spLocks noGrp="1"/>
+          </p:cNvSpPr>
           <p:nvPr>
             <p:ph type="ctrTitle"/>
           </p:nvPr>
@@ -10319,12 +10296,12 @@
           </a:prstGeom>
         </p:spPr>
         <p:txBody>
-          <a:bodyPr anchorCtr="0" anchor="t" bIns="91425" lIns="91425" spcFirstLastPara="1" rIns="91425" wrap="square" tIns="91425">
+          <a:bodyPr spcFirstLastPara="1" wrap="square" lIns="91425" tIns="91425" rIns="91425" bIns="91425" anchor="t" anchorCtr="0">
             <a:normAutofit fontScale="90000"/>
           </a:bodyPr>
           <a:lstStyle/>
           <a:p>
-            <a:pPr indent="0" lvl="0" marL="0" rtl="0" algn="l">
+            <a:pPr marL="0" lvl="0" indent="0" algn="l" rtl="0">
               <a:spcBef>
                 <a:spcPts val="0"/>
               </a:spcBef>
@@ -10334,13 +10311,13 @@
               <a:buNone/>
             </a:pPr>
             <a:r>
-              <a:rPr b="1" lang="en"/>
+              <a:rPr lang="en" b="1"/>
               <a:t>Library Management System</a:t>
             </a:r>
             <a:endParaRPr b="1"/>
           </a:p>
           <a:p>
-            <a:pPr indent="0" lvl="0" marL="0" rtl="0" algn="l">
+            <a:pPr marL="0" lvl="0" indent="0" algn="l" rtl="0">
               <a:spcBef>
                 <a:spcPts val="0"/>
               </a:spcBef>
@@ -10349,9 +10326,6 @@
               </a:spcAft>
               <a:buNone/>
             </a:pPr>
-            <a:r>
-              <a:t/>
-            </a:r>
             <a:endParaRPr b="1"/>
           </a:p>
         </p:txBody>
@@ -10359,9 +10333,11 @@
       <p:sp>
         <p:nvSpPr>
           <p:cNvPr id="135" name="Google Shape;135;p13"/>
-          <p:cNvSpPr txBox="1"/>
+          <p:cNvSpPr txBox="1">
+            <a:spLocks noGrp="1"/>
+          </p:cNvSpPr>
           <p:nvPr>
-            <p:ph idx="1" type="subTitle"/>
+            <p:ph type="subTitle" idx="1"/>
           </p:nvPr>
         </p:nvSpPr>
         <p:spPr>
@@ -10374,12 +10350,12 @@
           </a:prstGeom>
         </p:spPr>
         <p:txBody>
-          <a:bodyPr anchorCtr="0" anchor="t" bIns="91425" lIns="91425" spcFirstLastPara="1" rIns="91425" wrap="square" tIns="91425">
-            <a:normAutofit lnSpcReduction="20000"/>
+          <a:bodyPr spcFirstLastPara="1" wrap="square" lIns="91425" tIns="91425" rIns="91425" bIns="91425" anchor="t" anchorCtr="0">
+            <a:normAutofit fontScale="92500"/>
           </a:bodyPr>
           <a:lstStyle/>
           <a:p>
-            <a:pPr indent="0" lvl="0" marL="0" rtl="0" algn="l">
+            <a:pPr marL="0" lvl="0" indent="0" algn="l" rtl="0">
               <a:spcBef>
                 <a:spcPts val="0"/>
               </a:spcBef>
@@ -10416,12 +10392,12 @@
           </a:ln>
         </p:spPr>
         <p:txBody>
-          <a:bodyPr anchorCtr="0" anchor="t" bIns="91425" lIns="91425" spcFirstLastPara="1" rIns="91425" wrap="square" tIns="91425">
+          <a:bodyPr spcFirstLastPara="1" wrap="square" lIns="91425" tIns="91425" rIns="91425" bIns="91425" anchor="t" anchorCtr="0">
             <a:spAutoFit/>
           </a:bodyPr>
           <a:lstStyle/>
           <a:p>
-            <a:pPr indent="0" lvl="0" marL="0" rtl="0" algn="l">
+            <a:pPr marL="0" lvl="0" indent="0" algn="l" rtl="0">
               <a:spcBef>
                 <a:spcPts val="0"/>
               </a:spcBef>
@@ -10430,9 +10406,6 @@
               </a:spcAft>
               <a:buNone/>
             </a:pPr>
-            <a:r>
-              <a:t/>
-            </a:r>
             <a:endParaRPr/>
           </a:p>
         </p:txBody>
@@ -10457,12 +10430,12 @@
           </a:ln>
         </p:spPr>
         <p:txBody>
-          <a:bodyPr anchorCtr="0" anchor="t" bIns="91425" lIns="91425" spcFirstLastPara="1" rIns="91425" wrap="square" tIns="91425">
+          <a:bodyPr spcFirstLastPara="1" wrap="square" lIns="91425" tIns="91425" rIns="91425" bIns="91425" anchor="t" anchorCtr="0">
             <a:noAutofit/>
           </a:bodyPr>
           <a:lstStyle/>
           <a:p>
-            <a:pPr indent="0" lvl="0" marL="0" rtl="0" algn="l">
+            <a:pPr marL="0" lvl="0" indent="0" algn="l" rtl="0">
               <a:spcBef>
                 <a:spcPts val="0"/>
               </a:spcBef>
@@ -10504,11 +10477,11 @@
 </file>
 
 <file path=ppt/slides/slide10.xml><?xml version="1.0" encoding="utf-8"?>
-<p:sld xmlns:a="http://schemas.openxmlformats.org/drawingml/2006/main" xmlns:r="http://schemas.openxmlformats.org/officeDocument/2006/relationships" xmlns:mc="http://schemas.openxmlformats.org/markup-compatibility/2006" xmlns:mv="urn:schemas-microsoft-com:mac:vml" xmlns:p="http://schemas.openxmlformats.org/presentationml/2006/main" xmlns:c="http://schemas.openxmlformats.org/drawingml/2006/chart" xmlns:dgm="http://schemas.openxmlformats.org/drawingml/2006/diagram" xmlns:o="urn:schemas-microsoft-com:office:office" xmlns:v="urn:schemas-microsoft-com:vml" xmlns:pvml="urn:schemas-microsoft-com:office:powerpoint" xmlns:com="http://schemas.openxmlformats.org/drawingml/2006/compatibility" xmlns:p14="http://schemas.microsoft.com/office/powerpoint/2010/main" xmlns:p15="http://schemas.microsoft.com/office/powerpoint/2012/main" xmlns:ahyp="http://schemas.microsoft.com/office/drawing/2018/hyperlinkcolor">
+<p:sld xmlns:a="http://schemas.openxmlformats.org/drawingml/2006/main" xmlns:r="http://schemas.openxmlformats.org/officeDocument/2006/relationships" xmlns:p="http://schemas.openxmlformats.org/presentationml/2006/main">
   <p:cSld>
     <p:spTree>
       <p:nvGrpSpPr>
-        <p:cNvPr id="189" name="Shape 189"/>
+        <p:cNvPr id="1" name="Shape 189"/>
         <p:cNvGrpSpPr/>
         <p:nvPr/>
       </p:nvGrpSpPr>
@@ -10523,7 +10496,9 @@
       <p:sp>
         <p:nvSpPr>
           <p:cNvPr id="190" name="Google Shape;190;p22"/>
-          <p:cNvSpPr txBox="1"/>
+          <p:cNvSpPr txBox="1">
+            <a:spLocks noGrp="1"/>
+          </p:cNvSpPr>
           <p:nvPr>
             <p:ph type="title"/>
           </p:nvPr>
@@ -10538,12 +10513,12 @@
           </a:prstGeom>
         </p:spPr>
         <p:txBody>
-          <a:bodyPr anchorCtr="0" anchor="t" bIns="91425" lIns="91425" spcFirstLastPara="1" rIns="91425" wrap="square" tIns="91425">
+          <a:bodyPr spcFirstLastPara="1" wrap="square" lIns="91425" tIns="91425" rIns="91425" bIns="91425" anchor="t" anchorCtr="0">
             <a:normAutofit/>
           </a:bodyPr>
           <a:lstStyle/>
           <a:p>
-            <a:pPr indent="0" lvl="0" marL="0" rtl="0" algn="l">
+            <a:pPr marL="0" lvl="0" indent="0" algn="l" rtl="0">
               <a:spcBef>
                 <a:spcPts val="0"/>
               </a:spcBef>
@@ -10553,19 +10528,21 @@
               <a:buNone/>
             </a:pPr>
             <a:r>
-              <a:rPr b="1" lang="en" sz="3600"/>
+              <a:rPr lang="en" sz="3600" b="1"/>
               <a:t>Challenges We Faced</a:t>
             </a:r>
-            <a:endParaRPr b="1" sz="3600"/>
+            <a:endParaRPr sz="3600" b="1"/>
           </a:p>
         </p:txBody>
       </p:sp>
       <p:sp>
         <p:nvSpPr>
           <p:cNvPr id="191" name="Google Shape;191;p22"/>
-          <p:cNvSpPr txBox="1"/>
+          <p:cNvSpPr txBox="1">
+            <a:spLocks noGrp="1"/>
+          </p:cNvSpPr>
           <p:nvPr>
-            <p:ph idx="1" type="body"/>
+            <p:ph type="body" idx="1"/>
           </p:nvPr>
         </p:nvSpPr>
         <p:spPr>
@@ -10578,12 +10555,12 @@
           </a:prstGeom>
         </p:spPr>
         <p:txBody>
-          <a:bodyPr anchorCtr="0" anchor="t" bIns="91425" lIns="91425" spcFirstLastPara="1" rIns="91425" wrap="square" tIns="91425">
+          <a:bodyPr spcFirstLastPara="1" wrap="square" lIns="91425" tIns="91425" rIns="91425" bIns="91425" anchor="t" anchorCtr="0">
             <a:normAutofit/>
           </a:bodyPr>
           <a:lstStyle/>
           <a:p>
-            <a:pPr indent="0" lvl="0" marL="0" rtl="0" algn="l">
+            <a:pPr marL="0" lvl="0" indent="0" algn="l" rtl="0">
               <a:spcBef>
                 <a:spcPts val="0"/>
               </a:spcBef>
@@ -10593,7 +10570,7 @@
               <a:buNone/>
             </a:pPr>
             <a:r>
-              <a:rPr b="1" lang="en" sz="1600">
+              <a:rPr lang="en" sz="1600" b="1">
                 <a:latin typeface="Arial"/>
                 <a:ea typeface="Arial"/>
                 <a:cs typeface="Arial"/>
@@ -10601,7 +10578,7 @@
               </a:rPr>
               <a:t>These are the challenges we faced making this project.</a:t>
             </a:r>
-            <a:endParaRPr b="1" sz="1600">
+            <a:endParaRPr sz="1600" b="1">
               <a:latin typeface="Arial"/>
               <a:ea typeface="Arial"/>
               <a:cs typeface="Arial"/>
@@ -10609,7 +10586,7 @@
             </a:endParaRPr>
           </a:p>
           <a:p>
-            <a:pPr indent="-330200" lvl="0" marL="457200" rtl="0" algn="l">
+            <a:pPr marL="457200" lvl="0" indent="-330200" algn="l" rtl="0">
               <a:spcBef>
                 <a:spcPts val="1200"/>
               </a:spcBef>
@@ -10640,7 +10617,7 @@
             </a:endParaRPr>
           </a:p>
           <a:p>
-            <a:pPr indent="-330200" lvl="0" marL="457200" rtl="0" algn="l">
+            <a:pPr marL="457200" lvl="0" indent="-330200" algn="l" rtl="0">
               <a:spcBef>
                 <a:spcPts val="0"/>
               </a:spcBef>
@@ -10671,7 +10648,7 @@
             </a:endParaRPr>
           </a:p>
           <a:p>
-            <a:pPr indent="-330200" lvl="0" marL="457200" rtl="0" algn="l">
+            <a:pPr marL="457200" lvl="0" indent="-330200" algn="l" rtl="0">
               <a:spcBef>
                 <a:spcPts val="0"/>
               </a:spcBef>
@@ -10702,7 +10679,7 @@
             </a:endParaRPr>
           </a:p>
           <a:p>
-            <a:pPr indent="-330200" lvl="0" marL="457200" rtl="0" algn="l">
+            <a:pPr marL="457200" lvl="0" indent="-330200" algn="l" rtl="0">
               <a:spcBef>
                 <a:spcPts val="0"/>
               </a:spcBef>
@@ -10733,7 +10710,7 @@
             </a:endParaRPr>
           </a:p>
           <a:p>
-            <a:pPr indent="-330200" lvl="0" marL="457200" rtl="0" algn="l">
+            <a:pPr marL="457200" lvl="0" indent="-330200" algn="l" rtl="0">
               <a:spcBef>
                 <a:spcPts val="0"/>
               </a:spcBef>
@@ -10754,16 +10731,7 @@
                 <a:cs typeface="Arial"/>
                 <a:sym typeface="Arial"/>
               </a:rPr>
-              <a:t>Properly developing error </a:t>
-            </a:r>
-            <a:r>
-              <a:rPr lang="en" sz="1600">
-                <a:latin typeface="Arial"/>
-                <a:ea typeface="Arial"/>
-                <a:cs typeface="Arial"/>
-                <a:sym typeface="Arial"/>
-              </a:rPr>
-              <a:t>handling</a:t>
+              <a:t>Properly developing error handling</a:t>
             </a:r>
             <a:endParaRPr sz="1600">
               <a:latin typeface="Arial"/>
@@ -10773,7 +10741,7 @@
             </a:endParaRPr>
           </a:p>
           <a:p>
-            <a:pPr indent="-330200" lvl="0" marL="457200" rtl="0" algn="l">
+            <a:pPr marL="457200" lvl="0" indent="-330200" algn="l" rtl="0">
               <a:spcBef>
                 <a:spcPts val="0"/>
               </a:spcBef>
@@ -10804,7 +10772,7 @@
             </a:endParaRPr>
           </a:p>
           <a:p>
-            <a:pPr indent="0" lvl="0" marL="0" rtl="0" algn="l">
+            <a:pPr marL="0" lvl="0" indent="0" algn="l" rtl="0">
               <a:spcBef>
                 <a:spcPts val="1200"/>
               </a:spcBef>
@@ -10813,9 +10781,6 @@
               </a:spcAft>
               <a:buNone/>
             </a:pPr>
-            <a:r>
-              <a:t/>
-            </a:r>
             <a:endParaRPr sz="1600"/>
           </a:p>
         </p:txBody>
@@ -10829,11 +10794,11 @@
 </file>
 
 <file path=ppt/slides/slide11.xml><?xml version="1.0" encoding="utf-8"?>
-<p:sld xmlns:a="http://schemas.openxmlformats.org/drawingml/2006/main" xmlns:r="http://schemas.openxmlformats.org/officeDocument/2006/relationships" xmlns:mc="http://schemas.openxmlformats.org/markup-compatibility/2006" xmlns:mv="urn:schemas-microsoft-com:mac:vml" xmlns:p="http://schemas.openxmlformats.org/presentationml/2006/main" xmlns:c="http://schemas.openxmlformats.org/drawingml/2006/chart" xmlns:dgm="http://schemas.openxmlformats.org/drawingml/2006/diagram" xmlns:o="urn:schemas-microsoft-com:office:office" xmlns:v="urn:schemas-microsoft-com:vml" xmlns:pvml="urn:schemas-microsoft-com:office:powerpoint" xmlns:com="http://schemas.openxmlformats.org/drawingml/2006/compatibility" xmlns:p14="http://schemas.microsoft.com/office/powerpoint/2010/main" xmlns:p15="http://schemas.microsoft.com/office/powerpoint/2012/main" xmlns:ahyp="http://schemas.microsoft.com/office/drawing/2018/hyperlinkcolor">
+<p:sld xmlns:a="http://schemas.openxmlformats.org/drawingml/2006/main" xmlns:r="http://schemas.openxmlformats.org/officeDocument/2006/relationships" xmlns:p="http://schemas.openxmlformats.org/presentationml/2006/main">
   <p:cSld>
     <p:spTree>
       <p:nvGrpSpPr>
-        <p:cNvPr id="195" name="Shape 195"/>
+        <p:cNvPr id="1" name="Shape 195"/>
         <p:cNvGrpSpPr/>
         <p:nvPr/>
       </p:nvGrpSpPr>
@@ -10848,7 +10813,9 @@
       <p:sp>
         <p:nvSpPr>
           <p:cNvPr id="196" name="Google Shape;196;p23"/>
-          <p:cNvSpPr txBox="1"/>
+          <p:cNvSpPr txBox="1">
+            <a:spLocks noGrp="1"/>
+          </p:cNvSpPr>
           <p:nvPr>
             <p:ph type="title"/>
           </p:nvPr>
@@ -10863,12 +10830,12 @@
           </a:prstGeom>
         </p:spPr>
         <p:txBody>
-          <a:bodyPr anchorCtr="0" anchor="t" bIns="91425" lIns="91425" spcFirstLastPara="1" rIns="91425" wrap="square" tIns="91425">
+          <a:bodyPr spcFirstLastPara="1" wrap="square" lIns="91425" tIns="91425" rIns="91425" bIns="91425" anchor="t" anchorCtr="0">
             <a:normAutofit/>
           </a:bodyPr>
           <a:lstStyle/>
           <a:p>
-            <a:pPr indent="0" lvl="0" marL="0" rtl="0" algn="l">
+            <a:pPr marL="0" lvl="0" indent="0" algn="l" rtl="0">
               <a:spcBef>
                 <a:spcPts val="0"/>
               </a:spcBef>
@@ -10878,19 +10845,21 @@
               <a:buNone/>
             </a:pPr>
             <a:r>
-              <a:rPr b="1" lang="en" sz="3600"/>
+              <a:rPr lang="en" sz="3600" b="1"/>
               <a:t>Target Audience</a:t>
             </a:r>
-            <a:endParaRPr b="1" sz="3600"/>
+            <a:endParaRPr sz="3600" b="1"/>
           </a:p>
         </p:txBody>
       </p:sp>
       <p:sp>
         <p:nvSpPr>
           <p:cNvPr id="197" name="Google Shape;197;p23"/>
-          <p:cNvSpPr txBox="1"/>
+          <p:cNvSpPr txBox="1">
+            <a:spLocks noGrp="1"/>
+          </p:cNvSpPr>
           <p:nvPr>
-            <p:ph idx="1" type="body"/>
+            <p:ph type="body" idx="1"/>
           </p:nvPr>
         </p:nvSpPr>
         <p:spPr>
@@ -10903,12 +10872,12 @@
           </a:prstGeom>
         </p:spPr>
         <p:txBody>
-          <a:bodyPr anchorCtr="0" anchor="t" bIns="91425" lIns="91425" spcFirstLastPara="1" rIns="91425" wrap="square" tIns="91425">
+          <a:bodyPr spcFirstLastPara="1" wrap="square" lIns="91425" tIns="91425" rIns="91425" bIns="91425" anchor="t" anchorCtr="0">
             <a:noAutofit/>
           </a:bodyPr>
           <a:lstStyle/>
           <a:p>
-            <a:pPr indent="0" lvl="0" marL="0" rtl="0" algn="l">
+            <a:pPr marL="0" lvl="0" indent="0" algn="l" rtl="0">
               <a:spcBef>
                 <a:spcPts val="0"/>
               </a:spcBef>
@@ -10918,7 +10887,7 @@
               <a:buNone/>
             </a:pPr>
             <a:r>
-              <a:rPr b="1" lang="en" sz="1600">
+              <a:rPr lang="en" sz="1600" b="1" dirty="0">
                 <a:latin typeface="Arial"/>
                 <a:ea typeface="Arial"/>
                 <a:cs typeface="Arial"/>
@@ -10927,7 +10896,7 @@
               <a:t>Primary Users:</a:t>
             </a:r>
             <a:r>
-              <a:rPr lang="en" sz="1600">
+              <a:rPr lang="en" sz="1600" dirty="0">
                 <a:latin typeface="Arial"/>
                 <a:ea typeface="Arial"/>
                 <a:cs typeface="Arial"/>
@@ -10935,7 +10904,7 @@
               </a:rPr>
               <a:t> Librarians, Students, General Public</a:t>
             </a:r>
-            <a:endParaRPr sz="1600">
+            <a:endParaRPr sz="1600" dirty="0">
               <a:latin typeface="Arial"/>
               <a:ea typeface="Arial"/>
               <a:cs typeface="Arial"/>
@@ -10943,7 +10912,7 @@
             </a:endParaRPr>
           </a:p>
           <a:p>
-            <a:pPr indent="0" lvl="0" marL="0" rtl="0" algn="l">
+            <a:pPr marL="0" lvl="0" indent="0" algn="l" rtl="0">
               <a:spcBef>
                 <a:spcPts val="1200"/>
               </a:spcBef>
@@ -10953,7 +10922,7 @@
               <a:buNone/>
             </a:pPr>
             <a:r>
-              <a:rPr b="1" lang="en" sz="1600">
+              <a:rPr lang="en" sz="1600" b="1" dirty="0">
                 <a:latin typeface="Arial"/>
                 <a:ea typeface="Arial"/>
                 <a:cs typeface="Arial"/>
@@ -10961,7 +10930,7 @@
               </a:rPr>
               <a:t>Benefits for Librarians:</a:t>
             </a:r>
-            <a:endParaRPr b="1" sz="1600">
+            <a:endParaRPr sz="1600" b="1" dirty="0">
               <a:latin typeface="Arial"/>
               <a:ea typeface="Arial"/>
               <a:cs typeface="Arial"/>
@@ -10969,7 +10938,7 @@
             </a:endParaRPr>
           </a:p>
           <a:p>
-            <a:pPr indent="-330200" lvl="0" marL="457200" rtl="0" algn="l">
+            <a:pPr marL="457200" lvl="0" indent="-330200" algn="l" rtl="0">
               <a:spcBef>
                 <a:spcPts val="1200"/>
               </a:spcBef>
@@ -10984,7 +10953,7 @@
               <a:buChar char="●"/>
             </a:pPr>
             <a:r>
-              <a:rPr lang="en" sz="1600">
+              <a:rPr lang="en" sz="1600" dirty="0">
                 <a:latin typeface="Arial"/>
                 <a:ea typeface="Arial"/>
                 <a:cs typeface="Arial"/>
@@ -10992,7 +10961,7 @@
               </a:rPr>
               <a:t>Improved inventory management and reporting.</a:t>
             </a:r>
-            <a:endParaRPr sz="1600">
+            <a:endParaRPr sz="1600" dirty="0">
               <a:latin typeface="Arial"/>
               <a:ea typeface="Arial"/>
               <a:cs typeface="Arial"/>
@@ -11000,7 +10969,7 @@
             </a:endParaRPr>
           </a:p>
           <a:p>
-            <a:pPr indent="-330200" lvl="0" marL="457200" rtl="0" algn="l">
+            <a:pPr marL="457200" lvl="0" indent="-330200" algn="l" rtl="0">
               <a:spcBef>
                 <a:spcPts val="0"/>
               </a:spcBef>
@@ -11015,7 +10984,7 @@
               <a:buChar char="●"/>
             </a:pPr>
             <a:r>
-              <a:rPr lang="en" sz="1600">
+              <a:rPr lang="en" sz="1600" dirty="0">
                 <a:latin typeface="Arial"/>
                 <a:ea typeface="Arial"/>
                 <a:cs typeface="Arial"/>
@@ -11023,43 +10992,11 @@
               </a:rPr>
               <a:t>Better resource allocation.</a:t>
             </a:r>
-            <a:endParaRPr sz="1600">
-              <a:latin typeface="Arial"/>
-              <a:ea typeface="Arial"/>
-              <a:cs typeface="Arial"/>
-              <a:sym typeface="Arial"/>
-            </a:endParaRPr>
-          </a:p>
-          <a:p>
-            <a:pPr indent="0" lvl="0" marL="0" rtl="0" algn="l">
-              <a:spcBef>
-                <a:spcPts val="1200"/>
-              </a:spcBef>
-              <a:spcAft>
-                <a:spcPts val="0"/>
-              </a:spcAft>
-              <a:buNone/>
-            </a:pPr>
-            <a:r>
-              <a:rPr b="1" lang="en" sz="1600">
-                <a:latin typeface="Arial"/>
-                <a:ea typeface="Arial"/>
-                <a:cs typeface="Arial"/>
-                <a:sym typeface="Arial"/>
-              </a:rPr>
-              <a:t>Benefits for Users:</a:t>
-            </a:r>
-            <a:endParaRPr b="1" sz="1600">
-              <a:latin typeface="Arial"/>
-              <a:ea typeface="Arial"/>
-              <a:cs typeface="Arial"/>
-              <a:sym typeface="Arial"/>
-            </a:endParaRPr>
-          </a:p>
-          <a:p>
-            <a:pPr indent="-330200" lvl="0" marL="457200" rtl="0" algn="l">
-              <a:spcBef>
-                <a:spcPts val="1200"/>
+          </a:p>
+          <a:p>
+            <a:pPr marL="457200" lvl="0" indent="-330200" algn="l" rtl="0">
+              <a:spcBef>
+                <a:spcPts val="0"/>
               </a:spcBef>
               <a:spcAft>
                 <a:spcPts val="0"/>
@@ -11072,23 +11009,17 @@
               <a:buChar char="●"/>
             </a:pPr>
             <a:r>
-              <a:rPr lang="en" sz="1600">
-                <a:latin typeface="Arial"/>
-                <a:ea typeface="Arial"/>
-                <a:cs typeface="Arial"/>
-                <a:sym typeface="Arial"/>
-              </a:rPr>
-              <a:t>More intuitive and accessible borrowing experience.</a:t>
+              <a:rPr lang="en-US" sz="1600" dirty="0"/>
+              <a:t>Streamlined reporting and analytics for decision-making.</a:t>
             </a:r>
-            <a:endParaRPr sz="1600">
+            <a:endParaRPr lang="en" sz="1600" dirty="0">
               <a:latin typeface="Arial"/>
-              <a:ea typeface="Arial"/>
               <a:cs typeface="Arial"/>
               <a:sym typeface="Arial"/>
             </a:endParaRPr>
           </a:p>
           <a:p>
-            <a:pPr indent="-330200" lvl="0" marL="457200" rtl="0" algn="l">
+            <a:pPr marL="457200" lvl="0" indent="-330200" algn="l" rtl="0">
               <a:spcBef>
                 <a:spcPts val="0"/>
               </a:spcBef>
@@ -11103,7 +11034,90 @@
               <a:buChar char="●"/>
             </a:pPr>
             <a:r>
-              <a:rPr lang="en" sz="1600">
+              <a:rPr lang="en-US" sz="1600" dirty="0"/>
+              <a:t>Simplified administrative tasks through automation.</a:t>
+            </a:r>
+            <a:endParaRPr sz="1600" dirty="0">
+              <a:latin typeface="Arial"/>
+              <a:ea typeface="Arial"/>
+              <a:cs typeface="Arial"/>
+              <a:sym typeface="Arial"/>
+            </a:endParaRPr>
+          </a:p>
+          <a:p>
+            <a:pPr marL="0" lvl="0" indent="0" algn="l" rtl="0">
+              <a:spcBef>
+                <a:spcPts val="1200"/>
+              </a:spcBef>
+              <a:spcAft>
+                <a:spcPts val="0"/>
+              </a:spcAft>
+              <a:buNone/>
+            </a:pPr>
+            <a:r>
+              <a:rPr lang="en" sz="1600" b="1" dirty="0">
+                <a:latin typeface="Arial"/>
+                <a:ea typeface="Arial"/>
+                <a:cs typeface="Arial"/>
+                <a:sym typeface="Arial"/>
+              </a:rPr>
+              <a:t>Benefits for Users:</a:t>
+            </a:r>
+            <a:endParaRPr sz="1600" b="1" dirty="0">
+              <a:latin typeface="Arial"/>
+              <a:ea typeface="Arial"/>
+              <a:cs typeface="Arial"/>
+              <a:sym typeface="Arial"/>
+            </a:endParaRPr>
+          </a:p>
+          <a:p>
+            <a:pPr marL="457200" lvl="0" indent="-330200" algn="l" rtl="0">
+              <a:spcBef>
+                <a:spcPts val="1200"/>
+              </a:spcBef>
+              <a:spcAft>
+                <a:spcPts val="0"/>
+              </a:spcAft>
+              <a:buClr>
+                <a:schemeClr val="lt1"/>
+              </a:buClr>
+              <a:buSzPts val="1600"/>
+              <a:buFont typeface="Arial"/>
+              <a:buChar char="●"/>
+            </a:pPr>
+            <a:r>
+              <a:rPr lang="en" sz="1600" dirty="0">
+                <a:latin typeface="Arial"/>
+                <a:ea typeface="Arial"/>
+                <a:cs typeface="Arial"/>
+                <a:sym typeface="Arial"/>
+              </a:rPr>
+              <a:t>More intuitive and accessible borrowing experience.</a:t>
+            </a:r>
+            <a:endParaRPr sz="1600" dirty="0">
+              <a:latin typeface="Arial"/>
+              <a:ea typeface="Arial"/>
+              <a:cs typeface="Arial"/>
+              <a:sym typeface="Arial"/>
+            </a:endParaRPr>
+          </a:p>
+          <a:p>
+            <a:pPr marL="457200" lvl="0" indent="-330200" algn="l" rtl="0">
+              <a:spcBef>
+                <a:spcPts val="0"/>
+              </a:spcBef>
+              <a:spcAft>
+                <a:spcPts val="0"/>
+              </a:spcAft>
+              <a:buClr>
+                <a:schemeClr val="lt1"/>
+              </a:buClr>
+              <a:buSzPts val="1600"/>
+              <a:buFont typeface="Arial"/>
+              <a:buChar char="●"/>
+            </a:pPr>
+            <a:r>
+              <a:rPr lang="en" sz="1600" dirty="0">
                 <a:latin typeface="Arial"/>
                 <a:ea typeface="Arial"/>
                 <a:cs typeface="Arial"/>
@@ -11111,7 +11125,7 @@
               </a:rPr>
               <a:t>Improved engagement with library services.</a:t>
             </a:r>
-            <a:endParaRPr sz="1600">
+            <a:endParaRPr sz="1600" dirty="0">
               <a:latin typeface="Arial"/>
               <a:ea typeface="Arial"/>
               <a:cs typeface="Arial"/>
@@ -11119,7 +11133,7 @@
             </a:endParaRPr>
           </a:p>
           <a:p>
-            <a:pPr indent="0" lvl="0" marL="0" rtl="0" algn="l">
+            <a:pPr marL="0" lvl="0" indent="0" algn="l" rtl="0">
               <a:spcBef>
                 <a:spcPts val="1200"/>
               </a:spcBef>
@@ -11128,10 +11142,7 @@
               </a:spcAft>
               <a:buNone/>
             </a:pPr>
-            <a:r>
-              <a:t/>
-            </a:r>
-            <a:endParaRPr sz="1600"/>
+            <a:endParaRPr sz="1600" dirty="0"/>
           </a:p>
         </p:txBody>
       </p:sp>
@@ -11144,11 +11155,11 @@
 </file>
 
 <file path=ppt/slides/slide12.xml><?xml version="1.0" encoding="utf-8"?>
-<p:sld xmlns:a="http://schemas.openxmlformats.org/drawingml/2006/main" xmlns:r="http://schemas.openxmlformats.org/officeDocument/2006/relationships" xmlns:mc="http://schemas.openxmlformats.org/markup-compatibility/2006" xmlns:mv="urn:schemas-microsoft-com:mac:vml" xmlns:p="http://schemas.openxmlformats.org/presentationml/2006/main" xmlns:c="http://schemas.openxmlformats.org/drawingml/2006/chart" xmlns:dgm="http://schemas.openxmlformats.org/drawingml/2006/diagram" xmlns:o="urn:schemas-microsoft-com:office:office" xmlns:v="urn:schemas-microsoft-com:vml" xmlns:pvml="urn:schemas-microsoft-com:office:powerpoint" xmlns:com="http://schemas.openxmlformats.org/drawingml/2006/compatibility" xmlns:p14="http://schemas.microsoft.com/office/powerpoint/2010/main" xmlns:p15="http://schemas.microsoft.com/office/powerpoint/2012/main" xmlns:ahyp="http://schemas.microsoft.com/office/drawing/2018/hyperlinkcolor">
+<p:sld xmlns:a="http://schemas.openxmlformats.org/drawingml/2006/main" xmlns:r="http://schemas.openxmlformats.org/officeDocument/2006/relationships" xmlns:p="http://schemas.openxmlformats.org/presentationml/2006/main">
   <p:cSld>
     <p:spTree>
       <p:nvGrpSpPr>
-        <p:cNvPr id="201" name="Shape 201"/>
+        <p:cNvPr id="1" name="Shape 201"/>
         <p:cNvGrpSpPr/>
         <p:nvPr/>
       </p:nvGrpSpPr>
@@ -11163,7 +11174,9 @@
       <p:sp>
         <p:nvSpPr>
           <p:cNvPr id="202" name="Google Shape;202;p24"/>
-          <p:cNvSpPr txBox="1"/>
+          <p:cNvSpPr txBox="1">
+            <a:spLocks noGrp="1"/>
+          </p:cNvSpPr>
           <p:nvPr>
             <p:ph type="title"/>
           </p:nvPr>
@@ -11178,12 +11191,12 @@
           </a:prstGeom>
         </p:spPr>
         <p:txBody>
-          <a:bodyPr anchorCtr="0" anchor="t" bIns="91425" lIns="91425" spcFirstLastPara="1" rIns="91425" wrap="square" tIns="91425">
+          <a:bodyPr spcFirstLastPara="1" wrap="square" lIns="91425" tIns="91425" rIns="91425" bIns="91425" anchor="t" anchorCtr="0">
             <a:normAutofit/>
           </a:bodyPr>
           <a:lstStyle/>
           <a:p>
-            <a:pPr indent="0" lvl="0" marL="0" rtl="0" algn="l">
+            <a:pPr marL="0" lvl="0" indent="0" algn="l" rtl="0">
               <a:spcBef>
                 <a:spcPts val="0"/>
               </a:spcBef>
@@ -11193,19 +11206,21 @@
               <a:buNone/>
             </a:pPr>
             <a:r>
-              <a:rPr b="1" lang="en" sz="3600"/>
+              <a:rPr lang="en" sz="3600" b="1"/>
               <a:t>Ownership and Benefits</a:t>
             </a:r>
-            <a:endParaRPr b="1" sz="3600"/>
+            <a:endParaRPr sz="3600" b="1"/>
           </a:p>
         </p:txBody>
       </p:sp>
       <p:sp>
         <p:nvSpPr>
           <p:cNvPr id="203" name="Google Shape;203;p24"/>
-          <p:cNvSpPr txBox="1"/>
+          <p:cNvSpPr txBox="1">
+            <a:spLocks noGrp="1"/>
+          </p:cNvSpPr>
           <p:nvPr>
-            <p:ph idx="1" type="body"/>
+            <p:ph type="body" idx="1"/>
           </p:nvPr>
         </p:nvSpPr>
         <p:spPr>
@@ -11218,75 +11233,126 @@
           </a:prstGeom>
         </p:spPr>
         <p:txBody>
-          <a:bodyPr anchorCtr="0" anchor="t" bIns="91425" lIns="91425" spcFirstLastPara="1" rIns="91425" wrap="square" tIns="91425">
-            <a:normAutofit/>
+          <a:bodyPr spcFirstLastPara="1" wrap="square" lIns="91425" tIns="91425" rIns="91425" bIns="91425" anchor="t" anchorCtr="0">
+            <a:noAutofit/>
           </a:bodyPr>
           <a:lstStyle/>
           <a:p>
-            <a:pPr indent="-330200" lvl="0" marL="457200" rtl="0" algn="l">
-              <a:spcBef>
-                <a:spcPts val="0"/>
-              </a:spcBef>
-              <a:spcAft>
-                <a:spcPts val="0"/>
-              </a:spcAft>
+            <a:pPr marL="127000" lvl="0" indent="0" algn="l" rtl="0">
+              <a:spcBef>
+                <a:spcPts val="0"/>
+              </a:spcBef>
+              <a:spcAft>
+                <a:spcPts val="0"/>
+              </a:spcAft>
+              <a:buSzPts val="1600"/>
+              <a:buNone/>
+            </a:pPr>
+            <a:r>
+              <a:rPr lang="en" sz="1600" b="1" dirty="0"/>
+              <a:t>Minimizing Manual Errors</a:t>
+            </a:r>
+          </a:p>
+          <a:p>
+            <a:pPr lvl="1" indent="-330200">
               <a:buSzPts val="1600"/>
               <a:buChar char="●"/>
             </a:pPr>
             <a:r>
-              <a:rPr b="1" lang="en" sz="1600"/>
-              <a:t>Minimizing Manual Errors: By reducing human involvement in manual tasks.</a:t>
+              <a:rPr lang="en" sz="1600" b="1" dirty="0"/>
+              <a:t> By reducing human involvement in manual tasks.</a:t>
             </a:r>
-            <a:endParaRPr b="1" sz="1600"/>
-          </a:p>
-          <a:p>
-            <a:pPr indent="-330200" lvl="0" marL="457200" rtl="0" algn="l">
-              <a:spcBef>
-                <a:spcPts val="0"/>
-              </a:spcBef>
-              <a:spcAft>
-                <a:spcPts val="0"/>
-              </a:spcAft>
+          </a:p>
+          <a:p>
+            <a:pPr lvl="1" indent="-330200">
               <a:buSzPts val="1600"/>
               <a:buChar char="●"/>
             </a:pPr>
             <a:r>
-              <a:rPr b="1" lang="en" sz="1600"/>
-              <a:t>Quick Access to Books: For users, making book searches faster and more efficient.</a:t>
+              <a:rPr lang="en-US" sz="1600" dirty="0"/>
+              <a:t>Automates processes like inventory updates, checkouts, and returns.</a:t>
             </a:r>
-            <a:endParaRPr b="1" sz="1600"/>
-          </a:p>
-          <a:p>
-            <a:pPr indent="-330200" lvl="0" marL="457200" rtl="0" algn="l">
-              <a:spcBef>
-                <a:spcPts val="0"/>
-              </a:spcBef>
-              <a:spcAft>
-                <a:spcPts val="0"/>
-              </a:spcAft>
+            <a:endParaRPr sz="1600" b="1" dirty="0"/>
+          </a:p>
+          <a:p>
+            <a:pPr marL="127000" lvl="0" indent="0" algn="l" rtl="0">
+              <a:spcBef>
+                <a:spcPts val="0"/>
+              </a:spcBef>
+              <a:spcAft>
+                <a:spcPts val="0"/>
+              </a:spcAft>
+              <a:buSzPts val="1600"/>
+              <a:buNone/>
+            </a:pPr>
+            <a:r>
+              <a:rPr lang="en" sz="1600" b="1" dirty="0"/>
+              <a:t>Quick Access to Books: </a:t>
+            </a:r>
+          </a:p>
+          <a:p>
+            <a:pPr lvl="1" indent="-330200">
               <a:buSzPts val="1600"/>
               <a:buChar char="●"/>
             </a:pPr>
             <a:r>
-              <a:rPr b="1" lang="en" sz="1600"/>
-              <a:t>Enhanced Operations: Streamlined processes for borrowing, returns, and user management.</a:t>
+              <a:rPr lang="en" sz="1600" dirty="0"/>
+              <a:t>For users, making book searches faster and more efficient.</a:t>
             </a:r>
-            <a:endParaRPr b="1" sz="1600"/>
-          </a:p>
-          <a:p>
-            <a:pPr indent="0" lvl="0" marL="0" rtl="0" algn="l">
-              <a:spcBef>
-                <a:spcPts val="1200"/>
-              </a:spcBef>
-              <a:spcAft>
-                <a:spcPts val="1200"/>
-              </a:spcAft>
-              <a:buNone/>
+          </a:p>
+          <a:p>
+            <a:pPr lvl="1" indent="-330200">
+              <a:buSzPts val="1600"/>
+              <a:buChar char="●"/>
             </a:pPr>
             <a:r>
-              <a:t/>
+              <a:rPr lang="en-US" sz="1600" dirty="0"/>
+              <a:t>Enables faster and more efficient book searches through advanced filtering and categorization</a:t>
             </a:r>
-            <a:endParaRPr b="1" sz="1600"/>
+            <a:endParaRPr sz="1600" b="1" dirty="0"/>
+          </a:p>
+          <a:p>
+            <a:pPr marL="127000" lvl="0" indent="0" algn="l" rtl="0">
+              <a:spcBef>
+                <a:spcPts val="0"/>
+              </a:spcBef>
+              <a:spcAft>
+                <a:spcPts val="0"/>
+              </a:spcAft>
+              <a:buSzPts val="1600"/>
+              <a:buNone/>
+            </a:pPr>
+            <a:r>
+              <a:rPr lang="en" sz="1600" b="1" dirty="0"/>
+              <a:t>Enhanced Operations: </a:t>
+            </a:r>
+          </a:p>
+          <a:p>
+            <a:pPr lvl="1" indent="-330200">
+              <a:buSzPts val="1600"/>
+              <a:buChar char="●"/>
+            </a:pPr>
+            <a:r>
+              <a:rPr lang="en" sz="1600" dirty="0"/>
+              <a:t>Streamlined processes for borrowing, returns, and user management.</a:t>
+            </a:r>
+            <a:endParaRPr sz="1600" dirty="0"/>
+          </a:p>
+          <a:p>
+            <a:pPr marL="0" lvl="0" indent="0" algn="l" rtl="0">
+              <a:spcBef>
+                <a:spcPts val="1200"/>
+              </a:spcBef>
+              <a:spcAft>
+                <a:spcPts val="1200"/>
+              </a:spcAft>
+              <a:buNone/>
+            </a:pPr>
+            <a:r>
+              <a:rPr lang="en-US" sz="1600" b="1" dirty="0"/>
+              <a:t>	</a:t>
+            </a:r>
+            <a:endParaRPr sz="1600" b="1" dirty="0"/>
           </a:p>
         </p:txBody>
       </p:sp>
@@ -11299,11 +11365,11 @@
 </file>
 
 <file path=ppt/slides/slide13.xml><?xml version="1.0" encoding="utf-8"?>
-<p:sld xmlns:a="http://schemas.openxmlformats.org/drawingml/2006/main" xmlns:r="http://schemas.openxmlformats.org/officeDocument/2006/relationships" xmlns:mc="http://schemas.openxmlformats.org/markup-compatibility/2006" xmlns:mv="urn:schemas-microsoft-com:mac:vml" xmlns:p="http://schemas.openxmlformats.org/presentationml/2006/main" xmlns:c="http://schemas.openxmlformats.org/drawingml/2006/chart" xmlns:dgm="http://schemas.openxmlformats.org/drawingml/2006/diagram" xmlns:o="urn:schemas-microsoft-com:office:office" xmlns:v="urn:schemas-microsoft-com:vml" xmlns:pvml="urn:schemas-microsoft-com:office:powerpoint" xmlns:com="http://schemas.openxmlformats.org/drawingml/2006/compatibility" xmlns:p14="http://schemas.microsoft.com/office/powerpoint/2010/main" xmlns:p15="http://schemas.microsoft.com/office/powerpoint/2012/main" xmlns:ahyp="http://schemas.microsoft.com/office/drawing/2018/hyperlinkcolor">
+<p:sld xmlns:a="http://schemas.openxmlformats.org/drawingml/2006/main" xmlns:r="http://schemas.openxmlformats.org/officeDocument/2006/relationships" xmlns:p="http://schemas.openxmlformats.org/presentationml/2006/main">
   <p:cSld>
     <p:spTree>
       <p:nvGrpSpPr>
-        <p:cNvPr id="207" name="Shape 207"/>
+        <p:cNvPr id="1" name="Shape 207"/>
         <p:cNvGrpSpPr/>
         <p:nvPr/>
       </p:nvGrpSpPr>
@@ -11318,7 +11384,9 @@
       <p:sp>
         <p:nvSpPr>
           <p:cNvPr id="208" name="Google Shape;208;p25"/>
-          <p:cNvSpPr txBox="1"/>
+          <p:cNvSpPr txBox="1">
+            <a:spLocks noGrp="1"/>
+          </p:cNvSpPr>
           <p:nvPr>
             <p:ph type="title"/>
           </p:nvPr>
@@ -11333,12 +11401,12 @@
           </a:prstGeom>
         </p:spPr>
         <p:txBody>
-          <a:bodyPr anchorCtr="0" anchor="t" bIns="91425" lIns="91425" spcFirstLastPara="1" rIns="91425" wrap="square" tIns="91425">
+          <a:bodyPr spcFirstLastPara="1" wrap="square" lIns="91425" tIns="91425" rIns="91425" bIns="91425" anchor="t" anchorCtr="0">
             <a:normAutofit/>
           </a:bodyPr>
           <a:lstStyle/>
           <a:p>
-            <a:pPr indent="0" lvl="0" marL="0" rtl="0" algn="l">
+            <a:pPr marL="0" lvl="0" indent="0" algn="l" rtl="0">
               <a:spcBef>
                 <a:spcPts val="0"/>
               </a:spcBef>
@@ -11348,19 +11416,21 @@
               <a:buNone/>
             </a:pPr>
             <a:r>
-              <a:rPr b="1" lang="en" sz="3600"/>
+              <a:rPr lang="en" sz="3600" b="1"/>
               <a:t>Conclusion</a:t>
             </a:r>
-            <a:endParaRPr b="1" sz="3600"/>
+            <a:endParaRPr sz="3600" b="1"/>
           </a:p>
         </p:txBody>
       </p:sp>
       <p:sp>
         <p:nvSpPr>
           <p:cNvPr id="209" name="Google Shape;209;p25"/>
-          <p:cNvSpPr txBox="1"/>
+          <p:cNvSpPr txBox="1">
+            <a:spLocks noGrp="1"/>
+          </p:cNvSpPr>
           <p:nvPr>
-            <p:ph idx="1" type="body"/>
+            <p:ph type="body" idx="1"/>
           </p:nvPr>
         </p:nvSpPr>
         <p:spPr>
@@ -11373,12 +11443,12 @@
           </a:prstGeom>
         </p:spPr>
         <p:txBody>
-          <a:bodyPr anchorCtr="0" anchor="t" bIns="91425" lIns="91425" spcFirstLastPara="1" rIns="91425" wrap="square" tIns="91425">
+          <a:bodyPr spcFirstLastPara="1" wrap="square" lIns="91425" tIns="91425" rIns="91425" bIns="91425" anchor="t" anchorCtr="0">
             <a:normAutofit/>
           </a:bodyPr>
           <a:lstStyle/>
           <a:p>
-            <a:pPr indent="-330200" lvl="0" marL="457200" rtl="0" algn="l">
+            <a:pPr marL="457200" lvl="0" indent="-330200" algn="l" rtl="0">
               <a:spcBef>
                 <a:spcPts val="0"/>
               </a:spcBef>
@@ -11395,7 +11465,7 @@
             <a:endParaRPr sz="1600"/>
           </a:p>
           <a:p>
-            <a:pPr indent="-330200" lvl="0" marL="457200" rtl="0" algn="l">
+            <a:pPr marL="457200" lvl="0" indent="-330200" algn="l" rtl="0">
               <a:spcBef>
                 <a:spcPts val="0"/>
               </a:spcBef>
@@ -11412,7 +11482,7 @@
             <a:endParaRPr sz="1600"/>
           </a:p>
           <a:p>
-            <a:pPr indent="-330200" lvl="0" marL="457200" rtl="0" algn="l">
+            <a:pPr marL="457200" lvl="0" indent="-330200" algn="l" rtl="0">
               <a:spcBef>
                 <a:spcPts val="0"/>
               </a:spcBef>
@@ -11429,7 +11499,7 @@
             <a:endParaRPr sz="1600"/>
           </a:p>
           <a:p>
-            <a:pPr indent="0" lvl="0" marL="457200" rtl="0" algn="l">
+            <a:pPr marL="457200" lvl="0" indent="0" algn="l" rtl="0">
               <a:spcBef>
                 <a:spcPts val="1200"/>
               </a:spcBef>
@@ -11438,9 +11508,6 @@
               </a:spcAft>
               <a:buNone/>
             </a:pPr>
-            <a:r>
-              <a:t/>
-            </a:r>
             <a:endParaRPr sz="1600"/>
           </a:p>
         </p:txBody>
@@ -11454,11 +11521,11 @@
 </file>
 
 <file path=ppt/slides/slide14.xml><?xml version="1.0" encoding="utf-8"?>
-<p:sld xmlns:a="http://schemas.openxmlformats.org/drawingml/2006/main" xmlns:r="http://schemas.openxmlformats.org/officeDocument/2006/relationships" xmlns:mc="http://schemas.openxmlformats.org/markup-compatibility/2006" xmlns:mv="urn:schemas-microsoft-com:mac:vml" xmlns:p="http://schemas.openxmlformats.org/presentationml/2006/main" xmlns:c="http://schemas.openxmlformats.org/drawingml/2006/chart" xmlns:dgm="http://schemas.openxmlformats.org/drawingml/2006/diagram" xmlns:o="urn:schemas-microsoft-com:office:office" xmlns:v="urn:schemas-microsoft-com:vml" xmlns:pvml="urn:schemas-microsoft-com:office:powerpoint" xmlns:com="http://schemas.openxmlformats.org/drawingml/2006/compatibility" xmlns:p14="http://schemas.microsoft.com/office/powerpoint/2010/main" xmlns:p15="http://schemas.microsoft.com/office/powerpoint/2012/main" xmlns:ahyp="http://schemas.microsoft.com/office/drawing/2018/hyperlinkcolor">
+<p:sld xmlns:a="http://schemas.openxmlformats.org/drawingml/2006/main" xmlns:r="http://schemas.openxmlformats.org/officeDocument/2006/relationships" xmlns:p="http://schemas.openxmlformats.org/presentationml/2006/main">
   <p:cSld>
     <p:spTree>
       <p:nvGrpSpPr>
-        <p:cNvPr id="213" name="Shape 213"/>
+        <p:cNvPr id="1" name="Shape 213"/>
         <p:cNvGrpSpPr/>
         <p:nvPr/>
       </p:nvGrpSpPr>
@@ -11473,7 +11540,9 @@
       <p:sp>
         <p:nvSpPr>
           <p:cNvPr id="214" name="Google Shape;214;p26"/>
-          <p:cNvSpPr txBox="1"/>
+          <p:cNvSpPr txBox="1">
+            <a:spLocks noGrp="1"/>
+          </p:cNvSpPr>
           <p:nvPr>
             <p:ph type="title"/>
           </p:nvPr>
@@ -11488,12 +11557,12 @@
           </a:prstGeom>
         </p:spPr>
         <p:txBody>
-          <a:bodyPr anchorCtr="0" anchor="t" bIns="91425" lIns="91425" spcFirstLastPara="1" rIns="91425" wrap="square" tIns="91425">
+          <a:bodyPr spcFirstLastPara="1" wrap="square" lIns="91425" tIns="91425" rIns="91425" bIns="91425" anchor="t" anchorCtr="0">
             <a:normAutofit/>
           </a:bodyPr>
           <a:lstStyle/>
           <a:p>
-            <a:pPr indent="0" lvl="0" marL="0" rtl="0" algn="l">
+            <a:pPr marL="0" lvl="0" indent="0" algn="l" rtl="0">
               <a:spcBef>
                 <a:spcPts val="0"/>
               </a:spcBef>
@@ -11503,10 +11572,10 @@
               <a:buNone/>
             </a:pPr>
             <a:r>
-              <a:rPr b="1" lang="en" sz="3600"/>
+              <a:rPr lang="en" sz="3600" b="1"/>
               <a:t>DEMO OF PROJECT</a:t>
             </a:r>
-            <a:endParaRPr b="1" sz="3600"/>
+            <a:endParaRPr sz="3600" b="1"/>
           </a:p>
         </p:txBody>
       </p:sp>
@@ -11519,11 +11588,11 @@
 </file>
 
 <file path=ppt/slides/slide2.xml><?xml version="1.0" encoding="utf-8"?>
-<p:sld xmlns:a="http://schemas.openxmlformats.org/drawingml/2006/main" xmlns:r="http://schemas.openxmlformats.org/officeDocument/2006/relationships" xmlns:mc="http://schemas.openxmlformats.org/markup-compatibility/2006" xmlns:mv="urn:schemas-microsoft-com:mac:vml" xmlns:p="http://schemas.openxmlformats.org/presentationml/2006/main" xmlns:c="http://schemas.openxmlformats.org/drawingml/2006/chart" xmlns:dgm="http://schemas.openxmlformats.org/drawingml/2006/diagram" xmlns:o="urn:schemas-microsoft-com:office:office" xmlns:v="urn:schemas-microsoft-com:vml" xmlns:pvml="urn:schemas-microsoft-com:office:powerpoint" xmlns:com="http://schemas.openxmlformats.org/drawingml/2006/compatibility" xmlns:p14="http://schemas.microsoft.com/office/powerpoint/2010/main" xmlns:p15="http://schemas.microsoft.com/office/powerpoint/2012/main" xmlns:ahyp="http://schemas.microsoft.com/office/drawing/2018/hyperlinkcolor">
+<p:sld xmlns:a="http://schemas.openxmlformats.org/drawingml/2006/main" xmlns:r="http://schemas.openxmlformats.org/officeDocument/2006/relationships" xmlns:p="http://schemas.openxmlformats.org/presentationml/2006/main">
   <p:cSld>
     <p:spTree>
       <p:nvGrpSpPr>
-        <p:cNvPr id="141" name="Shape 141"/>
+        <p:cNvPr id="1" name="Shape 141"/>
         <p:cNvGrpSpPr/>
         <p:nvPr/>
       </p:nvGrpSpPr>
@@ -11538,7 +11607,9 @@
       <p:sp>
         <p:nvSpPr>
           <p:cNvPr id="142" name="Google Shape;142;p14"/>
-          <p:cNvSpPr txBox="1"/>
+          <p:cNvSpPr txBox="1">
+            <a:spLocks noGrp="1"/>
+          </p:cNvSpPr>
           <p:nvPr>
             <p:ph type="title"/>
           </p:nvPr>
@@ -11553,12 +11624,12 @@
           </a:prstGeom>
         </p:spPr>
         <p:txBody>
-          <a:bodyPr anchorCtr="0" anchor="t" bIns="91425" lIns="91425" spcFirstLastPara="1" rIns="91425" wrap="square" tIns="91425">
+          <a:bodyPr spcFirstLastPara="1" wrap="square" lIns="91425" tIns="91425" rIns="91425" bIns="91425" anchor="t" anchorCtr="0">
             <a:normAutofit/>
           </a:bodyPr>
           <a:lstStyle/>
           <a:p>
-            <a:pPr indent="0" lvl="0" marL="0" rtl="0" algn="l">
+            <a:pPr marL="0" lvl="0" indent="0" algn="l" rtl="0">
               <a:spcBef>
                 <a:spcPts val="0"/>
               </a:spcBef>
@@ -11568,24 +11639,26 @@
               <a:buNone/>
             </a:pPr>
             <a:r>
-              <a:rPr b="1" lang="en" sz="3600"/>
+              <a:rPr lang="en" sz="3600" b="1"/>
               <a:t>Executive Summary</a:t>
             </a:r>
-            <a:endParaRPr b="1" sz="3600"/>
+            <a:endParaRPr sz="3600" b="1"/>
           </a:p>
         </p:txBody>
       </p:sp>
       <p:sp>
         <p:nvSpPr>
           <p:cNvPr id="143" name="Google Shape;143;p14"/>
-          <p:cNvSpPr txBox="1"/>
+          <p:cNvSpPr txBox="1">
+            <a:spLocks noGrp="1"/>
+          </p:cNvSpPr>
           <p:nvPr>
-            <p:ph idx="1" type="body"/>
+            <p:ph type="body" idx="1"/>
           </p:nvPr>
         </p:nvSpPr>
         <p:spPr>
           <a:xfrm>
-            <a:off x="1297500" y="1567550"/>
+            <a:off x="1238027" y="1307850"/>
             <a:ext cx="7038900" cy="2911200"/>
           </a:xfrm>
           <a:prstGeom prst="rect">
@@ -11593,12 +11666,12 @@
           </a:prstGeom>
         </p:spPr>
         <p:txBody>
-          <a:bodyPr anchorCtr="0" anchor="t" bIns="91425" lIns="91425" spcFirstLastPara="1" rIns="91425" wrap="square" tIns="91425">
-            <a:normAutofit/>
+          <a:bodyPr spcFirstLastPara="1" wrap="square" lIns="91425" tIns="91425" rIns="91425" bIns="91425" anchor="t" anchorCtr="0">
+            <a:noAutofit/>
           </a:bodyPr>
           <a:lstStyle/>
           <a:p>
-            <a:pPr indent="-330200" lvl="0" marL="457200" rtl="0" algn="l">
+            <a:pPr marL="457200" lvl="0" indent="-330200" algn="l" rtl="0">
               <a:spcBef>
                 <a:spcPts val="0"/>
               </a:spcBef>
@@ -11609,13 +11682,13 @@
               <a:buChar char="●"/>
             </a:pPr>
             <a:r>
-              <a:rPr lang="en" sz="1600"/>
+              <a:rPr lang="en" sz="1600" dirty="0"/>
               <a:t>Automates book tracking, checkouts, and returns.</a:t>
             </a:r>
-            <a:endParaRPr sz="1600"/>
-          </a:p>
-          <a:p>
-            <a:pPr indent="-330200" lvl="0" marL="457200" rtl="0" algn="l">
+            <a:endParaRPr sz="1600" dirty="0"/>
+          </a:p>
+          <a:p>
+            <a:pPr marL="457200" lvl="0" indent="-330200" algn="l" rtl="0">
               <a:spcBef>
                 <a:spcPts val="0"/>
               </a:spcBef>
@@ -11626,13 +11699,13 @@
               <a:buChar char="●"/>
             </a:pPr>
             <a:r>
-              <a:rPr lang="en" sz="1600"/>
+              <a:rPr lang="en" sz="1600" dirty="0"/>
               <a:t>Enhances operational efficiency and reduces administrative burdens.</a:t>
             </a:r>
-            <a:endParaRPr sz="1600"/>
-          </a:p>
-          <a:p>
-            <a:pPr indent="-330200" lvl="0" marL="457200" rtl="0" algn="l">
+            <a:endParaRPr sz="1600" dirty="0"/>
+          </a:p>
+          <a:p>
+            <a:pPr marL="457200" lvl="0" indent="-330200" algn="l" rtl="0">
               <a:spcBef>
                 <a:spcPts val="0"/>
               </a:spcBef>
@@ -11643,13 +11716,13 @@
               <a:buChar char="●"/>
             </a:pPr>
             <a:r>
-              <a:rPr lang="en" sz="1600"/>
+              <a:rPr lang="en" sz="1600" dirty="0"/>
               <a:t>Improves user experience with real-time updates on resource availability.</a:t>
             </a:r>
-            <a:endParaRPr sz="1600"/>
-          </a:p>
-          <a:p>
-            <a:pPr indent="-330200" lvl="0" marL="457200" rtl="0" algn="l">
+            <a:endParaRPr sz="1600" dirty="0"/>
+          </a:p>
+          <a:p>
+            <a:pPr marL="457200" lvl="0" indent="-330200" algn="l" rtl="0">
               <a:spcBef>
                 <a:spcPts val="0"/>
               </a:spcBef>
@@ -11660,25 +11733,118 @@
               <a:buChar char="●"/>
             </a:pPr>
             <a:r>
-              <a:rPr lang="en" sz="1600"/>
+              <a:rPr lang="en" sz="1600" dirty="0"/>
               <a:t>Empowers libraries to adapt to technological changes.</a:t>
             </a:r>
-            <a:endParaRPr sz="1600"/>
-          </a:p>
-          <a:p>
-            <a:pPr indent="0" lvl="0" marL="457200" rtl="0" algn="l">
-              <a:spcBef>
-                <a:spcPts val="1200"/>
-              </a:spcBef>
-              <a:spcAft>
-                <a:spcPts val="1200"/>
-              </a:spcAft>
-              <a:buNone/>
+          </a:p>
+          <a:p>
+            <a:pPr marL="457200" lvl="0" indent="-330200" algn="l" rtl="0">
+              <a:spcBef>
+                <a:spcPts val="0"/>
+              </a:spcBef>
+              <a:spcAft>
+                <a:spcPts val="0"/>
+              </a:spcAft>
+              <a:buSzPts val="1600"/>
+              <a:buChar char="●"/>
             </a:pPr>
             <a:r>
-              <a:t/>
+              <a:rPr lang="en-US" sz="1600" dirty="0"/>
+              <a:t>Provides data-driven insights for better decision-making and resource allocation.</a:t>
             </a:r>
-            <a:endParaRPr sz="1600"/>
+          </a:p>
+          <a:p>
+            <a:pPr marL="457200" lvl="0" indent="-330200" algn="l" rtl="0">
+              <a:spcBef>
+                <a:spcPts val="0"/>
+              </a:spcBef>
+              <a:spcAft>
+                <a:spcPts val="0"/>
+              </a:spcAft>
+              <a:buSzPts val="1600"/>
+              <a:buChar char="●"/>
+            </a:pPr>
+            <a:r>
+              <a:rPr lang="en-US" sz="1600" dirty="0"/>
+              <a:t>Sends customizable notifications for due dates and returns.</a:t>
+            </a:r>
+          </a:p>
+          <a:p>
+            <a:pPr marL="457200" lvl="0" indent="-330200" algn="l" rtl="0">
+              <a:spcBef>
+                <a:spcPts val="0"/>
+              </a:spcBef>
+              <a:spcAft>
+                <a:spcPts val="0"/>
+              </a:spcAft>
+              <a:buSzPts val="1600"/>
+              <a:buChar char="●"/>
+            </a:pPr>
+            <a:r>
+              <a:rPr lang="en-US" sz="1600" dirty="0"/>
+              <a:t>Tracks and manages physical inventory seamlessly</a:t>
+            </a:r>
+          </a:p>
+          <a:p>
+            <a:pPr marL="457200" lvl="0" indent="-330200" algn="l" rtl="0">
+              <a:spcBef>
+                <a:spcPts val="0"/>
+              </a:spcBef>
+              <a:spcAft>
+                <a:spcPts val="0"/>
+              </a:spcAft>
+              <a:buSzPts val="1600"/>
+              <a:buChar char="●"/>
+            </a:pPr>
+            <a:r>
+              <a:rPr lang="en-US" sz="1600" dirty="0"/>
+              <a:t>Reduces paper usage, contributing to eco-friendly operations</a:t>
+            </a:r>
+          </a:p>
+          <a:p>
+            <a:pPr marL="457200" lvl="0" indent="-330200" algn="l" rtl="0">
+              <a:spcBef>
+                <a:spcPts val="0"/>
+              </a:spcBef>
+              <a:spcAft>
+                <a:spcPts val="0"/>
+              </a:spcAft>
+              <a:buSzPts val="1600"/>
+              <a:buChar char="●"/>
+            </a:pPr>
+            <a:r>
+              <a:rPr lang="en-US" sz="1600" dirty="0"/>
+              <a:t>Adapts to libraries of all sizes with scalable solutions.</a:t>
+            </a:r>
+          </a:p>
+          <a:p>
+            <a:pPr marL="457200" lvl="0" indent="-330200" algn="l" rtl="0">
+              <a:spcBef>
+                <a:spcPts val="0"/>
+              </a:spcBef>
+              <a:spcAft>
+                <a:spcPts val="0"/>
+              </a:spcAft>
+              <a:buSzPts val="1600"/>
+              <a:buChar char="●"/>
+            </a:pPr>
+            <a:r>
+              <a:rPr lang="en-US" sz="1600" dirty="0"/>
+              <a:t>Lowers operational costs through automation and optimization</a:t>
+            </a:r>
+            <a:endParaRPr sz="1600" dirty="0"/>
+          </a:p>
+          <a:p>
+            <a:pPr marL="457200" lvl="0" indent="0" algn="l" rtl="0">
+              <a:spcBef>
+                <a:spcPts val="1200"/>
+              </a:spcBef>
+              <a:spcAft>
+                <a:spcPts val="1200"/>
+              </a:spcAft>
+              <a:buNone/>
+            </a:pPr>
+            <a:endParaRPr sz="1600" dirty="0"/>
           </a:p>
         </p:txBody>
       </p:sp>
@@ -11691,11 +11857,11 @@
 </file>
 
 <file path=ppt/slides/slide3.xml><?xml version="1.0" encoding="utf-8"?>
-<p:sld xmlns:a="http://schemas.openxmlformats.org/drawingml/2006/main" xmlns:r="http://schemas.openxmlformats.org/officeDocument/2006/relationships" xmlns:mc="http://schemas.openxmlformats.org/markup-compatibility/2006" xmlns:mv="urn:schemas-microsoft-com:mac:vml" xmlns:p="http://schemas.openxmlformats.org/presentationml/2006/main" xmlns:c="http://schemas.openxmlformats.org/drawingml/2006/chart" xmlns:dgm="http://schemas.openxmlformats.org/drawingml/2006/diagram" xmlns:o="urn:schemas-microsoft-com:office:office" xmlns:v="urn:schemas-microsoft-com:vml" xmlns:pvml="urn:schemas-microsoft-com:office:powerpoint" xmlns:com="http://schemas.openxmlformats.org/drawingml/2006/compatibility" xmlns:p14="http://schemas.microsoft.com/office/powerpoint/2010/main" xmlns:p15="http://schemas.microsoft.com/office/powerpoint/2012/main" xmlns:ahyp="http://schemas.microsoft.com/office/drawing/2018/hyperlinkcolor">
+<p:sld xmlns:a="http://schemas.openxmlformats.org/drawingml/2006/main" xmlns:r="http://schemas.openxmlformats.org/officeDocument/2006/relationships" xmlns:p="http://schemas.openxmlformats.org/presentationml/2006/main">
   <p:cSld>
     <p:spTree>
       <p:nvGrpSpPr>
-        <p:cNvPr id="147" name="Shape 147"/>
+        <p:cNvPr id="1" name="Shape 147"/>
         <p:cNvGrpSpPr/>
         <p:nvPr/>
       </p:nvGrpSpPr>
@@ -11710,7 +11876,9 @@
       <p:sp>
         <p:nvSpPr>
           <p:cNvPr id="148" name="Google Shape;148;p15"/>
-          <p:cNvSpPr txBox="1"/>
+          <p:cNvSpPr txBox="1">
+            <a:spLocks noGrp="1"/>
+          </p:cNvSpPr>
           <p:nvPr>
             <p:ph type="title"/>
           </p:nvPr>
@@ -11725,12 +11893,12 @@
           </a:prstGeom>
         </p:spPr>
         <p:txBody>
-          <a:bodyPr anchorCtr="0" anchor="t" bIns="91425" lIns="91425" spcFirstLastPara="1" rIns="91425" wrap="square" tIns="91425">
+          <a:bodyPr spcFirstLastPara="1" wrap="square" lIns="91425" tIns="91425" rIns="91425" bIns="91425" anchor="t" anchorCtr="0">
             <a:normAutofit/>
           </a:bodyPr>
           <a:lstStyle/>
           <a:p>
-            <a:pPr indent="0" lvl="0" marL="0" rtl="0" algn="l">
+            <a:pPr marL="0" lvl="0" indent="0" algn="l" rtl="0">
               <a:spcBef>
                 <a:spcPts val="0"/>
               </a:spcBef>
@@ -11740,19 +11908,21 @@
               <a:buNone/>
             </a:pPr>
             <a:r>
-              <a:rPr b="1" lang="en" sz="3600"/>
+              <a:rPr lang="en" sz="3600" b="1"/>
               <a:t> Project Background</a:t>
             </a:r>
-            <a:endParaRPr b="1" sz="3600"/>
+            <a:endParaRPr sz="3600" b="1"/>
           </a:p>
         </p:txBody>
       </p:sp>
       <p:sp>
         <p:nvSpPr>
           <p:cNvPr id="149" name="Google Shape;149;p15"/>
-          <p:cNvSpPr txBox="1"/>
+          <p:cNvSpPr txBox="1">
+            <a:spLocks noGrp="1"/>
+          </p:cNvSpPr>
           <p:nvPr>
-            <p:ph idx="1" type="body"/>
+            <p:ph type="body" idx="1"/>
           </p:nvPr>
         </p:nvSpPr>
         <p:spPr>
@@ -11765,12 +11935,12 @@
           </a:prstGeom>
         </p:spPr>
         <p:txBody>
-          <a:bodyPr anchorCtr="0" anchor="t" bIns="91425" lIns="91425" spcFirstLastPara="1" rIns="91425" wrap="square" tIns="91425">
+          <a:bodyPr spcFirstLastPara="1" wrap="square" lIns="91425" tIns="91425" rIns="91425" bIns="91425" anchor="t" anchorCtr="0">
             <a:normAutofit/>
           </a:bodyPr>
           <a:lstStyle/>
           <a:p>
-            <a:pPr indent="-330200" lvl="0" marL="457200" rtl="0" algn="l">
+            <a:pPr marL="457200" lvl="0" indent="-330200" algn="l" rtl="0">
               <a:spcBef>
                 <a:spcPts val="0"/>
               </a:spcBef>
@@ -11787,7 +11957,7 @@
             <a:endParaRPr sz="1600"/>
           </a:p>
           <a:p>
-            <a:pPr indent="-330200" lvl="0" marL="457200" rtl="0" algn="l">
+            <a:pPr marL="457200" lvl="0" indent="-330200" algn="l" rtl="0">
               <a:spcBef>
                 <a:spcPts val="0"/>
               </a:spcBef>
@@ -11804,7 +11974,7 @@
             <a:endParaRPr sz="1600"/>
           </a:p>
           <a:p>
-            <a:pPr indent="-330200" lvl="0" marL="457200" rtl="0" algn="l">
+            <a:pPr marL="457200" lvl="0" indent="-330200" algn="l" rtl="0">
               <a:spcBef>
                 <a:spcPts val="0"/>
               </a:spcBef>
@@ -11821,7 +11991,7 @@
             <a:endParaRPr sz="1600"/>
           </a:p>
           <a:p>
-            <a:pPr indent="-330200" lvl="0" marL="457200" rtl="0" algn="l">
+            <a:pPr marL="457200" lvl="0" indent="-330200" algn="l" rtl="0">
               <a:spcBef>
                 <a:spcPts val="0"/>
               </a:spcBef>
@@ -11838,7 +12008,7 @@
             <a:endParaRPr sz="1600"/>
           </a:p>
           <a:p>
-            <a:pPr indent="0" lvl="0" marL="457200" rtl="0" algn="l">
+            <a:pPr marL="457200" lvl="0" indent="0" algn="l" rtl="0">
               <a:spcBef>
                 <a:spcPts val="1200"/>
               </a:spcBef>
@@ -11847,9 +12017,6 @@
               </a:spcAft>
               <a:buNone/>
             </a:pPr>
-            <a:r>
-              <a:t/>
-            </a:r>
             <a:endParaRPr sz="1600"/>
           </a:p>
         </p:txBody>
@@ -11863,11 +12030,11 @@
 </file>
 
 <file path=ppt/slides/slide4.xml><?xml version="1.0" encoding="utf-8"?>
-<p:sld xmlns:a="http://schemas.openxmlformats.org/drawingml/2006/main" xmlns:r="http://schemas.openxmlformats.org/officeDocument/2006/relationships" xmlns:mc="http://schemas.openxmlformats.org/markup-compatibility/2006" xmlns:mv="urn:schemas-microsoft-com:mac:vml" xmlns:p="http://schemas.openxmlformats.org/presentationml/2006/main" xmlns:c="http://schemas.openxmlformats.org/drawingml/2006/chart" xmlns:dgm="http://schemas.openxmlformats.org/drawingml/2006/diagram" xmlns:o="urn:schemas-microsoft-com:office:office" xmlns:v="urn:schemas-microsoft-com:vml" xmlns:pvml="urn:schemas-microsoft-com:office:powerpoint" xmlns:com="http://schemas.openxmlformats.org/drawingml/2006/compatibility" xmlns:p14="http://schemas.microsoft.com/office/powerpoint/2010/main" xmlns:p15="http://schemas.microsoft.com/office/powerpoint/2012/main" xmlns:ahyp="http://schemas.microsoft.com/office/drawing/2018/hyperlinkcolor">
+<p:sld xmlns:a="http://schemas.openxmlformats.org/drawingml/2006/main" xmlns:r="http://schemas.openxmlformats.org/officeDocument/2006/relationships" xmlns:p="http://schemas.openxmlformats.org/presentationml/2006/main">
   <p:cSld>
     <p:spTree>
       <p:nvGrpSpPr>
-        <p:cNvPr id="153" name="Shape 153"/>
+        <p:cNvPr id="1" name="Shape 153"/>
         <p:cNvGrpSpPr/>
         <p:nvPr/>
       </p:nvGrpSpPr>
@@ -11882,7 +12049,9 @@
       <p:sp>
         <p:nvSpPr>
           <p:cNvPr id="154" name="Google Shape;154;p16"/>
-          <p:cNvSpPr txBox="1"/>
+          <p:cNvSpPr txBox="1">
+            <a:spLocks noGrp="1"/>
+          </p:cNvSpPr>
           <p:nvPr>
             <p:ph type="title"/>
           </p:nvPr>
@@ -11897,12 +12066,12 @@
           </a:prstGeom>
         </p:spPr>
         <p:txBody>
-          <a:bodyPr anchorCtr="0" anchor="t" bIns="91425" lIns="91425" spcFirstLastPara="1" rIns="91425" wrap="square" tIns="91425">
+          <a:bodyPr spcFirstLastPara="1" wrap="square" lIns="91425" tIns="91425" rIns="91425" bIns="91425" anchor="t" anchorCtr="0">
             <a:normAutofit/>
           </a:bodyPr>
           <a:lstStyle/>
           <a:p>
-            <a:pPr indent="0" lvl="0" marL="0" rtl="0" algn="l">
+            <a:pPr marL="0" lvl="0" indent="0" algn="l" rtl="0">
               <a:spcBef>
                 <a:spcPts val="0"/>
               </a:spcBef>
@@ -11912,19 +12081,21 @@
               <a:buNone/>
             </a:pPr>
             <a:r>
-              <a:rPr b="1" lang="en" sz="3600"/>
+              <a:rPr lang="en" sz="3600" b="1"/>
               <a:t>Solutions and Approach</a:t>
             </a:r>
-            <a:endParaRPr b="1" sz="3600"/>
+            <a:endParaRPr sz="3600" b="1"/>
           </a:p>
         </p:txBody>
       </p:sp>
       <p:sp>
         <p:nvSpPr>
           <p:cNvPr id="155" name="Google Shape;155;p16"/>
-          <p:cNvSpPr txBox="1"/>
+          <p:cNvSpPr txBox="1">
+            <a:spLocks noGrp="1"/>
+          </p:cNvSpPr>
           <p:nvPr>
-            <p:ph idx="1" type="body"/>
+            <p:ph type="body" idx="1"/>
           </p:nvPr>
         </p:nvSpPr>
         <p:spPr>
@@ -11937,12 +12108,12 @@
           </a:prstGeom>
         </p:spPr>
         <p:txBody>
-          <a:bodyPr anchorCtr="0" anchor="t" bIns="91425" lIns="91425" spcFirstLastPara="1" rIns="91425" wrap="square" tIns="91425">
+          <a:bodyPr spcFirstLastPara="1" wrap="square" lIns="91425" tIns="91425" rIns="91425" bIns="91425" anchor="t" anchorCtr="0">
             <a:noAutofit/>
           </a:bodyPr>
           <a:lstStyle/>
           <a:p>
-            <a:pPr indent="0" lvl="0" marL="0" rtl="0" algn="l">
+            <a:pPr marL="0" lvl="0" indent="0" algn="l" rtl="0">
               <a:spcBef>
                 <a:spcPts val="0"/>
               </a:spcBef>
@@ -11952,7 +12123,7 @@
               <a:buNone/>
             </a:pPr>
             <a:r>
-              <a:rPr b="1" lang="en" sz="1500">
+              <a:rPr lang="en" sz="1500" b="1">
                 <a:latin typeface="Arial"/>
                 <a:ea typeface="Arial"/>
                 <a:cs typeface="Arial"/>
@@ -11977,7 +12148,7 @@
             </a:endParaRPr>
           </a:p>
           <a:p>
-            <a:pPr indent="0" lvl="0" marL="0" rtl="0" algn="l">
+            <a:pPr marL="0" lvl="0" indent="0" algn="l" rtl="0">
               <a:spcBef>
                 <a:spcPts val="1200"/>
               </a:spcBef>
@@ -11987,7 +12158,7 @@
               <a:buNone/>
             </a:pPr>
             <a:r>
-              <a:rPr b="1" lang="en" sz="1500">
+              <a:rPr lang="en" sz="1500" b="1">
                 <a:latin typeface="Arial"/>
                 <a:ea typeface="Arial"/>
                 <a:cs typeface="Arial"/>
@@ -11995,7 +12166,7 @@
               </a:rPr>
               <a:t>Key Features:</a:t>
             </a:r>
-            <a:endParaRPr b="1" sz="1500">
+            <a:endParaRPr sz="1500" b="1">
               <a:latin typeface="Arial"/>
               <a:ea typeface="Arial"/>
               <a:cs typeface="Arial"/>
@@ -12003,7 +12174,7 @@
             </a:endParaRPr>
           </a:p>
           <a:p>
-            <a:pPr indent="-323850" lvl="0" marL="457200" rtl="0" algn="l">
+            <a:pPr marL="457200" lvl="0" indent="-323850" algn="l" rtl="0">
               <a:spcBef>
                 <a:spcPts val="1200"/>
               </a:spcBef>
@@ -12018,7 +12189,7 @@
               <a:buChar char="●"/>
             </a:pPr>
             <a:r>
-              <a:rPr b="1" lang="en" sz="1500">
+              <a:rPr lang="en" sz="1500" b="1">
                 <a:latin typeface="Arial"/>
                 <a:ea typeface="Arial"/>
                 <a:cs typeface="Arial"/>
@@ -12043,7 +12214,7 @@
             </a:endParaRPr>
           </a:p>
           <a:p>
-            <a:pPr indent="-323850" lvl="0" marL="457200" rtl="0" algn="l">
+            <a:pPr marL="457200" lvl="0" indent="-323850" algn="l" rtl="0">
               <a:spcBef>
                 <a:spcPts val="0"/>
               </a:spcBef>
@@ -12058,7 +12229,7 @@
               <a:buChar char="●"/>
             </a:pPr>
             <a:r>
-              <a:rPr b="1" lang="en" sz="1500">
+              <a:rPr lang="en" sz="1500" b="1">
                 <a:latin typeface="Arial"/>
                 <a:ea typeface="Arial"/>
                 <a:cs typeface="Arial"/>
@@ -12083,7 +12254,7 @@
             </a:endParaRPr>
           </a:p>
           <a:p>
-            <a:pPr indent="-323850" lvl="0" marL="457200" rtl="0" algn="l">
+            <a:pPr marL="457200" lvl="0" indent="-323850" algn="l" rtl="0">
               <a:spcBef>
                 <a:spcPts val="0"/>
               </a:spcBef>
@@ -12098,7 +12269,7 @@
               <a:buChar char="●"/>
             </a:pPr>
             <a:r>
-              <a:rPr b="1" lang="en" sz="1500">
+              <a:rPr lang="en" sz="1500" b="1">
                 <a:latin typeface="Arial"/>
                 <a:ea typeface="Arial"/>
                 <a:cs typeface="Arial"/>
@@ -12123,7 +12294,7 @@
             </a:endParaRPr>
           </a:p>
           <a:p>
-            <a:pPr indent="0" lvl="0" marL="0" rtl="0" algn="l">
+            <a:pPr marL="0" lvl="0" indent="0" algn="l" rtl="0">
               <a:spcBef>
                 <a:spcPts val="1200"/>
               </a:spcBef>
@@ -12133,7 +12304,7 @@
               <a:buNone/>
             </a:pPr>
             <a:r>
-              <a:rPr b="1" lang="en" sz="1500">
+              <a:rPr lang="en" sz="1500" b="1">
                 <a:latin typeface="Arial"/>
                 <a:ea typeface="Arial"/>
                 <a:cs typeface="Arial"/>
@@ -12141,7 +12312,7 @@
               </a:rPr>
               <a:t>Supporting Features:</a:t>
             </a:r>
-            <a:endParaRPr b="1" sz="1500">
+            <a:endParaRPr sz="1500" b="1">
               <a:latin typeface="Arial"/>
               <a:ea typeface="Arial"/>
               <a:cs typeface="Arial"/>
@@ -12149,7 +12320,7 @@
             </a:endParaRPr>
           </a:p>
           <a:p>
-            <a:pPr indent="-323850" lvl="0" marL="457200" rtl="0" algn="l">
+            <a:pPr marL="457200" lvl="0" indent="-323850" algn="l" rtl="0">
               <a:spcBef>
                 <a:spcPts val="1200"/>
               </a:spcBef>
@@ -12180,7 +12351,7 @@
             </a:endParaRPr>
           </a:p>
           <a:p>
-            <a:pPr indent="-323850" lvl="0" marL="457200" rtl="0" algn="l">
+            <a:pPr marL="457200" lvl="0" indent="-323850" algn="l" rtl="0">
               <a:spcBef>
                 <a:spcPts val="0"/>
               </a:spcBef>
@@ -12211,7 +12382,7 @@
             </a:endParaRPr>
           </a:p>
           <a:p>
-            <a:pPr indent="-323850" lvl="0" marL="457200" rtl="0" algn="l">
+            <a:pPr marL="457200" lvl="0" indent="-323850" algn="l" rtl="0">
               <a:spcBef>
                 <a:spcPts val="0"/>
               </a:spcBef>
@@ -12242,7 +12413,7 @@
             </a:endParaRPr>
           </a:p>
           <a:p>
-            <a:pPr indent="0" lvl="0" marL="0" rtl="0" algn="l">
+            <a:pPr marL="0" lvl="0" indent="0" algn="l" rtl="0">
               <a:spcBef>
                 <a:spcPts val="1200"/>
               </a:spcBef>
@@ -12252,7 +12423,7 @@
               <a:buNone/>
             </a:pPr>
             <a:r>
-              <a:rPr b="1" lang="en" sz="1500">
+              <a:rPr lang="en" sz="1500" b="1">
                 <a:latin typeface="Arial"/>
                 <a:ea typeface="Arial"/>
                 <a:cs typeface="Arial"/>
@@ -12277,7 +12448,7 @@
             </a:endParaRPr>
           </a:p>
           <a:p>
-            <a:pPr indent="0" lvl="0" marL="0" rtl="0" algn="l">
+            <a:pPr marL="0" lvl="0" indent="0" algn="l" rtl="0">
               <a:spcBef>
                 <a:spcPts val="0"/>
               </a:spcBef>
@@ -12286,9 +12457,6 @@
               </a:spcAft>
               <a:buNone/>
             </a:pPr>
-            <a:r>
-              <a:t/>
-            </a:r>
             <a:endParaRPr sz="1500"/>
           </a:p>
         </p:txBody>
@@ -12302,11 +12470,11 @@
 </file>
 
 <file path=ppt/slides/slide5.xml><?xml version="1.0" encoding="utf-8"?>
-<p:sld xmlns:a="http://schemas.openxmlformats.org/drawingml/2006/main" xmlns:r="http://schemas.openxmlformats.org/officeDocument/2006/relationships" xmlns:mc="http://schemas.openxmlformats.org/markup-compatibility/2006" xmlns:mv="urn:schemas-microsoft-com:mac:vml" xmlns:p="http://schemas.openxmlformats.org/presentationml/2006/main" xmlns:c="http://schemas.openxmlformats.org/drawingml/2006/chart" xmlns:dgm="http://schemas.openxmlformats.org/drawingml/2006/diagram" xmlns:o="urn:schemas-microsoft-com:office:office" xmlns:v="urn:schemas-microsoft-com:vml" xmlns:pvml="urn:schemas-microsoft-com:office:powerpoint" xmlns:com="http://schemas.openxmlformats.org/drawingml/2006/compatibility" xmlns:p14="http://schemas.microsoft.com/office/powerpoint/2010/main" xmlns:p15="http://schemas.microsoft.com/office/powerpoint/2012/main" xmlns:ahyp="http://schemas.microsoft.com/office/drawing/2018/hyperlinkcolor">
+<p:sld xmlns:a="http://schemas.openxmlformats.org/drawingml/2006/main" xmlns:r="http://schemas.openxmlformats.org/officeDocument/2006/relationships" xmlns:p="http://schemas.openxmlformats.org/presentationml/2006/main">
   <p:cSld>
     <p:spTree>
       <p:nvGrpSpPr>
-        <p:cNvPr id="159" name="Shape 159"/>
+        <p:cNvPr id="1" name="Shape 159"/>
         <p:cNvGrpSpPr/>
         <p:nvPr/>
       </p:nvGrpSpPr>
@@ -12321,7 +12489,9 @@
       <p:sp>
         <p:nvSpPr>
           <p:cNvPr id="160" name="Google Shape;160;p17"/>
-          <p:cNvSpPr txBox="1"/>
+          <p:cNvSpPr txBox="1">
+            <a:spLocks noGrp="1"/>
+          </p:cNvSpPr>
           <p:nvPr>
             <p:ph type="title"/>
           </p:nvPr>
@@ -12336,12 +12506,12 @@
           </a:prstGeom>
         </p:spPr>
         <p:txBody>
-          <a:bodyPr anchorCtr="0" anchor="t" bIns="91425" lIns="91425" spcFirstLastPara="1" rIns="91425" wrap="square" tIns="91425">
+          <a:bodyPr spcFirstLastPara="1" wrap="square" lIns="91425" tIns="91425" rIns="91425" bIns="91425" anchor="t" anchorCtr="0">
             <a:normAutofit fontScale="90000"/>
           </a:bodyPr>
           <a:lstStyle/>
           <a:p>
-            <a:pPr indent="0" lvl="0" marL="0" rtl="0" algn="l">
+            <a:pPr marL="0" lvl="0" indent="0" algn="l" rtl="0">
               <a:spcBef>
                 <a:spcPts val="0"/>
               </a:spcBef>
@@ -12351,19 +12521,21 @@
               <a:buNone/>
             </a:pPr>
             <a:r>
-              <a:rPr b="1" lang="en" sz="3600"/>
+              <a:rPr lang="en" sz="3600" b="1"/>
               <a:t>Our Library Systems 15 Features</a:t>
             </a:r>
-            <a:endParaRPr b="1" sz="3600"/>
+            <a:endParaRPr sz="3600" b="1"/>
           </a:p>
         </p:txBody>
       </p:sp>
       <p:sp>
         <p:nvSpPr>
           <p:cNvPr id="161" name="Google Shape;161;p17"/>
-          <p:cNvSpPr txBox="1"/>
+          <p:cNvSpPr txBox="1">
+            <a:spLocks noGrp="1"/>
+          </p:cNvSpPr>
           <p:nvPr>
-            <p:ph idx="1" type="body"/>
+            <p:ph type="body" idx="1"/>
           </p:nvPr>
         </p:nvSpPr>
         <p:spPr>
@@ -12376,12 +12548,12 @@
           </a:prstGeom>
         </p:spPr>
         <p:txBody>
-          <a:bodyPr anchorCtr="0" anchor="t" bIns="91425" lIns="91425" spcFirstLastPara="1" rIns="91425" wrap="square" tIns="91425">
+          <a:bodyPr spcFirstLastPara="1" wrap="square" lIns="91425" tIns="91425" rIns="91425" bIns="91425" anchor="t" anchorCtr="0">
             <a:normAutofit/>
           </a:bodyPr>
           <a:lstStyle/>
           <a:p>
-            <a:pPr indent="-330200" lvl="0" marL="457200" rtl="0" algn="l">
+            <a:pPr marL="457200" lvl="0" indent="-330200" algn="l" rtl="0">
               <a:lnSpc>
                 <a:spcPct val="200000"/>
               </a:lnSpc>
@@ -12401,7 +12573,7 @@
             <a:endParaRPr sz="1600"/>
           </a:p>
           <a:p>
-            <a:pPr indent="-330200" lvl="0" marL="457200" rtl="0" algn="l">
+            <a:pPr marL="457200" lvl="0" indent="-330200" algn="l" rtl="0">
               <a:lnSpc>
                 <a:spcPct val="200000"/>
               </a:lnSpc>
@@ -12421,7 +12593,7 @@
             <a:endParaRPr sz="1600"/>
           </a:p>
           <a:p>
-            <a:pPr indent="-330200" lvl="0" marL="457200" rtl="0" algn="l">
+            <a:pPr marL="457200" lvl="0" indent="-330200" algn="l" rtl="0">
               <a:lnSpc>
                 <a:spcPct val="200000"/>
               </a:lnSpc>
@@ -12441,7 +12613,7 @@
             <a:endParaRPr sz="1600"/>
           </a:p>
           <a:p>
-            <a:pPr indent="-330200" lvl="0" marL="457200" rtl="0" algn="l">
+            <a:pPr marL="457200" lvl="0" indent="-330200" algn="l" rtl="0">
               <a:lnSpc>
                 <a:spcPct val="200000"/>
               </a:lnSpc>
@@ -12461,7 +12633,7 @@
             <a:endParaRPr sz="1600"/>
           </a:p>
           <a:p>
-            <a:pPr indent="-330200" lvl="0" marL="457200" rtl="0" algn="l">
+            <a:pPr marL="457200" lvl="0" indent="-330200" algn="l" rtl="0">
               <a:lnSpc>
                 <a:spcPct val="200000"/>
               </a:lnSpc>
@@ -12491,11 +12663,11 @@
 </file>
 
 <file path=ppt/slides/slide6.xml><?xml version="1.0" encoding="utf-8"?>
-<p:sld xmlns:a="http://schemas.openxmlformats.org/drawingml/2006/main" xmlns:r="http://schemas.openxmlformats.org/officeDocument/2006/relationships" xmlns:mc="http://schemas.openxmlformats.org/markup-compatibility/2006" xmlns:mv="urn:schemas-microsoft-com:mac:vml" xmlns:p="http://schemas.openxmlformats.org/presentationml/2006/main" xmlns:c="http://schemas.openxmlformats.org/drawingml/2006/chart" xmlns:dgm="http://schemas.openxmlformats.org/drawingml/2006/diagram" xmlns:o="urn:schemas-microsoft-com:office:office" xmlns:v="urn:schemas-microsoft-com:vml" xmlns:pvml="urn:schemas-microsoft-com:office:powerpoint" xmlns:com="http://schemas.openxmlformats.org/drawingml/2006/compatibility" xmlns:p14="http://schemas.microsoft.com/office/powerpoint/2010/main" xmlns:p15="http://schemas.microsoft.com/office/powerpoint/2012/main" xmlns:ahyp="http://schemas.microsoft.com/office/drawing/2018/hyperlinkcolor">
+<p:sld xmlns:a="http://schemas.openxmlformats.org/drawingml/2006/main" xmlns:r="http://schemas.openxmlformats.org/officeDocument/2006/relationships" xmlns:p="http://schemas.openxmlformats.org/presentationml/2006/main">
   <p:cSld>
     <p:spTree>
       <p:nvGrpSpPr>
-        <p:cNvPr id="165" name="Shape 165"/>
+        <p:cNvPr id="1" name="Shape 165"/>
         <p:cNvGrpSpPr/>
         <p:nvPr/>
       </p:nvGrpSpPr>
@@ -12510,7 +12682,9 @@
       <p:sp>
         <p:nvSpPr>
           <p:cNvPr id="166" name="Google Shape;166;p18"/>
-          <p:cNvSpPr txBox="1"/>
+          <p:cNvSpPr txBox="1">
+            <a:spLocks noGrp="1"/>
+          </p:cNvSpPr>
           <p:nvPr>
             <p:ph type="title"/>
           </p:nvPr>
@@ -12525,12 +12699,12 @@
           </a:prstGeom>
         </p:spPr>
         <p:txBody>
-          <a:bodyPr anchorCtr="0" anchor="t" bIns="91425" lIns="91425" spcFirstLastPara="1" rIns="91425" wrap="square" tIns="91425">
+          <a:bodyPr spcFirstLastPara="1" wrap="square" lIns="91425" tIns="91425" rIns="91425" bIns="91425" anchor="t" anchorCtr="0">
             <a:normAutofit fontScale="90000"/>
           </a:bodyPr>
           <a:lstStyle/>
           <a:p>
-            <a:pPr indent="0" lvl="0" marL="0" rtl="0" algn="l">
+            <a:pPr marL="0" lvl="0" indent="0" algn="l" rtl="0">
               <a:spcBef>
                 <a:spcPts val="0"/>
               </a:spcBef>
@@ -12540,13 +12714,13 @@
               <a:buNone/>
             </a:pPr>
             <a:r>
-              <a:rPr b="1" lang="en" sz="3600"/>
+              <a:rPr lang="en" sz="3600" b="1"/>
               <a:t>Our Library Systems 15 Features </a:t>
             </a:r>
-            <a:endParaRPr b="1" sz="3600"/>
-          </a:p>
-          <a:p>
-            <a:pPr indent="0" lvl="0" marL="0" rtl="0" algn="l">
+            <a:endParaRPr sz="3600" b="1"/>
+          </a:p>
+          <a:p>
+            <a:pPr marL="0" lvl="0" indent="0" algn="l" rtl="0">
               <a:spcBef>
                 <a:spcPts val="0"/>
               </a:spcBef>
@@ -12555,9 +12729,6 @@
               </a:spcAft>
               <a:buNone/>
             </a:pPr>
-            <a:r>
-              <a:t/>
-            </a:r>
             <a:endParaRPr/>
           </a:p>
         </p:txBody>
@@ -12565,9 +12736,11 @@
       <p:sp>
         <p:nvSpPr>
           <p:cNvPr id="167" name="Google Shape;167;p18"/>
-          <p:cNvSpPr txBox="1"/>
+          <p:cNvSpPr txBox="1">
+            <a:spLocks noGrp="1"/>
+          </p:cNvSpPr>
           <p:nvPr>
-            <p:ph idx="1" type="body"/>
+            <p:ph type="body" idx="1"/>
           </p:nvPr>
         </p:nvSpPr>
         <p:spPr>
@@ -12580,12 +12753,12 @@
           </a:prstGeom>
         </p:spPr>
         <p:txBody>
-          <a:bodyPr anchorCtr="0" anchor="t" bIns="91425" lIns="91425" spcFirstLastPara="1" rIns="91425" wrap="square" tIns="91425">
+          <a:bodyPr spcFirstLastPara="1" wrap="square" lIns="91425" tIns="91425" rIns="91425" bIns="91425" anchor="t" anchorCtr="0">
             <a:normAutofit/>
           </a:bodyPr>
           <a:lstStyle/>
           <a:p>
-            <a:pPr indent="0" lvl="0" marL="0" rtl="0" algn="l">
+            <a:pPr marL="0" lvl="0" indent="0" algn="l" rtl="0">
               <a:lnSpc>
                 <a:spcPct val="100000"/>
               </a:lnSpc>
@@ -12604,7 +12777,7 @@
             <a:endParaRPr sz="1600"/>
           </a:p>
           <a:p>
-            <a:pPr indent="0" lvl="0" marL="0" rtl="0" algn="l">
+            <a:pPr marL="0" lvl="0" indent="0" algn="l" rtl="0">
               <a:lnSpc>
                 <a:spcPct val="100000"/>
               </a:lnSpc>
@@ -12623,7 +12796,7 @@
             <a:endParaRPr sz="1600"/>
           </a:p>
           <a:p>
-            <a:pPr indent="0" lvl="0" marL="0" rtl="0" algn="l">
+            <a:pPr marL="0" lvl="0" indent="0" algn="l" rtl="0">
               <a:lnSpc>
                 <a:spcPct val="100000"/>
               </a:lnSpc>
@@ -12642,7 +12815,7 @@
             <a:endParaRPr sz="1600"/>
           </a:p>
           <a:p>
-            <a:pPr indent="0" lvl="0" marL="0" rtl="0" algn="l">
+            <a:pPr marL="0" lvl="0" indent="0" algn="l" rtl="0">
               <a:lnSpc>
                 <a:spcPct val="100000"/>
               </a:lnSpc>
@@ -12661,7 +12834,7 @@
             <a:endParaRPr sz="1600"/>
           </a:p>
           <a:p>
-            <a:pPr indent="0" lvl="0" marL="0" rtl="0" algn="l">
+            <a:pPr marL="0" lvl="0" indent="0" algn="l" rtl="0">
               <a:lnSpc>
                 <a:spcPct val="100000"/>
               </a:lnSpc>
@@ -12690,11 +12863,11 @@
 </file>
 
 <file path=ppt/slides/slide7.xml><?xml version="1.0" encoding="utf-8"?>
-<p:sld xmlns:a="http://schemas.openxmlformats.org/drawingml/2006/main" xmlns:r="http://schemas.openxmlformats.org/officeDocument/2006/relationships" xmlns:mc="http://schemas.openxmlformats.org/markup-compatibility/2006" xmlns:mv="urn:schemas-microsoft-com:mac:vml" xmlns:p="http://schemas.openxmlformats.org/presentationml/2006/main" xmlns:c="http://schemas.openxmlformats.org/drawingml/2006/chart" xmlns:dgm="http://schemas.openxmlformats.org/drawingml/2006/diagram" xmlns:o="urn:schemas-microsoft-com:office:office" xmlns:v="urn:schemas-microsoft-com:vml" xmlns:pvml="urn:schemas-microsoft-com:office:powerpoint" xmlns:com="http://schemas.openxmlformats.org/drawingml/2006/compatibility" xmlns:p14="http://schemas.microsoft.com/office/powerpoint/2010/main" xmlns:p15="http://schemas.microsoft.com/office/powerpoint/2012/main" xmlns:ahyp="http://schemas.microsoft.com/office/drawing/2018/hyperlinkcolor">
+<p:sld xmlns:a="http://schemas.openxmlformats.org/drawingml/2006/main" xmlns:r="http://schemas.openxmlformats.org/officeDocument/2006/relationships" xmlns:p="http://schemas.openxmlformats.org/presentationml/2006/main">
   <p:cSld>
     <p:spTree>
       <p:nvGrpSpPr>
-        <p:cNvPr id="171" name="Shape 171"/>
+        <p:cNvPr id="1" name="Shape 171"/>
         <p:cNvGrpSpPr/>
         <p:nvPr/>
       </p:nvGrpSpPr>
@@ -12709,7 +12882,9 @@
       <p:sp>
         <p:nvSpPr>
           <p:cNvPr id="172" name="Google Shape;172;p19"/>
-          <p:cNvSpPr txBox="1"/>
+          <p:cNvSpPr txBox="1">
+            <a:spLocks noGrp="1"/>
+          </p:cNvSpPr>
           <p:nvPr>
             <p:ph type="title"/>
           </p:nvPr>
@@ -12724,12 +12899,12 @@
           </a:prstGeom>
         </p:spPr>
         <p:txBody>
-          <a:bodyPr anchorCtr="0" anchor="t" bIns="91425" lIns="91425" spcFirstLastPara="1" rIns="91425" wrap="square" tIns="91425">
+          <a:bodyPr spcFirstLastPara="1" wrap="square" lIns="91425" tIns="91425" rIns="91425" bIns="91425" anchor="t" anchorCtr="0">
             <a:normAutofit fontScale="90000"/>
           </a:bodyPr>
           <a:lstStyle/>
           <a:p>
-            <a:pPr indent="0" lvl="0" marL="0" rtl="0" algn="l">
+            <a:pPr marL="0" lvl="0" indent="0" algn="l" rtl="0">
               <a:spcBef>
                 <a:spcPts val="0"/>
               </a:spcBef>
@@ -12739,13 +12914,13 @@
               <a:buNone/>
             </a:pPr>
             <a:r>
-              <a:rPr b="1" lang="en" sz="3600"/>
+              <a:rPr lang="en" sz="3600" b="1"/>
               <a:t>Our Library Systems 15 Features </a:t>
             </a:r>
-            <a:endParaRPr b="1" sz="3600"/>
-          </a:p>
-          <a:p>
-            <a:pPr indent="0" lvl="0" marL="0" rtl="0" algn="l">
+            <a:endParaRPr sz="3600" b="1"/>
+          </a:p>
+          <a:p>
+            <a:pPr marL="0" lvl="0" indent="0" algn="l" rtl="0">
               <a:spcBef>
                 <a:spcPts val="0"/>
               </a:spcBef>
@@ -12754,9 +12929,6 @@
               </a:spcAft>
               <a:buNone/>
             </a:pPr>
-            <a:r>
-              <a:t/>
-            </a:r>
             <a:endParaRPr/>
           </a:p>
         </p:txBody>
@@ -12764,9 +12936,11 @@
       <p:sp>
         <p:nvSpPr>
           <p:cNvPr id="173" name="Google Shape;173;p19"/>
-          <p:cNvSpPr txBox="1"/>
+          <p:cNvSpPr txBox="1">
+            <a:spLocks noGrp="1"/>
+          </p:cNvSpPr>
           <p:nvPr>
-            <p:ph idx="1" type="body"/>
+            <p:ph type="body" idx="1"/>
           </p:nvPr>
         </p:nvSpPr>
         <p:spPr>
@@ -12779,12 +12953,12 @@
           </a:prstGeom>
         </p:spPr>
         <p:txBody>
-          <a:bodyPr anchorCtr="0" anchor="t" bIns="91425" lIns="91425" spcFirstLastPara="1" rIns="91425" wrap="square" tIns="91425">
+          <a:bodyPr spcFirstLastPara="1" wrap="square" lIns="91425" tIns="91425" rIns="91425" bIns="91425" anchor="t" anchorCtr="0">
             <a:normAutofit/>
           </a:bodyPr>
           <a:lstStyle/>
           <a:p>
-            <a:pPr indent="0" lvl="0" marL="0" rtl="0" algn="l">
+            <a:pPr marL="0" lvl="0" indent="0" algn="l" rtl="0">
               <a:spcBef>
                 <a:spcPts val="0"/>
               </a:spcBef>
@@ -12795,16 +12969,12 @@
             </a:pPr>
             <a:r>
               <a:rPr lang="en"/>
-              <a:t>11.	Applied </a:t>
-            </a:r>
-            <a:r>
-              <a:rPr lang="en"/>
-              <a:t>internationalization (l18n)  and localization(l10n) for 3 languages</a:t>
+              <a:t>11.	Applied internationalization (l18n)  and localization(l10n) for 3 languages</a:t>
             </a:r>
             <a:endParaRPr/>
           </a:p>
           <a:p>
-            <a:pPr indent="0" lvl="0" marL="0" rtl="0" algn="l">
+            <a:pPr marL="0" lvl="0" indent="0" algn="l" rtl="0">
               <a:spcBef>
                 <a:spcPts val="1200"/>
               </a:spcBef>
@@ -12820,7 +12990,7 @@
             <a:endParaRPr/>
           </a:p>
           <a:p>
-            <a:pPr indent="0" lvl="0" marL="0" rtl="0" algn="l">
+            <a:pPr marL="0" lvl="0" indent="0" algn="l" rtl="0">
               <a:spcBef>
                 <a:spcPts val="1200"/>
               </a:spcBef>
@@ -12836,7 +13006,7 @@
             <a:endParaRPr/>
           </a:p>
           <a:p>
-            <a:pPr indent="0" lvl="0" marL="0" rtl="0" algn="l">
+            <a:pPr marL="0" lvl="0" indent="0" algn="l" rtl="0">
               <a:spcBef>
                 <a:spcPts val="1200"/>
               </a:spcBef>
@@ -12852,7 +13022,7 @@
             <a:endParaRPr/>
           </a:p>
           <a:p>
-            <a:pPr indent="0" lvl="0" marL="0" rtl="0" algn="l">
+            <a:pPr marL="0" lvl="0" indent="0" algn="l" rtl="0">
               <a:spcBef>
                 <a:spcPts val="1200"/>
               </a:spcBef>
@@ -12863,20 +13033,12 @@
             </a:pPr>
             <a:r>
               <a:rPr lang="en"/>
-              <a:t>15.	</a:t>
-            </a:r>
-            <a:r>
-              <a:rPr lang="en"/>
-              <a:t>Incorporated </a:t>
-            </a:r>
-            <a:r>
-              <a:rPr lang="en"/>
-              <a:t>counter for the number of users and different types of books in the </a:t>
+              <a:t>15.	Incorporated counter for the number of users and different types of books in the </a:t>
             </a:r>
             <a:endParaRPr/>
           </a:p>
           <a:p>
-            <a:pPr indent="457200" lvl="0" marL="0" rtl="0" algn="l">
+            <a:pPr marL="0" lvl="0" indent="457200" algn="l" rtl="0">
               <a:spcBef>
                 <a:spcPts val="1200"/>
               </a:spcBef>
@@ -12902,11 +13064,11 @@
 </file>
 
 <file path=ppt/slides/slide8.xml><?xml version="1.0" encoding="utf-8"?>
-<p:sld xmlns:a="http://schemas.openxmlformats.org/drawingml/2006/main" xmlns:r="http://schemas.openxmlformats.org/officeDocument/2006/relationships" xmlns:mc="http://schemas.openxmlformats.org/markup-compatibility/2006" xmlns:mv="urn:schemas-microsoft-com:mac:vml" xmlns:p="http://schemas.openxmlformats.org/presentationml/2006/main" xmlns:c="http://schemas.openxmlformats.org/drawingml/2006/chart" xmlns:dgm="http://schemas.openxmlformats.org/drawingml/2006/diagram" xmlns:o="urn:schemas-microsoft-com:office:office" xmlns:v="urn:schemas-microsoft-com:vml" xmlns:pvml="urn:schemas-microsoft-com:office:powerpoint" xmlns:com="http://schemas.openxmlformats.org/drawingml/2006/compatibility" xmlns:p14="http://schemas.microsoft.com/office/powerpoint/2010/main" xmlns:p15="http://schemas.microsoft.com/office/powerpoint/2012/main" xmlns:ahyp="http://schemas.microsoft.com/office/drawing/2018/hyperlinkcolor">
+<p:sld xmlns:a="http://schemas.openxmlformats.org/drawingml/2006/main" xmlns:r="http://schemas.openxmlformats.org/officeDocument/2006/relationships" xmlns:p="http://schemas.openxmlformats.org/presentationml/2006/main">
   <p:cSld>
     <p:spTree>
       <p:nvGrpSpPr>
-        <p:cNvPr id="177" name="Shape 177"/>
+        <p:cNvPr id="1" name="Shape 177"/>
         <p:cNvGrpSpPr/>
         <p:nvPr/>
       </p:nvGrpSpPr>
@@ -12921,7 +13083,9 @@
       <p:sp>
         <p:nvSpPr>
           <p:cNvPr id="178" name="Google Shape;178;p20"/>
-          <p:cNvSpPr txBox="1"/>
+          <p:cNvSpPr txBox="1">
+            <a:spLocks noGrp="1"/>
+          </p:cNvSpPr>
           <p:nvPr>
             <p:ph type="title"/>
           </p:nvPr>
@@ -12936,12 +13100,12 @@
           </a:prstGeom>
         </p:spPr>
         <p:txBody>
-          <a:bodyPr anchorCtr="0" anchor="t" bIns="91425" lIns="91425" spcFirstLastPara="1" rIns="91425" wrap="square" tIns="91425">
+          <a:bodyPr spcFirstLastPara="1" wrap="square" lIns="91425" tIns="91425" rIns="91425" bIns="91425" anchor="t" anchorCtr="0">
             <a:normAutofit/>
           </a:bodyPr>
           <a:lstStyle/>
           <a:p>
-            <a:pPr indent="0" lvl="0" marL="0" rtl="0" algn="l">
+            <a:pPr marL="0" lvl="0" indent="0" algn="l" rtl="0">
               <a:spcBef>
                 <a:spcPts val="0"/>
               </a:spcBef>
@@ -12951,19 +13115,21 @@
               <a:buNone/>
             </a:pPr>
             <a:r>
-              <a:rPr b="1" lang="en" sz="3600"/>
+              <a:rPr lang="en" sz="3600" b="1"/>
               <a:t> Approach and Methodology</a:t>
             </a:r>
-            <a:endParaRPr b="1" sz="3600"/>
+            <a:endParaRPr sz="3600" b="1"/>
           </a:p>
         </p:txBody>
       </p:sp>
       <p:sp>
         <p:nvSpPr>
           <p:cNvPr id="179" name="Google Shape;179;p20"/>
-          <p:cNvSpPr txBox="1"/>
+          <p:cNvSpPr txBox="1">
+            <a:spLocks noGrp="1"/>
+          </p:cNvSpPr>
           <p:nvPr>
-            <p:ph idx="1" type="body"/>
+            <p:ph type="body" idx="1"/>
           </p:nvPr>
         </p:nvSpPr>
         <p:spPr>
@@ -12976,12 +13142,12 @@
           </a:prstGeom>
         </p:spPr>
         <p:txBody>
-          <a:bodyPr anchorCtr="0" anchor="t" bIns="91425" lIns="91425" spcFirstLastPara="1" rIns="91425" wrap="square" tIns="91425">
-            <a:normAutofit/>
+          <a:bodyPr spcFirstLastPara="1" wrap="square" lIns="91425" tIns="91425" rIns="91425" bIns="91425" anchor="t" anchorCtr="0">
+            <a:noAutofit/>
           </a:bodyPr>
           <a:lstStyle/>
           <a:p>
-            <a:pPr indent="0" lvl="0" marL="0" rtl="0" algn="l">
+            <a:pPr marL="0" lvl="0" indent="0" algn="l" rtl="0">
               <a:spcBef>
                 <a:spcPts val="0"/>
               </a:spcBef>
@@ -12991,7 +13157,7 @@
               <a:buNone/>
             </a:pPr>
             <a:r>
-              <a:rPr b="1" lang="en" sz="1600">
+              <a:rPr lang="en" sz="1600" b="1" dirty="0">
                 <a:latin typeface="Arial"/>
                 <a:ea typeface="Arial"/>
                 <a:cs typeface="Arial"/>
@@ -13000,15 +13166,24 @@
               <a:t>Modular Design:</a:t>
             </a:r>
             <a:r>
+              <a:rPr lang="en" sz="1600" dirty="0">
+                <a:latin typeface="Arial"/>
+                <a:ea typeface="Arial"/>
+                <a:cs typeface="Arial"/>
+                <a:sym typeface="Arial"/>
+              </a:rPr>
+              <a:t> Ensures scalability and ease of updates</a:t>
+            </a:r>
+            <a:r>
               <a:rPr lang="en" sz="1600">
                 <a:latin typeface="Arial"/>
                 <a:ea typeface="Arial"/>
                 <a:cs typeface="Arial"/>
                 <a:sym typeface="Arial"/>
               </a:rPr>
-              <a:t> Ensures scalability and ease of updates.</a:t>
+              <a:t>. </a:t>
             </a:r>
-            <a:endParaRPr sz="1600">
+            <a:endParaRPr sz="1600" dirty="0">
               <a:latin typeface="Arial"/>
               <a:ea typeface="Arial"/>
               <a:cs typeface="Arial"/>
@@ -13016,7 +13191,7 @@
             </a:endParaRPr>
           </a:p>
           <a:p>
-            <a:pPr indent="0" lvl="0" marL="0" rtl="0" algn="l">
+            <a:pPr marL="0" lvl="0" indent="0" algn="l" rtl="0">
               <a:spcBef>
                 <a:spcPts val="1200"/>
               </a:spcBef>
@@ -13026,7 +13201,7 @@
               <a:buNone/>
             </a:pPr>
             <a:r>
-              <a:rPr b="1" lang="en" sz="1600">
+              <a:rPr lang="en" sz="1600" b="1" dirty="0">
                 <a:latin typeface="Arial"/>
                 <a:ea typeface="Arial"/>
                 <a:cs typeface="Arial"/>
@@ -13035,23 +13210,21 @@
               <a:t>Testing:</a:t>
             </a:r>
             <a:r>
-              <a:rPr lang="en" sz="1600">
+              <a:rPr lang="en" sz="1600" dirty="0">
                 <a:latin typeface="Arial"/>
                 <a:ea typeface="Arial"/>
                 <a:cs typeface="Arial"/>
                 <a:sym typeface="Arial"/>
               </a:rPr>
-              <a:t> Thorough testing of each module for functionality.</a:t>
+              <a:t> </a:t>
             </a:r>
-            <a:endParaRPr sz="1600">
-              <a:latin typeface="Arial"/>
-              <a:ea typeface="Arial"/>
-              <a:cs typeface="Arial"/>
-              <a:sym typeface="Arial"/>
-            </a:endParaRPr>
-          </a:p>
-          <a:p>
-            <a:pPr indent="0" lvl="0" marL="0" rtl="0" algn="l">
+            <a:r>
+              <a:rPr lang="en-US" sz="1600" dirty="0"/>
+              <a:t>Conducts thorough testing of each module for functionality and reliability.</a:t>
+            </a:r>
+          </a:p>
+          <a:p>
+            <a:pPr marL="0" lvl="0" indent="0" algn="l" rtl="0">
               <a:spcBef>
                 <a:spcPts val="1200"/>
               </a:spcBef>
@@ -13061,7 +13234,7 @@
               <a:buNone/>
             </a:pPr>
             <a:r>
-              <a:rPr b="1" lang="en" sz="1600">
+              <a:rPr lang="en" sz="1600" b="1" dirty="0">
                 <a:latin typeface="Arial"/>
                 <a:ea typeface="Arial"/>
                 <a:cs typeface="Arial"/>
@@ -13069,7 +13242,7 @@
               </a:rPr>
               <a:t>Risk Management:</a:t>
             </a:r>
-            <a:endParaRPr b="1" sz="1600">
+            <a:endParaRPr sz="1600" b="1" dirty="0">
               <a:latin typeface="Arial"/>
               <a:ea typeface="Arial"/>
               <a:cs typeface="Arial"/>
@@ -13077,7 +13250,7 @@
             </a:endParaRPr>
           </a:p>
           <a:p>
-            <a:pPr indent="-330200" lvl="0" marL="457200" rtl="0" algn="l">
+            <a:pPr marL="457200" lvl="0" indent="-330200" algn="l" rtl="0">
               <a:spcBef>
                 <a:spcPts val="1200"/>
               </a:spcBef>
@@ -13092,25 +13265,14 @@
               <a:buChar char="●"/>
             </a:pPr>
             <a:r>
-              <a:rPr lang="en" sz="1600">
-                <a:latin typeface="Arial"/>
-                <a:ea typeface="Arial"/>
-                <a:cs typeface="Arial"/>
-                <a:sym typeface="Arial"/>
-              </a:rPr>
-              <a:t>User feedback to improve usability.</a:t>
+              <a:rPr lang="en-US" sz="1600" dirty="0"/>
+              <a:t>Collects user feedback to continuously improve usability.</a:t>
             </a:r>
-            <a:endParaRPr sz="1600">
-              <a:latin typeface="Arial"/>
-              <a:ea typeface="Arial"/>
-              <a:cs typeface="Arial"/>
-              <a:sym typeface="Arial"/>
-            </a:endParaRPr>
-          </a:p>
-          <a:p>
-            <a:pPr indent="-330200" lvl="0" marL="457200" rtl="0" algn="l">
-              <a:spcBef>
-                <a:spcPts val="0"/>
+          </a:p>
+          <a:p>
+            <a:pPr marL="457200" lvl="0" indent="-330200" algn="l" rtl="0">
+              <a:spcBef>
+                <a:spcPts val="1200"/>
               </a:spcBef>
               <a:spcAft>
                 <a:spcPts val="0"/>
@@ -13123,25 +13285,14 @@
               <a:buChar char="●"/>
             </a:pPr>
             <a:r>
-              <a:rPr lang="en" sz="1600">
-                <a:latin typeface="Arial"/>
-                <a:ea typeface="Arial"/>
-                <a:cs typeface="Arial"/>
-                <a:sym typeface="Arial"/>
-              </a:rPr>
-              <a:t>Scalable design to handle growing data volumes.</a:t>
+              <a:rPr lang="en-US" sz="1600" dirty="0"/>
+              <a:t>Implements scalable design to accommodate growing data volumes.</a:t>
             </a:r>
-            <a:endParaRPr sz="1600">
-              <a:latin typeface="Arial"/>
-              <a:ea typeface="Arial"/>
-              <a:cs typeface="Arial"/>
-              <a:sym typeface="Arial"/>
-            </a:endParaRPr>
-          </a:p>
-          <a:p>
-            <a:pPr indent="-330200" lvl="0" marL="457200" rtl="0" algn="l">
-              <a:spcBef>
-                <a:spcPts val="0"/>
+          </a:p>
+          <a:p>
+            <a:pPr marL="457200" lvl="0" indent="-330200" algn="l" rtl="0">
+              <a:spcBef>
+                <a:spcPts val="1200"/>
               </a:spcBef>
               <a:spcAft>
                 <a:spcPts val="0"/>
@@ -13154,35 +13305,10 @@
               <a:buChar char="●"/>
             </a:pPr>
             <a:r>
-              <a:rPr lang="en" sz="1600">
-                <a:latin typeface="Arial"/>
-                <a:ea typeface="Arial"/>
-                <a:cs typeface="Arial"/>
-                <a:sym typeface="Arial"/>
-              </a:rPr>
-              <a:t>Training and support to facilitate transition.</a:t>
+              <a:rPr lang="en-US" sz="1600" dirty="0"/>
+              <a:t>Provides training and support to facilitate a smooth transition for users and administrators. (user manual)</a:t>
             </a:r>
-            <a:endParaRPr sz="1600">
-              <a:latin typeface="Arial"/>
-              <a:ea typeface="Arial"/>
-              <a:cs typeface="Arial"/>
-              <a:sym typeface="Arial"/>
-            </a:endParaRPr>
-          </a:p>
-          <a:p>
-            <a:pPr indent="0" lvl="0" marL="0" rtl="0" algn="l">
-              <a:spcBef>
-                <a:spcPts val="1200"/>
-              </a:spcBef>
-              <a:spcAft>
-                <a:spcPts val="1200"/>
-              </a:spcAft>
-              <a:buNone/>
-            </a:pPr>
-            <a:r>
-              <a:t/>
-            </a:r>
-            <a:endParaRPr sz="1600"/>
+            <a:endParaRPr sz="1600" dirty="0"/>
           </a:p>
         </p:txBody>
       </p:sp>
@@ -13195,11 +13321,11 @@
 </file>
 
 <file path=ppt/slides/slide9.xml><?xml version="1.0" encoding="utf-8"?>
-<p:sld xmlns:a="http://schemas.openxmlformats.org/drawingml/2006/main" xmlns:r="http://schemas.openxmlformats.org/officeDocument/2006/relationships" xmlns:mc="http://schemas.openxmlformats.org/markup-compatibility/2006" xmlns:mv="urn:schemas-microsoft-com:mac:vml" xmlns:p="http://schemas.openxmlformats.org/presentationml/2006/main" xmlns:c="http://schemas.openxmlformats.org/drawingml/2006/chart" xmlns:dgm="http://schemas.openxmlformats.org/drawingml/2006/diagram" xmlns:o="urn:schemas-microsoft-com:office:office" xmlns:v="urn:schemas-microsoft-com:vml" xmlns:pvml="urn:schemas-microsoft-com:office:powerpoint" xmlns:com="http://schemas.openxmlformats.org/drawingml/2006/compatibility" xmlns:p14="http://schemas.microsoft.com/office/powerpoint/2010/main" xmlns:p15="http://schemas.microsoft.com/office/powerpoint/2012/main" xmlns:ahyp="http://schemas.microsoft.com/office/drawing/2018/hyperlinkcolor">
+<p:sld xmlns:a="http://schemas.openxmlformats.org/drawingml/2006/main" xmlns:r="http://schemas.openxmlformats.org/officeDocument/2006/relationships" xmlns:p="http://schemas.openxmlformats.org/presentationml/2006/main">
   <p:cSld>
     <p:spTree>
       <p:nvGrpSpPr>
-        <p:cNvPr id="183" name="Shape 183"/>
+        <p:cNvPr id="1" name="Shape 183"/>
         <p:cNvGrpSpPr/>
         <p:nvPr/>
       </p:nvGrpSpPr>
@@ -13214,7 +13340,9 @@
       <p:sp>
         <p:nvSpPr>
           <p:cNvPr id="184" name="Google Shape;184;p21"/>
-          <p:cNvSpPr txBox="1"/>
+          <p:cNvSpPr txBox="1">
+            <a:spLocks noGrp="1"/>
+          </p:cNvSpPr>
           <p:nvPr>
             <p:ph type="title"/>
           </p:nvPr>
@@ -13229,12 +13357,12 @@
           </a:prstGeom>
         </p:spPr>
         <p:txBody>
-          <a:bodyPr anchorCtr="0" anchor="t" bIns="91425" lIns="91425" spcFirstLastPara="1" rIns="91425" wrap="square" tIns="91425">
+          <a:bodyPr spcFirstLastPara="1" wrap="square" lIns="91425" tIns="91425" rIns="91425" bIns="91425" anchor="t" anchorCtr="0">
             <a:normAutofit/>
           </a:bodyPr>
           <a:lstStyle/>
           <a:p>
-            <a:pPr indent="0" lvl="0" marL="0" rtl="0" algn="l">
+            <a:pPr marL="0" lvl="0" indent="0" algn="l" rtl="0">
               <a:spcBef>
                 <a:spcPts val="0"/>
               </a:spcBef>
@@ -13244,23 +13372,21 @@
               <a:buNone/>
             </a:pPr>
             <a:r>
-              <a:rPr b="1" lang="en" sz="3600"/>
-              <a:t>Major </a:t>
+              <a:rPr lang="en" sz="3600" b="1"/>
+              <a:t>Major Accomplishments</a:t>
             </a:r>
-            <a:r>
-              <a:rPr b="1" lang="en" sz="3600"/>
-              <a:t>Accomplishments</a:t>
-            </a:r>
-            <a:endParaRPr b="1" sz="3600"/>
+            <a:endParaRPr sz="3600" b="1"/>
           </a:p>
         </p:txBody>
       </p:sp>
       <p:sp>
         <p:nvSpPr>
           <p:cNvPr id="185" name="Google Shape;185;p21"/>
-          <p:cNvSpPr txBox="1"/>
+          <p:cNvSpPr txBox="1">
+            <a:spLocks noGrp="1"/>
+          </p:cNvSpPr>
           <p:nvPr>
-            <p:ph idx="1" type="body"/>
+            <p:ph type="body" idx="1"/>
           </p:nvPr>
         </p:nvSpPr>
         <p:spPr>
@@ -13273,12 +13399,12 @@
           </a:prstGeom>
         </p:spPr>
         <p:txBody>
-          <a:bodyPr anchorCtr="0" anchor="t" bIns="91425" lIns="91425" spcFirstLastPara="1" rIns="91425" wrap="square" tIns="91425">
+          <a:bodyPr spcFirstLastPara="1" wrap="square" lIns="91425" tIns="91425" rIns="91425" bIns="91425" anchor="t" anchorCtr="0">
             <a:normAutofit/>
           </a:bodyPr>
           <a:lstStyle/>
           <a:p>
-            <a:pPr indent="-330200" lvl="0" marL="457200" rtl="0" algn="l">
+            <a:pPr marL="457200" lvl="0" indent="-330200" algn="l" rtl="0">
               <a:spcBef>
                 <a:spcPts val="0"/>
               </a:spcBef>
@@ -13295,7 +13421,7 @@
             <a:endParaRPr sz="1600"/>
           </a:p>
           <a:p>
-            <a:pPr indent="-330200" lvl="0" marL="457200" rtl="0" algn="l">
+            <a:pPr marL="457200" lvl="0" indent="-330200" algn="l" rtl="0">
               <a:spcBef>
                 <a:spcPts val="0"/>
               </a:spcBef>
@@ -13312,7 +13438,7 @@
             <a:endParaRPr sz="1600"/>
           </a:p>
           <a:p>
-            <a:pPr indent="-330200" lvl="0" marL="457200" rtl="0" algn="l">
+            <a:pPr marL="457200" lvl="0" indent="-330200" algn="l" rtl="0">
               <a:spcBef>
                 <a:spcPts val="0"/>
               </a:spcBef>
@@ -13329,7 +13455,7 @@
             <a:endParaRPr sz="1600"/>
           </a:p>
           <a:p>
-            <a:pPr indent="-330200" lvl="0" marL="457200" rtl="0" algn="l">
+            <a:pPr marL="457200" lvl="0" indent="-330200" algn="l" rtl="0">
               <a:spcBef>
                 <a:spcPts val="0"/>
               </a:spcBef>
@@ -13356,7 +13482,288 @@
 </file>
 
 <file path=ppt/theme/theme1.xml><?xml version="1.0" encoding="utf-8"?>
-<a:theme xmlns:a="http://schemas.openxmlformats.org/drawingml/2006/main" xmlns:r="http://schemas.openxmlformats.org/officeDocument/2006/relationships">
+<a:theme xmlns:a="http://schemas.openxmlformats.org/drawingml/2006/main" name="Focus">
+  <a:themeElements>
+    <a:clrScheme name="Focus">
+      <a:dk1>
+        <a:srgbClr val="1B212C"/>
+      </a:dk1>
+      <a:lt1>
+        <a:srgbClr val="FFFFFF"/>
+      </a:lt1>
+      <a:dk2>
+        <a:srgbClr val="D9D9D9"/>
+      </a:dk2>
+      <a:lt2>
+        <a:srgbClr val="82C7A5"/>
+      </a:lt2>
+      <a:accent1>
+        <a:srgbClr val="0145AC"/>
+      </a:accent1>
+      <a:accent2>
+        <a:srgbClr val="EECE1A"/>
+      </a:accent2>
+      <a:accent3>
+        <a:srgbClr val="4E5567"/>
+      </a:accent3>
+      <a:accent4>
+        <a:srgbClr val="F4D6AD"/>
+      </a:accent4>
+      <a:accent5>
+        <a:srgbClr val="7890CD"/>
+      </a:accent5>
+      <a:accent6>
+        <a:srgbClr val="F15E22"/>
+      </a:accent6>
+      <a:hlink>
+        <a:srgbClr val="7890CD"/>
+      </a:hlink>
+      <a:folHlink>
+        <a:srgbClr val="7890CD"/>
+      </a:folHlink>
+    </a:clrScheme>
+    <a:fontScheme name="Office">
+      <a:majorFont>
+        <a:latin typeface="Arial"/>
+        <a:ea typeface=""/>
+        <a:cs typeface=""/>
+        <a:font script="Jpan" typeface="ＭＳ Ｐゴシック"/>
+        <a:font script="Hang" typeface="맑은 고딕"/>
+        <a:font script="Hans" typeface="宋体"/>
+        <a:font script="Hant" typeface="新細明體"/>
+        <a:font script="Arab" typeface="Times New Roman"/>
+        <a:font script="Hebr" typeface="Times New Roman"/>
+        <a:font script="Thai" typeface="Angsana New"/>
+        <a:font script="Ethi" typeface="Nyala"/>
+        <a:font script="Beng" typeface="Vrinda"/>
+        <a:font script="Gujr" typeface="Shruti"/>
+        <a:font script="Khmr" typeface="MoolBoran"/>
+        <a:font script="Knda" typeface="Tunga"/>
+        <a:font script="Guru" typeface="Raavi"/>
+        <a:font script="Cans" typeface="Euphemia"/>
+        <a:font script="Cher" typeface="Plantagenet Cherokee"/>
+        <a:font script="Yiii" typeface="Microsoft Yi Baiti"/>
+        <a:font script="Tibt" typeface="Microsoft Himalaya"/>
+        <a:font script="Thaa" typeface="MV Boli"/>
+        <a:font script="Deva" typeface="Mangal"/>
+        <a:font script="Telu" typeface="Gautami"/>
+        <a:font script="Taml" typeface="Latha"/>
+        <a:font script="Syrc" typeface="Estrangelo Edessa"/>
+        <a:font script="Orya" typeface="Kalinga"/>
+        <a:font script="Mlym" typeface="Kartika"/>
+        <a:font script="Laoo" typeface="DokChampa"/>
+        <a:font script="Sinh" typeface="Iskoola Pota"/>
+        <a:font script="Mong" typeface="Mongolian Baiti"/>
+        <a:font script="Viet" typeface="Times New Roman"/>
+        <a:font script="Uigh" typeface="Microsoft Uighur"/>
+        <a:font script="Geor" typeface="Sylfaen"/>
+      </a:majorFont>
+      <a:minorFont>
+        <a:latin typeface="Arial"/>
+        <a:ea typeface=""/>
+        <a:cs typeface=""/>
+        <a:font script="Jpan" typeface="ＭＳ Ｐゴシック"/>
+        <a:font script="Hang" typeface="맑은 고딕"/>
+        <a:font script="Hans" typeface="宋体"/>
+        <a:font script="Hant" typeface="新細明體"/>
+        <a:font script="Arab" typeface="Arial"/>
+        <a:font script="Hebr" typeface="Arial"/>
+        <a:font script="Thai" typeface="Cordia New"/>
+        <a:font script="Ethi" typeface="Nyala"/>
+        <a:font script="Beng" typeface="Vrinda"/>
+        <a:font script="Gujr" typeface="Shruti"/>
+        <a:font script="Khmr" typeface="DaunPenh"/>
+        <a:font script="Knda" typeface="Tunga"/>
+        <a:font script="Guru" typeface="Raavi"/>
+        <a:font script="Cans" typeface="Euphemia"/>
+        <a:font script="Cher" typeface="Plantagenet Cherokee"/>
+        <a:font script="Yiii" typeface="Microsoft Yi Baiti"/>
+        <a:font script="Tibt" typeface="Microsoft Himalaya"/>
+        <a:font script="Thaa" typeface="MV Boli"/>
+        <a:font script="Deva" typeface="Mangal"/>
+        <a:font script="Telu" typeface="Gautami"/>
+        <a:font script="Taml" typeface="Latha"/>
+        <a:font script="Syrc" typeface="Estrangelo Edessa"/>
+        <a:font script="Orya" typeface="Kalinga"/>
+        <a:font script="Mlym" typeface="Kartika"/>
+        <a:font script="Laoo" typeface="DokChampa"/>
+        <a:font script="Sinh" typeface="Iskoola Pota"/>
+        <a:font script="Mong" typeface="Mongolian Baiti"/>
+        <a:font script="Viet" typeface="Arial"/>
+        <a:font script="Uigh" typeface="Microsoft Uighur"/>
+        <a:font script="Geor" typeface="Sylfaen"/>
+      </a:minorFont>
+    </a:fontScheme>
+    <a:fmtScheme name="Office">
+      <a:fillStyleLst>
+        <a:solidFill>
+          <a:schemeClr val="phClr"/>
+        </a:solidFill>
+        <a:gradFill rotWithShape="1">
+          <a:gsLst>
+            <a:gs pos="0">
+              <a:schemeClr val="phClr">
+                <a:tint val="50000"/>
+                <a:satMod val="300000"/>
+              </a:schemeClr>
+            </a:gs>
+            <a:gs pos="35000">
+              <a:schemeClr val="phClr">
+                <a:tint val="37000"/>
+                <a:satMod val="300000"/>
+              </a:schemeClr>
+            </a:gs>
+            <a:gs pos="100000">
+              <a:schemeClr val="phClr">
+                <a:tint val="15000"/>
+                <a:satMod val="350000"/>
+              </a:schemeClr>
+            </a:gs>
+          </a:gsLst>
+          <a:lin ang="16200000" scaled="1"/>
+        </a:gradFill>
+        <a:gradFill rotWithShape="1">
+          <a:gsLst>
+            <a:gs pos="0">
+              <a:schemeClr val="phClr">
+                <a:tint val="100000"/>
+                <a:shade val="100000"/>
+                <a:satMod val="130000"/>
+              </a:schemeClr>
+            </a:gs>
+            <a:gs pos="100000">
+              <a:schemeClr val="phClr">
+                <a:tint val="50000"/>
+                <a:shade val="100000"/>
+                <a:satMod val="350000"/>
+              </a:schemeClr>
+            </a:gs>
+          </a:gsLst>
+          <a:lin ang="16200000" scaled="0"/>
+        </a:gradFill>
+      </a:fillStyleLst>
+      <a:lnStyleLst>
+        <a:ln w="9525" cap="flat" cmpd="sng" algn="ctr">
+          <a:solidFill>
+            <a:schemeClr val="phClr">
+              <a:shade val="95000"/>
+              <a:satMod val="105000"/>
+            </a:schemeClr>
+          </a:solidFill>
+          <a:prstDash val="solid"/>
+        </a:ln>
+        <a:ln w="25400" cap="flat" cmpd="sng" algn="ctr">
+          <a:solidFill>
+            <a:schemeClr val="phClr"/>
+          </a:solidFill>
+          <a:prstDash val="solid"/>
+        </a:ln>
+        <a:ln w="38100" cap="flat" cmpd="sng" algn="ctr">
+          <a:solidFill>
+            <a:schemeClr val="phClr"/>
+          </a:solidFill>
+          <a:prstDash val="solid"/>
+        </a:ln>
+      </a:lnStyleLst>
+      <a:effectStyleLst>
+        <a:effectStyle>
+          <a:effectLst>
+            <a:outerShdw blurRad="40000" dist="20000" dir="5400000" rotWithShape="0">
+              <a:srgbClr val="000000">
+                <a:alpha val="38000"/>
+              </a:srgbClr>
+            </a:outerShdw>
+          </a:effectLst>
+        </a:effectStyle>
+        <a:effectStyle>
+          <a:effectLst>
+            <a:outerShdw blurRad="40000" dist="23000" dir="5400000" rotWithShape="0">
+              <a:srgbClr val="000000">
+                <a:alpha val="35000"/>
+              </a:srgbClr>
+            </a:outerShdw>
+          </a:effectLst>
+        </a:effectStyle>
+        <a:effectStyle>
+          <a:effectLst>
+            <a:outerShdw blurRad="40000" dist="23000" dir="5400000" rotWithShape="0">
+              <a:srgbClr val="000000">
+                <a:alpha val="35000"/>
+              </a:srgbClr>
+            </a:outerShdw>
+          </a:effectLst>
+          <a:scene3d>
+            <a:camera prst="orthographicFront">
+              <a:rot lat="0" lon="0" rev="0"/>
+            </a:camera>
+            <a:lightRig rig="threePt" dir="t">
+              <a:rot lat="0" lon="0" rev="1200000"/>
+            </a:lightRig>
+          </a:scene3d>
+          <a:sp3d>
+            <a:bevelT w="63500" h="25400"/>
+          </a:sp3d>
+        </a:effectStyle>
+      </a:effectStyleLst>
+      <a:bgFillStyleLst>
+        <a:solidFill>
+          <a:schemeClr val="phClr"/>
+        </a:solidFill>
+        <a:gradFill rotWithShape="1">
+          <a:gsLst>
+            <a:gs pos="0">
+              <a:schemeClr val="phClr">
+                <a:tint val="40000"/>
+                <a:satMod val="350000"/>
+              </a:schemeClr>
+            </a:gs>
+            <a:gs pos="40000">
+              <a:schemeClr val="phClr">
+                <a:tint val="45000"/>
+                <a:shade val="99000"/>
+                <a:satMod val="350000"/>
+              </a:schemeClr>
+            </a:gs>
+            <a:gs pos="100000">
+              <a:schemeClr val="phClr">
+                <a:shade val="20000"/>
+                <a:satMod val="255000"/>
+              </a:schemeClr>
+            </a:gs>
+          </a:gsLst>
+          <a:path path="circle">
+            <a:fillToRect l="50000" t="-80000" r="50000" b="180000"/>
+          </a:path>
+        </a:gradFill>
+        <a:gradFill rotWithShape="1">
+          <a:gsLst>
+            <a:gs pos="0">
+              <a:schemeClr val="phClr">
+                <a:tint val="80000"/>
+                <a:satMod val="300000"/>
+              </a:schemeClr>
+            </a:gs>
+            <a:gs pos="100000">
+              <a:schemeClr val="phClr">
+                <a:shade val="30000"/>
+                <a:satMod val="200000"/>
+              </a:schemeClr>
+            </a:gs>
+          </a:gsLst>
+          <a:path path="circle">
+            <a:fillToRect l="50000" t="50000" r="50000" b="50000"/>
+          </a:path>
+        </a:gradFill>
+      </a:bgFillStyleLst>
+    </a:fmtScheme>
+  </a:themeElements>
+  <a:objectDefaults/>
+  <a:extraClrSchemeLst/>
+</a:theme>
+</file>
+
+<file path=ppt/theme/theme2.xml><?xml version="1.0" encoding="utf-8"?>
+<a:theme xmlns:a="http://schemas.openxmlformats.org/drawingml/2006/main">
   <a:themeElements>
     <a:clrScheme name="Default">
       <a:dk1>
@@ -13631,284 +14038,7 @@
       </a:bgFillStyleLst>
     </a:fmtScheme>
   </a:themeElements>
-</a:theme>
-</file>
-
-<file path=ppt/theme/theme2.xml><?xml version="1.0" encoding="utf-8"?>
-<a:theme xmlns:a="http://schemas.openxmlformats.org/drawingml/2006/main" xmlns:r="http://schemas.openxmlformats.org/officeDocument/2006/relationships" name="Focus">
-  <a:themeElements>
-    <a:clrScheme name="Focus">
-      <a:dk1>
-        <a:srgbClr val="1B212C"/>
-      </a:dk1>
-      <a:lt1>
-        <a:srgbClr val="FFFFFF"/>
-      </a:lt1>
-      <a:dk2>
-        <a:srgbClr val="D9D9D9"/>
-      </a:dk2>
-      <a:lt2>
-        <a:srgbClr val="82C7A5"/>
-      </a:lt2>
-      <a:accent1>
-        <a:srgbClr val="0145AC"/>
-      </a:accent1>
-      <a:accent2>
-        <a:srgbClr val="EECE1A"/>
-      </a:accent2>
-      <a:accent3>
-        <a:srgbClr val="4E5567"/>
-      </a:accent3>
-      <a:accent4>
-        <a:srgbClr val="F4D6AD"/>
-      </a:accent4>
-      <a:accent5>
-        <a:srgbClr val="7890CD"/>
-      </a:accent5>
-      <a:accent6>
-        <a:srgbClr val="F15E22"/>
-      </a:accent6>
-      <a:hlink>
-        <a:srgbClr val="7890CD"/>
-      </a:hlink>
-      <a:folHlink>
-        <a:srgbClr val="7890CD"/>
-      </a:folHlink>
-    </a:clrScheme>
-    <a:fontScheme name="Office">
-      <a:majorFont>
-        <a:latin typeface="Arial"/>
-        <a:ea typeface=""/>
-        <a:cs typeface=""/>
-        <a:font script="Jpan" typeface="ＭＳ Ｐゴシック"/>
-        <a:font script="Hang" typeface="맑은 고딕"/>
-        <a:font script="Hans" typeface="宋体"/>
-        <a:font script="Hant" typeface="新細明體"/>
-        <a:font script="Arab" typeface="Times New Roman"/>
-        <a:font script="Hebr" typeface="Times New Roman"/>
-        <a:font script="Thai" typeface="Angsana New"/>
-        <a:font script="Ethi" typeface="Nyala"/>
-        <a:font script="Beng" typeface="Vrinda"/>
-        <a:font script="Gujr" typeface="Shruti"/>
-        <a:font script="Khmr" typeface="MoolBoran"/>
-        <a:font script="Knda" typeface="Tunga"/>
-        <a:font script="Guru" typeface="Raavi"/>
-        <a:font script="Cans" typeface="Euphemia"/>
-        <a:font script="Cher" typeface="Plantagenet Cherokee"/>
-        <a:font script="Yiii" typeface="Microsoft Yi Baiti"/>
-        <a:font script="Tibt" typeface="Microsoft Himalaya"/>
-        <a:font script="Thaa" typeface="MV Boli"/>
-        <a:font script="Deva" typeface="Mangal"/>
-        <a:font script="Telu" typeface="Gautami"/>
-        <a:font script="Taml" typeface="Latha"/>
-        <a:font script="Syrc" typeface="Estrangelo Edessa"/>
-        <a:font script="Orya" typeface="Kalinga"/>
-        <a:font script="Mlym" typeface="Kartika"/>
-        <a:font script="Laoo" typeface="DokChampa"/>
-        <a:font script="Sinh" typeface="Iskoola Pota"/>
-        <a:font script="Mong" typeface="Mongolian Baiti"/>
-        <a:font script="Viet" typeface="Times New Roman"/>
-        <a:font script="Uigh" typeface="Microsoft Uighur"/>
-        <a:font script="Geor" typeface="Sylfaen"/>
-      </a:majorFont>
-      <a:minorFont>
-        <a:latin typeface="Arial"/>
-        <a:ea typeface=""/>
-        <a:cs typeface=""/>
-        <a:font script="Jpan" typeface="ＭＳ Ｐゴシック"/>
-        <a:font script="Hang" typeface="맑은 고딕"/>
-        <a:font script="Hans" typeface="宋体"/>
-        <a:font script="Hant" typeface="新細明體"/>
-        <a:font script="Arab" typeface="Arial"/>
-        <a:font script="Hebr" typeface="Arial"/>
-        <a:font script="Thai" typeface="Cordia New"/>
-        <a:font script="Ethi" typeface="Nyala"/>
-        <a:font script="Beng" typeface="Vrinda"/>
-        <a:font script="Gujr" typeface="Shruti"/>
-        <a:font script="Khmr" typeface="DaunPenh"/>
-        <a:font script="Knda" typeface="Tunga"/>
-        <a:font script="Guru" typeface="Raavi"/>
-        <a:font script="Cans" typeface="Euphemia"/>
-        <a:font script="Cher" typeface="Plantagenet Cherokee"/>
-        <a:font script="Yiii" typeface="Microsoft Yi Baiti"/>
-        <a:font script="Tibt" typeface="Microsoft Himalaya"/>
-        <a:font script="Thaa" typeface="MV Boli"/>
-        <a:font script="Deva" typeface="Mangal"/>
-        <a:font script="Telu" typeface="Gautami"/>
-        <a:font script="Taml" typeface="Latha"/>
-        <a:font script="Syrc" typeface="Estrangelo Edessa"/>
-        <a:font script="Orya" typeface="Kalinga"/>
-        <a:font script="Mlym" typeface="Kartika"/>
-        <a:font script="Laoo" typeface="DokChampa"/>
-        <a:font script="Sinh" typeface="Iskoola Pota"/>
-        <a:font script="Mong" typeface="Mongolian Baiti"/>
-        <a:font script="Viet" typeface="Arial"/>
-        <a:font script="Uigh" typeface="Microsoft Uighur"/>
-        <a:font script="Geor" typeface="Sylfaen"/>
-      </a:minorFont>
-    </a:fontScheme>
-    <a:fmtScheme name="Office">
-      <a:fillStyleLst>
-        <a:solidFill>
-          <a:schemeClr val="phClr"/>
-        </a:solidFill>
-        <a:gradFill rotWithShape="1">
-          <a:gsLst>
-            <a:gs pos="0">
-              <a:schemeClr val="phClr">
-                <a:tint val="50000"/>
-                <a:satMod val="300000"/>
-              </a:schemeClr>
-            </a:gs>
-            <a:gs pos="35000">
-              <a:schemeClr val="phClr">
-                <a:tint val="37000"/>
-                <a:satMod val="300000"/>
-              </a:schemeClr>
-            </a:gs>
-            <a:gs pos="100000">
-              <a:schemeClr val="phClr">
-                <a:tint val="15000"/>
-                <a:satMod val="350000"/>
-              </a:schemeClr>
-            </a:gs>
-          </a:gsLst>
-          <a:lin ang="16200000" scaled="1"/>
-        </a:gradFill>
-        <a:gradFill rotWithShape="1">
-          <a:gsLst>
-            <a:gs pos="0">
-              <a:schemeClr val="phClr">
-                <a:tint val="100000"/>
-                <a:shade val="100000"/>
-                <a:satMod val="130000"/>
-              </a:schemeClr>
-            </a:gs>
-            <a:gs pos="100000">
-              <a:schemeClr val="phClr">
-                <a:tint val="50000"/>
-                <a:shade val="100000"/>
-                <a:satMod val="350000"/>
-              </a:schemeClr>
-            </a:gs>
-          </a:gsLst>
-          <a:lin ang="16200000" scaled="0"/>
-        </a:gradFill>
-      </a:fillStyleLst>
-      <a:lnStyleLst>
-        <a:ln w="9525" cap="flat" cmpd="sng" algn="ctr">
-          <a:solidFill>
-            <a:schemeClr val="phClr">
-              <a:shade val="95000"/>
-              <a:satMod val="105000"/>
-            </a:schemeClr>
-          </a:solidFill>
-          <a:prstDash val="solid"/>
-        </a:ln>
-        <a:ln w="25400" cap="flat" cmpd="sng" algn="ctr">
-          <a:solidFill>
-            <a:schemeClr val="phClr"/>
-          </a:solidFill>
-          <a:prstDash val="solid"/>
-        </a:ln>
-        <a:ln w="38100" cap="flat" cmpd="sng" algn="ctr">
-          <a:solidFill>
-            <a:schemeClr val="phClr"/>
-          </a:solidFill>
-          <a:prstDash val="solid"/>
-        </a:ln>
-      </a:lnStyleLst>
-      <a:effectStyleLst>
-        <a:effectStyle>
-          <a:effectLst>
-            <a:outerShdw blurRad="40000" dist="20000" dir="5400000" rotWithShape="0">
-              <a:srgbClr val="000000">
-                <a:alpha val="38000"/>
-              </a:srgbClr>
-            </a:outerShdw>
-          </a:effectLst>
-        </a:effectStyle>
-        <a:effectStyle>
-          <a:effectLst>
-            <a:outerShdw blurRad="40000" dist="23000" dir="5400000" rotWithShape="0">
-              <a:srgbClr val="000000">
-                <a:alpha val="35000"/>
-              </a:srgbClr>
-            </a:outerShdw>
-          </a:effectLst>
-        </a:effectStyle>
-        <a:effectStyle>
-          <a:effectLst>
-            <a:outerShdw blurRad="40000" dist="23000" dir="5400000" rotWithShape="0">
-              <a:srgbClr val="000000">
-                <a:alpha val="35000"/>
-              </a:srgbClr>
-            </a:outerShdw>
-          </a:effectLst>
-          <a:scene3d>
-            <a:camera prst="orthographicFront">
-              <a:rot lat="0" lon="0" rev="0"/>
-            </a:camera>
-            <a:lightRig rig="threePt" dir="t">
-              <a:rot lat="0" lon="0" rev="1200000"/>
-            </a:lightRig>
-          </a:scene3d>
-          <a:sp3d>
-            <a:bevelT w="63500" h="25400"/>
-          </a:sp3d>
-        </a:effectStyle>
-      </a:effectStyleLst>
-      <a:bgFillStyleLst>
-        <a:solidFill>
-          <a:schemeClr val="phClr"/>
-        </a:solidFill>
-        <a:gradFill rotWithShape="1">
-          <a:gsLst>
-            <a:gs pos="0">
-              <a:schemeClr val="phClr">
-                <a:tint val="40000"/>
-                <a:satMod val="350000"/>
-              </a:schemeClr>
-            </a:gs>
-            <a:gs pos="40000">
-              <a:schemeClr val="phClr">
-                <a:tint val="45000"/>
-                <a:shade val="99000"/>
-                <a:satMod val="350000"/>
-              </a:schemeClr>
-            </a:gs>
-            <a:gs pos="100000">
-              <a:schemeClr val="phClr">
-                <a:shade val="20000"/>
-                <a:satMod val="255000"/>
-              </a:schemeClr>
-            </a:gs>
-          </a:gsLst>
-          <a:path path="circle">
-            <a:fillToRect l="50000" t="-80000" r="50000" b="180000"/>
-          </a:path>
-        </a:gradFill>
-        <a:gradFill rotWithShape="1">
-          <a:gsLst>
-            <a:gs pos="0">
-              <a:schemeClr val="phClr">
-                <a:tint val="80000"/>
-                <a:satMod val="300000"/>
-              </a:schemeClr>
-            </a:gs>
-            <a:gs pos="100000">
-              <a:schemeClr val="phClr">
-                <a:shade val="30000"/>
-                <a:satMod val="200000"/>
-              </a:schemeClr>
-            </a:gs>
-          </a:gsLst>
-          <a:path path="circle">
-            <a:fillToRect l="50000" t="50000" r="50000" b="50000"/>
-          </a:path>
-        </a:gradFill>
-      </a:bgFillStyleLst>
-    </a:fmtScheme>
-  </a:themeElements>
+  <a:objectDefaults/>
+  <a:extraClrSchemeLst/>
 </a:theme>
 </file>